--- a/04 RGB-to-Spectra using PCA/Activity 4 - RGB-Spectra using PCA.pptx
+++ b/04 RGB-to-Spectra using PCA/Activity 4 - RGB-Spectra using PCA.pptx
@@ -5,14 +5,15 @@
     <p:sldMasterId id="2147483660" r:id="rId1"/>
   </p:sldMasterIdLst>
   <p:notesMasterIdLst>
-    <p:notesMasterId r:id="rId7"/>
+    <p:notesMasterId r:id="rId8"/>
   </p:notesMasterIdLst>
   <p:sldIdLst>
     <p:sldId id="256" r:id="rId2"/>
     <p:sldId id="257" r:id="rId3"/>
     <p:sldId id="258" r:id="rId4"/>
     <p:sldId id="260" r:id="rId5"/>
-    <p:sldId id="259" r:id="rId6"/>
+    <p:sldId id="261" r:id="rId6"/>
+    <p:sldId id="259" r:id="rId7"/>
   </p:sldIdLst>
   <p:sldSz cx="9144000" cy="6858000" type="screen4x3"/>
   <p:notesSz cx="6858000" cy="9144000"/>
@@ -2784,7 +2785,7 @@
           <a:p>
             <a:fld id="{5C1B11F4-4A81-4A1F-8746-8659FC968F94}" type="datetimeFigureOut">
               <a:rPr lang="en-US" smtClean="0"/>
-              <a:t>5/28/2022</a:t>
+              <a:t>5/30/2022</a:t>
             </a:fld>
             <a:endParaRPr lang="en-US"/>
           </a:p>
@@ -5354,7 +5355,7 @@
         <p:fade/>
       </p:transition>
     </mc:Choice>
-    <mc:Fallback xmlns="" xmlns:mv="urn:schemas-microsoft-com:mac:vml" xmlns:c="http://schemas.openxmlformats.org/drawingml/2006/chart" xmlns:dgm="http://schemas.openxmlformats.org/drawingml/2006/diagram" xmlns:o="urn:schemas-microsoft-com:office:office" xmlns:v="urn:schemas-microsoft-com:vml" xmlns:pvml="urn:schemas-microsoft-com:office:powerpoint" xmlns:com="http://schemas.openxmlformats.org/drawingml/2006/compatibility" xmlns:p15="http://schemas.microsoft.com/office/powerpoint/2012/main" xmlns:ahyp="http://schemas.microsoft.com/office/drawing/2018/hyperlinkcolor">
+    <mc:Fallback xmlns:ahyp="http://schemas.microsoft.com/office/drawing/2018/hyperlinkcolor" xmlns:p15="http://schemas.microsoft.com/office/powerpoint/2012/main" xmlns:com="http://schemas.openxmlformats.org/drawingml/2006/compatibility" xmlns:pvml="urn:schemas-microsoft-com:office:powerpoint" xmlns:v="urn:schemas-microsoft-com:vml" xmlns:o="urn:schemas-microsoft-com:office:office" xmlns:dgm="http://schemas.openxmlformats.org/drawingml/2006/diagram" xmlns:c="http://schemas.openxmlformats.org/drawingml/2006/chart" xmlns:mv="urn:schemas-microsoft-com:mac:vml" xmlns="">
       <p:transition>
         <p:fade/>
       </p:transition>
@@ -7718,7 +7719,7 @@
         <p:fade/>
       </p:transition>
     </mc:Choice>
-    <mc:Fallback xmlns="" xmlns:mv="urn:schemas-microsoft-com:mac:vml" xmlns:c="http://schemas.openxmlformats.org/drawingml/2006/chart" xmlns:dgm="http://schemas.openxmlformats.org/drawingml/2006/diagram" xmlns:o="urn:schemas-microsoft-com:office:office" xmlns:v="urn:schemas-microsoft-com:vml" xmlns:pvml="urn:schemas-microsoft-com:office:powerpoint" xmlns:com="http://schemas.openxmlformats.org/drawingml/2006/compatibility" xmlns:p15="http://schemas.microsoft.com/office/powerpoint/2012/main" xmlns:ahyp="http://schemas.microsoft.com/office/drawing/2018/hyperlinkcolor">
+    <mc:Fallback xmlns:ahyp="http://schemas.microsoft.com/office/drawing/2018/hyperlinkcolor" xmlns:p15="http://schemas.microsoft.com/office/powerpoint/2012/main" xmlns:com="http://schemas.openxmlformats.org/drawingml/2006/compatibility" xmlns:pvml="urn:schemas-microsoft-com:office:powerpoint" xmlns:v="urn:schemas-microsoft-com:vml" xmlns:o="urn:schemas-microsoft-com:office:office" xmlns:dgm="http://schemas.openxmlformats.org/drawingml/2006/diagram" xmlns:c="http://schemas.openxmlformats.org/drawingml/2006/chart" xmlns:mv="urn:schemas-microsoft-com:mac:vml" xmlns="">
       <p:transition>
         <p:fade/>
       </p:transition>
@@ -7744,8 +7745,8 @@
           <a:chExt cx="0" cy="0"/>
         </a:xfrm>
       </p:grpSpPr>
-      <mc:AlternateContent xmlns:mc="http://schemas.openxmlformats.org/markup-compatibility/2006">
-        <mc:Choice xmlns:a14="http://schemas.microsoft.com/office/drawing/2010/main" Requires="a14">
+      <mc:AlternateContent xmlns:mc="http://schemas.openxmlformats.org/markup-compatibility/2006" xmlns:a14="http://schemas.microsoft.com/office/drawing/2010/main">
+        <mc:Choice Requires="a14">
           <p:sp>
             <p:nvSpPr>
               <p:cNvPr id="3" name="Content Placeholder 2">
@@ -8241,7 +8242,7 @@
             </p:txBody>
           </p:sp>
         </mc:Choice>
-        <mc:Fallback>
+        <mc:Fallback xmlns="">
           <p:sp>
             <p:nvSpPr>
               <p:cNvPr id="3" name="Content Placeholder 2">
@@ -8397,8 +8398,8 @@
           <a:chExt cx="0" cy="0"/>
         </a:xfrm>
       </p:grpSpPr>
-      <mc:AlternateContent xmlns:mc="http://schemas.openxmlformats.org/markup-compatibility/2006">
-        <mc:Choice xmlns:a14="http://schemas.microsoft.com/office/drawing/2010/main" Requires="a14">
+      <mc:AlternateContent xmlns:mc="http://schemas.openxmlformats.org/markup-compatibility/2006" xmlns:a14="http://schemas.microsoft.com/office/drawing/2010/main">
+        <mc:Choice Requires="a14">
           <p:sp>
             <p:nvSpPr>
               <p:cNvPr id="3" name="Content Placeholder 2">
@@ -11224,7 +11225,7 @@
                           <m:begChr m:val="["/>
                           <m:endChr m:val="]"/>
                           <m:ctrlPr>
-                            <a:rPr lang="en-US" sz="2000" dirty="0" smtClean="0">
+                            <a:rPr lang="en-US" sz="2000" i="1" dirty="0" smtClean="0">
                               <a:solidFill>
                                 <a:schemeClr val="tx1"/>
                               </a:solidFill>
@@ -11245,7 +11246,7 @@
                                 </m:mc>
                               </m:mcs>
                               <m:ctrlPr>
-                                <a:rPr lang="en-US" sz="2000" dirty="0">
+                                <a:rPr lang="en-US" sz="2000" i="1" dirty="0">
                                   <a:solidFill>
                                     <a:schemeClr val="tx1"/>
                                   </a:solidFill>
@@ -11258,7 +11259,7 @@
                                 <m:sSub>
                                   <m:sSubPr>
                                     <m:ctrlPr>
-                                      <a:rPr lang="en-US" sz="2000" dirty="0">
+                                      <a:rPr lang="en-US" sz="2000" i="1" dirty="0">
                                         <a:solidFill>
                                           <a:schemeClr val="tx1"/>
                                         </a:solidFill>
@@ -11498,7 +11499,7 @@
                       <m:sSup>
                         <m:sSupPr>
                           <m:ctrlPr>
-                            <a:rPr lang="en-US" sz="2000" b="1" smtClean="0">
+                            <a:rPr lang="en-US" sz="2000" b="1" i="1" smtClean="0">
                               <a:solidFill>
                                 <a:schemeClr val="tx1"/>
                               </a:solidFill>
@@ -11510,7 +11511,7 @@
                           <m:d>
                             <m:dPr>
                               <m:ctrlPr>
-                                <a:rPr lang="en-US" sz="2000" b="1" smtClean="0">
+                                <a:rPr lang="en-US" sz="2000" b="1" i="1" smtClean="0">
                                   <a:solidFill>
                                     <a:schemeClr val="tx1"/>
                                   </a:solidFill>
@@ -11522,7 +11523,7 @@
                               <m:sSup>
                                 <m:sSupPr>
                                   <m:ctrlPr>
-                                    <a:rPr lang="en-US" sz="2000" b="1" smtClean="0">
+                                    <a:rPr lang="en-US" sz="2000" b="1" i="1" smtClean="0">
                                       <a:solidFill>
                                         <a:schemeClr val="tx1"/>
                                       </a:solidFill>
@@ -11589,7 +11590,7 @@
                       <m:sSup>
                         <m:sSupPr>
                           <m:ctrlPr>
-                            <a:rPr lang="en-US" sz="2000" b="1" smtClean="0">
+                            <a:rPr lang="en-US" sz="2000" b="1" i="1" smtClean="0">
                               <a:solidFill>
                                 <a:schemeClr val="tx1"/>
                               </a:solidFill>
@@ -11642,7 +11643,7 @@
             </p:txBody>
           </p:sp>
         </mc:Choice>
-        <mc:Fallback>
+        <mc:Fallback xmlns="">
           <p:sp>
             <p:nvSpPr>
               <p:cNvPr id="3" name="Content Placeholder 2">
@@ -11803,6 +11804,158 @@
           <p:cNvPr id="2" name="Footer Placeholder 1">
             <a:extLst>
               <a:ext uri="{FF2B5EF4-FFF2-40B4-BE49-F238E27FC236}">
+                <a16:creationId xmlns:a16="http://schemas.microsoft.com/office/drawing/2014/main" id="{E86FC62A-4AC3-56F8-BA73-4202EEF4652C}"/>
+              </a:ext>
+            </a:extLst>
+          </p:cNvPr>
+          <p:cNvSpPr>
+            <a:spLocks noGrp="1"/>
+          </p:cNvSpPr>
+          <p:nvPr>
+            <p:ph type="ftr" sz="quarter" idx="11"/>
+          </p:nvPr>
+        </p:nvSpPr>
+        <p:spPr/>
+        <p:txBody>
+          <a:bodyPr/>
+          <a:lstStyle/>
+          <a:p>
+            <a:r>
+              <a:rPr lang="en-US"/>
+              <a:t>Physics 301 - Advanced Signal and Image Processing</a:t>
+            </a:r>
+            <a:endParaRPr lang="en-US" dirty="0"/>
+          </a:p>
+        </p:txBody>
+      </p:sp>
+      <p:sp>
+        <p:nvSpPr>
+          <p:cNvPr id="3" name="Title 2">
+            <a:extLst>
+              <a:ext uri="{FF2B5EF4-FFF2-40B4-BE49-F238E27FC236}">
+                <a16:creationId xmlns:a16="http://schemas.microsoft.com/office/drawing/2014/main" id="{17F3DD48-2E7C-147F-945A-7656543A2E4E}"/>
+              </a:ext>
+            </a:extLst>
+          </p:cNvPr>
+          <p:cNvSpPr>
+            <a:spLocks noGrp="1"/>
+          </p:cNvSpPr>
+          <p:nvPr>
+            <p:ph type="title"/>
+          </p:nvPr>
+        </p:nvSpPr>
+        <p:spPr/>
+        <p:txBody>
+          <a:bodyPr/>
+          <a:lstStyle/>
+          <a:p>
+            <a:r>
+              <a:rPr lang="en-US" dirty="0"/>
+              <a:t>Background</a:t>
+            </a:r>
+          </a:p>
+        </p:txBody>
+      </p:sp>
+      <p:sp>
+        <p:nvSpPr>
+          <p:cNvPr id="4" name="Content Placeholder 3">
+            <a:extLst>
+              <a:ext uri="{FF2B5EF4-FFF2-40B4-BE49-F238E27FC236}">
+                <a16:creationId xmlns:a16="http://schemas.microsoft.com/office/drawing/2014/main" id="{9E8851CC-F8DF-ABCF-0C79-3A6690DB36B9}"/>
+              </a:ext>
+            </a:extLst>
+          </p:cNvPr>
+          <p:cNvSpPr>
+            <a:spLocks noGrp="1"/>
+          </p:cNvSpPr>
+          <p:nvPr>
+            <p:ph idx="1"/>
+          </p:nvPr>
+        </p:nvSpPr>
+        <p:spPr/>
+        <p:txBody>
+          <a:bodyPr/>
+          <a:lstStyle/>
+          <a:p>
+            <a:r>
+              <a:rPr lang="en-US" dirty="0"/>
+              <a:t>Using Principal Components Analysis (PCA), an extensive ensemble can be reduced in terms of its dimensionality so that a few eigenspectral can closely represent the spectral reflectance of an input digital color. In this activity, a high-dimensional information shall be derived using three digital numbers of RGB in a technique called spectral super-resolution. The transformation matrix shall be calculated from the Munsell color chips ensemble and then, we attempt to recover the spectra of 24 </a:t>
+            </a:r>
+            <a:r>
+              <a:rPr lang="en-US" dirty="0" err="1"/>
+              <a:t>Macbetch</a:t>
+            </a:r>
+            <a:r>
+              <a:rPr lang="en-US" dirty="0"/>
+              <a:t> color patches.</a:t>
+            </a:r>
+          </a:p>
+        </p:txBody>
+      </p:sp>
+      <p:sp>
+        <p:nvSpPr>
+          <p:cNvPr id="5" name="Slide Number Placeholder 4">
+            <a:extLst>
+              <a:ext uri="{FF2B5EF4-FFF2-40B4-BE49-F238E27FC236}">
+                <a16:creationId xmlns:a16="http://schemas.microsoft.com/office/drawing/2014/main" id="{55439EE6-9B68-F0AC-5DED-838BE54ECF45}"/>
+              </a:ext>
+            </a:extLst>
+          </p:cNvPr>
+          <p:cNvSpPr>
+            <a:spLocks noGrp="1"/>
+          </p:cNvSpPr>
+          <p:nvPr>
+            <p:ph type="sldNum" sz="quarter" idx="12"/>
+          </p:nvPr>
+        </p:nvSpPr>
+        <p:spPr/>
+        <p:txBody>
+          <a:bodyPr/>
+          <a:lstStyle/>
+          <a:p>
+            <a:fld id="{8262CFD8-7A98-47E6-A2CC-B17DDA24BA0E}" type="slidenum">
+              <a:rPr lang="en-US" smtClean="0"/>
+              <a:t>5</a:t>
+            </a:fld>
+            <a:endParaRPr lang="en-US"/>
+          </a:p>
+        </p:txBody>
+      </p:sp>
+    </p:spTree>
+    <p:extLst>
+      <p:ext uri="{BB962C8B-B14F-4D97-AF65-F5344CB8AC3E}">
+        <p14:creationId xmlns:p14="http://schemas.microsoft.com/office/powerpoint/2010/main" val="2518545405"/>
+      </p:ext>
+    </p:extLst>
+  </p:cSld>
+  <p:clrMapOvr>
+    <a:masterClrMapping/>
+  </p:clrMapOvr>
+</p:sld>
+</file>
+
+<file path=ppt/slides/slide6.xml><?xml version="1.0" encoding="utf-8"?>
+<p:sld xmlns:a="http://schemas.openxmlformats.org/drawingml/2006/main" xmlns:r="http://schemas.openxmlformats.org/officeDocument/2006/relationships" xmlns:p="http://schemas.openxmlformats.org/presentationml/2006/main">
+  <p:cSld>
+    <p:spTree>
+      <p:nvGrpSpPr>
+        <p:cNvPr id="1" name=""/>
+        <p:cNvGrpSpPr/>
+        <p:nvPr/>
+      </p:nvGrpSpPr>
+      <p:grpSpPr>
+        <a:xfrm>
+          <a:off x="0" y="0"/>
+          <a:ext cx="0" cy="0"/>
+          <a:chOff x="0" y="0"/>
+          <a:chExt cx="0" cy="0"/>
+        </a:xfrm>
+      </p:grpSpPr>
+      <p:sp>
+        <p:nvSpPr>
+          <p:cNvPr id="2" name="Footer Placeholder 1">
+            <a:extLst>
+              <a:ext uri="{FF2B5EF4-FFF2-40B4-BE49-F238E27FC236}">
                 <a16:creationId xmlns:a16="http://schemas.microsoft.com/office/drawing/2014/main" id="{E4ED7B9E-A2B3-E683-E73D-47B6FC89216B}"/>
               </a:ext>
             </a:extLst>
@@ -11875,7 +12028,7 @@
           <a:p>
             <a:fld id="{8262CFD8-7A98-47E6-A2CC-B17DDA24BA0E}" type="slidenum">
               <a:rPr lang="en-US" smtClean="0"/>
-              <a:t>5</a:t>
+              <a:t>6</a:t>
             </a:fld>
             <a:endParaRPr lang="en-US"/>
           </a:p>

--- a/04 RGB-to-Spectra using PCA/Activity 4 - RGB-Spectra using PCA.pptx
+++ b/04 RGB-to-Spectra using PCA/Activity 4 - RGB-Spectra using PCA.pptx
@@ -5,7 +5,7 @@
     <p:sldMasterId id="2147483660" r:id="rId1"/>
   </p:sldMasterIdLst>
   <p:notesMasterIdLst>
-    <p:notesMasterId r:id="rId8"/>
+    <p:notesMasterId r:id="rId12"/>
   </p:notesMasterIdLst>
   <p:sldIdLst>
     <p:sldId id="256" r:id="rId2"/>
@@ -14,6 +14,10 @@
     <p:sldId id="260" r:id="rId5"/>
     <p:sldId id="261" r:id="rId6"/>
     <p:sldId id="259" r:id="rId7"/>
+    <p:sldId id="262" r:id="rId8"/>
+    <p:sldId id="263" r:id="rId9"/>
+    <p:sldId id="264" r:id="rId10"/>
+    <p:sldId id="265" r:id="rId11"/>
   </p:sldIdLst>
   <p:sldSz cx="9144000" cy="6858000" type="screen4x3"/>
   <p:notesSz cx="6858000" cy="9144000"/>
@@ -2785,7 +2789,7 @@
           <a:p>
             <a:fld id="{5C1B11F4-4A81-4A1F-8746-8659FC968F94}" type="datetimeFigureOut">
               <a:rPr lang="en-US" smtClean="0"/>
-              <a:t>5/30/2022</a:t>
+              <a:t>6/1/2022</a:t>
             </a:fld>
             <a:endParaRPr lang="en-US"/>
           </a:p>
@@ -5355,7 +5359,7 @@
         <p:fade/>
       </p:transition>
     </mc:Choice>
-    <mc:Fallback xmlns:ahyp="http://schemas.microsoft.com/office/drawing/2018/hyperlinkcolor" xmlns:p15="http://schemas.microsoft.com/office/powerpoint/2012/main" xmlns:com="http://schemas.openxmlformats.org/drawingml/2006/compatibility" xmlns:pvml="urn:schemas-microsoft-com:office:powerpoint" xmlns:v="urn:schemas-microsoft-com:vml" xmlns:o="urn:schemas-microsoft-com:office:office" xmlns:dgm="http://schemas.openxmlformats.org/drawingml/2006/diagram" xmlns:c="http://schemas.openxmlformats.org/drawingml/2006/chart" xmlns:mv="urn:schemas-microsoft-com:mac:vml" xmlns="">
+    <mc:Fallback xmlns="" xmlns:mv="urn:schemas-microsoft-com:mac:vml" xmlns:c="http://schemas.openxmlformats.org/drawingml/2006/chart" xmlns:dgm="http://schemas.openxmlformats.org/drawingml/2006/diagram" xmlns:o="urn:schemas-microsoft-com:office:office" xmlns:v="urn:schemas-microsoft-com:vml" xmlns:pvml="urn:schemas-microsoft-com:office:powerpoint" xmlns:com="http://schemas.openxmlformats.org/drawingml/2006/compatibility" xmlns:p15="http://schemas.microsoft.com/office/powerpoint/2012/main" xmlns:ahyp="http://schemas.microsoft.com/office/drawing/2018/hyperlinkcolor">
       <p:transition>
         <p:fade/>
       </p:transition>
@@ -7521,6 +7525,168 @@
 </p:sld>
 </file>
 
+<file path=ppt/slides/slide10.xml><?xml version="1.0" encoding="utf-8"?>
+<p:sld xmlns:a="http://schemas.openxmlformats.org/drawingml/2006/main" xmlns:r="http://schemas.openxmlformats.org/officeDocument/2006/relationships" xmlns:p="http://schemas.openxmlformats.org/presentationml/2006/main">
+  <p:cSld>
+    <p:spTree>
+      <p:nvGrpSpPr>
+        <p:cNvPr id="1" name=""/>
+        <p:cNvGrpSpPr/>
+        <p:nvPr/>
+      </p:nvGrpSpPr>
+      <p:grpSpPr>
+        <a:xfrm>
+          <a:off x="0" y="0"/>
+          <a:ext cx="0" cy="0"/>
+          <a:chOff x="0" y="0"/>
+          <a:chExt cx="0" cy="0"/>
+        </a:xfrm>
+      </p:grpSpPr>
+      <p:pic>
+        <p:nvPicPr>
+          <p:cNvPr id="5122" name="Picture 2">
+            <a:extLst>
+              <a:ext uri="{FF2B5EF4-FFF2-40B4-BE49-F238E27FC236}">
+                <a16:creationId xmlns:a16="http://schemas.microsoft.com/office/drawing/2014/main" id="{C1512642-5ED0-6B51-1852-7FB3782D4F83}"/>
+              </a:ext>
+            </a:extLst>
+          </p:cNvPr>
+          <p:cNvPicPr>
+            <a:picLocks noChangeAspect="1" noChangeArrowheads="1"/>
+          </p:cNvPicPr>
+          <p:nvPr/>
+        </p:nvPicPr>
+        <p:blipFill>
+          <a:blip r:embed="rId2">
+            <a:extLst>
+              <a:ext uri="{28A0092B-C50C-407E-A947-70E740481C1C}">
+                <a14:useLocalDpi xmlns:a14="http://schemas.microsoft.com/office/drawing/2010/main" val="0"/>
+              </a:ext>
+            </a:extLst>
+          </a:blip>
+          <a:srcRect/>
+          <a:stretch>
+            <a:fillRect/>
+          </a:stretch>
+        </p:blipFill>
+        <p:spPr bwMode="auto">
+          <a:xfrm>
+            <a:off x="457200" y="245588"/>
+            <a:ext cx="8229600" cy="6110763"/>
+          </a:xfrm>
+          <a:prstGeom prst="rect">
+            <a:avLst/>
+          </a:prstGeom>
+          <a:noFill/>
+          <a:extLst>
+            <a:ext uri="{909E8E84-426E-40DD-AFC4-6F175D3DCCD1}">
+              <a14:hiddenFill xmlns:a14="http://schemas.microsoft.com/office/drawing/2010/main">
+                <a:solidFill>
+                  <a:srgbClr val="FFFFFF"/>
+                </a:solidFill>
+              </a14:hiddenFill>
+            </a:ext>
+          </a:extLst>
+        </p:spPr>
+      </p:pic>
+      <p:sp>
+        <p:nvSpPr>
+          <p:cNvPr id="2" name="Title 1">
+            <a:extLst>
+              <a:ext uri="{FF2B5EF4-FFF2-40B4-BE49-F238E27FC236}">
+                <a16:creationId xmlns:a16="http://schemas.microsoft.com/office/drawing/2014/main" id="{CD83E2D5-4148-A13B-309D-D0C6BF1A6736}"/>
+              </a:ext>
+            </a:extLst>
+          </p:cNvPr>
+          <p:cNvSpPr>
+            <a:spLocks noGrp="1"/>
+          </p:cNvSpPr>
+          <p:nvPr>
+            <p:ph type="title"/>
+          </p:nvPr>
+        </p:nvSpPr>
+        <p:spPr/>
+        <p:txBody>
+          <a:bodyPr/>
+          <a:lstStyle/>
+          <a:p>
+            <a:r>
+              <a:rPr lang="en-US" dirty="0"/>
+              <a:t>Source: D65</a:t>
+            </a:r>
+          </a:p>
+        </p:txBody>
+      </p:sp>
+      <p:sp>
+        <p:nvSpPr>
+          <p:cNvPr id="3" name="Footer Placeholder 2">
+            <a:extLst>
+              <a:ext uri="{FF2B5EF4-FFF2-40B4-BE49-F238E27FC236}">
+                <a16:creationId xmlns:a16="http://schemas.microsoft.com/office/drawing/2014/main" id="{06614FB6-6680-D481-5A1F-50C8C76BF32D}"/>
+              </a:ext>
+            </a:extLst>
+          </p:cNvPr>
+          <p:cNvSpPr>
+            <a:spLocks noGrp="1"/>
+          </p:cNvSpPr>
+          <p:nvPr>
+            <p:ph type="ftr" sz="quarter" idx="11"/>
+          </p:nvPr>
+        </p:nvSpPr>
+        <p:spPr/>
+        <p:txBody>
+          <a:bodyPr/>
+          <a:lstStyle/>
+          <a:p>
+            <a:r>
+              <a:rPr lang="en-US"/>
+              <a:t>Physics 301 - Advanced Signal and Image Processing</a:t>
+            </a:r>
+          </a:p>
+        </p:txBody>
+      </p:sp>
+      <p:sp>
+        <p:nvSpPr>
+          <p:cNvPr id="4" name="Slide Number Placeholder 3">
+            <a:extLst>
+              <a:ext uri="{FF2B5EF4-FFF2-40B4-BE49-F238E27FC236}">
+                <a16:creationId xmlns:a16="http://schemas.microsoft.com/office/drawing/2014/main" id="{A17826E9-4E0D-FE5B-233B-E90021BC75B0}"/>
+              </a:ext>
+            </a:extLst>
+          </p:cNvPr>
+          <p:cNvSpPr>
+            <a:spLocks noGrp="1"/>
+          </p:cNvSpPr>
+          <p:nvPr>
+            <p:ph type="sldNum" sz="quarter" idx="12"/>
+          </p:nvPr>
+        </p:nvSpPr>
+        <p:spPr/>
+        <p:txBody>
+          <a:bodyPr/>
+          <a:lstStyle/>
+          <a:p>
+            <a:fld id="{8262CFD8-7A98-47E6-A2CC-B17DDA24BA0E}" type="slidenum">
+              <a:rPr lang="en-US" smtClean="0"/>
+              <a:t>10</a:t>
+            </a:fld>
+            <a:endParaRPr lang="en-US"/>
+          </a:p>
+        </p:txBody>
+      </p:sp>
+    </p:spTree>
+    <p:extLst>
+      <p:ext uri="{BB962C8B-B14F-4D97-AF65-F5344CB8AC3E}">
+        <p14:creationId xmlns:p14="http://schemas.microsoft.com/office/powerpoint/2010/main" val="2663170908"/>
+      </p:ext>
+    </p:extLst>
+  </p:cSld>
+  <p:clrMapOvr>
+    <a:masterClrMapping/>
+  </p:clrMapOvr>
+</p:sld>
+</file>
+
 <file path=ppt/slides/slide2.xml><?xml version="1.0" encoding="utf-8"?>
 <p:sld xmlns:a="http://schemas.openxmlformats.org/drawingml/2006/main" xmlns:r="http://schemas.openxmlformats.org/officeDocument/2006/relationships" xmlns:p="http://schemas.openxmlformats.org/presentationml/2006/main">
   <p:cSld>
@@ -7719,7 +7885,7 @@
         <p:fade/>
       </p:transition>
     </mc:Choice>
-    <mc:Fallback xmlns:ahyp="http://schemas.microsoft.com/office/drawing/2018/hyperlinkcolor" xmlns:p15="http://schemas.microsoft.com/office/powerpoint/2012/main" xmlns:com="http://schemas.openxmlformats.org/drawingml/2006/compatibility" xmlns:pvml="urn:schemas-microsoft-com:office:powerpoint" xmlns:v="urn:schemas-microsoft-com:vml" xmlns:o="urn:schemas-microsoft-com:office:office" xmlns:dgm="http://schemas.openxmlformats.org/drawingml/2006/diagram" xmlns:c="http://schemas.openxmlformats.org/drawingml/2006/chart" xmlns:mv="urn:schemas-microsoft-com:mac:vml" xmlns="">
+    <mc:Fallback xmlns="" xmlns:mv="urn:schemas-microsoft-com:mac:vml" xmlns:c="http://schemas.openxmlformats.org/drawingml/2006/chart" xmlns:dgm="http://schemas.openxmlformats.org/drawingml/2006/diagram" xmlns:o="urn:schemas-microsoft-com:office:office" xmlns:v="urn:schemas-microsoft-com:vml" xmlns:pvml="urn:schemas-microsoft-com:office:powerpoint" xmlns:com="http://schemas.openxmlformats.org/drawingml/2006/compatibility" xmlns:p15="http://schemas.microsoft.com/office/powerpoint/2012/main" xmlns:ahyp="http://schemas.microsoft.com/office/drawing/2018/hyperlinkcolor">
       <p:transition>
         <p:fade/>
       </p:transition>
@@ -12034,21 +12200,44 @@
           </a:p>
         </p:txBody>
       </p:sp>
+      <p:sp>
+        <p:nvSpPr>
+          <p:cNvPr id="6" name="Content Placeholder 5">
+            <a:extLst>
+              <a:ext uri="{FF2B5EF4-FFF2-40B4-BE49-F238E27FC236}">
+                <a16:creationId xmlns:a16="http://schemas.microsoft.com/office/drawing/2014/main" id="{6422D1F4-E83D-3E3E-953D-7789D0058270}"/>
+              </a:ext>
+            </a:extLst>
+          </p:cNvPr>
+          <p:cNvSpPr>
+            <a:spLocks noGrp="1"/>
+          </p:cNvSpPr>
+          <p:nvPr>
+            <p:ph idx="1"/>
+          </p:nvPr>
+        </p:nvSpPr>
+        <p:spPr/>
+        <p:txBody>
+          <a:bodyPr/>
+          <a:lstStyle/>
+          <a:p>
+            <a:endParaRPr lang="en-US"/>
+          </a:p>
+        </p:txBody>
+      </p:sp>
       <p:pic>
         <p:nvPicPr>
-          <p:cNvPr id="33" name="Content Placeholder 32" descr="Graphical user interface&#10;&#10;Description automatically generated">
+          <p:cNvPr id="1026" name="Picture 2">
             <a:extLst>
               <a:ext uri="{FF2B5EF4-FFF2-40B4-BE49-F238E27FC236}">
-                <a16:creationId xmlns:a16="http://schemas.microsoft.com/office/drawing/2014/main" id="{030CE403-67C7-BE7E-2014-24226515F2A8}"/>
+                <a16:creationId xmlns:a16="http://schemas.microsoft.com/office/drawing/2014/main" id="{545F4C8D-82F0-2C64-DB59-1BC00CECDD39}"/>
               </a:ext>
             </a:extLst>
           </p:cNvPr>
           <p:cNvPicPr>
-            <a:picLocks noGrp="1" noChangeAspect="1"/>
+            <a:picLocks noChangeAspect="1" noChangeArrowheads="1"/>
           </p:cNvPicPr>
-          <p:nvPr>
-            <p:ph idx="1"/>
-          </p:nvPr>
+          <p:nvPr/>
         </p:nvPicPr>
         <p:blipFill>
           <a:blip r:embed="rId2">
@@ -12058,21 +12247,636 @@
               </a:ext>
             </a:extLst>
           </a:blip>
+          <a:srcRect/>
           <a:stretch>
             <a:fillRect/>
           </a:stretch>
         </p:blipFill>
-        <p:spPr>
+        <p:spPr bwMode="auto">
           <a:xfrm>
-            <a:off x="628650" y="2195855"/>
-            <a:ext cx="7886700" cy="2917141"/>
+            <a:off x="495300" y="1027523"/>
+            <a:ext cx="8153400" cy="2667000"/>
           </a:xfrm>
+          <a:prstGeom prst="rect">
+            <a:avLst/>
+          </a:prstGeom>
+          <a:noFill/>
+          <a:extLst>
+            <a:ext uri="{909E8E84-426E-40DD-AFC4-6F175D3DCCD1}">
+              <a14:hiddenFill xmlns:a14="http://schemas.microsoft.com/office/drawing/2010/main">
+                <a:solidFill>
+                  <a:srgbClr val="FFFFFF"/>
+                </a:solidFill>
+              </a14:hiddenFill>
+            </a:ext>
+          </a:extLst>
+        </p:spPr>
+      </p:pic>
+      <p:pic>
+        <p:nvPicPr>
+          <p:cNvPr id="1028" name="Picture 4">
+            <a:extLst>
+              <a:ext uri="{FF2B5EF4-FFF2-40B4-BE49-F238E27FC236}">
+                <a16:creationId xmlns:a16="http://schemas.microsoft.com/office/drawing/2014/main" id="{BA2F30BD-4024-6860-504D-D9FFB5C6ABE2}"/>
+              </a:ext>
+            </a:extLst>
+          </p:cNvPr>
+          <p:cNvPicPr>
+            <a:picLocks noChangeAspect="1" noChangeArrowheads="1"/>
+          </p:cNvPicPr>
+          <p:nvPr/>
+        </p:nvPicPr>
+        <p:blipFill>
+          <a:blip r:embed="rId3">
+            <a:extLst>
+              <a:ext uri="{28A0092B-C50C-407E-A947-70E740481C1C}">
+                <a14:useLocalDpi xmlns:a14="http://schemas.microsoft.com/office/drawing/2010/main" val="0"/>
+              </a:ext>
+            </a:extLst>
+          </a:blip>
+          <a:srcRect/>
+          <a:stretch>
+            <a:fillRect/>
+          </a:stretch>
+        </p:blipFill>
+        <p:spPr bwMode="auto">
+          <a:xfrm>
+            <a:off x="495300" y="3689351"/>
+            <a:ext cx="8153400" cy="2667000"/>
+          </a:xfrm>
+          <a:prstGeom prst="rect">
+            <a:avLst/>
+          </a:prstGeom>
+          <a:noFill/>
+          <a:extLst>
+            <a:ext uri="{909E8E84-426E-40DD-AFC4-6F175D3DCCD1}">
+              <a14:hiddenFill xmlns:a14="http://schemas.microsoft.com/office/drawing/2010/main">
+                <a:solidFill>
+                  <a:srgbClr val="FFFFFF"/>
+                </a:solidFill>
+              </a14:hiddenFill>
+            </a:ext>
+          </a:extLst>
         </p:spPr>
       </p:pic>
     </p:spTree>
     <p:extLst>
       <p:ext uri="{BB962C8B-B14F-4D97-AF65-F5344CB8AC3E}">
         <p14:creationId xmlns:p14="http://schemas.microsoft.com/office/powerpoint/2010/main" val="2409044818"/>
+      </p:ext>
+    </p:extLst>
+  </p:cSld>
+  <p:clrMapOvr>
+    <a:masterClrMapping/>
+  </p:clrMapOvr>
+</p:sld>
+</file>
+
+<file path=ppt/slides/slide7.xml><?xml version="1.0" encoding="utf-8"?>
+<p:sld xmlns:a="http://schemas.openxmlformats.org/drawingml/2006/main" xmlns:r="http://schemas.openxmlformats.org/officeDocument/2006/relationships" xmlns:p="http://schemas.openxmlformats.org/presentationml/2006/main">
+  <p:cSld>
+    <p:spTree>
+      <p:nvGrpSpPr>
+        <p:cNvPr id="1" name=""/>
+        <p:cNvGrpSpPr/>
+        <p:nvPr/>
+      </p:nvGrpSpPr>
+      <p:grpSpPr>
+        <a:xfrm>
+          <a:off x="0" y="0"/>
+          <a:ext cx="0" cy="0"/>
+          <a:chOff x="0" y="0"/>
+          <a:chExt cx="0" cy="0"/>
+        </a:xfrm>
+      </p:grpSpPr>
+      <p:sp>
+        <p:nvSpPr>
+          <p:cNvPr id="2" name="Footer Placeholder 1">
+            <a:extLst>
+              <a:ext uri="{FF2B5EF4-FFF2-40B4-BE49-F238E27FC236}">
+                <a16:creationId xmlns:a16="http://schemas.microsoft.com/office/drawing/2014/main" id="{AAB8DE5E-C4AB-C92E-E923-3B85CCD31475}"/>
+              </a:ext>
+            </a:extLst>
+          </p:cNvPr>
+          <p:cNvSpPr>
+            <a:spLocks noGrp="1"/>
+          </p:cNvSpPr>
+          <p:nvPr>
+            <p:ph type="ftr" sz="quarter" idx="11"/>
+          </p:nvPr>
+        </p:nvSpPr>
+        <p:spPr/>
+        <p:txBody>
+          <a:bodyPr/>
+          <a:lstStyle/>
+          <a:p>
+            <a:r>
+              <a:rPr lang="en-US"/>
+              <a:t>Physics 301 - Advanced Signal and Image Processing</a:t>
+            </a:r>
+          </a:p>
+        </p:txBody>
+      </p:sp>
+      <p:sp>
+        <p:nvSpPr>
+          <p:cNvPr id="3" name="Slide Number Placeholder 2">
+            <a:extLst>
+              <a:ext uri="{FF2B5EF4-FFF2-40B4-BE49-F238E27FC236}">
+                <a16:creationId xmlns:a16="http://schemas.microsoft.com/office/drawing/2014/main" id="{85BC5E3E-6AAE-A7D8-87A3-5A657AAAC7FE}"/>
+              </a:ext>
+            </a:extLst>
+          </p:cNvPr>
+          <p:cNvSpPr>
+            <a:spLocks noGrp="1"/>
+          </p:cNvSpPr>
+          <p:nvPr>
+            <p:ph type="sldNum" sz="quarter" idx="12"/>
+          </p:nvPr>
+        </p:nvSpPr>
+        <p:spPr/>
+        <p:txBody>
+          <a:bodyPr/>
+          <a:lstStyle/>
+          <a:p>
+            <a:fld id="{8262CFD8-7A98-47E6-A2CC-B17DDA24BA0E}" type="slidenum">
+              <a:rPr lang="en-US" smtClean="0"/>
+              <a:t>7</a:t>
+            </a:fld>
+            <a:endParaRPr lang="en-US"/>
+          </a:p>
+        </p:txBody>
+      </p:sp>
+      <p:pic>
+        <p:nvPicPr>
+          <p:cNvPr id="2050" name="Picture 2">
+            <a:extLst>
+              <a:ext uri="{FF2B5EF4-FFF2-40B4-BE49-F238E27FC236}">
+                <a16:creationId xmlns:a16="http://schemas.microsoft.com/office/drawing/2014/main" id="{8E87EBF4-6C5F-C07B-E884-C443A701A49D}"/>
+              </a:ext>
+            </a:extLst>
+          </p:cNvPr>
+          <p:cNvPicPr>
+            <a:picLocks noChangeAspect="1" noChangeArrowheads="1"/>
+          </p:cNvPicPr>
+          <p:nvPr/>
+        </p:nvPicPr>
+        <p:blipFill>
+          <a:blip r:embed="rId2">
+            <a:extLst>
+              <a:ext uri="{28A0092B-C50C-407E-A947-70E740481C1C}">
+                <a14:useLocalDpi xmlns:a14="http://schemas.microsoft.com/office/drawing/2010/main" val="0"/>
+              </a:ext>
+            </a:extLst>
+          </a:blip>
+          <a:srcRect/>
+          <a:stretch>
+            <a:fillRect/>
+          </a:stretch>
+        </p:blipFill>
+        <p:spPr bwMode="auto">
+          <a:xfrm>
+            <a:off x="0" y="969963"/>
+            <a:ext cx="9144000" cy="2784475"/>
+          </a:xfrm>
+          <a:prstGeom prst="rect">
+            <a:avLst/>
+          </a:prstGeom>
+          <a:noFill/>
+          <a:extLst>
+            <a:ext uri="{909E8E84-426E-40DD-AFC4-6F175D3DCCD1}">
+              <a14:hiddenFill xmlns:a14="http://schemas.microsoft.com/office/drawing/2010/main">
+                <a:solidFill>
+                  <a:srgbClr val="FFFFFF"/>
+                </a:solidFill>
+              </a14:hiddenFill>
+            </a:ext>
+          </a:extLst>
+        </p:spPr>
+      </p:pic>
+      <p:pic>
+        <p:nvPicPr>
+          <p:cNvPr id="2052" name="Picture 4">
+            <a:extLst>
+              <a:ext uri="{FF2B5EF4-FFF2-40B4-BE49-F238E27FC236}">
+                <a16:creationId xmlns:a16="http://schemas.microsoft.com/office/drawing/2014/main" id="{B3A7CE38-C44D-02DE-2965-2E7BB56998A9}"/>
+              </a:ext>
+            </a:extLst>
+          </p:cNvPr>
+          <p:cNvPicPr>
+            <a:picLocks noChangeAspect="1" noChangeArrowheads="1"/>
+          </p:cNvPicPr>
+          <p:nvPr/>
+        </p:nvPicPr>
+        <p:blipFill>
+          <a:blip r:embed="rId3">
+            <a:extLst>
+              <a:ext uri="{28A0092B-C50C-407E-A947-70E740481C1C}">
+                <a14:useLocalDpi xmlns:a14="http://schemas.microsoft.com/office/drawing/2010/main" val="0"/>
+              </a:ext>
+            </a:extLst>
+          </a:blip>
+          <a:srcRect/>
+          <a:stretch>
+            <a:fillRect/>
+          </a:stretch>
+        </p:blipFill>
+        <p:spPr bwMode="auto">
+          <a:xfrm>
+            <a:off x="0" y="3571876"/>
+            <a:ext cx="9144000" cy="2784475"/>
+          </a:xfrm>
+          <a:prstGeom prst="rect">
+            <a:avLst/>
+          </a:prstGeom>
+          <a:noFill/>
+          <a:extLst>
+            <a:ext uri="{909E8E84-426E-40DD-AFC4-6F175D3DCCD1}">
+              <a14:hiddenFill xmlns:a14="http://schemas.microsoft.com/office/drawing/2010/main">
+                <a:solidFill>
+                  <a:srgbClr val="FFFFFF"/>
+                </a:solidFill>
+              </a14:hiddenFill>
+            </a:ext>
+          </a:extLst>
+        </p:spPr>
+      </p:pic>
+    </p:spTree>
+    <p:extLst>
+      <p:ext uri="{BB962C8B-B14F-4D97-AF65-F5344CB8AC3E}">
+        <p14:creationId xmlns:p14="http://schemas.microsoft.com/office/powerpoint/2010/main" val="1789037964"/>
+      </p:ext>
+    </p:extLst>
+  </p:cSld>
+  <p:clrMapOvr>
+    <a:masterClrMapping/>
+  </p:clrMapOvr>
+</p:sld>
+</file>
+
+<file path=ppt/slides/slide8.xml><?xml version="1.0" encoding="utf-8"?>
+<p:sld xmlns:a="http://schemas.openxmlformats.org/drawingml/2006/main" xmlns:r="http://schemas.openxmlformats.org/officeDocument/2006/relationships" xmlns:p="http://schemas.openxmlformats.org/presentationml/2006/main">
+  <p:cSld>
+    <p:spTree>
+      <p:nvGrpSpPr>
+        <p:cNvPr id="1" name=""/>
+        <p:cNvGrpSpPr/>
+        <p:nvPr/>
+      </p:nvGrpSpPr>
+      <p:grpSpPr>
+        <a:xfrm>
+          <a:off x="0" y="0"/>
+          <a:ext cx="0" cy="0"/>
+          <a:chOff x="0" y="0"/>
+          <a:chExt cx="0" cy="0"/>
+        </a:xfrm>
+      </p:grpSpPr>
+      <p:sp>
+        <p:nvSpPr>
+          <p:cNvPr id="2" name="Footer Placeholder 1">
+            <a:extLst>
+              <a:ext uri="{FF2B5EF4-FFF2-40B4-BE49-F238E27FC236}">
+                <a16:creationId xmlns:a16="http://schemas.microsoft.com/office/drawing/2014/main" id="{3C0666C8-A173-8CF5-64FD-AC640F4480E2}"/>
+              </a:ext>
+            </a:extLst>
+          </p:cNvPr>
+          <p:cNvSpPr>
+            <a:spLocks noGrp="1"/>
+          </p:cNvSpPr>
+          <p:nvPr>
+            <p:ph type="ftr" sz="quarter" idx="11"/>
+          </p:nvPr>
+        </p:nvSpPr>
+        <p:spPr/>
+        <p:txBody>
+          <a:bodyPr/>
+          <a:lstStyle/>
+          <a:p>
+            <a:r>
+              <a:rPr lang="en-US" dirty="0"/>
+              <a:t>Physics 301 - Advanced Signal and Image Processing</a:t>
+            </a:r>
+          </a:p>
+        </p:txBody>
+      </p:sp>
+      <p:sp>
+        <p:nvSpPr>
+          <p:cNvPr id="3" name="Slide Number Placeholder 2">
+            <a:extLst>
+              <a:ext uri="{FF2B5EF4-FFF2-40B4-BE49-F238E27FC236}">
+                <a16:creationId xmlns:a16="http://schemas.microsoft.com/office/drawing/2014/main" id="{A94D49B7-C874-E3F2-43FA-60839E598C19}"/>
+              </a:ext>
+            </a:extLst>
+          </p:cNvPr>
+          <p:cNvSpPr>
+            <a:spLocks noGrp="1"/>
+          </p:cNvSpPr>
+          <p:nvPr>
+            <p:ph type="sldNum" sz="quarter" idx="12"/>
+          </p:nvPr>
+        </p:nvSpPr>
+        <p:spPr/>
+        <p:txBody>
+          <a:bodyPr/>
+          <a:lstStyle/>
+          <a:p>
+            <a:fld id="{8262CFD8-7A98-47E6-A2CC-B17DDA24BA0E}" type="slidenum">
+              <a:rPr lang="en-US" smtClean="0"/>
+              <a:t>8</a:t>
+            </a:fld>
+            <a:endParaRPr lang="en-US"/>
+          </a:p>
+        </p:txBody>
+      </p:sp>
+      <p:pic>
+        <p:nvPicPr>
+          <p:cNvPr id="3076" name="Picture 4">
+            <a:extLst>
+              <a:ext uri="{FF2B5EF4-FFF2-40B4-BE49-F238E27FC236}">
+                <a16:creationId xmlns:a16="http://schemas.microsoft.com/office/drawing/2014/main" id="{406523BC-0060-D01E-EE39-85CE51807775}"/>
+              </a:ext>
+            </a:extLst>
+          </p:cNvPr>
+          <p:cNvPicPr>
+            <a:picLocks noChangeAspect="1" noChangeArrowheads="1"/>
+          </p:cNvPicPr>
+          <p:nvPr/>
+        </p:nvPicPr>
+        <p:blipFill>
+          <a:blip r:embed="rId2">
+            <a:extLst>
+              <a:ext uri="{28A0092B-C50C-407E-A947-70E740481C1C}">
+                <a14:useLocalDpi xmlns:a14="http://schemas.microsoft.com/office/drawing/2010/main" val="0"/>
+              </a:ext>
+            </a:extLst>
+          </a:blip>
+          <a:srcRect/>
+          <a:stretch>
+            <a:fillRect/>
+          </a:stretch>
+        </p:blipFill>
+        <p:spPr bwMode="auto">
+          <a:xfrm>
+            <a:off x="0" y="968375"/>
+            <a:ext cx="9144000" cy="4921250"/>
+          </a:xfrm>
+          <a:prstGeom prst="rect">
+            <a:avLst/>
+          </a:prstGeom>
+          <a:noFill/>
+          <a:extLst>
+            <a:ext uri="{909E8E84-426E-40DD-AFC4-6F175D3DCCD1}">
+              <a14:hiddenFill xmlns:a14="http://schemas.microsoft.com/office/drawing/2010/main">
+                <a:solidFill>
+                  <a:srgbClr val="FFFFFF"/>
+                </a:solidFill>
+              </a14:hiddenFill>
+            </a:ext>
+          </a:extLst>
+        </p:spPr>
+      </p:pic>
+    </p:spTree>
+    <p:extLst>
+      <p:ext uri="{BB962C8B-B14F-4D97-AF65-F5344CB8AC3E}">
+        <p14:creationId xmlns:p14="http://schemas.microsoft.com/office/powerpoint/2010/main" val="156996531"/>
+      </p:ext>
+    </p:extLst>
+  </p:cSld>
+  <p:clrMapOvr>
+    <a:masterClrMapping/>
+  </p:clrMapOvr>
+</p:sld>
+</file>
+
+<file path=ppt/slides/slide9.xml><?xml version="1.0" encoding="utf-8"?>
+<p:sld xmlns:a="http://schemas.openxmlformats.org/drawingml/2006/main" xmlns:r="http://schemas.openxmlformats.org/officeDocument/2006/relationships" xmlns:p="http://schemas.openxmlformats.org/presentationml/2006/main">
+  <p:cSld>
+    <p:spTree>
+      <p:nvGrpSpPr>
+        <p:cNvPr id="1" name=""/>
+        <p:cNvGrpSpPr/>
+        <p:nvPr/>
+      </p:nvGrpSpPr>
+      <p:grpSpPr>
+        <a:xfrm>
+          <a:off x="0" y="0"/>
+          <a:ext cx="0" cy="0"/>
+          <a:chOff x="0" y="0"/>
+          <a:chExt cx="0" cy="0"/>
+        </a:xfrm>
+      </p:grpSpPr>
+      <p:sp>
+        <p:nvSpPr>
+          <p:cNvPr id="2" name="Footer Placeholder 1">
+            <a:extLst>
+              <a:ext uri="{FF2B5EF4-FFF2-40B4-BE49-F238E27FC236}">
+                <a16:creationId xmlns:a16="http://schemas.microsoft.com/office/drawing/2014/main" id="{2F7B457A-6D98-7C9B-8493-8D56CED95B43}"/>
+              </a:ext>
+            </a:extLst>
+          </p:cNvPr>
+          <p:cNvSpPr>
+            <a:spLocks noGrp="1"/>
+          </p:cNvSpPr>
+          <p:nvPr>
+            <p:ph type="ftr" sz="quarter" idx="11"/>
+          </p:nvPr>
+        </p:nvSpPr>
+        <p:spPr/>
+        <p:txBody>
+          <a:bodyPr/>
+          <a:lstStyle/>
+          <a:p>
+            <a:r>
+              <a:rPr lang="en-US"/>
+              <a:t>Physics 301 - Advanced Signal and Image Processing</a:t>
+            </a:r>
+          </a:p>
+        </p:txBody>
+      </p:sp>
+      <p:sp>
+        <p:nvSpPr>
+          <p:cNvPr id="4" name="Title 3">
+            <a:extLst>
+              <a:ext uri="{FF2B5EF4-FFF2-40B4-BE49-F238E27FC236}">
+                <a16:creationId xmlns:a16="http://schemas.microsoft.com/office/drawing/2014/main" id="{2ECEAFAA-A137-F49D-6499-EC774519D41C}"/>
+              </a:ext>
+            </a:extLst>
+          </p:cNvPr>
+          <p:cNvSpPr>
+            <a:spLocks noGrp="1"/>
+          </p:cNvSpPr>
+          <p:nvPr>
+            <p:ph type="title"/>
+          </p:nvPr>
+        </p:nvSpPr>
+        <p:spPr/>
+        <p:txBody>
+          <a:bodyPr/>
+          <a:lstStyle/>
+          <a:p>
+            <a:r>
+              <a:rPr lang="en-US" dirty="0"/>
+              <a:t>Testing Macbeth</a:t>
+            </a:r>
+          </a:p>
+        </p:txBody>
+      </p:sp>
+      <p:sp>
+        <p:nvSpPr>
+          <p:cNvPr id="5" name="Content Placeholder 4">
+            <a:extLst>
+              <a:ext uri="{FF2B5EF4-FFF2-40B4-BE49-F238E27FC236}">
+                <a16:creationId xmlns:a16="http://schemas.microsoft.com/office/drawing/2014/main" id="{8B957DE7-D128-B035-6FCD-F993D6E28C17}"/>
+              </a:ext>
+            </a:extLst>
+          </p:cNvPr>
+          <p:cNvSpPr>
+            <a:spLocks noGrp="1"/>
+          </p:cNvSpPr>
+          <p:nvPr>
+            <p:ph idx="1"/>
+          </p:nvPr>
+        </p:nvSpPr>
+        <p:spPr>
+          <a:xfrm>
+            <a:off x="676273" y="1131216"/>
+            <a:ext cx="7886700" cy="5045747"/>
+          </a:xfrm>
+        </p:spPr>
+        <p:txBody>
+          <a:bodyPr/>
+          <a:lstStyle/>
+          <a:p>
+            <a:endParaRPr lang="en-US"/>
+          </a:p>
+        </p:txBody>
+      </p:sp>
+      <p:sp>
+        <p:nvSpPr>
+          <p:cNvPr id="3" name="Slide Number Placeholder 2">
+            <a:extLst>
+              <a:ext uri="{FF2B5EF4-FFF2-40B4-BE49-F238E27FC236}">
+                <a16:creationId xmlns:a16="http://schemas.microsoft.com/office/drawing/2014/main" id="{A2203607-C249-4922-F9AE-93C15F5F2DC9}"/>
+              </a:ext>
+            </a:extLst>
+          </p:cNvPr>
+          <p:cNvSpPr>
+            <a:spLocks noGrp="1"/>
+          </p:cNvSpPr>
+          <p:nvPr>
+            <p:ph type="sldNum" sz="quarter" idx="12"/>
+          </p:nvPr>
+        </p:nvSpPr>
+        <p:spPr/>
+        <p:txBody>
+          <a:bodyPr/>
+          <a:lstStyle/>
+          <a:p>
+            <a:fld id="{8262CFD8-7A98-47E6-A2CC-B17DDA24BA0E}" type="slidenum">
+              <a:rPr lang="en-US" smtClean="0"/>
+              <a:t>9</a:t>
+            </a:fld>
+            <a:endParaRPr lang="en-US"/>
+          </a:p>
+        </p:txBody>
+      </p:sp>
+      <p:pic>
+        <p:nvPicPr>
+          <p:cNvPr id="4100" name="Picture 4">
+            <a:extLst>
+              <a:ext uri="{FF2B5EF4-FFF2-40B4-BE49-F238E27FC236}">
+                <a16:creationId xmlns:a16="http://schemas.microsoft.com/office/drawing/2014/main" id="{A01B6CB8-9F92-5988-5585-32FD349EE17D}"/>
+              </a:ext>
+            </a:extLst>
+          </p:cNvPr>
+          <p:cNvPicPr>
+            <a:picLocks noChangeAspect="1" noChangeArrowheads="1"/>
+          </p:cNvPicPr>
+          <p:nvPr/>
+        </p:nvPicPr>
+        <p:blipFill>
+          <a:blip r:embed="rId2">
+            <a:extLst>
+              <a:ext uri="{28A0092B-C50C-407E-A947-70E740481C1C}">
+                <a14:useLocalDpi xmlns:a14="http://schemas.microsoft.com/office/drawing/2010/main" val="0"/>
+              </a:ext>
+            </a:extLst>
+          </a:blip>
+          <a:srcRect/>
+          <a:stretch>
+            <a:fillRect/>
+          </a:stretch>
+        </p:blipFill>
+        <p:spPr bwMode="auto">
+          <a:xfrm>
+            <a:off x="457200" y="1131216"/>
+            <a:ext cx="8229600" cy="2667477"/>
+          </a:xfrm>
+          <a:prstGeom prst="rect">
+            <a:avLst/>
+          </a:prstGeom>
+          <a:noFill/>
+          <a:extLst>
+            <a:ext uri="{909E8E84-426E-40DD-AFC4-6F175D3DCCD1}">
+              <a14:hiddenFill xmlns:a14="http://schemas.microsoft.com/office/drawing/2010/main">
+                <a:solidFill>
+                  <a:srgbClr val="FFFFFF"/>
+                </a:solidFill>
+              </a14:hiddenFill>
+            </a:ext>
+          </a:extLst>
+        </p:spPr>
+      </p:pic>
+      <p:pic>
+        <p:nvPicPr>
+          <p:cNvPr id="4102" name="Picture 6">
+            <a:extLst>
+              <a:ext uri="{FF2B5EF4-FFF2-40B4-BE49-F238E27FC236}">
+                <a16:creationId xmlns:a16="http://schemas.microsoft.com/office/drawing/2014/main" id="{8C5D28F1-EB96-C418-8DC4-CA5304202D20}"/>
+              </a:ext>
+            </a:extLst>
+          </p:cNvPr>
+          <p:cNvPicPr>
+            <a:picLocks noChangeAspect="1" noChangeArrowheads="1"/>
+          </p:cNvPicPr>
+          <p:nvPr/>
+        </p:nvPicPr>
+        <p:blipFill>
+          <a:blip r:embed="rId3">
+            <a:extLst>
+              <a:ext uri="{28A0092B-C50C-407E-A947-70E740481C1C}">
+                <a14:useLocalDpi xmlns:a14="http://schemas.microsoft.com/office/drawing/2010/main" val="0"/>
+              </a:ext>
+            </a:extLst>
+          </a:blip>
+          <a:srcRect/>
+          <a:stretch>
+            <a:fillRect/>
+          </a:stretch>
+        </p:blipFill>
+        <p:spPr bwMode="auto">
+          <a:xfrm>
+            <a:off x="457200" y="3717450"/>
+            <a:ext cx="8229600" cy="2638901"/>
+          </a:xfrm>
+          <a:prstGeom prst="rect">
+            <a:avLst/>
+          </a:prstGeom>
+          <a:noFill/>
+          <a:extLst>
+            <a:ext uri="{909E8E84-426E-40DD-AFC4-6F175D3DCCD1}">
+              <a14:hiddenFill xmlns:a14="http://schemas.microsoft.com/office/drawing/2010/main">
+                <a:solidFill>
+                  <a:srgbClr val="FFFFFF"/>
+                </a:solidFill>
+              </a14:hiddenFill>
+            </a:ext>
+          </a:extLst>
+        </p:spPr>
+      </p:pic>
+    </p:spTree>
+    <p:extLst>
+      <p:ext uri="{BB962C8B-B14F-4D97-AF65-F5344CB8AC3E}">
+        <p14:creationId xmlns:p14="http://schemas.microsoft.com/office/powerpoint/2010/main" val="4152126054"/>
       </p:ext>
     </p:extLst>
   </p:cSld>

--- a/04 RGB-to-Spectra using PCA/Activity 4 - RGB-Spectra using PCA.pptx
+++ b/04 RGB-to-Spectra using PCA/Activity 4 - RGB-Spectra using PCA.pptx
@@ -5,7 +5,7 @@
     <p:sldMasterId id="2147483660" r:id="rId1"/>
   </p:sldMasterIdLst>
   <p:notesMasterIdLst>
-    <p:notesMasterId r:id="rId12"/>
+    <p:notesMasterId r:id="rId15"/>
   </p:notesMasterIdLst>
   <p:sldIdLst>
     <p:sldId id="256" r:id="rId2"/>
@@ -18,6 +18,9 @@
     <p:sldId id="263" r:id="rId9"/>
     <p:sldId id="264" r:id="rId10"/>
     <p:sldId id="265" r:id="rId11"/>
+    <p:sldId id="266" r:id="rId12"/>
+    <p:sldId id="267" r:id="rId13"/>
+    <p:sldId id="268" r:id="rId14"/>
   </p:sldIdLst>
   <p:sldSz cx="9144000" cy="6858000" type="screen4x3"/>
   <p:notesSz cx="6858000" cy="9144000"/>
@@ -5359,7 +5362,7 @@
         <p:fade/>
       </p:transition>
     </mc:Choice>
-    <mc:Fallback xmlns="" xmlns:mv="urn:schemas-microsoft-com:mac:vml" xmlns:c="http://schemas.openxmlformats.org/drawingml/2006/chart" xmlns:dgm="http://schemas.openxmlformats.org/drawingml/2006/diagram" xmlns:o="urn:schemas-microsoft-com:office:office" xmlns:v="urn:schemas-microsoft-com:vml" xmlns:pvml="urn:schemas-microsoft-com:office:powerpoint" xmlns:com="http://schemas.openxmlformats.org/drawingml/2006/compatibility" xmlns:p15="http://schemas.microsoft.com/office/powerpoint/2012/main" xmlns:ahyp="http://schemas.microsoft.com/office/drawing/2018/hyperlinkcolor">
+    <mc:Fallback xmlns:ahyp="http://schemas.microsoft.com/office/drawing/2018/hyperlinkcolor" xmlns:p15="http://schemas.microsoft.com/office/powerpoint/2012/main" xmlns:com="http://schemas.openxmlformats.org/drawingml/2006/compatibility" xmlns:pvml="urn:schemas-microsoft-com:office:powerpoint" xmlns:v="urn:schemas-microsoft-com:vml" xmlns:o="urn:schemas-microsoft-com:office:office" xmlns:dgm="http://schemas.openxmlformats.org/drawingml/2006/diagram" xmlns:c="http://schemas.openxmlformats.org/drawingml/2006/chart" xmlns:mv="urn:schemas-microsoft-com:mac:vml" xmlns="">
       <p:transition>
         <p:fade/>
       </p:transition>
@@ -7544,10 +7547,10 @@
       </p:grpSpPr>
       <p:pic>
         <p:nvPicPr>
-          <p:cNvPr id="5122" name="Picture 2">
+          <p:cNvPr id="1026" name="Picture 2">
             <a:extLst>
               <a:ext uri="{FF2B5EF4-FFF2-40B4-BE49-F238E27FC236}">
-                <a16:creationId xmlns:a16="http://schemas.microsoft.com/office/drawing/2014/main" id="{C1512642-5ED0-6B51-1852-7FB3782D4F83}"/>
+                <a16:creationId xmlns:a16="http://schemas.microsoft.com/office/drawing/2014/main" id="{8D034848-FB6C-5A81-D1EC-58F2322FC8CA}"/>
               </a:ext>
             </a:extLst>
           </p:cNvPr>
@@ -7571,8 +7574,8 @@
         </p:blipFill>
         <p:spPr bwMode="auto">
           <a:xfrm>
-            <a:off x="457200" y="245588"/>
-            <a:ext cx="8229600" cy="6110763"/>
+            <a:off x="457200" y="367031"/>
+            <a:ext cx="8229600" cy="5989320"/>
           </a:xfrm>
           <a:prstGeom prst="rect">
             <a:avLst/>
@@ -7612,7 +7615,7 @@
           <a:p>
             <a:r>
               <a:rPr lang="en-US" dirty="0"/>
-              <a:t>Source: D65</a:t>
+              <a:t>D65</a:t>
             </a:r>
           </a:p>
         </p:txBody>
@@ -7678,6 +7681,490 @@
     <p:extLst>
       <p:ext uri="{BB962C8B-B14F-4D97-AF65-F5344CB8AC3E}">
         <p14:creationId xmlns:p14="http://schemas.microsoft.com/office/powerpoint/2010/main" val="2663170908"/>
+      </p:ext>
+    </p:extLst>
+  </p:cSld>
+  <p:clrMapOvr>
+    <a:masterClrMapping/>
+  </p:clrMapOvr>
+</p:sld>
+</file>
+
+<file path=ppt/slides/slide11.xml><?xml version="1.0" encoding="utf-8"?>
+<p:sld xmlns:a="http://schemas.openxmlformats.org/drawingml/2006/main" xmlns:r="http://schemas.openxmlformats.org/officeDocument/2006/relationships" xmlns:p="http://schemas.openxmlformats.org/presentationml/2006/main">
+  <p:cSld>
+    <p:spTree>
+      <p:nvGrpSpPr>
+        <p:cNvPr id="1" name=""/>
+        <p:cNvGrpSpPr/>
+        <p:nvPr/>
+      </p:nvGrpSpPr>
+      <p:grpSpPr>
+        <a:xfrm>
+          <a:off x="0" y="0"/>
+          <a:ext cx="0" cy="0"/>
+          <a:chOff x="0" y="0"/>
+          <a:chExt cx="0" cy="0"/>
+        </a:xfrm>
+      </p:grpSpPr>
+      <p:sp>
+        <p:nvSpPr>
+          <p:cNvPr id="2" name="Title 1">
+            <a:extLst>
+              <a:ext uri="{FF2B5EF4-FFF2-40B4-BE49-F238E27FC236}">
+                <a16:creationId xmlns:a16="http://schemas.microsoft.com/office/drawing/2014/main" id="{F9950F1C-485E-1F1D-164E-41767EAB3A5E}"/>
+              </a:ext>
+            </a:extLst>
+          </p:cNvPr>
+          <p:cNvSpPr>
+            <a:spLocks noGrp="1"/>
+          </p:cNvSpPr>
+          <p:nvPr>
+            <p:ph type="title"/>
+          </p:nvPr>
+        </p:nvSpPr>
+        <p:spPr/>
+        <p:txBody>
+          <a:bodyPr/>
+          <a:lstStyle/>
+          <a:p>
+            <a:r>
+              <a:rPr lang="en-US" dirty="0"/>
+              <a:t>Illuminant A</a:t>
+            </a:r>
+          </a:p>
+        </p:txBody>
+      </p:sp>
+      <p:sp>
+        <p:nvSpPr>
+          <p:cNvPr id="3" name="Footer Placeholder 2">
+            <a:extLst>
+              <a:ext uri="{FF2B5EF4-FFF2-40B4-BE49-F238E27FC236}">
+                <a16:creationId xmlns:a16="http://schemas.microsoft.com/office/drawing/2014/main" id="{5CDA1AE2-9224-47F9-F712-3E742DEEB3B4}"/>
+              </a:ext>
+            </a:extLst>
+          </p:cNvPr>
+          <p:cNvSpPr>
+            <a:spLocks noGrp="1"/>
+          </p:cNvSpPr>
+          <p:nvPr>
+            <p:ph type="ftr" sz="quarter" idx="11"/>
+          </p:nvPr>
+        </p:nvSpPr>
+        <p:spPr/>
+        <p:txBody>
+          <a:bodyPr/>
+          <a:lstStyle/>
+          <a:p>
+            <a:r>
+              <a:rPr lang="en-US"/>
+              <a:t>Physics 301 - Advanced Signal and Image Processing</a:t>
+            </a:r>
+          </a:p>
+        </p:txBody>
+      </p:sp>
+      <p:sp>
+        <p:nvSpPr>
+          <p:cNvPr id="4" name="Slide Number Placeholder 3">
+            <a:extLst>
+              <a:ext uri="{FF2B5EF4-FFF2-40B4-BE49-F238E27FC236}">
+                <a16:creationId xmlns:a16="http://schemas.microsoft.com/office/drawing/2014/main" id="{C7A1072A-432B-6526-1A7E-7FC0F0ADA45A}"/>
+              </a:ext>
+            </a:extLst>
+          </p:cNvPr>
+          <p:cNvSpPr>
+            <a:spLocks noGrp="1"/>
+          </p:cNvSpPr>
+          <p:nvPr>
+            <p:ph type="sldNum" sz="quarter" idx="12"/>
+          </p:nvPr>
+        </p:nvSpPr>
+        <p:spPr/>
+        <p:txBody>
+          <a:bodyPr/>
+          <a:lstStyle/>
+          <a:p>
+            <a:fld id="{8262CFD8-7A98-47E6-A2CC-B17DDA24BA0E}" type="slidenum">
+              <a:rPr lang="en-US" smtClean="0"/>
+              <a:t>11</a:t>
+            </a:fld>
+            <a:endParaRPr lang="en-US"/>
+          </a:p>
+        </p:txBody>
+      </p:sp>
+      <p:pic>
+        <p:nvPicPr>
+          <p:cNvPr id="2050" name="Picture 2">
+            <a:extLst>
+              <a:ext uri="{FF2B5EF4-FFF2-40B4-BE49-F238E27FC236}">
+                <a16:creationId xmlns:a16="http://schemas.microsoft.com/office/drawing/2014/main" id="{E9742D78-0010-B038-40CD-E88E7FC36091}"/>
+              </a:ext>
+            </a:extLst>
+          </p:cNvPr>
+          <p:cNvPicPr>
+            <a:picLocks noChangeAspect="1" noChangeArrowheads="1"/>
+          </p:cNvPicPr>
+          <p:nvPr/>
+        </p:nvPicPr>
+        <p:blipFill>
+          <a:blip r:embed="rId2">
+            <a:extLst>
+              <a:ext uri="{28A0092B-C50C-407E-A947-70E740481C1C}">
+                <a14:useLocalDpi xmlns:a14="http://schemas.microsoft.com/office/drawing/2010/main" val="0"/>
+              </a:ext>
+            </a:extLst>
+          </a:blip>
+          <a:srcRect/>
+          <a:stretch>
+            <a:fillRect/>
+          </a:stretch>
+        </p:blipFill>
+        <p:spPr bwMode="auto">
+          <a:xfrm>
+            <a:off x="457200" y="414179"/>
+            <a:ext cx="8229600" cy="5942172"/>
+          </a:xfrm>
+          <a:prstGeom prst="rect">
+            <a:avLst/>
+          </a:prstGeom>
+          <a:noFill/>
+          <a:extLst>
+            <a:ext uri="{909E8E84-426E-40DD-AFC4-6F175D3DCCD1}">
+              <a14:hiddenFill xmlns:a14="http://schemas.microsoft.com/office/drawing/2010/main">
+                <a:solidFill>
+                  <a:srgbClr val="FFFFFF"/>
+                </a:solidFill>
+              </a14:hiddenFill>
+            </a:ext>
+          </a:extLst>
+        </p:spPr>
+      </p:pic>
+    </p:spTree>
+    <p:extLst>
+      <p:ext uri="{BB962C8B-B14F-4D97-AF65-F5344CB8AC3E}">
+        <p14:creationId xmlns:p14="http://schemas.microsoft.com/office/powerpoint/2010/main" val="2848426931"/>
+      </p:ext>
+    </p:extLst>
+  </p:cSld>
+  <p:clrMapOvr>
+    <a:masterClrMapping/>
+  </p:clrMapOvr>
+</p:sld>
+</file>
+
+<file path=ppt/slides/slide12.xml><?xml version="1.0" encoding="utf-8"?>
+<p:sld xmlns:a="http://schemas.openxmlformats.org/drawingml/2006/main" xmlns:r="http://schemas.openxmlformats.org/officeDocument/2006/relationships" xmlns:p="http://schemas.openxmlformats.org/presentationml/2006/main">
+  <p:cSld>
+    <p:spTree>
+      <p:nvGrpSpPr>
+        <p:cNvPr id="1" name=""/>
+        <p:cNvGrpSpPr/>
+        <p:nvPr/>
+      </p:nvGrpSpPr>
+      <p:grpSpPr>
+        <a:xfrm>
+          <a:off x="0" y="0"/>
+          <a:ext cx="0" cy="0"/>
+          <a:chOff x="0" y="0"/>
+          <a:chExt cx="0" cy="0"/>
+        </a:xfrm>
+      </p:grpSpPr>
+      <p:sp>
+        <p:nvSpPr>
+          <p:cNvPr id="2" name="Title 1">
+            <a:extLst>
+              <a:ext uri="{FF2B5EF4-FFF2-40B4-BE49-F238E27FC236}">
+                <a16:creationId xmlns:a16="http://schemas.microsoft.com/office/drawing/2014/main" id="{D8819823-04AE-9944-5965-054CE9C89C3E}"/>
+              </a:ext>
+            </a:extLst>
+          </p:cNvPr>
+          <p:cNvSpPr>
+            <a:spLocks noGrp="1"/>
+          </p:cNvSpPr>
+          <p:nvPr>
+            <p:ph type="title"/>
+          </p:nvPr>
+        </p:nvSpPr>
+        <p:spPr/>
+        <p:txBody>
+          <a:bodyPr/>
+          <a:lstStyle/>
+          <a:p>
+            <a:r>
+              <a:rPr lang="en-US" dirty="0" err="1"/>
+              <a:t>Flourescemt</a:t>
+            </a:r>
+            <a:endParaRPr lang="en-US" dirty="0"/>
+          </a:p>
+        </p:txBody>
+      </p:sp>
+      <p:sp>
+        <p:nvSpPr>
+          <p:cNvPr id="3" name="Footer Placeholder 2">
+            <a:extLst>
+              <a:ext uri="{FF2B5EF4-FFF2-40B4-BE49-F238E27FC236}">
+                <a16:creationId xmlns:a16="http://schemas.microsoft.com/office/drawing/2014/main" id="{14BDB6F6-F4D5-F09D-939E-FA8914B12CB0}"/>
+              </a:ext>
+            </a:extLst>
+          </p:cNvPr>
+          <p:cNvSpPr>
+            <a:spLocks noGrp="1"/>
+          </p:cNvSpPr>
+          <p:nvPr>
+            <p:ph type="ftr" sz="quarter" idx="11"/>
+          </p:nvPr>
+        </p:nvSpPr>
+        <p:spPr/>
+        <p:txBody>
+          <a:bodyPr/>
+          <a:lstStyle/>
+          <a:p>
+            <a:r>
+              <a:rPr lang="en-US"/>
+              <a:t>Physics 301 - Advanced Signal and Image Processing</a:t>
+            </a:r>
+          </a:p>
+        </p:txBody>
+      </p:sp>
+      <p:sp>
+        <p:nvSpPr>
+          <p:cNvPr id="4" name="Slide Number Placeholder 3">
+            <a:extLst>
+              <a:ext uri="{FF2B5EF4-FFF2-40B4-BE49-F238E27FC236}">
+                <a16:creationId xmlns:a16="http://schemas.microsoft.com/office/drawing/2014/main" id="{4D296A04-B75C-AFB2-8CA5-3C1A84148F39}"/>
+              </a:ext>
+            </a:extLst>
+          </p:cNvPr>
+          <p:cNvSpPr>
+            <a:spLocks noGrp="1"/>
+          </p:cNvSpPr>
+          <p:nvPr>
+            <p:ph type="sldNum" sz="quarter" idx="12"/>
+          </p:nvPr>
+        </p:nvSpPr>
+        <p:spPr/>
+        <p:txBody>
+          <a:bodyPr/>
+          <a:lstStyle/>
+          <a:p>
+            <a:fld id="{8262CFD8-7A98-47E6-A2CC-B17DDA24BA0E}" type="slidenum">
+              <a:rPr lang="en-US" smtClean="0"/>
+              <a:t>12</a:t>
+            </a:fld>
+            <a:endParaRPr lang="en-US"/>
+          </a:p>
+        </p:txBody>
+      </p:sp>
+      <p:pic>
+        <p:nvPicPr>
+          <p:cNvPr id="4098" name="Picture 2">
+            <a:extLst>
+              <a:ext uri="{FF2B5EF4-FFF2-40B4-BE49-F238E27FC236}">
+                <a16:creationId xmlns:a16="http://schemas.microsoft.com/office/drawing/2014/main" id="{11DC060F-F0B5-5FE7-0AB8-B549F46F03AA}"/>
+              </a:ext>
+            </a:extLst>
+          </p:cNvPr>
+          <p:cNvPicPr>
+            <a:picLocks noChangeAspect="1" noChangeArrowheads="1"/>
+          </p:cNvPicPr>
+          <p:nvPr/>
+        </p:nvPicPr>
+        <p:blipFill>
+          <a:blip r:embed="rId2">
+            <a:extLst>
+              <a:ext uri="{28A0092B-C50C-407E-A947-70E740481C1C}">
+                <a14:useLocalDpi xmlns:a14="http://schemas.microsoft.com/office/drawing/2010/main" val="0"/>
+              </a:ext>
+            </a:extLst>
+          </a:blip>
+          <a:srcRect/>
+          <a:stretch>
+            <a:fillRect/>
+          </a:stretch>
+        </p:blipFill>
+        <p:spPr bwMode="auto">
+          <a:xfrm>
+            <a:off x="457200" y="414179"/>
+            <a:ext cx="8229600" cy="5942172"/>
+          </a:xfrm>
+          <a:prstGeom prst="rect">
+            <a:avLst/>
+          </a:prstGeom>
+          <a:noFill/>
+          <a:extLst>
+            <a:ext uri="{909E8E84-426E-40DD-AFC4-6F175D3DCCD1}">
+              <a14:hiddenFill xmlns:a14="http://schemas.microsoft.com/office/drawing/2010/main">
+                <a:solidFill>
+                  <a:srgbClr val="FFFFFF"/>
+                </a:solidFill>
+              </a14:hiddenFill>
+            </a:ext>
+          </a:extLst>
+        </p:spPr>
+      </p:pic>
+    </p:spTree>
+    <p:extLst>
+      <p:ext uri="{BB962C8B-B14F-4D97-AF65-F5344CB8AC3E}">
+        <p14:creationId xmlns:p14="http://schemas.microsoft.com/office/powerpoint/2010/main" val="11859532"/>
+      </p:ext>
+    </p:extLst>
+  </p:cSld>
+  <p:clrMapOvr>
+    <a:masterClrMapping/>
+  </p:clrMapOvr>
+</p:sld>
+</file>
+
+<file path=ppt/slides/slide13.xml><?xml version="1.0" encoding="utf-8"?>
+<p:sld xmlns:a="http://schemas.openxmlformats.org/drawingml/2006/main" xmlns:r="http://schemas.openxmlformats.org/officeDocument/2006/relationships" xmlns:p="http://schemas.openxmlformats.org/presentationml/2006/main">
+  <p:cSld>
+    <p:spTree>
+      <p:nvGrpSpPr>
+        <p:cNvPr id="1" name=""/>
+        <p:cNvGrpSpPr/>
+        <p:nvPr/>
+      </p:nvGrpSpPr>
+      <p:grpSpPr>
+        <a:xfrm>
+          <a:off x="0" y="0"/>
+          <a:ext cx="0" cy="0"/>
+          <a:chOff x="0" y="0"/>
+          <a:chExt cx="0" cy="0"/>
+        </a:xfrm>
+      </p:grpSpPr>
+      <p:sp>
+        <p:nvSpPr>
+          <p:cNvPr id="2" name="Title 1">
+            <a:extLst>
+              <a:ext uri="{FF2B5EF4-FFF2-40B4-BE49-F238E27FC236}">
+                <a16:creationId xmlns:a16="http://schemas.microsoft.com/office/drawing/2014/main" id="{F8191A77-97BB-1D22-19AD-A9D9F65330C5}"/>
+              </a:ext>
+            </a:extLst>
+          </p:cNvPr>
+          <p:cNvSpPr>
+            <a:spLocks noGrp="1"/>
+          </p:cNvSpPr>
+          <p:nvPr>
+            <p:ph type="title"/>
+          </p:nvPr>
+        </p:nvSpPr>
+        <p:spPr/>
+        <p:txBody>
+          <a:bodyPr/>
+          <a:lstStyle/>
+          <a:p>
+            <a:endParaRPr lang="en-US"/>
+          </a:p>
+        </p:txBody>
+      </p:sp>
+      <p:sp>
+        <p:nvSpPr>
+          <p:cNvPr id="3" name="Footer Placeholder 2">
+            <a:extLst>
+              <a:ext uri="{FF2B5EF4-FFF2-40B4-BE49-F238E27FC236}">
+                <a16:creationId xmlns:a16="http://schemas.microsoft.com/office/drawing/2014/main" id="{EA0AA2B5-1979-2B04-E93A-6BDB90342E6E}"/>
+              </a:ext>
+            </a:extLst>
+          </p:cNvPr>
+          <p:cNvSpPr>
+            <a:spLocks noGrp="1"/>
+          </p:cNvSpPr>
+          <p:nvPr>
+            <p:ph type="ftr" sz="quarter" idx="11"/>
+          </p:nvPr>
+        </p:nvSpPr>
+        <p:spPr/>
+        <p:txBody>
+          <a:bodyPr/>
+          <a:lstStyle/>
+          <a:p>
+            <a:r>
+              <a:rPr lang="en-US"/>
+              <a:t>Physics 301 - Advanced Signal and Image Processing</a:t>
+            </a:r>
+          </a:p>
+        </p:txBody>
+      </p:sp>
+      <p:sp>
+        <p:nvSpPr>
+          <p:cNvPr id="4" name="Slide Number Placeholder 3">
+            <a:extLst>
+              <a:ext uri="{FF2B5EF4-FFF2-40B4-BE49-F238E27FC236}">
+                <a16:creationId xmlns:a16="http://schemas.microsoft.com/office/drawing/2014/main" id="{082882C3-5F5C-55D4-9F89-0F4EB0447A0C}"/>
+              </a:ext>
+            </a:extLst>
+          </p:cNvPr>
+          <p:cNvSpPr>
+            <a:spLocks noGrp="1"/>
+          </p:cNvSpPr>
+          <p:nvPr>
+            <p:ph type="sldNum" sz="quarter" idx="12"/>
+          </p:nvPr>
+        </p:nvSpPr>
+        <p:spPr/>
+        <p:txBody>
+          <a:bodyPr/>
+          <a:lstStyle/>
+          <a:p>
+            <a:fld id="{8262CFD8-7A98-47E6-A2CC-B17DDA24BA0E}" type="slidenum">
+              <a:rPr lang="en-US" smtClean="0"/>
+              <a:t>13</a:t>
+            </a:fld>
+            <a:endParaRPr lang="en-US"/>
+          </a:p>
+        </p:txBody>
+      </p:sp>
+      <p:pic>
+        <p:nvPicPr>
+          <p:cNvPr id="3078" name="Picture 6">
+            <a:extLst>
+              <a:ext uri="{FF2B5EF4-FFF2-40B4-BE49-F238E27FC236}">
+                <a16:creationId xmlns:a16="http://schemas.microsoft.com/office/drawing/2014/main" id="{FFD734DC-2F5C-8505-180C-B48924BA3E01}"/>
+              </a:ext>
+            </a:extLst>
+          </p:cNvPr>
+          <p:cNvPicPr>
+            <a:picLocks noChangeAspect="1" noChangeArrowheads="1"/>
+          </p:cNvPicPr>
+          <p:nvPr/>
+        </p:nvPicPr>
+        <p:blipFill>
+          <a:blip r:embed="rId2">
+            <a:extLst>
+              <a:ext uri="{28A0092B-C50C-407E-A947-70E740481C1C}">
+                <a14:useLocalDpi xmlns:a14="http://schemas.microsoft.com/office/drawing/2010/main" val="0"/>
+              </a:ext>
+            </a:extLst>
+          </a:blip>
+          <a:srcRect/>
+          <a:stretch>
+            <a:fillRect/>
+          </a:stretch>
+        </p:blipFill>
+        <p:spPr bwMode="auto">
+          <a:xfrm>
+            <a:off x="0" y="1433513"/>
+            <a:ext cx="9144000" cy="3990975"/>
+          </a:xfrm>
+          <a:prstGeom prst="rect">
+            <a:avLst/>
+          </a:prstGeom>
+          <a:noFill/>
+          <a:extLst>
+            <a:ext uri="{909E8E84-426E-40DD-AFC4-6F175D3DCCD1}">
+              <a14:hiddenFill xmlns:a14="http://schemas.microsoft.com/office/drawing/2010/main">
+                <a:solidFill>
+                  <a:srgbClr val="FFFFFF"/>
+                </a:solidFill>
+              </a14:hiddenFill>
+            </a:ext>
+          </a:extLst>
+        </p:spPr>
+      </p:pic>
+    </p:spTree>
+    <p:extLst>
+      <p:ext uri="{BB962C8B-B14F-4D97-AF65-F5344CB8AC3E}">
+        <p14:creationId xmlns:p14="http://schemas.microsoft.com/office/powerpoint/2010/main" val="1070593918"/>
       </p:ext>
     </p:extLst>
   </p:cSld>
@@ -7885,7 +8372,7 @@
         <p:fade/>
       </p:transition>
     </mc:Choice>
-    <mc:Fallback xmlns="" xmlns:mv="urn:schemas-microsoft-com:mac:vml" xmlns:c="http://schemas.openxmlformats.org/drawingml/2006/chart" xmlns:dgm="http://schemas.openxmlformats.org/drawingml/2006/diagram" xmlns:o="urn:schemas-microsoft-com:office:office" xmlns:v="urn:schemas-microsoft-com:vml" xmlns:pvml="urn:schemas-microsoft-com:office:powerpoint" xmlns:com="http://schemas.openxmlformats.org/drawingml/2006/compatibility" xmlns:p15="http://schemas.microsoft.com/office/powerpoint/2012/main" xmlns:ahyp="http://schemas.microsoft.com/office/drawing/2018/hyperlinkcolor">
+    <mc:Fallback xmlns:ahyp="http://schemas.microsoft.com/office/drawing/2018/hyperlinkcolor" xmlns:p15="http://schemas.microsoft.com/office/powerpoint/2012/main" xmlns:com="http://schemas.openxmlformats.org/drawingml/2006/compatibility" xmlns:pvml="urn:schemas-microsoft-com:office:powerpoint" xmlns:v="urn:schemas-microsoft-com:vml" xmlns:o="urn:schemas-microsoft-com:office:office" xmlns:dgm="http://schemas.openxmlformats.org/drawingml/2006/diagram" xmlns:c="http://schemas.openxmlformats.org/drawingml/2006/chart" xmlns:mv="urn:schemas-microsoft-com:mac:vml" xmlns="">
       <p:transition>
         <p:fade/>
       </p:transition>

--- a/04 RGB-to-Spectra using PCA/Activity 4 - RGB-Spectra using PCA.pptx
+++ b/04 RGB-to-Spectra using PCA/Activity 4 - RGB-Spectra using PCA.pptx
@@ -5,7 +5,7 @@
     <p:sldMasterId id="2147483660" r:id="rId1"/>
   </p:sldMasterIdLst>
   <p:notesMasterIdLst>
-    <p:notesMasterId r:id="rId15"/>
+    <p:notesMasterId r:id="rId17"/>
   </p:notesMasterIdLst>
   <p:sldIdLst>
     <p:sldId id="256" r:id="rId2"/>
@@ -16,11 +16,13 @@
     <p:sldId id="259" r:id="rId7"/>
     <p:sldId id="262" r:id="rId8"/>
     <p:sldId id="263" r:id="rId9"/>
-    <p:sldId id="264" r:id="rId10"/>
+    <p:sldId id="269" r:id="rId10"/>
     <p:sldId id="265" r:id="rId11"/>
     <p:sldId id="266" r:id="rId12"/>
     <p:sldId id="267" r:id="rId13"/>
     <p:sldId id="268" r:id="rId14"/>
+    <p:sldId id="264" r:id="rId15"/>
+    <p:sldId id="275" r:id="rId16"/>
   </p:sldIdLst>
   <p:sldSz cx="9144000" cy="6858000" type="screen4x3"/>
   <p:notesSz cx="6858000" cy="9144000"/>
@@ -2792,7 +2794,7 @@
           <a:p>
             <a:fld id="{5C1B11F4-4A81-4A1F-8746-8659FC968F94}" type="datetimeFigureOut">
               <a:rPr lang="en-US" smtClean="0"/>
-              <a:t>6/1/2022</a:t>
+              <a:t>6/5/2022</a:t>
             </a:fld>
             <a:endParaRPr lang="en-US"/>
           </a:p>
@@ -5362,7 +5364,7 @@
         <p:fade/>
       </p:transition>
     </mc:Choice>
-    <mc:Fallback xmlns:ahyp="http://schemas.microsoft.com/office/drawing/2018/hyperlinkcolor" xmlns:p15="http://schemas.microsoft.com/office/powerpoint/2012/main" xmlns:com="http://schemas.openxmlformats.org/drawingml/2006/compatibility" xmlns:pvml="urn:schemas-microsoft-com:office:powerpoint" xmlns:v="urn:schemas-microsoft-com:vml" xmlns:o="urn:schemas-microsoft-com:office:office" xmlns:dgm="http://schemas.openxmlformats.org/drawingml/2006/diagram" xmlns:c="http://schemas.openxmlformats.org/drawingml/2006/chart" xmlns:mv="urn:schemas-microsoft-com:mac:vml" xmlns="">
+    <mc:Fallback xmlns="" xmlns:mv="urn:schemas-microsoft-com:mac:vml" xmlns:c="http://schemas.openxmlformats.org/drawingml/2006/chart" xmlns:dgm="http://schemas.openxmlformats.org/drawingml/2006/diagram" xmlns:o="urn:schemas-microsoft-com:office:office" xmlns:v="urn:schemas-microsoft-com:vml" xmlns:pvml="urn:schemas-microsoft-com:office:powerpoint" xmlns:com="http://schemas.openxmlformats.org/drawingml/2006/compatibility" xmlns:p15="http://schemas.microsoft.com/office/powerpoint/2012/main" xmlns:ahyp="http://schemas.microsoft.com/office/drawing/2018/hyperlinkcolor">
       <p:transition>
         <p:fade/>
       </p:transition>
@@ -5374,6 +5376,16 @@
 <file path=ppt/slideLayouts/slideLayout3.xml><?xml version="1.0" encoding="utf-8"?>
 <p:sldLayout xmlns:a="http://schemas.openxmlformats.org/drawingml/2006/main" xmlns:r="http://schemas.openxmlformats.org/officeDocument/2006/relationships" xmlns:p="http://schemas.openxmlformats.org/presentationml/2006/main" type="obj" preserve="1">
   <p:cSld name="Title and Content">
+    <p:bg>
+      <p:bgPr>
+        <a:solidFill>
+          <a:schemeClr val="bg1">
+            <a:alpha val="89000"/>
+          </a:schemeClr>
+        </a:solidFill>
+        <a:effectLst/>
+      </p:bgPr>
+    </p:bg>
     <p:spTree>
       <p:nvGrpSpPr>
         <p:cNvPr id="1" name=""/>
@@ -5427,10 +5439,9 @@
           <a:lstStyle/>
           <a:p>
             <a:r>
-              <a:rPr lang="en-US"/>
+              <a:rPr lang="en-US" dirty="0"/>
               <a:t>Click to edit Master title style</a:t>
             </a:r>
-            <a:endParaRPr lang="en-US" dirty="0"/>
           </a:p>
         </p:txBody>
       </p:sp>
@@ -5446,43 +5457,44 @@
         </p:nvSpPr>
         <p:spPr/>
         <p:txBody>
-          <a:bodyPr/>
+          <a:bodyPr>
+            <a:noAutofit/>
+          </a:bodyPr>
           <a:lstStyle/>
           <a:p>
             <a:pPr lvl="0"/>
             <a:r>
-              <a:rPr lang="en-US"/>
+              <a:rPr lang="en-US" dirty="0"/>
               <a:t>Click to edit Master text styles</a:t>
             </a:r>
           </a:p>
           <a:p>
             <a:pPr lvl="1"/>
             <a:r>
-              <a:rPr lang="en-US"/>
+              <a:rPr lang="en-US" dirty="0"/>
               <a:t>Second level</a:t>
             </a:r>
           </a:p>
           <a:p>
             <a:pPr lvl="2"/>
             <a:r>
-              <a:rPr lang="en-US"/>
+              <a:rPr lang="en-US" dirty="0"/>
               <a:t>Third level</a:t>
             </a:r>
           </a:p>
           <a:p>
             <a:pPr lvl="3"/>
             <a:r>
-              <a:rPr lang="en-US"/>
+              <a:rPr lang="en-US" dirty="0"/>
               <a:t>Fourth level</a:t>
             </a:r>
           </a:p>
           <a:p>
             <a:pPr lvl="4"/>
             <a:r>
-              <a:rPr lang="en-US"/>
+              <a:rPr lang="en-US" dirty="0"/>
               <a:t>Fifth level</a:t>
             </a:r>
-            <a:endParaRPr lang="en-US" dirty="0"/>
           </a:p>
         </p:txBody>
       </p:sp>
@@ -7051,7 +7063,7 @@
         </p:spPr>
         <p:txBody>
           <a:bodyPr vert="horz" lIns="91440" tIns="45720" rIns="91440" bIns="45720" rtlCol="0">
-            <a:normAutofit/>
+            <a:noAutofit/>
           </a:bodyPr>
           <a:lstStyle/>
           <a:p>
@@ -7223,11 +7235,14 @@
     <p:bodyStyle>
       <a:lvl1pPr marL="228600" indent="-228600" algn="l" defTabSz="914400" rtl="0" eaLnBrk="1" latinLnBrk="0" hangingPunct="1">
         <a:lnSpc>
-          <a:spcPct val="90000"/>
+          <a:spcPct val="100000"/>
         </a:lnSpc>
         <a:spcBef>
-          <a:spcPts val="1000"/>
+          <a:spcPts val="600"/>
         </a:spcBef>
+        <a:spcAft>
+          <a:spcPts val="600"/>
+        </a:spcAft>
         <a:buClr>
           <a:srgbClr val="C00000"/>
         </a:buClr>
@@ -7244,11 +7259,14 @@
       </a:lvl1pPr>
       <a:lvl2pPr marL="685800" indent="-228600" algn="l" defTabSz="914400" rtl="0" eaLnBrk="1" latinLnBrk="0" hangingPunct="1">
         <a:lnSpc>
-          <a:spcPct val="90000"/>
+          <a:spcPct val="100000"/>
         </a:lnSpc>
         <a:spcBef>
-          <a:spcPts val="500"/>
+          <a:spcPts val="600"/>
         </a:spcBef>
+        <a:spcAft>
+          <a:spcPts val="600"/>
+        </a:spcAft>
         <a:buClr>
           <a:srgbClr val="C00000"/>
         </a:buClr>
@@ -7265,11 +7283,14 @@
       </a:lvl2pPr>
       <a:lvl3pPr marL="1143000" indent="-228600" algn="l" defTabSz="914400" rtl="0" eaLnBrk="1" latinLnBrk="0" hangingPunct="1">
         <a:lnSpc>
-          <a:spcPct val="90000"/>
+          <a:spcPct val="100000"/>
         </a:lnSpc>
         <a:spcBef>
-          <a:spcPts val="500"/>
+          <a:spcPts val="600"/>
         </a:spcBef>
+        <a:spcAft>
+          <a:spcPts val="600"/>
+        </a:spcAft>
         <a:buClr>
           <a:srgbClr val="C00000"/>
         </a:buClr>
@@ -7286,11 +7307,14 @@
       </a:lvl3pPr>
       <a:lvl4pPr marL="1600200" indent="-228600" algn="l" defTabSz="914400" rtl="0" eaLnBrk="1" latinLnBrk="0" hangingPunct="1">
         <a:lnSpc>
-          <a:spcPct val="90000"/>
+          <a:spcPct val="100000"/>
         </a:lnSpc>
         <a:spcBef>
-          <a:spcPts val="500"/>
+          <a:spcPts val="600"/>
         </a:spcBef>
+        <a:spcAft>
+          <a:spcPts val="600"/>
+        </a:spcAft>
         <a:buClr>
           <a:srgbClr val="C00000"/>
         </a:buClr>
@@ -7307,11 +7331,14 @@
       </a:lvl4pPr>
       <a:lvl5pPr marL="2057400" indent="-228600" algn="l" defTabSz="914400" rtl="0" eaLnBrk="1" latinLnBrk="0" hangingPunct="1">
         <a:lnSpc>
-          <a:spcPct val="90000"/>
+          <a:spcPct val="100000"/>
         </a:lnSpc>
         <a:spcBef>
-          <a:spcPts val="500"/>
+          <a:spcPts val="600"/>
         </a:spcBef>
+        <a:spcAft>
+          <a:spcPts val="600"/>
+        </a:spcAft>
         <a:buClr>
           <a:srgbClr val="C00000"/>
         </a:buClr>
@@ -7892,7 +7919,7 @@
           <a:p>
             <a:r>
               <a:rPr lang="en-US" dirty="0" err="1"/>
-              <a:t>Flourescemt</a:t>
+              <a:t>Flourescent</a:t>
             </a:r>
             <a:endParaRPr lang="en-US" dirty="0"/>
           </a:p>
@@ -8034,6 +8061,34 @@
       </p:grpSpPr>
       <p:sp>
         <p:nvSpPr>
+          <p:cNvPr id="3" name="Footer Placeholder 2">
+            <a:extLst>
+              <a:ext uri="{FF2B5EF4-FFF2-40B4-BE49-F238E27FC236}">
+                <a16:creationId xmlns:a16="http://schemas.microsoft.com/office/drawing/2014/main" id="{EA0AA2B5-1979-2B04-E93A-6BDB90342E6E}"/>
+              </a:ext>
+            </a:extLst>
+          </p:cNvPr>
+          <p:cNvSpPr>
+            <a:spLocks noGrp="1"/>
+          </p:cNvSpPr>
+          <p:nvPr>
+            <p:ph type="ftr" sz="quarter" idx="11"/>
+          </p:nvPr>
+        </p:nvSpPr>
+        <p:spPr/>
+        <p:txBody>
+          <a:bodyPr/>
+          <a:lstStyle/>
+          <a:p>
+            <a:r>
+              <a:rPr lang="en-US"/>
+              <a:t>Physics 301 - Advanced Signal and Image Processing</a:t>
+            </a:r>
+          </a:p>
+        </p:txBody>
+      </p:sp>
+      <p:sp>
+        <p:nvSpPr>
           <p:cNvPr id="2" name="Title 1">
             <a:extLst>
               <a:ext uri="{FF2B5EF4-FFF2-40B4-BE49-F238E27FC236}">
@@ -8053,16 +8108,19 @@
           <a:bodyPr/>
           <a:lstStyle/>
           <a:p>
-            <a:endParaRPr lang="en-US"/>
+            <a:r>
+              <a:rPr lang="en-US" dirty="0"/>
+              <a:t>Discussion</a:t>
+            </a:r>
           </a:p>
         </p:txBody>
       </p:sp>
       <p:sp>
         <p:nvSpPr>
-          <p:cNvPr id="3" name="Footer Placeholder 2">
+          <p:cNvPr id="5" name="Content Placeholder 4">
             <a:extLst>
               <a:ext uri="{FF2B5EF4-FFF2-40B4-BE49-F238E27FC236}">
-                <a16:creationId xmlns:a16="http://schemas.microsoft.com/office/drawing/2014/main" id="{EA0AA2B5-1979-2B04-E93A-6BDB90342E6E}"/>
+                <a16:creationId xmlns:a16="http://schemas.microsoft.com/office/drawing/2014/main" id="{457B8405-D59B-DCF2-367D-635C9CE069CB}"/>
               </a:ext>
             </a:extLst>
           </p:cNvPr>
@@ -8070,7 +8128,7 @@
             <a:spLocks noGrp="1"/>
           </p:cNvSpPr>
           <p:nvPr>
-            <p:ph type="ftr" sz="quarter" idx="11"/>
+            <p:ph idx="1"/>
           </p:nvPr>
         </p:nvSpPr>
         <p:spPr/>
@@ -8078,10 +8136,58 @@
           <a:bodyPr/>
           <a:lstStyle/>
           <a:p>
+            <a:pPr marL="0" indent="0">
+              <a:buNone/>
+            </a:pPr>
             <a:r>
-              <a:rPr lang="en-US"/>
-              <a:t>Physics 301 - Advanced Signal and Image Processing</a:t>
+              <a:rPr lang="en-US" sz="1800" dirty="0"/>
+              <a:t>Overall, we successfully reconstructed the never-before-seen Macbeth color spectra using the Transformation Matrix derived from the Munsell ensemble’s eigenvectors. Across different illuminants, majority of the reconstructions returned imperceivable color difference (</a:t>
             </a:r>
+            <a:r>
+              <a:rPr lang="el-GR" sz="1800" b="0" i="0" dirty="0">
+                <a:solidFill>
+                  <a:srgbClr val="202124"/>
+                </a:solidFill>
+                <a:effectLst/>
+              </a:rPr>
+              <a:t>Δ</a:t>
+            </a:r>
+            <a:r>
+              <a:rPr lang="en-US" sz="1800" b="0" i="0" dirty="0">
+                <a:solidFill>
+                  <a:srgbClr val="202124"/>
+                </a:solidFill>
+                <a:effectLst/>
+              </a:rPr>
+              <a:t>E</a:t>
+            </a:r>
+            <a:r>
+              <a:rPr lang="en-US" sz="1800" b="0" i="0" baseline="-25000" dirty="0">
+                <a:solidFill>
+                  <a:srgbClr val="202124"/>
+                </a:solidFill>
+                <a:effectLst/>
+              </a:rPr>
+              <a:t>76</a:t>
+            </a:r>
+            <a:r>
+              <a:rPr lang="en-US" sz="1800" b="0" i="0" dirty="0">
+                <a:solidFill>
+                  <a:srgbClr val="202124"/>
+                </a:solidFill>
+                <a:effectLst/>
+              </a:rPr>
+              <a:t> &lt; 7), with a few exceptions due to Illuminant A which has a skewed </a:t>
+            </a:r>
+            <a:r>
+              <a:rPr lang="en-US" sz="1800" dirty="0">
+                <a:solidFill>
+                  <a:srgbClr val="202124"/>
+                </a:solidFill>
+              </a:rPr>
+              <a:t>power spectrum.</a:t>
+            </a:r>
+            <a:endParaRPr lang="en-US" sz="1800" dirty="0"/>
           </a:p>
         </p:txBody>
       </p:sp>
@@ -8143,8 +8249,8 @@
         </p:blipFill>
         <p:spPr bwMode="auto">
           <a:xfrm>
-            <a:off x="0" y="1433513"/>
-            <a:ext cx="9144000" cy="3990975"/>
+            <a:off x="457200" y="2764473"/>
+            <a:ext cx="8229600" cy="3591878"/>
           </a:xfrm>
           <a:prstGeom prst="rect">
             <a:avLst/>
@@ -8165,6 +8271,393 @@
     <p:extLst>
       <p:ext uri="{BB962C8B-B14F-4D97-AF65-F5344CB8AC3E}">
         <p14:creationId xmlns:p14="http://schemas.microsoft.com/office/powerpoint/2010/main" val="1070593918"/>
+      </p:ext>
+    </p:extLst>
+  </p:cSld>
+  <p:clrMapOvr>
+    <a:masterClrMapping/>
+  </p:clrMapOvr>
+</p:sld>
+</file>
+
+<file path=ppt/slides/slide14.xml><?xml version="1.0" encoding="utf-8"?>
+<p:sld xmlns:a="http://schemas.openxmlformats.org/drawingml/2006/main" xmlns:r="http://schemas.openxmlformats.org/officeDocument/2006/relationships" xmlns:p="http://schemas.openxmlformats.org/presentationml/2006/main">
+  <p:cSld>
+    <p:spTree>
+      <p:nvGrpSpPr>
+        <p:cNvPr id="1" name=""/>
+        <p:cNvGrpSpPr/>
+        <p:nvPr/>
+      </p:nvGrpSpPr>
+      <p:grpSpPr>
+        <a:xfrm>
+          <a:off x="0" y="0"/>
+          <a:ext cx="0" cy="0"/>
+          <a:chOff x="0" y="0"/>
+          <a:chExt cx="0" cy="0"/>
+        </a:xfrm>
+      </p:grpSpPr>
+      <p:sp>
+        <p:nvSpPr>
+          <p:cNvPr id="2" name="Footer Placeholder 1">
+            <a:extLst>
+              <a:ext uri="{FF2B5EF4-FFF2-40B4-BE49-F238E27FC236}">
+                <a16:creationId xmlns:a16="http://schemas.microsoft.com/office/drawing/2014/main" id="{2F7B457A-6D98-7C9B-8493-8D56CED95B43}"/>
+              </a:ext>
+            </a:extLst>
+          </p:cNvPr>
+          <p:cNvSpPr>
+            <a:spLocks noGrp="1"/>
+          </p:cNvSpPr>
+          <p:nvPr>
+            <p:ph type="ftr" sz="quarter" idx="11"/>
+          </p:nvPr>
+        </p:nvSpPr>
+        <p:spPr/>
+        <p:txBody>
+          <a:bodyPr/>
+          <a:lstStyle/>
+          <a:p>
+            <a:r>
+              <a:rPr lang="en-US"/>
+              <a:t>Physics 301 - Advanced Signal and Image Processing</a:t>
+            </a:r>
+          </a:p>
+        </p:txBody>
+      </p:sp>
+      <p:sp>
+        <p:nvSpPr>
+          <p:cNvPr id="4" name="Title 3">
+            <a:extLst>
+              <a:ext uri="{FF2B5EF4-FFF2-40B4-BE49-F238E27FC236}">
+                <a16:creationId xmlns:a16="http://schemas.microsoft.com/office/drawing/2014/main" id="{2ECEAFAA-A137-F49D-6499-EC774519D41C}"/>
+              </a:ext>
+            </a:extLst>
+          </p:cNvPr>
+          <p:cNvSpPr>
+            <a:spLocks noGrp="1"/>
+          </p:cNvSpPr>
+          <p:nvPr>
+            <p:ph type="title"/>
+          </p:nvPr>
+        </p:nvSpPr>
+        <p:spPr/>
+        <p:txBody>
+          <a:bodyPr/>
+          <a:lstStyle/>
+          <a:p>
+            <a:r>
+              <a:rPr lang="en-US" dirty="0"/>
+              <a:t>Conclusions</a:t>
+            </a:r>
+          </a:p>
+        </p:txBody>
+      </p:sp>
+      <p:sp>
+        <p:nvSpPr>
+          <p:cNvPr id="5" name="Content Placeholder 4">
+            <a:extLst>
+              <a:ext uri="{FF2B5EF4-FFF2-40B4-BE49-F238E27FC236}">
+                <a16:creationId xmlns:a16="http://schemas.microsoft.com/office/drawing/2014/main" id="{8B957DE7-D128-B035-6FCD-F993D6E28C17}"/>
+              </a:ext>
+            </a:extLst>
+          </p:cNvPr>
+          <p:cNvSpPr>
+            <a:spLocks noGrp="1"/>
+          </p:cNvSpPr>
+          <p:nvPr>
+            <p:ph idx="1"/>
+          </p:nvPr>
+        </p:nvSpPr>
+        <p:spPr>
+          <a:xfrm>
+            <a:off x="676273" y="1131216"/>
+            <a:ext cx="7886700" cy="5045747"/>
+          </a:xfrm>
+        </p:spPr>
+        <p:txBody>
+          <a:bodyPr/>
+          <a:lstStyle/>
+          <a:p>
+            <a:pPr marL="0" indent="0">
+              <a:buNone/>
+            </a:pPr>
+            <a:r>
+              <a:rPr lang="en-US" sz="2000" dirty="0"/>
+              <a:t>Both the spectral (RMSE, SAM) and colorimetric (</a:t>
+            </a:r>
+            <a:r>
+              <a:rPr lang="el-GR" sz="2000" b="0" i="0" dirty="0">
+                <a:solidFill>
+                  <a:srgbClr val="202124"/>
+                </a:solidFill>
+                <a:effectLst/>
+              </a:rPr>
+              <a:t>Δ</a:t>
+            </a:r>
+            <a:r>
+              <a:rPr lang="en-US" sz="2000" b="0" i="0" dirty="0">
+                <a:solidFill>
+                  <a:srgbClr val="202124"/>
+                </a:solidFill>
+                <a:effectLst/>
+              </a:rPr>
+              <a:t>E</a:t>
+            </a:r>
+            <a:r>
+              <a:rPr lang="en-US" sz="2000" b="0" i="0" baseline="-25000" dirty="0">
+                <a:solidFill>
+                  <a:srgbClr val="202124"/>
+                </a:solidFill>
+                <a:effectLst/>
+              </a:rPr>
+              <a:t>76</a:t>
+            </a:r>
+            <a:r>
+              <a:rPr lang="en-US" sz="2000" b="0" i="0" dirty="0">
+                <a:solidFill>
+                  <a:srgbClr val="202124"/>
+                </a:solidFill>
+                <a:effectLst/>
+              </a:rPr>
+              <a:t>) </a:t>
+            </a:r>
+            <a:r>
+              <a:rPr lang="en-US" sz="2000" dirty="0"/>
+              <a:t>accuracy has shown how we can accurately depict large datasets with only minimal values through Principal Components Analysis.</a:t>
+            </a:r>
+          </a:p>
+          <a:p>
+            <a:pPr marL="0" indent="457200">
+              <a:buNone/>
+            </a:pPr>
+            <a:r>
+              <a:rPr lang="en-US" sz="2000" dirty="0"/>
+              <a:t>In this activity, we were able to convert a digital camera into a spectral imager where the RGB digital counts were found sufficient to reconstruct the high-dimensional spectral information using PCA.</a:t>
+            </a:r>
+          </a:p>
+        </p:txBody>
+      </p:sp>
+      <p:sp>
+        <p:nvSpPr>
+          <p:cNvPr id="3" name="Slide Number Placeholder 2">
+            <a:extLst>
+              <a:ext uri="{FF2B5EF4-FFF2-40B4-BE49-F238E27FC236}">
+                <a16:creationId xmlns:a16="http://schemas.microsoft.com/office/drawing/2014/main" id="{A2203607-C249-4922-F9AE-93C15F5F2DC9}"/>
+              </a:ext>
+            </a:extLst>
+          </p:cNvPr>
+          <p:cNvSpPr>
+            <a:spLocks noGrp="1"/>
+          </p:cNvSpPr>
+          <p:nvPr>
+            <p:ph type="sldNum" sz="quarter" idx="12"/>
+          </p:nvPr>
+        </p:nvSpPr>
+        <p:spPr/>
+        <p:txBody>
+          <a:bodyPr/>
+          <a:lstStyle/>
+          <a:p>
+            <a:fld id="{8262CFD8-7A98-47E6-A2CC-B17DDA24BA0E}" type="slidenum">
+              <a:rPr lang="en-US" smtClean="0"/>
+              <a:t>14</a:t>
+            </a:fld>
+            <a:endParaRPr lang="en-US"/>
+          </a:p>
+        </p:txBody>
+      </p:sp>
+      <p:pic>
+        <p:nvPicPr>
+          <p:cNvPr id="4102" name="Picture 6">
+            <a:extLst>
+              <a:ext uri="{FF2B5EF4-FFF2-40B4-BE49-F238E27FC236}">
+                <a16:creationId xmlns:a16="http://schemas.microsoft.com/office/drawing/2014/main" id="{8C5D28F1-EB96-C418-8DC4-CA5304202D20}"/>
+              </a:ext>
+            </a:extLst>
+          </p:cNvPr>
+          <p:cNvPicPr>
+            <a:picLocks noChangeAspect="1" noChangeArrowheads="1"/>
+          </p:cNvPicPr>
+          <p:nvPr/>
+        </p:nvPicPr>
+        <p:blipFill>
+          <a:blip r:embed="rId2">
+            <a:extLst>
+              <a:ext uri="{28A0092B-C50C-407E-A947-70E740481C1C}">
+                <a14:useLocalDpi xmlns:a14="http://schemas.microsoft.com/office/drawing/2010/main" val="0"/>
+              </a:ext>
+            </a:extLst>
+          </a:blip>
+          <a:srcRect/>
+          <a:stretch>
+            <a:fillRect/>
+          </a:stretch>
+        </p:blipFill>
+        <p:spPr bwMode="auto">
+          <a:xfrm>
+            <a:off x="457200" y="3538063"/>
+            <a:ext cx="8229600" cy="2638900"/>
+          </a:xfrm>
+          <a:prstGeom prst="rect">
+            <a:avLst/>
+          </a:prstGeom>
+          <a:noFill/>
+          <a:extLst>
+            <a:ext uri="{909E8E84-426E-40DD-AFC4-6F175D3DCCD1}">
+              <a14:hiddenFill xmlns:a14="http://schemas.microsoft.com/office/drawing/2010/main">
+                <a:solidFill>
+                  <a:srgbClr val="FFFFFF"/>
+                </a:solidFill>
+              </a14:hiddenFill>
+            </a:ext>
+          </a:extLst>
+        </p:spPr>
+      </p:pic>
+    </p:spTree>
+    <p:extLst>
+      <p:ext uri="{BB962C8B-B14F-4D97-AF65-F5344CB8AC3E}">
+        <p14:creationId xmlns:p14="http://schemas.microsoft.com/office/powerpoint/2010/main" val="4152126054"/>
+      </p:ext>
+    </p:extLst>
+  </p:cSld>
+  <p:clrMapOvr>
+    <a:masterClrMapping/>
+  </p:clrMapOvr>
+</p:sld>
+</file>
+
+<file path=ppt/slides/slide15.xml><?xml version="1.0" encoding="utf-8"?>
+<p:sld xmlns:a="http://schemas.openxmlformats.org/drawingml/2006/main" xmlns:r="http://schemas.openxmlformats.org/officeDocument/2006/relationships" xmlns:p="http://schemas.openxmlformats.org/presentationml/2006/main">
+  <p:cSld>
+    <p:spTree>
+      <p:nvGrpSpPr>
+        <p:cNvPr id="1" name=""/>
+        <p:cNvGrpSpPr/>
+        <p:nvPr/>
+      </p:nvGrpSpPr>
+      <p:grpSpPr>
+        <a:xfrm>
+          <a:off x="0" y="0"/>
+          <a:ext cx="0" cy="0"/>
+          <a:chOff x="0" y="0"/>
+          <a:chExt cx="0" cy="0"/>
+        </a:xfrm>
+      </p:grpSpPr>
+      <p:sp>
+        <p:nvSpPr>
+          <p:cNvPr id="2" name="Footer Placeholder 1">
+            <a:extLst>
+              <a:ext uri="{FF2B5EF4-FFF2-40B4-BE49-F238E27FC236}">
+                <a16:creationId xmlns:a16="http://schemas.microsoft.com/office/drawing/2014/main" id="{0119B976-BF6E-0B15-F21A-F0DB09CB3231}"/>
+              </a:ext>
+            </a:extLst>
+          </p:cNvPr>
+          <p:cNvSpPr>
+            <a:spLocks noGrp="1"/>
+          </p:cNvSpPr>
+          <p:nvPr>
+            <p:ph type="ftr" sz="quarter" idx="11"/>
+          </p:nvPr>
+        </p:nvSpPr>
+        <p:spPr/>
+        <p:txBody>
+          <a:bodyPr/>
+          <a:lstStyle/>
+          <a:p>
+            <a:r>
+              <a:rPr lang="en-US"/>
+              <a:t>Physics 301 - Advanced Signal and Image Processing</a:t>
+            </a:r>
+          </a:p>
+        </p:txBody>
+      </p:sp>
+      <p:sp>
+        <p:nvSpPr>
+          <p:cNvPr id="4" name="Title 3">
+            <a:extLst>
+              <a:ext uri="{FF2B5EF4-FFF2-40B4-BE49-F238E27FC236}">
+                <a16:creationId xmlns:a16="http://schemas.microsoft.com/office/drawing/2014/main" id="{2CA31454-8CFD-DCEC-F28C-84EEBEB1C175}"/>
+              </a:ext>
+            </a:extLst>
+          </p:cNvPr>
+          <p:cNvSpPr>
+            <a:spLocks noGrp="1"/>
+          </p:cNvSpPr>
+          <p:nvPr>
+            <p:ph type="title"/>
+          </p:nvPr>
+        </p:nvSpPr>
+        <p:spPr/>
+        <p:txBody>
+          <a:bodyPr/>
+          <a:lstStyle/>
+          <a:p>
+            <a:r>
+              <a:rPr lang="en-US" dirty="0"/>
+              <a:t>References</a:t>
+            </a:r>
+          </a:p>
+        </p:txBody>
+      </p:sp>
+      <p:sp>
+        <p:nvSpPr>
+          <p:cNvPr id="9" name="Content Placeholder 8">
+            <a:extLst>
+              <a:ext uri="{FF2B5EF4-FFF2-40B4-BE49-F238E27FC236}">
+                <a16:creationId xmlns:a16="http://schemas.microsoft.com/office/drawing/2014/main" id="{E96D88BF-6568-DE4E-D016-9ECF8ED14643}"/>
+              </a:ext>
+            </a:extLst>
+          </p:cNvPr>
+          <p:cNvSpPr>
+            <a:spLocks noGrp="1"/>
+          </p:cNvSpPr>
+          <p:nvPr>
+            <p:ph idx="1"/>
+          </p:nvPr>
+        </p:nvSpPr>
+        <p:spPr/>
+        <p:txBody>
+          <a:bodyPr/>
+          <a:lstStyle/>
+          <a:p>
+            <a:endParaRPr lang="en-US"/>
+          </a:p>
+        </p:txBody>
+      </p:sp>
+      <p:sp>
+        <p:nvSpPr>
+          <p:cNvPr id="3" name="Slide Number Placeholder 2">
+            <a:extLst>
+              <a:ext uri="{FF2B5EF4-FFF2-40B4-BE49-F238E27FC236}">
+                <a16:creationId xmlns:a16="http://schemas.microsoft.com/office/drawing/2014/main" id="{CC1769D2-2BF2-348C-7810-0DF7AC643181}"/>
+              </a:ext>
+            </a:extLst>
+          </p:cNvPr>
+          <p:cNvSpPr>
+            <a:spLocks noGrp="1"/>
+          </p:cNvSpPr>
+          <p:nvPr>
+            <p:ph type="sldNum" sz="quarter" idx="12"/>
+          </p:nvPr>
+        </p:nvSpPr>
+        <p:spPr/>
+        <p:txBody>
+          <a:bodyPr/>
+          <a:lstStyle/>
+          <a:p>
+            <a:fld id="{8262CFD8-7A98-47E6-A2CC-B17DDA24BA0E}" type="slidenum">
+              <a:rPr lang="en-US" smtClean="0"/>
+              <a:t>15</a:t>
+            </a:fld>
+            <a:endParaRPr lang="en-US"/>
+          </a:p>
+        </p:txBody>
+      </p:sp>
+    </p:spTree>
+    <p:extLst>
+      <p:ext uri="{BB962C8B-B14F-4D97-AF65-F5344CB8AC3E}">
+        <p14:creationId xmlns:p14="http://schemas.microsoft.com/office/powerpoint/2010/main" val="431426445"/>
       </p:ext>
     </p:extLst>
   </p:cSld>
@@ -8210,7 +8703,7 @@
         <p:spPr/>
         <p:txBody>
           <a:bodyPr>
-            <a:normAutofit lnSpcReduction="10000"/>
+            <a:normAutofit fontScale="92500" lnSpcReduction="20000"/>
           </a:bodyPr>
           <a:lstStyle/>
           <a:p>
@@ -8372,7 +8865,7 @@
         <p:fade/>
       </p:transition>
     </mc:Choice>
-    <mc:Fallback xmlns:ahyp="http://schemas.microsoft.com/office/drawing/2018/hyperlinkcolor" xmlns:p15="http://schemas.microsoft.com/office/powerpoint/2012/main" xmlns:com="http://schemas.openxmlformats.org/drawingml/2006/compatibility" xmlns:pvml="urn:schemas-microsoft-com:office:powerpoint" xmlns:v="urn:schemas-microsoft-com:vml" xmlns:o="urn:schemas-microsoft-com:office:office" xmlns:dgm="http://schemas.openxmlformats.org/drawingml/2006/diagram" xmlns:c="http://schemas.openxmlformats.org/drawingml/2006/chart" xmlns:mv="urn:schemas-microsoft-com:mac:vml" xmlns="">
+    <mc:Fallback xmlns="" xmlns:mv="urn:schemas-microsoft-com:mac:vml" xmlns:c="http://schemas.openxmlformats.org/drawingml/2006/chart" xmlns:dgm="http://schemas.openxmlformats.org/drawingml/2006/diagram" xmlns:o="urn:schemas-microsoft-com:office:office" xmlns:v="urn:schemas-microsoft-com:vml" xmlns:pvml="urn:schemas-microsoft-com:office:powerpoint" xmlns:com="http://schemas.openxmlformats.org/drawingml/2006/compatibility" xmlns:p15="http://schemas.microsoft.com/office/powerpoint/2012/main" xmlns:ahyp="http://schemas.microsoft.com/office/drawing/2018/hyperlinkcolor">
       <p:transition>
         <p:fade/>
       </p:transition>
@@ -8398,8 +8891,65 @@
           <a:chExt cx="0" cy="0"/>
         </a:xfrm>
       </p:grpSpPr>
-      <mc:AlternateContent xmlns:mc="http://schemas.openxmlformats.org/markup-compatibility/2006" xmlns:a14="http://schemas.microsoft.com/office/drawing/2010/main">
-        <mc:Choice Requires="a14">
+      <p:sp>
+        <p:nvSpPr>
+          <p:cNvPr id="4" name="Footer Placeholder 3">
+            <a:extLst>
+              <a:ext uri="{FF2B5EF4-FFF2-40B4-BE49-F238E27FC236}">
+                <a16:creationId xmlns:a16="http://schemas.microsoft.com/office/drawing/2014/main" id="{1BE078DB-88BA-BCF0-C738-7E2872E13DE5}"/>
+              </a:ext>
+            </a:extLst>
+          </p:cNvPr>
+          <p:cNvSpPr>
+            <a:spLocks noGrp="1"/>
+          </p:cNvSpPr>
+          <p:nvPr>
+            <p:ph type="ftr" sz="quarter" idx="11"/>
+          </p:nvPr>
+        </p:nvSpPr>
+        <p:spPr/>
+        <p:txBody>
+          <a:bodyPr/>
+          <a:lstStyle/>
+          <a:p>
+            <a:r>
+              <a:rPr lang="en-US"/>
+              <a:t>Physics 301 - Advanced Signal and Image Processing</a:t>
+            </a:r>
+            <a:endParaRPr lang="en-US" dirty="0"/>
+          </a:p>
+        </p:txBody>
+      </p:sp>
+      <p:sp>
+        <p:nvSpPr>
+          <p:cNvPr id="2" name="Title 1">
+            <a:extLst>
+              <a:ext uri="{FF2B5EF4-FFF2-40B4-BE49-F238E27FC236}">
+                <a16:creationId xmlns:a16="http://schemas.microsoft.com/office/drawing/2014/main" id="{81F1909E-2A3A-76BB-F2AA-4E9B17F26D00}"/>
+              </a:ext>
+            </a:extLst>
+          </p:cNvPr>
+          <p:cNvSpPr>
+            <a:spLocks noGrp="1"/>
+          </p:cNvSpPr>
+          <p:nvPr>
+            <p:ph type="title"/>
+          </p:nvPr>
+        </p:nvSpPr>
+        <p:spPr/>
+        <p:txBody>
+          <a:bodyPr/>
+          <a:lstStyle/>
+          <a:p>
+            <a:r>
+              <a:rPr lang="en-US" dirty="0"/>
+              <a:t>Background</a:t>
+            </a:r>
+          </a:p>
+        </p:txBody>
+      </p:sp>
+      <mc:AlternateContent xmlns:mc="http://schemas.openxmlformats.org/markup-compatibility/2006">
+        <mc:Choice xmlns:a14="http://schemas.microsoft.com/office/drawing/2010/main" Requires="a14">
           <p:sp>
             <p:nvSpPr>
               <p:cNvPr id="3" name="Content Placeholder 2">
@@ -8423,42 +8973,7 @@
               </a:bodyPr>
               <a:lstStyle/>
               <a:p>
-                <a:pPr marL="0" indent="0">
-                  <a:spcBef>
-                    <a:spcPts val="600"/>
-                  </a:spcBef>
-                  <a:spcAft>
-                    <a:spcPts val="600"/>
-                  </a:spcAft>
-                  <a:buNone/>
-                </a:pPr>
-                <a:r>
-                  <a:rPr lang="en-US" dirty="0">
-                    <a:solidFill>
-                      <a:schemeClr val="bg1"/>
-                    </a:solidFill>
-                    <a:highlight>
-                      <a:srgbClr val="467599"/>
-                    </a:highlight>
-                    <a:latin typeface="Bahnschrift SemiBold" panose="020B0502040204020203" pitchFamily="34" charset="0"/>
-                  </a:rPr>
-                  <a:t> Estimating Color Signal from Digital Color</a:t>
-                </a:r>
-                <a:r>
-                  <a:rPr lang="en-US" dirty="0">
-                    <a:solidFill>
-                      <a:srgbClr val="467599"/>
-                    </a:solidFill>
-                    <a:highlight>
-                      <a:srgbClr val="467599"/>
-                    </a:highlight>
-                    <a:latin typeface="Bahnschrift SemiBold" panose="020B0502040204020203" pitchFamily="34" charset="0"/>
-                  </a:rPr>
-                  <a:t>.</a:t>
-                </a:r>
-              </a:p>
-              <a:p>
-                <a:pPr marL="0" indent="0">
+                <a:pPr marL="0" indent="0" algn="r">
                   <a:spcBef>
                     <a:spcPts val="600"/>
                   </a:spcBef>
@@ -8470,11 +8985,11 @@
                 <a14:m>
                   <m:oMathPara xmlns:m="http://schemas.openxmlformats.org/officeDocument/2006/math">
                     <m:oMathParaPr>
-                      <m:jc m:val="centerGroup"/>
+                      <m:jc m:val="right"/>
                     </m:oMathParaPr>
                     <m:oMath xmlns:m="http://schemas.openxmlformats.org/officeDocument/2006/math">
                       <m:r>
-                        <a:rPr lang="en-US" sz="2400" i="1" smtClean="0">
+                        <a:rPr lang="en-US" sz="2000" i="1" smtClean="0">
                           <a:latin typeface="Cambria Math" panose="02040503050406030204" pitchFamily="18" charset="0"/>
                         </a:rPr>
                         <m:t>𝐶</m:t>
@@ -8482,7 +8997,7 @@
                       <m:d>
                         <m:dPr>
                           <m:ctrlPr>
-                            <a:rPr lang="en-US" sz="2400" i="1" smtClean="0">
+                            <a:rPr lang="en-US" sz="2000" i="1" smtClean="0">
                               <a:solidFill>
                                 <a:srgbClr val="836967"/>
                               </a:solidFill>
@@ -8492,7 +9007,7 @@
                         </m:dPr>
                         <m:e>
                           <m:r>
-                            <a:rPr lang="en-US" sz="2400" i="1" smtClean="0">
+                            <a:rPr lang="en-US" sz="2000" i="1" smtClean="0">
                               <a:latin typeface="Cambria Math" panose="02040503050406030204" pitchFamily="18" charset="0"/>
                             </a:rPr>
                             <m:t>𝜆</m:t>
@@ -8500,7 +9015,7 @@
                         </m:e>
                       </m:d>
                       <m:r>
-                        <a:rPr lang="en-US" sz="2400" i="1" smtClean="0">
+                        <a:rPr lang="en-US" sz="2000" i="1" smtClean="0">
                           <a:latin typeface="Cambria Math" panose="02040503050406030204" pitchFamily="18" charset="0"/>
                         </a:rPr>
                         <m:t>=</m:t>
@@ -8512,7 +9027,7 @@
                           <m:subHide m:val="on"/>
                           <m:supHide m:val="on"/>
                           <m:ctrlPr>
-                            <a:rPr lang="en-US" sz="2400" i="1" smtClean="0">
+                            <a:rPr lang="en-US" sz="2000" i="1" smtClean="0">
                               <a:latin typeface="Cambria Math" panose="02040503050406030204" pitchFamily="18" charset="0"/>
                             </a:rPr>
                           </m:ctrlPr>
@@ -8521,7 +9036,7 @@
                         <m:sup/>
                         <m:e>
                           <m:r>
-                            <a:rPr lang="en-US" sz="2400" i="1" smtClean="0">
+                            <a:rPr lang="en-US" sz="2000" i="1" smtClean="0">
                               <a:latin typeface="Cambria Math" panose="02040503050406030204" pitchFamily="18" charset="0"/>
                             </a:rPr>
                             <m:t>𝑃</m:t>
@@ -8529,7 +9044,7 @@
                           <m:d>
                             <m:dPr>
                               <m:ctrlPr>
-                                <a:rPr lang="en-US" sz="2400" i="1" smtClean="0">
+                                <a:rPr lang="en-US" sz="2000" i="1" smtClean="0">
                                   <a:solidFill>
                                     <a:srgbClr val="836967"/>
                                   </a:solidFill>
@@ -8539,7 +9054,7 @@
                             </m:dPr>
                             <m:e>
                               <m:r>
-                                <a:rPr lang="en-US" sz="2400" i="1" smtClean="0">
+                                <a:rPr lang="en-US" sz="2000" i="1" smtClean="0">
                                   <a:latin typeface="Cambria Math" panose="02040503050406030204" pitchFamily="18" charset="0"/>
                                 </a:rPr>
                                 <m:t>𝜆</m:t>
@@ -8547,7 +9062,7 @@
                             </m:e>
                           </m:d>
                           <m:r>
-                            <a:rPr lang="en-US" sz="2400" i="1" smtClean="0">
+                            <a:rPr lang="en-US" sz="2000" i="1" smtClean="0">
                               <a:latin typeface="Cambria Math" panose="02040503050406030204" pitchFamily="18" charset="0"/>
                             </a:rPr>
                             <m:t>𝑅</m:t>
@@ -8555,7 +9070,7 @@
                           <m:d>
                             <m:dPr>
                               <m:ctrlPr>
-                                <a:rPr lang="en-US" sz="2400" i="1" smtClean="0">
+                                <a:rPr lang="en-US" sz="2000" i="1" smtClean="0">
                                   <a:solidFill>
                                     <a:srgbClr val="836967"/>
                                   </a:solidFill>
@@ -8565,7 +9080,7 @@
                             </m:dPr>
                             <m:e>
                               <m:r>
-                                <a:rPr lang="en-US" sz="2400" i="1" smtClean="0">
+                                <a:rPr lang="en-US" sz="2000" i="1" smtClean="0">
                                   <a:latin typeface="Cambria Math" panose="02040503050406030204" pitchFamily="18" charset="0"/>
                                 </a:rPr>
                                 <m:t>𝜆</m:t>
@@ -8577,10 +9092,10 @@
                     </m:oMath>
                   </m:oMathPara>
                 </a14:m>
-                <a:endParaRPr lang="en-US" sz="2400" dirty="0"/>
+                <a:endParaRPr lang="en-US" sz="2000" dirty="0"/>
               </a:p>
               <a:p>
-                <a:pPr marL="0" indent="0">
+                <a:pPr marL="0" indent="0" algn="r">
                   <a:spcBef>
                     <a:spcPts val="600"/>
                   </a:spcBef>
@@ -8592,7 +9107,7 @@
                 <a14:m>
                   <m:oMathPara xmlns:m="http://schemas.openxmlformats.org/officeDocument/2006/math">
                     <m:oMathParaPr>
-                      <m:jc m:val="centerGroup"/>
+                      <m:jc m:val="right"/>
                     </m:oMathParaPr>
                     <m:oMath xmlns:m="http://schemas.openxmlformats.org/officeDocument/2006/math">
                       <m:sSub>
@@ -8729,6 +9244,311 @@
               </a:p>
               <a:p>
                 <a:pPr marL="0" indent="0">
+                  <a:lnSpc>
+                    <a:spcPct val="110000"/>
+                  </a:lnSpc>
+                  <a:buNone/>
+                </a:pPr>
+                <a:r>
+                  <a:rPr lang="en-US" sz="1800" dirty="0">
+                    <a:solidFill>
+                      <a:schemeClr val="bg1"/>
+                    </a:solidFill>
+                    <a:highlight>
+                      <a:srgbClr val="467599"/>
+                    </a:highlight>
+                    <a:latin typeface="Bahnschrift SemiBold" panose="020B0502040204020203" pitchFamily="34" charset="0"/>
+                  </a:rPr>
+                  <a:t> Estimating Color Signal from Digital Color</a:t>
+                </a:r>
+                <a:r>
+                  <a:rPr lang="en-US" sz="1800" dirty="0">
+                    <a:solidFill>
+                      <a:srgbClr val="467599"/>
+                    </a:solidFill>
+                    <a:highlight>
+                      <a:srgbClr val="467599"/>
+                    </a:highlight>
+                    <a:latin typeface="Bahnschrift SemiBold" panose="020B0502040204020203" pitchFamily="34" charset="0"/>
+                  </a:rPr>
+                  <a:t>.</a:t>
+                </a:r>
+              </a:p>
+              <a:p>
+                <a:pPr marL="0" indent="0">
+                  <a:lnSpc>
+                    <a:spcPct val="110000"/>
+                  </a:lnSpc>
+                  <a:spcBef>
+                    <a:spcPts val="600"/>
+                  </a:spcBef>
+                  <a:spcAft>
+                    <a:spcPts val="600"/>
+                  </a:spcAft>
+                  <a:buNone/>
+                </a:pPr>
+                <a:r>
+                  <a:rPr lang="en-US" sz="1800" dirty="0"/>
+                  <a:t>Recalling the principle of color trinity, the digital RGB values or </a:t>
+                </a:r>
+                <a14:m>
+                  <m:oMath xmlns:m="http://schemas.openxmlformats.org/officeDocument/2006/math">
+                    <m:sSub>
+                      <m:sSubPr>
+                        <m:ctrlPr>
+                          <a:rPr lang="en-US" sz="1800" i="1" smtClean="0">
+                            <a:solidFill>
+                              <a:srgbClr val="836967"/>
+                            </a:solidFill>
+                            <a:latin typeface="Cambria Math" panose="02040503050406030204" pitchFamily="18" charset="0"/>
+                          </a:rPr>
+                        </m:ctrlPr>
+                      </m:sSubPr>
+                      <m:e>
+                        <m:r>
+                          <a:rPr lang="en-US" sz="1800" i="1" smtClean="0">
+                            <a:latin typeface="Cambria Math" panose="02040503050406030204" pitchFamily="18" charset="0"/>
+                          </a:rPr>
+                          <m:t>𝑞</m:t>
+                        </m:r>
+                      </m:e>
+                      <m:sub>
+                        <m:r>
+                          <a:rPr lang="en-US" sz="1800" i="1" smtClean="0">
+                            <a:latin typeface="Cambria Math" panose="02040503050406030204" pitchFamily="18" charset="0"/>
+                          </a:rPr>
+                          <m:t>𝑛</m:t>
+                        </m:r>
+                      </m:sub>
+                    </m:sSub>
+                    <m:r>
+                      <a:rPr lang="en-US" sz="1800" i="1" smtClean="0">
+                        <a:latin typeface="Cambria Math" panose="02040503050406030204" pitchFamily="18" charset="0"/>
+                      </a:rPr>
+                      <m:t> </m:t>
+                    </m:r>
+                  </m:oMath>
+                </a14:m>
+                <a:r>
+                  <a:rPr lang="en-US" sz="1800" dirty="0"/>
+                  <a:t>are obtained by multiplying the color signal </a:t>
+                </a:r>
+                <a14:m>
+                  <m:oMath xmlns:m="http://schemas.openxmlformats.org/officeDocument/2006/math">
+                    <m:sSub>
+                      <m:sSubPr>
+                        <m:ctrlPr>
+                          <a:rPr lang="en-US" sz="1800" i="1">
+                            <a:solidFill>
+                              <a:srgbClr val="836967"/>
+                            </a:solidFill>
+                            <a:latin typeface="Cambria Math" panose="02040503050406030204" pitchFamily="18" charset="0"/>
+                          </a:rPr>
+                        </m:ctrlPr>
+                      </m:sSubPr>
+                      <m:e>
+                        <m:r>
+                          <a:rPr lang="en-US" sz="1800" i="1">
+                            <a:latin typeface="Cambria Math" panose="02040503050406030204" pitchFamily="18" charset="0"/>
+                          </a:rPr>
+                          <m:t>𝐶</m:t>
+                        </m:r>
+                      </m:e>
+                      <m:sub>
+                        <m:r>
+                          <a:rPr lang="en-US" sz="1800" i="1">
+                            <a:latin typeface="Cambria Math" panose="02040503050406030204" pitchFamily="18" charset="0"/>
+                          </a:rPr>
+                          <m:t>𝑛</m:t>
+                        </m:r>
+                      </m:sub>
+                    </m:sSub>
+                    <m:d>
+                      <m:dPr>
+                        <m:ctrlPr>
+                          <a:rPr lang="en-US" sz="1800" i="1">
+                            <a:solidFill>
+                              <a:srgbClr val="836967"/>
+                            </a:solidFill>
+                            <a:latin typeface="Cambria Math" panose="02040503050406030204" pitchFamily="18" charset="0"/>
+                          </a:rPr>
+                        </m:ctrlPr>
+                      </m:dPr>
+                      <m:e>
+                        <m:r>
+                          <a:rPr lang="en-US" sz="1800" i="1">
+                            <a:latin typeface="Cambria Math" panose="02040503050406030204" pitchFamily="18" charset="0"/>
+                          </a:rPr>
+                          <m:t>𝜆</m:t>
+                        </m:r>
+                      </m:e>
+                    </m:d>
+                  </m:oMath>
+                </a14:m>
+                <a:r>
+                  <a:rPr lang="en-US" sz="1800" dirty="0"/>
+                  <a:t> with the spectral sensitivities </a:t>
+                </a:r>
+                <a14:m>
+                  <m:oMath xmlns:m="http://schemas.openxmlformats.org/officeDocument/2006/math">
+                    <m:sSub>
+                      <m:sSubPr>
+                        <m:ctrlPr>
+                          <a:rPr lang="en-US" sz="1800" i="1">
+                            <a:solidFill>
+                              <a:srgbClr val="836967"/>
+                            </a:solidFill>
+                            <a:latin typeface="Cambria Math" panose="02040503050406030204" pitchFamily="18" charset="0"/>
+                          </a:rPr>
+                        </m:ctrlPr>
+                      </m:sSubPr>
+                      <m:e>
+                        <m:r>
+                          <a:rPr lang="en-US" sz="1800" i="1">
+                            <a:latin typeface="Cambria Math" panose="02040503050406030204" pitchFamily="18" charset="0"/>
+                          </a:rPr>
+                          <m:t>𝑆</m:t>
+                        </m:r>
+                      </m:e>
+                      <m:sub>
+                        <m:r>
+                          <a:rPr lang="en-US" sz="1800" i="1">
+                            <a:latin typeface="Cambria Math" panose="02040503050406030204" pitchFamily="18" charset="0"/>
+                          </a:rPr>
+                          <m:t>𝑛</m:t>
+                        </m:r>
+                      </m:sub>
+                    </m:sSub>
+                    <m:d>
+                      <m:dPr>
+                        <m:ctrlPr>
+                          <a:rPr lang="en-US" sz="1800" i="1">
+                            <a:solidFill>
+                              <a:srgbClr val="836967"/>
+                            </a:solidFill>
+                            <a:latin typeface="Cambria Math" panose="02040503050406030204" pitchFamily="18" charset="0"/>
+                          </a:rPr>
+                        </m:ctrlPr>
+                      </m:dPr>
+                      <m:e>
+                        <m:r>
+                          <a:rPr lang="en-US" sz="1800" i="1">
+                            <a:latin typeface="Cambria Math" panose="02040503050406030204" pitchFamily="18" charset="0"/>
+                          </a:rPr>
+                          <m:t>𝜆</m:t>
+                        </m:r>
+                      </m:e>
+                    </m:d>
+                  </m:oMath>
+                </a14:m>
+                <a:r>
+                  <a:rPr lang="en-US" sz="1800" dirty="0"/>
+                  <a:t>. </a:t>
+                </a:r>
+              </a:p>
+              <a:p>
+                <a:pPr marL="0" indent="0">
+                  <a:lnSpc>
+                    <a:spcPct val="110000"/>
+                  </a:lnSpc>
+                  <a:buNone/>
+                </a:pPr>
+                <a:r>
+                  <a:rPr lang="en-US" sz="1800" dirty="0"/>
+                  <a:t>Suppose we have a spectral reflectance database and a default source, then we can represent the color signal as a linear superposition of the eigenvectors</a:t>
+                </a:r>
+                <a:r>
+                  <a:rPr lang="en-US" sz="1800" dirty="0">
+                    <a:solidFill>
+                      <a:srgbClr val="836967"/>
+                    </a:solidFill>
+                  </a:rPr>
+                  <a:t> </a:t>
+                </a:r>
+                <a14:m>
+                  <m:oMath xmlns:m="http://schemas.openxmlformats.org/officeDocument/2006/math">
+                    <m:sSub>
+                      <m:sSubPr>
+                        <m:ctrlPr>
+                          <a:rPr lang="en-US" sz="1800" i="1" smtClean="0">
+                            <a:solidFill>
+                              <a:srgbClr val="836967"/>
+                            </a:solidFill>
+                            <a:latin typeface="Cambria Math" panose="02040503050406030204" pitchFamily="18" charset="0"/>
+                          </a:rPr>
+                        </m:ctrlPr>
+                      </m:sSubPr>
+                      <m:e>
+                        <m:r>
+                          <a:rPr lang="en-US" sz="1800" i="1" smtClean="0">
+                            <a:latin typeface="Cambria Math" panose="02040503050406030204" pitchFamily="18" charset="0"/>
+                          </a:rPr>
+                          <m:t>𝑒</m:t>
+                        </m:r>
+                      </m:e>
+                      <m:sub>
+                        <m:r>
+                          <a:rPr lang="en-US" sz="1800" i="1" smtClean="0">
+                            <a:latin typeface="Cambria Math" panose="02040503050406030204" pitchFamily="18" charset="0"/>
+                          </a:rPr>
+                          <m:t>𝑖</m:t>
+                        </m:r>
+                      </m:sub>
+                    </m:sSub>
+                  </m:oMath>
+                </a14:m>
+                <a:r>
+                  <a:rPr lang="en-US" sz="1800" dirty="0"/>
+                  <a:t> and weights </a:t>
+                </a:r>
+                <a14:m>
+                  <m:oMath xmlns:m="http://schemas.openxmlformats.org/officeDocument/2006/math">
+                    <m:sSub>
+                      <m:sSubPr>
+                        <m:ctrlPr>
+                          <a:rPr lang="en-US" sz="1800" i="1">
+                            <a:solidFill>
+                              <a:srgbClr val="836967"/>
+                            </a:solidFill>
+                            <a:latin typeface="Cambria Math" panose="02040503050406030204" pitchFamily="18" charset="0"/>
+                          </a:rPr>
+                        </m:ctrlPr>
+                      </m:sSubPr>
+                      <m:e>
+                        <m:r>
+                          <a:rPr lang="en-US" sz="1800" i="1">
+                            <a:latin typeface="Cambria Math" panose="02040503050406030204" pitchFamily="18" charset="0"/>
+                          </a:rPr>
+                          <m:t>𝑎</m:t>
+                        </m:r>
+                      </m:e>
+                      <m:sub>
+                        <m:r>
+                          <a:rPr lang="en-US" sz="1800" i="1">
+                            <a:latin typeface="Cambria Math" panose="02040503050406030204" pitchFamily="18" charset="0"/>
+                          </a:rPr>
+                          <m:t>𝑖</m:t>
+                        </m:r>
+                      </m:sub>
+                    </m:sSub>
+                  </m:oMath>
+                </a14:m>
+                <a:r>
+                  <a:rPr lang="en-US" sz="1800" dirty="0"/>
+                  <a:t> by PCA’s dimensional reduction given by</a:t>
+                </a:r>
+                <a:endParaRPr lang="en-US" sz="1800" dirty="0">
+                  <a:solidFill>
+                    <a:schemeClr val="bg1"/>
+                  </a:solidFill>
+                  <a:highlight>
+                    <a:srgbClr val="467599"/>
+                  </a:highlight>
+                  <a:latin typeface="Bahnschrift SemiBold" panose="020B0502040204020203" pitchFamily="34" charset="0"/>
+                </a:endParaRPr>
+              </a:p>
+              <a:p>
+                <a:pPr marL="0" indent="0" algn="ctr">
                   <a:spcBef>
                     <a:spcPts val="600"/>
                   </a:spcBef>
@@ -8738,164 +9558,162 @@
                   <a:buNone/>
                 </a:pPr>
                 <a14:m>
-                  <m:oMathPara xmlns:m="http://schemas.openxmlformats.org/officeDocument/2006/math">
-                    <m:oMathParaPr>
-                      <m:jc m:val="centerGroup"/>
-                    </m:oMathParaPr>
-                    <m:oMath xmlns:m="http://schemas.openxmlformats.org/officeDocument/2006/math">
-                      <m:r>
-                        <a:rPr lang="en-US" sz="2400" i="1" smtClean="0">
-                          <a:latin typeface="Cambria Math" panose="02040503050406030204" pitchFamily="18" charset="0"/>
-                        </a:rPr>
-                        <m:t>𝑐</m:t>
-                      </m:r>
-                      <m:d>
-                        <m:dPr>
-                          <m:ctrlPr>
-                            <a:rPr lang="en-US" sz="2400" i="1" smtClean="0">
-                              <a:solidFill>
-                                <a:srgbClr val="836967"/>
-                              </a:solidFill>
-                              <a:latin typeface="Cambria Math" panose="02040503050406030204" pitchFamily="18" charset="0"/>
-                            </a:rPr>
-                          </m:ctrlPr>
-                        </m:dPr>
-                        <m:e>
-                          <m:r>
-                            <a:rPr lang="en-US" sz="2400" i="1" smtClean="0">
-                              <a:latin typeface="Cambria Math" panose="02040503050406030204" pitchFamily="18" charset="0"/>
-                            </a:rPr>
-                            <m:t>𝜆</m:t>
-                          </m:r>
-                        </m:e>
-                      </m:d>
-                      <m:r>
-                        <a:rPr lang="en-US" sz="2400" i="1" smtClean="0">
-                          <a:latin typeface="Cambria Math" panose="02040503050406030204" pitchFamily="18" charset="0"/>
-                        </a:rPr>
-                        <m:t>≈</m:t>
-                      </m:r>
-                      <m:nary>
-                        <m:naryPr>
-                          <m:chr m:val="∑"/>
-                          <m:limLoc m:val="undOvr"/>
-                          <m:grow m:val="on"/>
-                          <m:ctrlPr>
-                            <a:rPr lang="en-US" sz="2400" i="1" smtClean="0">
-                              <a:latin typeface="Cambria Math" panose="02040503050406030204" pitchFamily="18" charset="0"/>
-                            </a:rPr>
-                          </m:ctrlPr>
-                        </m:naryPr>
-                        <m:sub>
-                          <m:r>
-                            <a:rPr lang="en-US" sz="2400" i="1" smtClean="0">
-                              <a:latin typeface="Cambria Math" panose="02040503050406030204" pitchFamily="18" charset="0"/>
-                            </a:rPr>
-                            <m:t>𝑖</m:t>
-                          </m:r>
-                          <m:r>
-                            <a:rPr lang="en-US" sz="2400" i="1" smtClean="0">
-                              <a:latin typeface="Cambria Math" panose="02040503050406030204" pitchFamily="18" charset="0"/>
-                            </a:rPr>
-                            <m:t>=1</m:t>
-                          </m:r>
-                        </m:sub>
-                        <m:sup>
-                          <m:r>
-                            <a:rPr lang="en-US" sz="2400" i="1" smtClean="0">
-                              <a:latin typeface="Cambria Math" panose="02040503050406030204" pitchFamily="18" charset="0"/>
-                            </a:rPr>
-                            <m:t>𝑚</m:t>
-                          </m:r>
-                        </m:sup>
-                        <m:e>
-                          <m:sSub>
-                            <m:sSubPr>
-                              <m:ctrlPr>
-                                <a:rPr lang="en-US" sz="2400" i="1" smtClean="0">
-                                  <a:solidFill>
-                                    <a:srgbClr val="836967"/>
-                                  </a:solidFill>
-                                  <a:latin typeface="Cambria Math" panose="02040503050406030204" pitchFamily="18" charset="0"/>
-                                </a:rPr>
-                              </m:ctrlPr>
-                            </m:sSubPr>
-                            <m:e>
-                              <m:r>
-                                <a:rPr lang="en-US" sz="2400" i="1" smtClean="0">
-                                  <a:latin typeface="Cambria Math" panose="02040503050406030204" pitchFamily="18" charset="0"/>
-                                </a:rPr>
-                                <m:t>𝑎</m:t>
-                              </m:r>
-                            </m:e>
-                            <m:sub>
-                              <m:r>
-                                <a:rPr lang="en-US" sz="2400" i="1" smtClean="0">
-                                  <a:latin typeface="Cambria Math" panose="02040503050406030204" pitchFamily="18" charset="0"/>
-                                </a:rPr>
-                                <m:t>𝑖</m:t>
-                              </m:r>
-                            </m:sub>
-                          </m:sSub>
-                          <m:sSub>
-                            <m:sSubPr>
-                              <m:ctrlPr>
-                                <a:rPr lang="en-US" sz="2400" i="1" smtClean="0">
-                                  <a:solidFill>
-                                    <a:srgbClr val="836967"/>
-                                  </a:solidFill>
-                                  <a:latin typeface="Cambria Math" panose="02040503050406030204" pitchFamily="18" charset="0"/>
-                                </a:rPr>
-                              </m:ctrlPr>
-                            </m:sSubPr>
-                            <m:e>
-                              <m:r>
-                                <a:rPr lang="en-US" sz="2400" i="1" smtClean="0">
-                                  <a:latin typeface="Cambria Math" panose="02040503050406030204" pitchFamily="18" charset="0"/>
-                                </a:rPr>
-                                <m:t>𝑒</m:t>
-                              </m:r>
-                            </m:e>
-                            <m:sub>
-                              <m:r>
-                                <a:rPr lang="en-US" sz="2400" i="1" smtClean="0">
-                                  <a:latin typeface="Cambria Math" panose="02040503050406030204" pitchFamily="18" charset="0"/>
-                                </a:rPr>
-                                <m:t>𝑖</m:t>
-                              </m:r>
-                            </m:sub>
-                          </m:sSub>
-                          <m:d>
-                            <m:dPr>
-                              <m:ctrlPr>
-                                <a:rPr lang="en-US" sz="2400" i="1" smtClean="0">
-                                  <a:solidFill>
-                                    <a:srgbClr val="836967"/>
-                                  </a:solidFill>
-                                  <a:latin typeface="Cambria Math" panose="02040503050406030204" pitchFamily="18" charset="0"/>
-                                </a:rPr>
-                              </m:ctrlPr>
-                            </m:dPr>
-                            <m:e>
-                              <m:r>
-                                <a:rPr lang="en-US" sz="2400" i="1" smtClean="0">
-                                  <a:latin typeface="Cambria Math" panose="02040503050406030204" pitchFamily="18" charset="0"/>
-                                </a:rPr>
-                                <m:t>𝜆</m:t>
-                              </m:r>
-                            </m:e>
-                          </m:d>
-                        </m:e>
-                      </m:nary>
-                    </m:oMath>
-                  </m:oMathPara>
+                  <m:oMath xmlns:m="http://schemas.openxmlformats.org/officeDocument/2006/math">
+                    <m:r>
+                      <a:rPr lang="en-US" sz="2400" b="0" i="1" smtClean="0">
+                        <a:latin typeface="Cambria Math" panose="02040503050406030204" pitchFamily="18" charset="0"/>
+                      </a:rPr>
+                      <m:t>𝐶</m:t>
+                    </m:r>
+                    <m:d>
+                      <m:dPr>
+                        <m:ctrlPr>
+                          <a:rPr lang="en-US" sz="2400" i="1" smtClean="0">
+                            <a:solidFill>
+                              <a:srgbClr val="836967"/>
+                            </a:solidFill>
+                            <a:latin typeface="Cambria Math" panose="02040503050406030204" pitchFamily="18" charset="0"/>
+                          </a:rPr>
+                        </m:ctrlPr>
+                      </m:dPr>
+                      <m:e>
+                        <m:r>
+                          <a:rPr lang="en-US" sz="2400" i="1" smtClean="0">
+                            <a:latin typeface="Cambria Math" panose="02040503050406030204" pitchFamily="18" charset="0"/>
+                          </a:rPr>
+                          <m:t>𝜆</m:t>
+                        </m:r>
+                      </m:e>
+                    </m:d>
+                    <m:r>
+                      <a:rPr lang="en-US" sz="2400" i="1" smtClean="0">
+                        <a:latin typeface="Cambria Math" panose="02040503050406030204" pitchFamily="18" charset="0"/>
+                      </a:rPr>
+                      <m:t>≈</m:t>
+                    </m:r>
+                    <m:nary>
+                      <m:naryPr>
+                        <m:chr m:val="∑"/>
+                        <m:limLoc m:val="undOvr"/>
+                        <m:grow m:val="on"/>
+                        <m:ctrlPr>
+                          <a:rPr lang="en-US" sz="2400" i="1" smtClean="0">
+                            <a:latin typeface="Cambria Math" panose="02040503050406030204" pitchFamily="18" charset="0"/>
+                          </a:rPr>
+                        </m:ctrlPr>
+                      </m:naryPr>
+                      <m:sub>
+                        <m:r>
+                          <a:rPr lang="en-US" sz="2400" i="1" smtClean="0">
+                            <a:latin typeface="Cambria Math" panose="02040503050406030204" pitchFamily="18" charset="0"/>
+                          </a:rPr>
+                          <m:t>𝑖</m:t>
+                        </m:r>
+                        <m:r>
+                          <a:rPr lang="en-US" sz="2400" i="1" smtClean="0">
+                            <a:latin typeface="Cambria Math" panose="02040503050406030204" pitchFamily="18" charset="0"/>
+                          </a:rPr>
+                          <m:t>=1</m:t>
+                        </m:r>
+                      </m:sub>
+                      <m:sup>
+                        <m:r>
+                          <a:rPr lang="en-US" sz="2400" i="1" smtClean="0">
+                            <a:latin typeface="Cambria Math" panose="02040503050406030204" pitchFamily="18" charset="0"/>
+                          </a:rPr>
+                          <m:t>𝑚</m:t>
+                        </m:r>
+                      </m:sup>
+                      <m:e>
+                        <m:sSub>
+                          <m:sSubPr>
+                            <m:ctrlPr>
+                              <a:rPr lang="en-US" sz="2400" i="1" smtClean="0">
+                                <a:solidFill>
+                                  <a:srgbClr val="836967"/>
+                                </a:solidFill>
+                                <a:latin typeface="Cambria Math" panose="02040503050406030204" pitchFamily="18" charset="0"/>
+                              </a:rPr>
+                            </m:ctrlPr>
+                          </m:sSubPr>
+                          <m:e>
+                            <m:r>
+                              <a:rPr lang="en-US" sz="2400" i="1" smtClean="0">
+                                <a:latin typeface="Cambria Math" panose="02040503050406030204" pitchFamily="18" charset="0"/>
+                              </a:rPr>
+                              <m:t>𝑎</m:t>
+                            </m:r>
+                          </m:e>
+                          <m:sub>
+                            <m:r>
+                              <a:rPr lang="en-US" sz="2400" i="1" smtClean="0">
+                                <a:latin typeface="Cambria Math" panose="02040503050406030204" pitchFamily="18" charset="0"/>
+                              </a:rPr>
+                              <m:t>𝑖</m:t>
+                            </m:r>
+                          </m:sub>
+                        </m:sSub>
+                        <m:sSub>
+                          <m:sSubPr>
+                            <m:ctrlPr>
+                              <a:rPr lang="en-US" sz="2400" i="1" smtClean="0">
+                                <a:solidFill>
+                                  <a:srgbClr val="836967"/>
+                                </a:solidFill>
+                                <a:latin typeface="Cambria Math" panose="02040503050406030204" pitchFamily="18" charset="0"/>
+                              </a:rPr>
+                            </m:ctrlPr>
+                          </m:sSubPr>
+                          <m:e>
+                            <m:r>
+                              <a:rPr lang="en-US" sz="2400" i="1" smtClean="0">
+                                <a:latin typeface="Cambria Math" panose="02040503050406030204" pitchFamily="18" charset="0"/>
+                              </a:rPr>
+                              <m:t>𝑒</m:t>
+                            </m:r>
+                          </m:e>
+                          <m:sub>
+                            <m:r>
+                              <a:rPr lang="en-US" sz="2400" i="1" smtClean="0">
+                                <a:latin typeface="Cambria Math" panose="02040503050406030204" pitchFamily="18" charset="0"/>
+                              </a:rPr>
+                              <m:t>𝑖</m:t>
+                            </m:r>
+                          </m:sub>
+                        </m:sSub>
+                        <m:d>
+                          <m:dPr>
+                            <m:ctrlPr>
+                              <a:rPr lang="en-US" sz="2400" i="1" smtClean="0">
+                                <a:solidFill>
+                                  <a:srgbClr val="836967"/>
+                                </a:solidFill>
+                                <a:latin typeface="Cambria Math" panose="02040503050406030204" pitchFamily="18" charset="0"/>
+                              </a:rPr>
+                            </m:ctrlPr>
+                          </m:dPr>
+                          <m:e>
+                            <m:r>
+                              <a:rPr lang="en-US" sz="2400" i="1" smtClean="0">
+                                <a:latin typeface="Cambria Math" panose="02040503050406030204" pitchFamily="18" charset="0"/>
+                              </a:rPr>
+                              <m:t>𝜆</m:t>
+                            </m:r>
+                          </m:e>
+                        </m:d>
+                      </m:e>
+                    </m:nary>
+                  </m:oMath>
                 </a14:m>
-                <a:endParaRPr lang="en-US" sz="2400" dirty="0"/>
+                <a:r>
+                  <a:rPr lang="en-US" sz="2400" dirty="0"/>
+                  <a:t>.</a:t>
+                </a:r>
               </a:p>
             </p:txBody>
           </p:sp>
         </mc:Choice>
-        <mc:Fallback xmlns="">
+        <mc:Fallback>
           <p:sp>
             <p:nvSpPr>
               <p:cNvPr id="3" name="Content Placeholder 2">
@@ -8916,7 +9734,1742 @@
               <a:blipFill>
                 <a:blip r:embed="rId2"/>
                 <a:stretch>
-                  <a:fillRect l="-1546" t="-2177"/>
+                  <a:fillRect l="-618" r="-1236" b="-14873"/>
+                </a:stretch>
+              </a:blipFill>
+            </p:spPr>
+            <p:txBody>
+              <a:bodyPr/>
+              <a:lstStyle/>
+              <a:p>
+                <a:r>
+                  <a:rPr lang="en-US">
+                    <a:noFill/>
+                  </a:rPr>
+                  <a:t> </a:t>
+                </a:r>
+              </a:p>
+            </p:txBody>
+          </p:sp>
+        </mc:Fallback>
+      </mc:AlternateContent>
+      <p:sp>
+        <p:nvSpPr>
+          <p:cNvPr id="5" name="Slide Number Placeholder 4">
+            <a:extLst>
+              <a:ext uri="{FF2B5EF4-FFF2-40B4-BE49-F238E27FC236}">
+                <a16:creationId xmlns:a16="http://schemas.microsoft.com/office/drawing/2014/main" id="{9E5DAB68-8863-6E41-33AF-9385EB37F968}"/>
+              </a:ext>
+            </a:extLst>
+          </p:cNvPr>
+          <p:cNvSpPr>
+            <a:spLocks noGrp="1"/>
+          </p:cNvSpPr>
+          <p:nvPr>
+            <p:ph type="sldNum" sz="quarter" idx="12"/>
+          </p:nvPr>
+        </p:nvSpPr>
+        <p:spPr/>
+        <p:txBody>
+          <a:bodyPr/>
+          <a:lstStyle/>
+          <a:p>
+            <a:fld id="{8262CFD8-7A98-47E6-A2CC-B17DDA24BA0E}" type="slidenum">
+              <a:rPr lang="en-US" smtClean="0"/>
+              <a:t>3</a:t>
+            </a:fld>
+            <a:endParaRPr lang="en-US"/>
+          </a:p>
+        </p:txBody>
+      </p:sp>
+      <p:pic>
+        <p:nvPicPr>
+          <p:cNvPr id="19" name="Picture 18">
+            <a:extLst>
+              <a:ext uri="{FF2B5EF4-FFF2-40B4-BE49-F238E27FC236}">
+                <a16:creationId xmlns:a16="http://schemas.microsoft.com/office/drawing/2014/main" id="{EFF3AC74-8095-DA9B-524D-0F11CA80604E}"/>
+              </a:ext>
+            </a:extLst>
+          </p:cNvPr>
+          <p:cNvPicPr>
+            <a:picLocks noChangeAspect="1"/>
+          </p:cNvPicPr>
+          <p:nvPr/>
+        </p:nvPicPr>
+        <p:blipFill>
+          <a:blip r:embed="rId3"/>
+          <a:stretch>
+            <a:fillRect/>
+          </a:stretch>
+        </p:blipFill>
+        <p:spPr>
+          <a:xfrm>
+            <a:off x="628649" y="-129308"/>
+            <a:ext cx="5667550" cy="2950536"/>
+          </a:xfrm>
+          <a:prstGeom prst="rect">
+            <a:avLst/>
+          </a:prstGeom>
+        </p:spPr>
+      </p:pic>
+    </p:spTree>
+    <p:extLst>
+      <p:ext uri="{BB962C8B-B14F-4D97-AF65-F5344CB8AC3E}">
+        <p14:creationId xmlns:p14="http://schemas.microsoft.com/office/powerpoint/2010/main" val="1971012692"/>
+      </p:ext>
+    </p:extLst>
+  </p:cSld>
+  <p:clrMapOvr>
+    <a:masterClrMapping/>
+  </p:clrMapOvr>
+</p:sld>
+</file>
+
+<file path=ppt/slides/slide4.xml><?xml version="1.0" encoding="utf-8"?>
+<p:sld xmlns:a="http://schemas.openxmlformats.org/drawingml/2006/main" xmlns:r="http://schemas.openxmlformats.org/officeDocument/2006/relationships" xmlns:p="http://schemas.openxmlformats.org/presentationml/2006/main">
+  <p:cSld>
+    <p:spTree>
+      <p:nvGrpSpPr>
+        <p:cNvPr id="1" name=""/>
+        <p:cNvGrpSpPr/>
+        <p:nvPr/>
+      </p:nvGrpSpPr>
+      <p:grpSpPr>
+        <a:xfrm>
+          <a:off x="0" y="0"/>
+          <a:ext cx="0" cy="0"/>
+          <a:chOff x="0" y="0"/>
+          <a:chExt cx="0" cy="0"/>
+        </a:xfrm>
+      </p:grpSpPr>
+      <mc:AlternateContent xmlns:mc="http://schemas.openxmlformats.org/markup-compatibility/2006">
+        <mc:Choice xmlns:a14="http://schemas.microsoft.com/office/drawing/2010/main" Requires="a14">
+          <p:sp>
+            <p:nvSpPr>
+              <p:cNvPr id="3" name="Content Placeholder 2">
+                <a:extLst>
+                  <a:ext uri="{FF2B5EF4-FFF2-40B4-BE49-F238E27FC236}">
+                    <a16:creationId xmlns:a16="http://schemas.microsoft.com/office/drawing/2014/main" id="{ECE74CC9-655D-68B1-5F60-5C08DD885B5C}"/>
+                  </a:ext>
+                </a:extLst>
+              </p:cNvPr>
+              <p:cNvSpPr>
+                <a:spLocks noGrp="1"/>
+              </p:cNvSpPr>
+              <p:nvPr>
+                <p:ph idx="1"/>
+              </p:nvPr>
+            </p:nvSpPr>
+            <p:spPr/>
+            <p:txBody>
+              <a:bodyPr>
+                <a:noAutofit/>
+              </a:bodyPr>
+              <a:lstStyle/>
+              <a:p>
+                <a:pPr marL="0" indent="0">
+                  <a:spcBef>
+                    <a:spcPts val="0"/>
+                  </a:spcBef>
+                  <a:spcAft>
+                    <a:spcPts val="0"/>
+                  </a:spcAft>
+                  <a:buNone/>
+                </a:pPr>
+                <a:r>
+                  <a:rPr lang="en-US" sz="1800" dirty="0"/>
+                  <a:t>The RGB </a:t>
+                </a:r>
+                <a14:m>
+                  <m:oMath xmlns:m="http://schemas.openxmlformats.org/officeDocument/2006/math">
+                    <m:r>
+                      <a:rPr lang="en-US" sz="1800">
+                        <a:latin typeface="Cambria Math" panose="02040503050406030204" pitchFamily="18" charset="0"/>
+                      </a:rPr>
+                      <m:t>[</m:t>
+                    </m:r>
+                    <m:sSub>
+                      <m:sSubPr>
+                        <m:ctrlPr>
+                          <a:rPr lang="en-US" sz="1800" i="1">
+                            <a:latin typeface="Cambria Math" panose="02040503050406030204" pitchFamily="18" charset="0"/>
+                          </a:rPr>
+                        </m:ctrlPr>
+                      </m:sSubPr>
+                      <m:e>
+                        <m:r>
+                          <a:rPr lang="en-US" sz="1800" i="1">
+                            <a:latin typeface="Cambria Math" panose="02040503050406030204" pitchFamily="18" charset="0"/>
+                          </a:rPr>
+                          <m:t>𝑞</m:t>
+                        </m:r>
+                      </m:e>
+                      <m:sub>
+                        <m:r>
+                          <a:rPr lang="en-US" sz="1800" i="1">
+                            <a:latin typeface="Cambria Math" panose="02040503050406030204" pitchFamily="18" charset="0"/>
+                          </a:rPr>
+                          <m:t>𝑅</m:t>
+                        </m:r>
+                      </m:sub>
+                    </m:sSub>
+                    <m:r>
+                      <a:rPr lang="en-US" sz="1800" i="1">
+                        <a:latin typeface="Cambria Math" panose="02040503050406030204" pitchFamily="18" charset="0"/>
+                      </a:rPr>
+                      <m:t>,</m:t>
+                    </m:r>
+                    <m:sSub>
+                      <m:sSubPr>
+                        <m:ctrlPr>
+                          <a:rPr lang="en-US" sz="1800" i="1">
+                            <a:latin typeface="Cambria Math" panose="02040503050406030204" pitchFamily="18" charset="0"/>
+                          </a:rPr>
+                        </m:ctrlPr>
+                      </m:sSubPr>
+                      <m:e>
+                        <m:r>
+                          <a:rPr lang="en-US" sz="1800" i="1">
+                            <a:latin typeface="Cambria Math" panose="02040503050406030204" pitchFamily="18" charset="0"/>
+                          </a:rPr>
+                          <m:t>𝑞</m:t>
+                        </m:r>
+                      </m:e>
+                      <m:sub>
+                        <m:r>
+                          <a:rPr lang="en-US" sz="1800" i="1">
+                            <a:latin typeface="Cambria Math" panose="02040503050406030204" pitchFamily="18" charset="0"/>
+                          </a:rPr>
+                          <m:t>𝐺</m:t>
+                        </m:r>
+                      </m:sub>
+                    </m:sSub>
+                  </m:oMath>
+                </a14:m>
+                <a:r>
+                  <a:rPr lang="en-US" sz="1800" dirty="0"/>
+                  <a:t>, </a:t>
+                </a:r>
+                <a14:m>
+                  <m:oMath xmlns:m="http://schemas.openxmlformats.org/officeDocument/2006/math">
+                    <m:sSub>
+                      <m:sSubPr>
+                        <m:ctrlPr>
+                          <a:rPr lang="en-US" sz="1800" i="1">
+                            <a:latin typeface="Cambria Math" panose="02040503050406030204" pitchFamily="18" charset="0"/>
+                          </a:rPr>
+                        </m:ctrlPr>
+                      </m:sSubPr>
+                      <m:e>
+                        <m:r>
+                          <a:rPr lang="en-US" sz="1800" i="1">
+                            <a:latin typeface="Cambria Math" panose="02040503050406030204" pitchFamily="18" charset="0"/>
+                          </a:rPr>
+                          <m:t>𝑞</m:t>
+                        </m:r>
+                      </m:e>
+                      <m:sub>
+                        <m:r>
+                          <a:rPr lang="en-US" sz="1800" i="1">
+                            <a:latin typeface="Cambria Math" panose="02040503050406030204" pitchFamily="18" charset="0"/>
+                          </a:rPr>
+                          <m:t>𝐵</m:t>
+                        </m:r>
+                      </m:sub>
+                    </m:sSub>
+                    <m:r>
+                      <a:rPr lang="en-US" sz="1800" i="1">
+                        <a:latin typeface="Cambria Math" panose="02040503050406030204" pitchFamily="18" charset="0"/>
+                      </a:rPr>
+                      <m:t>] </m:t>
+                    </m:r>
+                  </m:oMath>
+                </a14:m>
+                <a:r>
+                  <a:rPr lang="en-US" sz="1800" dirty="0"/>
+                  <a:t>values can then be obtained using the eigenspectra:</a:t>
+                </a:r>
+                <a:br>
+                  <a:rPr lang="en-US" sz="1800" dirty="0"/>
+                </a:br>
+                <a:endParaRPr lang="en-US" sz="1400" i="1" dirty="0">
+                  <a:solidFill>
+                    <a:schemeClr val="tx1"/>
+                  </a:solidFill>
+                  <a:latin typeface="Cambria Math" panose="02040503050406030204" pitchFamily="18" charset="0"/>
+                </a:endParaRPr>
+              </a:p>
+              <a:p>
+                <a:pPr marL="0" indent="0" algn="r">
+                  <a:spcBef>
+                    <a:spcPts val="0"/>
+                  </a:spcBef>
+                  <a:spcAft>
+                    <a:spcPts val="0"/>
+                  </a:spcAft>
+                  <a:buNone/>
+                </a:pPr>
+                <a14:m>
+                  <m:oMath xmlns:m="http://schemas.openxmlformats.org/officeDocument/2006/math">
+                    <m:d>
+                      <m:dPr>
+                        <m:begChr m:val="["/>
+                        <m:endChr m:val="]"/>
+                        <m:ctrlPr>
+                          <a:rPr lang="en-US" sz="1400" i="1" smtClean="0">
+                            <a:solidFill>
+                              <a:schemeClr val="tx1"/>
+                            </a:solidFill>
+                            <a:latin typeface="Cambria Math" panose="02040503050406030204" pitchFamily="18" charset="0"/>
+                          </a:rPr>
+                        </m:ctrlPr>
+                      </m:dPr>
+                      <m:e>
+                        <m:m>
+                          <m:mPr>
+                            <m:plcHide m:val="on"/>
+                            <m:mcs>
+                              <m:mc>
+                                <m:mcPr>
+                                  <m:count m:val="1"/>
+                                  <m:mcJc m:val="center"/>
+                                </m:mcPr>
+                              </m:mc>
+                            </m:mcs>
+                            <m:ctrlPr>
+                              <a:rPr lang="en-US" sz="1400" i="1" smtClean="0">
+                                <a:solidFill>
+                                  <a:schemeClr val="tx1"/>
+                                </a:solidFill>
+                                <a:latin typeface="Cambria Math" panose="02040503050406030204" pitchFamily="18" charset="0"/>
+                              </a:rPr>
+                            </m:ctrlPr>
+                          </m:mPr>
+                          <m:mr>
+                            <m:e>
+                              <m:sSub>
+                                <m:sSubPr>
+                                  <m:ctrlPr>
+                                    <a:rPr lang="en-US" sz="1400" i="1" smtClean="0">
+                                      <a:solidFill>
+                                        <a:schemeClr val="tx1"/>
+                                      </a:solidFill>
+                                      <a:latin typeface="Cambria Math" panose="02040503050406030204" pitchFamily="18" charset="0"/>
+                                    </a:rPr>
+                                  </m:ctrlPr>
+                                </m:sSubPr>
+                                <m:e>
+                                  <m:r>
+                                    <a:rPr lang="en-US" sz="1400" i="1" smtClean="0">
+                                      <a:solidFill>
+                                        <a:schemeClr val="tx1"/>
+                                      </a:solidFill>
+                                      <a:latin typeface="Cambria Math" panose="02040503050406030204" pitchFamily="18" charset="0"/>
+                                    </a:rPr>
+                                    <m:t>𝑞</m:t>
+                                  </m:r>
+                                </m:e>
+                                <m:sub>
+                                  <m:r>
+                                    <a:rPr lang="en-US" sz="1400" i="1" smtClean="0">
+                                      <a:solidFill>
+                                        <a:schemeClr val="tx1"/>
+                                      </a:solidFill>
+                                      <a:latin typeface="Cambria Math" panose="02040503050406030204" pitchFamily="18" charset="0"/>
+                                    </a:rPr>
+                                    <m:t>𝑅</m:t>
+                                  </m:r>
+                                </m:sub>
+                              </m:sSub>
+                            </m:e>
+                          </m:mr>
+                          <m:mr>
+                            <m:e>
+                              <m:sSub>
+                                <m:sSubPr>
+                                  <m:ctrlPr>
+                                    <a:rPr lang="en-US" sz="1400" i="1" smtClean="0">
+                                      <a:solidFill>
+                                        <a:schemeClr val="tx1"/>
+                                      </a:solidFill>
+                                      <a:latin typeface="Cambria Math" panose="02040503050406030204" pitchFamily="18" charset="0"/>
+                                    </a:rPr>
+                                  </m:ctrlPr>
+                                </m:sSubPr>
+                                <m:e>
+                                  <m:r>
+                                    <a:rPr lang="en-US" sz="1400" i="1" smtClean="0">
+                                      <a:solidFill>
+                                        <a:schemeClr val="tx1"/>
+                                      </a:solidFill>
+                                      <a:latin typeface="Cambria Math" panose="02040503050406030204" pitchFamily="18" charset="0"/>
+                                    </a:rPr>
+                                    <m:t>𝑞</m:t>
+                                  </m:r>
+                                </m:e>
+                                <m:sub>
+                                  <m:r>
+                                    <a:rPr lang="en-US" sz="1400" i="1" smtClean="0">
+                                      <a:solidFill>
+                                        <a:schemeClr val="tx1"/>
+                                      </a:solidFill>
+                                      <a:latin typeface="Cambria Math" panose="02040503050406030204" pitchFamily="18" charset="0"/>
+                                    </a:rPr>
+                                    <m:t>𝐺</m:t>
+                                  </m:r>
+                                </m:sub>
+                              </m:sSub>
+                            </m:e>
+                          </m:mr>
+                          <m:mr>
+                            <m:e>
+                              <m:sSub>
+                                <m:sSubPr>
+                                  <m:ctrlPr>
+                                    <a:rPr lang="en-US" sz="1400" i="1" smtClean="0">
+                                      <a:solidFill>
+                                        <a:schemeClr val="tx1"/>
+                                      </a:solidFill>
+                                      <a:latin typeface="Cambria Math" panose="02040503050406030204" pitchFamily="18" charset="0"/>
+                                    </a:rPr>
+                                  </m:ctrlPr>
+                                </m:sSubPr>
+                                <m:e>
+                                  <m:r>
+                                    <a:rPr lang="en-US" sz="1400" i="1" smtClean="0">
+                                      <a:solidFill>
+                                        <a:schemeClr val="tx1"/>
+                                      </a:solidFill>
+                                      <a:latin typeface="Cambria Math" panose="02040503050406030204" pitchFamily="18" charset="0"/>
+                                    </a:rPr>
+                                    <m:t>𝑞</m:t>
+                                  </m:r>
+                                </m:e>
+                                <m:sub>
+                                  <m:r>
+                                    <a:rPr lang="en-US" sz="1400" i="1" smtClean="0">
+                                      <a:solidFill>
+                                        <a:schemeClr val="tx1"/>
+                                      </a:solidFill>
+                                      <a:latin typeface="Cambria Math" panose="02040503050406030204" pitchFamily="18" charset="0"/>
+                                    </a:rPr>
+                                    <m:t>𝐵</m:t>
+                                  </m:r>
+                                </m:sub>
+                              </m:sSub>
+                            </m:e>
+                          </m:mr>
+                        </m:m>
+                      </m:e>
+                    </m:d>
+                    <m:r>
+                      <a:rPr lang="en-US" sz="1400" i="1" smtClean="0">
+                        <a:solidFill>
+                          <a:schemeClr val="tx1"/>
+                        </a:solidFill>
+                        <a:latin typeface="Cambria Math" panose="02040503050406030204" pitchFamily="18" charset="0"/>
+                      </a:rPr>
+                      <m:t>=</m:t>
+                    </m:r>
+                    <m:d>
+                      <m:dPr>
+                        <m:begChr m:val="["/>
+                        <m:endChr m:val="]"/>
+                        <m:ctrlPr>
+                          <a:rPr lang="en-US" sz="1400" i="1" smtClean="0">
+                            <a:solidFill>
+                              <a:schemeClr val="tx1"/>
+                            </a:solidFill>
+                            <a:latin typeface="Cambria Math" panose="02040503050406030204" pitchFamily="18" charset="0"/>
+                          </a:rPr>
+                        </m:ctrlPr>
+                      </m:dPr>
+                      <m:e>
+                        <m:m>
+                          <m:mPr>
+                            <m:plcHide m:val="on"/>
+                            <m:mcs>
+                              <m:mc>
+                                <m:mcPr>
+                                  <m:count m:val="3"/>
+                                  <m:mcJc m:val="center"/>
+                                </m:mcPr>
+                              </m:mc>
+                            </m:mcs>
+                            <m:ctrlPr>
+                              <a:rPr lang="en-US" sz="1400" i="1" smtClean="0">
+                                <a:solidFill>
+                                  <a:schemeClr val="tx1"/>
+                                </a:solidFill>
+                                <a:latin typeface="Cambria Math" panose="02040503050406030204" pitchFamily="18" charset="0"/>
+                              </a:rPr>
+                            </m:ctrlPr>
+                          </m:mPr>
+                          <m:mr>
+                            <m:e>
+                              <m:sSub>
+                                <m:sSubPr>
+                                  <m:ctrlPr>
+                                    <a:rPr lang="en-US" sz="1400" i="1" smtClean="0">
+                                      <a:solidFill>
+                                        <a:schemeClr val="tx1"/>
+                                      </a:solidFill>
+                                      <a:latin typeface="Cambria Math" panose="02040503050406030204" pitchFamily="18" charset="0"/>
+                                    </a:rPr>
+                                  </m:ctrlPr>
+                                </m:sSubPr>
+                                <m:e>
+                                  <m:r>
+                                    <a:rPr lang="en-US" sz="1400" i="1" smtClean="0">
+                                      <a:solidFill>
+                                        <a:schemeClr val="tx1"/>
+                                      </a:solidFill>
+                                      <a:latin typeface="Cambria Math" panose="02040503050406030204" pitchFamily="18" charset="0"/>
+                                    </a:rPr>
+                                    <m:t>𝑒</m:t>
+                                  </m:r>
+                                </m:e>
+                                <m:sub>
+                                  <m:r>
+                                    <a:rPr lang="en-US" sz="1400" i="1" smtClean="0">
+                                      <a:solidFill>
+                                        <a:schemeClr val="tx1"/>
+                                      </a:solidFill>
+                                      <a:latin typeface="Cambria Math" panose="02040503050406030204" pitchFamily="18" charset="0"/>
+                                    </a:rPr>
+                                    <m:t>1</m:t>
+                                  </m:r>
+                                </m:sub>
+                              </m:sSub>
+                              <m:r>
+                                <a:rPr lang="en-US" sz="1400" i="1" smtClean="0">
+                                  <a:solidFill>
+                                    <a:schemeClr val="tx1"/>
+                                  </a:solidFill>
+                                  <a:latin typeface="Cambria Math" panose="02040503050406030204" pitchFamily="18" charset="0"/>
+                                </a:rPr>
+                                <m:t>⋅</m:t>
+                              </m:r>
+                              <m:sSub>
+                                <m:sSubPr>
+                                  <m:ctrlPr>
+                                    <a:rPr lang="en-US" sz="1400" i="1" smtClean="0">
+                                      <a:solidFill>
+                                        <a:schemeClr val="tx1"/>
+                                      </a:solidFill>
+                                      <a:latin typeface="Cambria Math" panose="02040503050406030204" pitchFamily="18" charset="0"/>
+                                    </a:rPr>
+                                  </m:ctrlPr>
+                                </m:sSubPr>
+                                <m:e>
+                                  <m:r>
+                                    <a:rPr lang="en-US" sz="1400" i="1" smtClean="0">
+                                      <a:solidFill>
+                                        <a:schemeClr val="tx1"/>
+                                      </a:solidFill>
+                                      <a:latin typeface="Cambria Math" panose="02040503050406030204" pitchFamily="18" charset="0"/>
+                                    </a:rPr>
+                                    <m:t>𝑆</m:t>
+                                  </m:r>
+                                </m:e>
+                                <m:sub>
+                                  <m:r>
+                                    <a:rPr lang="en-US" sz="1400" i="1" smtClean="0">
+                                      <a:solidFill>
+                                        <a:schemeClr val="tx1"/>
+                                      </a:solidFill>
+                                      <a:latin typeface="Cambria Math" panose="02040503050406030204" pitchFamily="18" charset="0"/>
+                                    </a:rPr>
+                                    <m:t>𝑅</m:t>
+                                  </m:r>
+                                </m:sub>
+                              </m:sSub>
+                            </m:e>
+                            <m:e>
+                              <m:sSub>
+                                <m:sSubPr>
+                                  <m:ctrlPr>
+                                    <a:rPr lang="en-US" sz="1400" i="1" smtClean="0">
+                                      <a:solidFill>
+                                        <a:schemeClr val="tx1"/>
+                                      </a:solidFill>
+                                      <a:latin typeface="Cambria Math" panose="02040503050406030204" pitchFamily="18" charset="0"/>
+                                    </a:rPr>
+                                  </m:ctrlPr>
+                                </m:sSubPr>
+                                <m:e>
+                                  <m:r>
+                                    <a:rPr lang="en-US" sz="1400" i="1" smtClean="0">
+                                      <a:solidFill>
+                                        <a:schemeClr val="tx1"/>
+                                      </a:solidFill>
+                                      <a:latin typeface="Cambria Math" panose="02040503050406030204" pitchFamily="18" charset="0"/>
+                                    </a:rPr>
+                                    <m:t>𝑒</m:t>
+                                  </m:r>
+                                </m:e>
+                                <m:sub>
+                                  <m:r>
+                                    <a:rPr lang="en-US" sz="1400" i="1" smtClean="0">
+                                      <a:solidFill>
+                                        <a:schemeClr val="tx1"/>
+                                      </a:solidFill>
+                                      <a:latin typeface="Cambria Math" panose="02040503050406030204" pitchFamily="18" charset="0"/>
+                                    </a:rPr>
+                                    <m:t>2</m:t>
+                                  </m:r>
+                                </m:sub>
+                              </m:sSub>
+                              <m:r>
+                                <a:rPr lang="en-US" sz="1400" i="1" smtClean="0">
+                                  <a:solidFill>
+                                    <a:schemeClr val="tx1"/>
+                                  </a:solidFill>
+                                  <a:latin typeface="Cambria Math" panose="02040503050406030204" pitchFamily="18" charset="0"/>
+                                </a:rPr>
+                                <m:t>⋅</m:t>
+                              </m:r>
+                              <m:sSub>
+                                <m:sSubPr>
+                                  <m:ctrlPr>
+                                    <a:rPr lang="en-US" sz="1400" i="1" smtClean="0">
+                                      <a:solidFill>
+                                        <a:schemeClr val="tx1"/>
+                                      </a:solidFill>
+                                      <a:latin typeface="Cambria Math" panose="02040503050406030204" pitchFamily="18" charset="0"/>
+                                    </a:rPr>
+                                  </m:ctrlPr>
+                                </m:sSubPr>
+                                <m:e>
+                                  <m:r>
+                                    <a:rPr lang="en-US" sz="1400" i="1" smtClean="0">
+                                      <a:solidFill>
+                                        <a:schemeClr val="tx1"/>
+                                      </a:solidFill>
+                                      <a:latin typeface="Cambria Math" panose="02040503050406030204" pitchFamily="18" charset="0"/>
+                                    </a:rPr>
+                                    <m:t>𝑆</m:t>
+                                  </m:r>
+                                </m:e>
+                                <m:sub>
+                                  <m:r>
+                                    <a:rPr lang="en-US" sz="1400" i="1" smtClean="0">
+                                      <a:solidFill>
+                                        <a:schemeClr val="tx1"/>
+                                      </a:solidFill>
+                                      <a:latin typeface="Cambria Math" panose="02040503050406030204" pitchFamily="18" charset="0"/>
+                                    </a:rPr>
+                                    <m:t>𝑅</m:t>
+                                  </m:r>
+                                </m:sub>
+                              </m:sSub>
+                            </m:e>
+                            <m:e>
+                              <m:r>
+                                <a:rPr lang="en-US" sz="1400" i="1" smtClean="0">
+                                  <a:solidFill>
+                                    <a:schemeClr val="tx1"/>
+                                  </a:solidFill>
+                                  <a:latin typeface="Cambria Math" panose="02040503050406030204" pitchFamily="18" charset="0"/>
+                                </a:rPr>
+                                <m:t>⋯</m:t>
+                              </m:r>
+                              <m:r>
+                                <a:rPr lang="en-US" sz="1400" b="0" i="1" smtClean="0">
+                                  <a:solidFill>
+                                    <a:schemeClr val="tx1"/>
+                                  </a:solidFill>
+                                  <a:latin typeface="Cambria Math" panose="02040503050406030204" pitchFamily="18" charset="0"/>
+                                </a:rPr>
+                                <m:t>    </m:t>
+                              </m:r>
+                              <m:sSub>
+                                <m:sSubPr>
+                                  <m:ctrlPr>
+                                    <a:rPr lang="en-US" sz="1400" i="1" smtClean="0">
+                                      <a:solidFill>
+                                        <a:schemeClr val="tx1"/>
+                                      </a:solidFill>
+                                      <a:latin typeface="Cambria Math" panose="02040503050406030204" pitchFamily="18" charset="0"/>
+                                    </a:rPr>
+                                  </m:ctrlPr>
+                                </m:sSubPr>
+                                <m:e>
+                                  <m:r>
+                                    <a:rPr lang="en-US" sz="1400" i="1" smtClean="0">
+                                      <a:solidFill>
+                                        <a:schemeClr val="tx1"/>
+                                      </a:solidFill>
+                                      <a:latin typeface="Cambria Math" panose="02040503050406030204" pitchFamily="18" charset="0"/>
+                                    </a:rPr>
+                                    <m:t>𝑒</m:t>
+                                  </m:r>
+                                </m:e>
+                                <m:sub>
+                                  <m:r>
+                                    <a:rPr lang="en-US" sz="1400" i="1" smtClean="0">
+                                      <a:solidFill>
+                                        <a:schemeClr val="tx1"/>
+                                      </a:solidFill>
+                                      <a:latin typeface="Cambria Math" panose="02040503050406030204" pitchFamily="18" charset="0"/>
+                                    </a:rPr>
+                                    <m:t>𝑚</m:t>
+                                  </m:r>
+                                </m:sub>
+                              </m:sSub>
+                              <m:r>
+                                <a:rPr lang="en-US" sz="1400" i="1" smtClean="0">
+                                  <a:solidFill>
+                                    <a:schemeClr val="tx1"/>
+                                  </a:solidFill>
+                                  <a:latin typeface="Cambria Math" panose="02040503050406030204" pitchFamily="18" charset="0"/>
+                                </a:rPr>
+                                <m:t>⋅</m:t>
+                              </m:r>
+                              <m:sSub>
+                                <m:sSubPr>
+                                  <m:ctrlPr>
+                                    <a:rPr lang="en-US" sz="1400" i="1" smtClean="0">
+                                      <a:solidFill>
+                                        <a:schemeClr val="tx1"/>
+                                      </a:solidFill>
+                                      <a:latin typeface="Cambria Math" panose="02040503050406030204" pitchFamily="18" charset="0"/>
+                                    </a:rPr>
+                                  </m:ctrlPr>
+                                </m:sSubPr>
+                                <m:e>
+                                  <m:r>
+                                    <a:rPr lang="en-US" sz="1400" i="1" smtClean="0">
+                                      <a:solidFill>
+                                        <a:schemeClr val="tx1"/>
+                                      </a:solidFill>
+                                      <a:latin typeface="Cambria Math" panose="02040503050406030204" pitchFamily="18" charset="0"/>
+                                    </a:rPr>
+                                    <m:t>𝑆</m:t>
+                                  </m:r>
+                                </m:e>
+                                <m:sub>
+                                  <m:r>
+                                    <a:rPr lang="en-US" sz="1400" i="1" smtClean="0">
+                                      <a:solidFill>
+                                        <a:schemeClr val="tx1"/>
+                                      </a:solidFill>
+                                      <a:latin typeface="Cambria Math" panose="02040503050406030204" pitchFamily="18" charset="0"/>
+                                    </a:rPr>
+                                    <m:t>𝑅</m:t>
+                                  </m:r>
+                                </m:sub>
+                              </m:sSub>
+                            </m:e>
+                          </m:mr>
+                          <m:mr>
+                            <m:e>
+                              <m:sSub>
+                                <m:sSubPr>
+                                  <m:ctrlPr>
+                                    <a:rPr lang="en-US" sz="1400" i="1" smtClean="0">
+                                      <a:solidFill>
+                                        <a:schemeClr val="tx1"/>
+                                      </a:solidFill>
+                                      <a:latin typeface="Cambria Math" panose="02040503050406030204" pitchFamily="18" charset="0"/>
+                                    </a:rPr>
+                                  </m:ctrlPr>
+                                </m:sSubPr>
+                                <m:e>
+                                  <m:r>
+                                    <a:rPr lang="en-US" sz="1400" i="1" smtClean="0">
+                                      <a:solidFill>
+                                        <a:schemeClr val="tx1"/>
+                                      </a:solidFill>
+                                      <a:latin typeface="Cambria Math" panose="02040503050406030204" pitchFamily="18" charset="0"/>
+                                    </a:rPr>
+                                    <m:t>𝑒</m:t>
+                                  </m:r>
+                                </m:e>
+                                <m:sub>
+                                  <m:r>
+                                    <a:rPr lang="en-US" sz="1400" i="1" smtClean="0">
+                                      <a:solidFill>
+                                        <a:schemeClr val="tx1"/>
+                                      </a:solidFill>
+                                      <a:latin typeface="Cambria Math" panose="02040503050406030204" pitchFamily="18" charset="0"/>
+                                    </a:rPr>
+                                    <m:t>1</m:t>
+                                  </m:r>
+                                </m:sub>
+                              </m:sSub>
+                              <m:r>
+                                <a:rPr lang="en-US" sz="1400" i="1" smtClean="0">
+                                  <a:solidFill>
+                                    <a:schemeClr val="tx1"/>
+                                  </a:solidFill>
+                                  <a:latin typeface="Cambria Math" panose="02040503050406030204" pitchFamily="18" charset="0"/>
+                                </a:rPr>
+                                <m:t>⋅</m:t>
+                              </m:r>
+                              <m:sSub>
+                                <m:sSubPr>
+                                  <m:ctrlPr>
+                                    <a:rPr lang="en-US" sz="1400" i="1" smtClean="0">
+                                      <a:solidFill>
+                                        <a:schemeClr val="tx1"/>
+                                      </a:solidFill>
+                                      <a:latin typeface="Cambria Math" panose="02040503050406030204" pitchFamily="18" charset="0"/>
+                                    </a:rPr>
+                                  </m:ctrlPr>
+                                </m:sSubPr>
+                                <m:e>
+                                  <m:r>
+                                    <a:rPr lang="en-US" sz="1400" i="1" smtClean="0">
+                                      <a:solidFill>
+                                        <a:schemeClr val="tx1"/>
+                                      </a:solidFill>
+                                      <a:latin typeface="Cambria Math" panose="02040503050406030204" pitchFamily="18" charset="0"/>
+                                    </a:rPr>
+                                    <m:t>𝑆</m:t>
+                                  </m:r>
+                                </m:e>
+                                <m:sub>
+                                  <m:r>
+                                    <a:rPr lang="en-US" sz="1400" i="1" smtClean="0">
+                                      <a:solidFill>
+                                        <a:schemeClr val="tx1"/>
+                                      </a:solidFill>
+                                      <a:latin typeface="Cambria Math" panose="02040503050406030204" pitchFamily="18" charset="0"/>
+                                    </a:rPr>
+                                    <m:t>𝐺</m:t>
+                                  </m:r>
+                                </m:sub>
+                              </m:sSub>
+                            </m:e>
+                            <m:e>
+                              <m:sSub>
+                                <m:sSubPr>
+                                  <m:ctrlPr>
+                                    <a:rPr lang="en-US" sz="1400" i="1" smtClean="0">
+                                      <a:solidFill>
+                                        <a:schemeClr val="tx1"/>
+                                      </a:solidFill>
+                                      <a:latin typeface="Cambria Math" panose="02040503050406030204" pitchFamily="18" charset="0"/>
+                                    </a:rPr>
+                                  </m:ctrlPr>
+                                </m:sSubPr>
+                                <m:e>
+                                  <m:r>
+                                    <a:rPr lang="en-US" sz="1400" i="1" smtClean="0">
+                                      <a:solidFill>
+                                        <a:schemeClr val="tx1"/>
+                                      </a:solidFill>
+                                      <a:latin typeface="Cambria Math" panose="02040503050406030204" pitchFamily="18" charset="0"/>
+                                    </a:rPr>
+                                    <m:t>𝑒</m:t>
+                                  </m:r>
+                                </m:e>
+                                <m:sub>
+                                  <m:r>
+                                    <a:rPr lang="en-US" sz="1400" i="1" smtClean="0">
+                                      <a:solidFill>
+                                        <a:schemeClr val="tx1"/>
+                                      </a:solidFill>
+                                      <a:latin typeface="Cambria Math" panose="02040503050406030204" pitchFamily="18" charset="0"/>
+                                    </a:rPr>
+                                    <m:t>2</m:t>
+                                  </m:r>
+                                </m:sub>
+                              </m:sSub>
+                              <m:r>
+                                <a:rPr lang="en-US" sz="1400" i="1" smtClean="0">
+                                  <a:solidFill>
+                                    <a:schemeClr val="tx1"/>
+                                  </a:solidFill>
+                                  <a:latin typeface="Cambria Math" panose="02040503050406030204" pitchFamily="18" charset="0"/>
+                                </a:rPr>
+                                <m:t>⋅</m:t>
+                              </m:r>
+                              <m:sSub>
+                                <m:sSubPr>
+                                  <m:ctrlPr>
+                                    <a:rPr lang="en-US" sz="1400" i="1" smtClean="0">
+                                      <a:solidFill>
+                                        <a:schemeClr val="tx1"/>
+                                      </a:solidFill>
+                                      <a:latin typeface="Cambria Math" panose="02040503050406030204" pitchFamily="18" charset="0"/>
+                                    </a:rPr>
+                                  </m:ctrlPr>
+                                </m:sSubPr>
+                                <m:e>
+                                  <m:r>
+                                    <a:rPr lang="en-US" sz="1400" i="1" smtClean="0">
+                                      <a:solidFill>
+                                        <a:schemeClr val="tx1"/>
+                                      </a:solidFill>
+                                      <a:latin typeface="Cambria Math" panose="02040503050406030204" pitchFamily="18" charset="0"/>
+                                    </a:rPr>
+                                    <m:t>𝑆</m:t>
+                                  </m:r>
+                                </m:e>
+                                <m:sub>
+                                  <m:r>
+                                    <a:rPr lang="en-US" sz="1400" i="1" smtClean="0">
+                                      <a:solidFill>
+                                        <a:schemeClr val="tx1"/>
+                                      </a:solidFill>
+                                      <a:latin typeface="Cambria Math" panose="02040503050406030204" pitchFamily="18" charset="0"/>
+                                    </a:rPr>
+                                    <m:t>𝐺</m:t>
+                                  </m:r>
+                                </m:sub>
+                              </m:sSub>
+                            </m:e>
+                            <m:e>
+                              <m:r>
+                                <a:rPr lang="en-US" sz="1400" i="1">
+                                  <a:latin typeface="Cambria Math" panose="02040503050406030204" pitchFamily="18" charset="0"/>
+                                </a:rPr>
+                                <m:t>⋯</m:t>
+                              </m:r>
+                              <m:r>
+                                <a:rPr lang="en-US" sz="1400" b="0" i="1" smtClean="0">
+                                  <a:latin typeface="Cambria Math" panose="02040503050406030204" pitchFamily="18" charset="0"/>
+                                </a:rPr>
+                                <m:t>    </m:t>
+                              </m:r>
+                              <m:sSub>
+                                <m:sSubPr>
+                                  <m:ctrlPr>
+                                    <a:rPr lang="en-US" sz="1400" b="0" i="1" smtClean="0">
+                                      <a:solidFill>
+                                        <a:schemeClr val="tx1"/>
+                                      </a:solidFill>
+                                      <a:latin typeface="Cambria Math" panose="02040503050406030204" pitchFamily="18" charset="0"/>
+                                    </a:rPr>
+                                  </m:ctrlPr>
+                                </m:sSubPr>
+                                <m:e>
+                                  <m:r>
+                                    <a:rPr lang="en-US" sz="1400" i="1" smtClean="0">
+                                      <a:solidFill>
+                                        <a:schemeClr val="tx1"/>
+                                      </a:solidFill>
+                                      <a:latin typeface="Cambria Math" panose="02040503050406030204" pitchFamily="18" charset="0"/>
+                                    </a:rPr>
+                                    <m:t>ⅇ</m:t>
+                                  </m:r>
+                                </m:e>
+                                <m:sub>
+                                  <m:r>
+                                    <a:rPr lang="en-US" sz="1400" i="1" smtClean="0">
+                                      <a:solidFill>
+                                        <a:schemeClr val="tx1"/>
+                                      </a:solidFill>
+                                      <a:latin typeface="Cambria Math" panose="02040503050406030204" pitchFamily="18" charset="0"/>
+                                    </a:rPr>
+                                    <m:t>𝑚</m:t>
+                                  </m:r>
+                                </m:sub>
+                              </m:sSub>
+                              <m:r>
+                                <a:rPr lang="en-US" sz="1400" i="1" smtClean="0">
+                                  <a:solidFill>
+                                    <a:schemeClr val="tx1"/>
+                                  </a:solidFill>
+                                  <a:latin typeface="Cambria Math" panose="02040503050406030204" pitchFamily="18" charset="0"/>
+                                </a:rPr>
+                                <m:t>⋅</m:t>
+                              </m:r>
+                              <m:sSub>
+                                <m:sSubPr>
+                                  <m:ctrlPr>
+                                    <a:rPr lang="en-US" sz="1400" i="1" smtClean="0">
+                                      <a:solidFill>
+                                        <a:schemeClr val="tx1"/>
+                                      </a:solidFill>
+                                      <a:latin typeface="Cambria Math" panose="02040503050406030204" pitchFamily="18" charset="0"/>
+                                    </a:rPr>
+                                  </m:ctrlPr>
+                                </m:sSubPr>
+                                <m:e>
+                                  <m:r>
+                                    <a:rPr lang="en-US" sz="1400" i="1" smtClean="0">
+                                      <a:solidFill>
+                                        <a:schemeClr val="tx1"/>
+                                      </a:solidFill>
+                                      <a:latin typeface="Cambria Math" panose="02040503050406030204" pitchFamily="18" charset="0"/>
+                                    </a:rPr>
+                                    <m:t>𝑆</m:t>
+                                  </m:r>
+                                </m:e>
+                                <m:sub>
+                                  <m:r>
+                                    <a:rPr lang="en-US" sz="1400" i="1" smtClean="0">
+                                      <a:solidFill>
+                                        <a:schemeClr val="tx1"/>
+                                      </a:solidFill>
+                                      <a:latin typeface="Cambria Math" panose="02040503050406030204" pitchFamily="18" charset="0"/>
+                                    </a:rPr>
+                                    <m:t>𝐺</m:t>
+                                  </m:r>
+                                </m:sub>
+                              </m:sSub>
+                            </m:e>
+                          </m:mr>
+                          <m:mr>
+                            <m:e>
+                              <m:sSub>
+                                <m:sSubPr>
+                                  <m:ctrlPr>
+                                    <a:rPr lang="en-US" sz="1400" i="1" smtClean="0">
+                                      <a:solidFill>
+                                        <a:schemeClr val="tx1"/>
+                                      </a:solidFill>
+                                      <a:latin typeface="Cambria Math" panose="02040503050406030204" pitchFamily="18" charset="0"/>
+                                    </a:rPr>
+                                  </m:ctrlPr>
+                                </m:sSubPr>
+                                <m:e>
+                                  <m:r>
+                                    <a:rPr lang="en-US" sz="1400" i="1" smtClean="0">
+                                      <a:solidFill>
+                                        <a:schemeClr val="tx1"/>
+                                      </a:solidFill>
+                                      <a:latin typeface="Cambria Math" panose="02040503050406030204" pitchFamily="18" charset="0"/>
+                                    </a:rPr>
+                                    <m:t>𝑒</m:t>
+                                  </m:r>
+                                </m:e>
+                                <m:sub>
+                                  <m:r>
+                                    <a:rPr lang="en-US" sz="1400" i="1" smtClean="0">
+                                      <a:solidFill>
+                                        <a:schemeClr val="tx1"/>
+                                      </a:solidFill>
+                                      <a:latin typeface="Cambria Math" panose="02040503050406030204" pitchFamily="18" charset="0"/>
+                                    </a:rPr>
+                                    <m:t>1</m:t>
+                                  </m:r>
+                                </m:sub>
+                              </m:sSub>
+                              <m:r>
+                                <a:rPr lang="en-US" sz="1400" i="1" smtClean="0">
+                                  <a:solidFill>
+                                    <a:schemeClr val="tx1"/>
+                                  </a:solidFill>
+                                  <a:latin typeface="Cambria Math" panose="02040503050406030204" pitchFamily="18" charset="0"/>
+                                </a:rPr>
+                                <m:t>⋅</m:t>
+                              </m:r>
+                              <m:sSub>
+                                <m:sSubPr>
+                                  <m:ctrlPr>
+                                    <a:rPr lang="en-US" sz="1400" i="1" smtClean="0">
+                                      <a:solidFill>
+                                        <a:schemeClr val="tx1"/>
+                                      </a:solidFill>
+                                      <a:latin typeface="Cambria Math" panose="02040503050406030204" pitchFamily="18" charset="0"/>
+                                    </a:rPr>
+                                  </m:ctrlPr>
+                                </m:sSubPr>
+                                <m:e>
+                                  <m:r>
+                                    <a:rPr lang="en-US" sz="1400" i="1" smtClean="0">
+                                      <a:solidFill>
+                                        <a:schemeClr val="tx1"/>
+                                      </a:solidFill>
+                                      <a:latin typeface="Cambria Math" panose="02040503050406030204" pitchFamily="18" charset="0"/>
+                                    </a:rPr>
+                                    <m:t>𝑆</m:t>
+                                  </m:r>
+                                </m:e>
+                                <m:sub>
+                                  <m:r>
+                                    <a:rPr lang="en-US" sz="1400" i="1" smtClean="0">
+                                      <a:solidFill>
+                                        <a:schemeClr val="tx1"/>
+                                      </a:solidFill>
+                                      <a:latin typeface="Cambria Math" panose="02040503050406030204" pitchFamily="18" charset="0"/>
+                                    </a:rPr>
+                                    <m:t>𝐵</m:t>
+                                  </m:r>
+                                </m:sub>
+                              </m:sSub>
+                            </m:e>
+                            <m:e>
+                              <m:sSub>
+                                <m:sSubPr>
+                                  <m:ctrlPr>
+                                    <a:rPr lang="en-US" sz="1400" i="1" smtClean="0">
+                                      <a:solidFill>
+                                        <a:schemeClr val="tx1"/>
+                                      </a:solidFill>
+                                      <a:latin typeface="Cambria Math" panose="02040503050406030204" pitchFamily="18" charset="0"/>
+                                    </a:rPr>
+                                  </m:ctrlPr>
+                                </m:sSubPr>
+                                <m:e>
+                                  <m:r>
+                                    <a:rPr lang="en-US" sz="1400" i="1" smtClean="0">
+                                      <a:solidFill>
+                                        <a:schemeClr val="tx1"/>
+                                      </a:solidFill>
+                                      <a:latin typeface="Cambria Math" panose="02040503050406030204" pitchFamily="18" charset="0"/>
+                                    </a:rPr>
+                                    <m:t>𝑒</m:t>
+                                  </m:r>
+                                </m:e>
+                                <m:sub>
+                                  <m:r>
+                                    <a:rPr lang="en-US" sz="1400" i="1" smtClean="0">
+                                      <a:solidFill>
+                                        <a:schemeClr val="tx1"/>
+                                      </a:solidFill>
+                                      <a:latin typeface="Cambria Math" panose="02040503050406030204" pitchFamily="18" charset="0"/>
+                                    </a:rPr>
+                                    <m:t>2</m:t>
+                                  </m:r>
+                                </m:sub>
+                              </m:sSub>
+                              <m:r>
+                                <a:rPr lang="en-US" sz="1400" i="1" smtClean="0">
+                                  <a:solidFill>
+                                    <a:schemeClr val="tx1"/>
+                                  </a:solidFill>
+                                  <a:latin typeface="Cambria Math" panose="02040503050406030204" pitchFamily="18" charset="0"/>
+                                </a:rPr>
+                                <m:t>⋅</m:t>
+                              </m:r>
+                              <m:sSub>
+                                <m:sSubPr>
+                                  <m:ctrlPr>
+                                    <a:rPr lang="en-US" sz="1400" i="1" smtClean="0">
+                                      <a:solidFill>
+                                        <a:schemeClr val="tx1"/>
+                                      </a:solidFill>
+                                      <a:latin typeface="Cambria Math" panose="02040503050406030204" pitchFamily="18" charset="0"/>
+                                    </a:rPr>
+                                  </m:ctrlPr>
+                                </m:sSubPr>
+                                <m:e>
+                                  <m:r>
+                                    <a:rPr lang="en-US" sz="1400" i="1" smtClean="0">
+                                      <a:solidFill>
+                                        <a:schemeClr val="tx1"/>
+                                      </a:solidFill>
+                                      <a:latin typeface="Cambria Math" panose="02040503050406030204" pitchFamily="18" charset="0"/>
+                                    </a:rPr>
+                                    <m:t>𝑆</m:t>
+                                  </m:r>
+                                </m:e>
+                                <m:sub>
+                                  <m:r>
+                                    <a:rPr lang="en-US" sz="1400" i="1" smtClean="0">
+                                      <a:solidFill>
+                                        <a:schemeClr val="tx1"/>
+                                      </a:solidFill>
+                                      <a:latin typeface="Cambria Math" panose="02040503050406030204" pitchFamily="18" charset="0"/>
+                                    </a:rPr>
+                                    <m:t>𝐵</m:t>
+                                  </m:r>
+                                </m:sub>
+                              </m:sSub>
+                            </m:e>
+                            <m:e>
+                              <m:r>
+                                <a:rPr lang="en-US" sz="1400" i="1" smtClean="0">
+                                  <a:solidFill>
+                                    <a:schemeClr val="tx1"/>
+                                  </a:solidFill>
+                                  <a:latin typeface="Cambria Math" panose="02040503050406030204" pitchFamily="18" charset="0"/>
+                                </a:rPr>
+                                <m:t>⋯</m:t>
+                              </m:r>
+                              <m:r>
+                                <a:rPr lang="en-US" sz="1400" b="0" i="1" smtClean="0">
+                                  <a:solidFill>
+                                    <a:schemeClr val="tx1"/>
+                                  </a:solidFill>
+                                  <a:latin typeface="Cambria Math" panose="02040503050406030204" pitchFamily="18" charset="0"/>
+                                </a:rPr>
+                                <m:t> </m:t>
+                              </m:r>
+                              <m:sSub>
+                                <m:sSubPr>
+                                  <m:ctrlPr>
+                                    <a:rPr lang="en-US" sz="1400" i="1">
+                                      <a:latin typeface="Cambria Math" panose="02040503050406030204" pitchFamily="18" charset="0"/>
+                                    </a:rPr>
+                                  </m:ctrlPr>
+                                </m:sSubPr>
+                                <m:e>
+                                  <m:r>
+                                    <a:rPr lang="en-US" sz="1400" b="0" i="1" smtClean="0">
+                                      <a:latin typeface="Cambria Math" panose="02040503050406030204" pitchFamily="18" charset="0"/>
+                                    </a:rPr>
+                                    <m:t>   </m:t>
+                                  </m:r>
+                                  <m:r>
+                                    <a:rPr lang="en-US" sz="1400" i="1">
+                                      <a:latin typeface="Cambria Math" panose="02040503050406030204" pitchFamily="18" charset="0"/>
+                                    </a:rPr>
+                                    <m:t>ⅇ</m:t>
+                                  </m:r>
+                                </m:e>
+                                <m:sub>
+                                  <m:r>
+                                    <a:rPr lang="en-US" sz="1400" i="1">
+                                      <a:latin typeface="Cambria Math" panose="02040503050406030204" pitchFamily="18" charset="0"/>
+                                    </a:rPr>
+                                    <m:t>𝑚</m:t>
+                                  </m:r>
+                                </m:sub>
+                              </m:sSub>
+                              <m:r>
+                                <a:rPr lang="en-US" sz="1400" i="1">
+                                  <a:latin typeface="Cambria Math" panose="02040503050406030204" pitchFamily="18" charset="0"/>
+                                </a:rPr>
+                                <m:t>⋅</m:t>
+                              </m:r>
+                              <m:sSub>
+                                <m:sSubPr>
+                                  <m:ctrlPr>
+                                    <a:rPr lang="en-US" sz="1400" i="1">
+                                      <a:latin typeface="Cambria Math" panose="02040503050406030204" pitchFamily="18" charset="0"/>
+                                    </a:rPr>
+                                  </m:ctrlPr>
+                                </m:sSubPr>
+                                <m:e>
+                                  <m:r>
+                                    <a:rPr lang="en-US" sz="1400" i="1">
+                                      <a:latin typeface="Cambria Math" panose="02040503050406030204" pitchFamily="18" charset="0"/>
+                                    </a:rPr>
+                                    <m:t>𝑆</m:t>
+                                  </m:r>
+                                </m:e>
+                                <m:sub>
+                                  <m:r>
+                                    <a:rPr lang="en-US" sz="1400" b="0" i="1" smtClean="0">
+                                      <a:latin typeface="Cambria Math" panose="02040503050406030204" pitchFamily="18" charset="0"/>
+                                    </a:rPr>
+                                    <m:t>𝐵</m:t>
+                                  </m:r>
+                                </m:sub>
+                              </m:sSub>
+                            </m:e>
+                          </m:mr>
+                        </m:m>
+                      </m:e>
+                    </m:d>
+                    <m:d>
+                      <m:dPr>
+                        <m:begChr m:val="["/>
+                        <m:endChr m:val="]"/>
+                        <m:ctrlPr>
+                          <a:rPr lang="en-US" sz="1400" i="1" dirty="0" smtClean="0">
+                            <a:solidFill>
+                              <a:schemeClr val="tx1"/>
+                            </a:solidFill>
+                            <a:latin typeface="Cambria Math" panose="02040503050406030204" pitchFamily="18" charset="0"/>
+                          </a:rPr>
+                        </m:ctrlPr>
+                      </m:dPr>
+                      <m:e>
+                        <m:m>
+                          <m:mPr>
+                            <m:plcHide m:val="on"/>
+                            <m:mcs>
+                              <m:mc>
+                                <m:mcPr>
+                                  <m:count m:val="1"/>
+                                  <m:mcJc m:val="center"/>
+                                </m:mcPr>
+                              </m:mc>
+                            </m:mcs>
+                            <m:ctrlPr>
+                              <a:rPr lang="en-US" sz="1400" i="1" dirty="0">
+                                <a:solidFill>
+                                  <a:schemeClr val="tx1"/>
+                                </a:solidFill>
+                                <a:latin typeface="Cambria Math" panose="02040503050406030204" pitchFamily="18" charset="0"/>
+                              </a:rPr>
+                            </m:ctrlPr>
+                          </m:mPr>
+                          <m:mr>
+                            <m:e>
+                              <m:sSub>
+                                <m:sSubPr>
+                                  <m:ctrlPr>
+                                    <a:rPr lang="en-US" sz="1400" i="1" dirty="0">
+                                      <a:solidFill>
+                                        <a:schemeClr val="tx1"/>
+                                      </a:solidFill>
+                                      <a:latin typeface="Cambria Math" panose="02040503050406030204" pitchFamily="18" charset="0"/>
+                                    </a:rPr>
+                                  </m:ctrlPr>
+                                </m:sSubPr>
+                                <m:e>
+                                  <m:r>
+                                    <a:rPr lang="en-US" sz="1400" i="1" dirty="0">
+                                      <a:solidFill>
+                                        <a:schemeClr val="tx1"/>
+                                      </a:solidFill>
+                                      <a:latin typeface="Cambria Math" panose="02040503050406030204" pitchFamily="18" charset="0"/>
+                                    </a:rPr>
+                                    <m:t>𝑎</m:t>
+                                  </m:r>
+                                </m:e>
+                                <m:sub>
+                                  <m:r>
+                                    <a:rPr lang="en-US" sz="1400" i="0" dirty="0">
+                                      <a:solidFill>
+                                        <a:schemeClr val="tx1"/>
+                                      </a:solidFill>
+                                      <a:latin typeface="Cambria Math" panose="02040503050406030204" pitchFamily="18" charset="0"/>
+                                    </a:rPr>
+                                    <m:t>1</m:t>
+                                  </m:r>
+                                </m:sub>
+                              </m:sSub>
+                            </m:e>
+                          </m:mr>
+                          <m:mr>
+                            <m:e>
+                              <m:sSub>
+                                <m:sSubPr>
+                                  <m:ctrlPr>
+                                    <a:rPr lang="en-US" sz="1400" i="1" dirty="0">
+                                      <a:solidFill>
+                                        <a:schemeClr val="tx1"/>
+                                      </a:solidFill>
+                                      <a:latin typeface="Cambria Math" panose="02040503050406030204" pitchFamily="18" charset="0"/>
+                                    </a:rPr>
+                                  </m:ctrlPr>
+                                </m:sSubPr>
+                                <m:e>
+                                  <m:r>
+                                    <a:rPr lang="en-US" sz="1400" i="1" dirty="0">
+                                      <a:solidFill>
+                                        <a:schemeClr val="tx1"/>
+                                      </a:solidFill>
+                                      <a:latin typeface="Cambria Math" panose="02040503050406030204" pitchFamily="18" charset="0"/>
+                                    </a:rPr>
+                                    <m:t>𝑎</m:t>
+                                  </m:r>
+                                </m:e>
+                                <m:sub>
+                                  <m:r>
+                                    <a:rPr lang="en-US" sz="1400" i="0" dirty="0">
+                                      <a:solidFill>
+                                        <a:schemeClr val="tx1"/>
+                                      </a:solidFill>
+                                      <a:latin typeface="Cambria Math" panose="02040503050406030204" pitchFamily="18" charset="0"/>
+                                    </a:rPr>
+                                    <m:t>2</m:t>
+                                  </m:r>
+                                </m:sub>
+                              </m:sSub>
+                            </m:e>
+                          </m:mr>
+                          <m:mr>
+                            <m:e>
+                              <m:r>
+                                <a:rPr lang="en-US" sz="1400" i="1" dirty="0">
+                                  <a:latin typeface="Cambria Math" panose="02040503050406030204" pitchFamily="18" charset="0"/>
+                                  <a:ea typeface="Cambria Math" panose="02040503050406030204" pitchFamily="18" charset="0"/>
+                                </a:rPr>
+                                <m:t>⋮</m:t>
+                              </m:r>
+                            </m:e>
+                          </m:mr>
+                          <m:mr>
+                            <m:e>
+                              <m:sSub>
+                                <m:sSubPr>
+                                  <m:ctrlPr>
+                                    <a:rPr lang="en-US" sz="1400" i="1" dirty="0">
+                                      <a:solidFill>
+                                        <a:schemeClr val="tx1"/>
+                                      </a:solidFill>
+                                      <a:latin typeface="Cambria Math" panose="02040503050406030204" pitchFamily="18" charset="0"/>
+                                    </a:rPr>
+                                  </m:ctrlPr>
+                                </m:sSubPr>
+                                <m:e>
+                                  <m:r>
+                                    <a:rPr lang="en-US" sz="1400" i="1" dirty="0">
+                                      <a:solidFill>
+                                        <a:schemeClr val="tx1"/>
+                                      </a:solidFill>
+                                      <a:latin typeface="Cambria Math" panose="02040503050406030204" pitchFamily="18" charset="0"/>
+                                    </a:rPr>
+                                    <m:t>𝑎</m:t>
+                                  </m:r>
+                                </m:e>
+                                <m:sub>
+                                  <m:r>
+                                    <a:rPr lang="en-US" sz="1400" i="1" dirty="0">
+                                      <a:solidFill>
+                                        <a:schemeClr val="tx1"/>
+                                      </a:solidFill>
+                                      <a:latin typeface="Cambria Math" panose="02040503050406030204" pitchFamily="18" charset="0"/>
+                                    </a:rPr>
+                                    <m:t>𝑚</m:t>
+                                  </m:r>
+                                </m:sub>
+                              </m:sSub>
+                            </m:e>
+                          </m:mr>
+                        </m:m>
+                      </m:e>
+                    </m:d>
+                  </m:oMath>
+                </a14:m>
+                <a:r>
+                  <a:rPr lang="en-US" sz="2000" dirty="0">
+                    <a:solidFill>
+                      <a:schemeClr val="tx1"/>
+                    </a:solidFill>
+                    <a:latin typeface="Bahnschrift SemiBold" panose="020B0502040204020203" pitchFamily="34" charset="0"/>
+                  </a:rPr>
+                  <a:t>.</a:t>
+                </a:r>
+                <a:br>
+                  <a:rPr lang="en-US" sz="2000" dirty="0">
+                    <a:latin typeface="Bahnschrift SemiBold" panose="020B0502040204020203" pitchFamily="34" charset="0"/>
+                  </a:rPr>
+                </a:br>
+                <a:endParaRPr lang="en-US" sz="2000" b="1" i="0" dirty="0">
+                  <a:solidFill>
+                    <a:schemeClr val="tx1"/>
+                  </a:solidFill>
+                  <a:latin typeface="Cambria Math" panose="02040503050406030204" pitchFamily="18" charset="0"/>
+                </a:endParaRPr>
+              </a:p>
+              <a:p>
+                <a:pPr marL="0" indent="457200">
+                  <a:lnSpc>
+                    <a:spcPct val="110000"/>
+                  </a:lnSpc>
+                  <a:buNone/>
+                </a:pPr>
+                <a:r>
+                  <a:rPr lang="en-US" sz="2000" dirty="0"/>
+                  <a:t>Here we see an association between the weights (eigenvalues) and the RGB value through the transformation matrix </a:t>
+                </a:r>
+                <a14:m>
+                  <m:oMath xmlns:m="http://schemas.openxmlformats.org/officeDocument/2006/math">
+                    <m:r>
+                      <a:rPr lang="en-US" sz="2000" b="1" i="0" smtClean="0">
+                        <a:solidFill>
+                          <a:schemeClr val="tx1"/>
+                        </a:solidFill>
+                        <a:latin typeface="Cambria Math" panose="02040503050406030204" pitchFamily="18" charset="0"/>
+                      </a:rPr>
+                      <m:t>𝐓</m:t>
+                    </m:r>
+                  </m:oMath>
+                </a14:m>
+                <a:r>
+                  <a:rPr lang="en-US" sz="2000" dirty="0"/>
+                  <a:t>. Weiner estimation method then allows us the obtain the weights </a:t>
+                </a:r>
+                <a14:m>
+                  <m:oMath xmlns:m="http://schemas.openxmlformats.org/officeDocument/2006/math">
+                    <m:r>
+                      <a:rPr lang="en-US" sz="2000" b="1">
+                        <a:latin typeface="Cambria Math" panose="02040503050406030204" pitchFamily="18" charset="0"/>
+                      </a:rPr>
+                      <m:t>𝐚</m:t>
+                    </m:r>
+                  </m:oMath>
+                </a14:m>
+                <a:r>
+                  <a:rPr lang="en-US" sz="2000" dirty="0"/>
+                  <a:t>:</a:t>
+                </a:r>
+                <a:endParaRPr lang="en-US" sz="2000" b="1" i="0" dirty="0">
+                  <a:solidFill>
+                    <a:schemeClr val="tx1"/>
+                  </a:solidFill>
+                  <a:latin typeface="Cambria Math" panose="02040503050406030204" pitchFamily="18" charset="0"/>
+                </a:endParaRPr>
+              </a:p>
+              <a:p>
+                <a:pPr marL="0" indent="457200">
+                  <a:lnSpc>
+                    <a:spcPct val="110000"/>
+                  </a:lnSpc>
+                  <a:spcBef>
+                    <a:spcPts val="600"/>
+                  </a:spcBef>
+                  <a:spcAft>
+                    <a:spcPts val="600"/>
+                  </a:spcAft>
+                  <a:buNone/>
+                </a:pPr>
+                <a14:m>
+                  <m:oMathPara xmlns:m="http://schemas.openxmlformats.org/officeDocument/2006/math">
+                    <m:oMathParaPr>
+                      <m:jc m:val="center"/>
+                    </m:oMathParaPr>
+                    <m:oMath xmlns:m="http://schemas.openxmlformats.org/officeDocument/2006/math">
+                      <m:r>
+                        <a:rPr lang="en-US" sz="2000" b="1" i="0" smtClean="0">
+                          <a:solidFill>
+                            <a:schemeClr val="tx1"/>
+                          </a:solidFill>
+                          <a:latin typeface="Cambria Math" panose="02040503050406030204" pitchFamily="18" charset="0"/>
+                        </a:rPr>
+                        <m:t>𝐪</m:t>
+                      </m:r>
+                      <m:r>
+                        <a:rPr lang="en-US" sz="2000" b="1" i="0" smtClean="0">
+                          <a:solidFill>
+                            <a:schemeClr val="tx1"/>
+                          </a:solidFill>
+                          <a:latin typeface="Cambria Math" panose="02040503050406030204" pitchFamily="18" charset="0"/>
+                        </a:rPr>
+                        <m:t>=</m:t>
+                      </m:r>
+                      <m:r>
+                        <a:rPr lang="en-US" sz="2000" b="1" i="0" smtClean="0">
+                          <a:solidFill>
+                            <a:schemeClr val="tx1"/>
+                          </a:solidFill>
+                          <a:latin typeface="Cambria Math" panose="02040503050406030204" pitchFamily="18" charset="0"/>
+                        </a:rPr>
+                        <m:t>𝐓𝐚</m:t>
+                      </m:r>
+                    </m:oMath>
+                  </m:oMathPara>
+                </a14:m>
+                <a:endParaRPr lang="en-US" sz="2000" b="1" i="0" dirty="0">
+                  <a:solidFill>
+                    <a:schemeClr val="tx1"/>
+                  </a:solidFill>
+                  <a:latin typeface="Cambria Math" panose="02040503050406030204" pitchFamily="18" charset="0"/>
+                </a:endParaRPr>
+              </a:p>
+              <a:p>
+                <a:pPr marL="0" indent="457200" algn="ctr">
+                  <a:lnSpc>
+                    <a:spcPct val="110000"/>
+                  </a:lnSpc>
+                  <a:spcBef>
+                    <a:spcPts val="600"/>
+                  </a:spcBef>
+                  <a:spcAft>
+                    <a:spcPts val="600"/>
+                  </a:spcAft>
+                  <a:buNone/>
+                </a:pPr>
+                <a14:m>
+                  <m:oMath xmlns:m="http://schemas.openxmlformats.org/officeDocument/2006/math">
+                    <m:r>
+                      <a:rPr lang="en-US" sz="2000" b="1" i="0" smtClean="0">
+                        <a:solidFill>
+                          <a:schemeClr val="tx1"/>
+                        </a:solidFill>
+                        <a:latin typeface="Cambria Math" panose="02040503050406030204" pitchFamily="18" charset="0"/>
+                      </a:rPr>
+                      <m:t>𝐚</m:t>
+                    </m:r>
+                    <m:r>
+                      <a:rPr lang="en-US" sz="2000" b="1" i="0" smtClean="0">
+                        <a:solidFill>
+                          <a:schemeClr val="tx1"/>
+                        </a:solidFill>
+                        <a:latin typeface="Cambria Math" panose="02040503050406030204" pitchFamily="18" charset="0"/>
+                      </a:rPr>
+                      <m:t>=</m:t>
+                    </m:r>
+                    <m:sSup>
+                      <m:sSupPr>
+                        <m:ctrlPr>
+                          <a:rPr lang="en-US" sz="2000" b="1" i="1" smtClean="0">
+                            <a:solidFill>
+                              <a:schemeClr val="tx1"/>
+                            </a:solidFill>
+                            <a:latin typeface="Cambria Math" panose="02040503050406030204" pitchFamily="18" charset="0"/>
+                          </a:rPr>
+                        </m:ctrlPr>
+                      </m:sSupPr>
+                      <m:e>
+                        <m:d>
+                          <m:dPr>
+                            <m:ctrlPr>
+                              <a:rPr lang="en-US" sz="2000" b="1" i="1" smtClean="0">
+                                <a:solidFill>
+                                  <a:schemeClr val="tx1"/>
+                                </a:solidFill>
+                                <a:latin typeface="Cambria Math" panose="02040503050406030204" pitchFamily="18" charset="0"/>
+                              </a:rPr>
+                            </m:ctrlPr>
+                          </m:dPr>
+                          <m:e>
+                            <m:sSup>
+                              <m:sSupPr>
+                                <m:ctrlPr>
+                                  <a:rPr lang="en-US" sz="2000" b="1" i="1" smtClean="0">
+                                    <a:solidFill>
+                                      <a:schemeClr val="tx1"/>
+                                    </a:solidFill>
+                                    <a:latin typeface="Cambria Math" panose="02040503050406030204" pitchFamily="18" charset="0"/>
+                                  </a:rPr>
+                                </m:ctrlPr>
+                              </m:sSupPr>
+                              <m:e>
+                                <m:r>
+                                  <a:rPr lang="en-US" sz="2000" b="1" i="0" smtClean="0">
+                                    <a:solidFill>
+                                      <a:schemeClr val="tx1"/>
+                                    </a:solidFill>
+                                    <a:latin typeface="Cambria Math" panose="02040503050406030204" pitchFamily="18" charset="0"/>
+                                  </a:rPr>
+                                  <m:t>𝐓</m:t>
+                                </m:r>
+                              </m:e>
+                              <m:sup>
+                                <m:r>
+                                  <a:rPr lang="en-US" sz="2000" b="0" i="1" smtClean="0">
+                                    <a:solidFill>
+                                      <a:schemeClr val="tx1"/>
+                                    </a:solidFill>
+                                    <a:latin typeface="Cambria Math" panose="02040503050406030204" pitchFamily="18" charset="0"/>
+                                  </a:rPr>
+                                  <m:t>𝑇</m:t>
+                                </m:r>
+                              </m:sup>
+                            </m:sSup>
+                            <m:r>
+                              <a:rPr lang="en-US" sz="2000" b="1" i="0" smtClean="0">
+                                <a:solidFill>
+                                  <a:schemeClr val="tx1"/>
+                                </a:solidFill>
+                                <a:latin typeface="Cambria Math" panose="02040503050406030204" pitchFamily="18" charset="0"/>
+                              </a:rPr>
+                              <m:t>𝐓</m:t>
+                            </m:r>
+                          </m:e>
+                        </m:d>
+                      </m:e>
+                      <m:sup>
+                        <m:r>
+                          <a:rPr lang="en-US" sz="2000" b="1" i="0" smtClean="0">
+                            <a:solidFill>
+                              <a:schemeClr val="tx1"/>
+                            </a:solidFill>
+                            <a:latin typeface="Cambria Math" panose="02040503050406030204" pitchFamily="18" charset="0"/>
+                          </a:rPr>
+                          <m:t>−</m:t>
+                        </m:r>
+                        <m:r>
+                          <a:rPr lang="en-US" sz="2000" b="1" i="0" smtClean="0">
+                            <a:solidFill>
+                              <a:schemeClr val="tx1"/>
+                            </a:solidFill>
+                            <a:latin typeface="Cambria Math" panose="02040503050406030204" pitchFamily="18" charset="0"/>
+                          </a:rPr>
+                          <m:t>𝟏</m:t>
+                        </m:r>
+                      </m:sup>
+                    </m:sSup>
+                    <m:sSup>
+                      <m:sSupPr>
+                        <m:ctrlPr>
+                          <a:rPr lang="en-US" sz="2000" b="1" i="1" smtClean="0">
+                            <a:solidFill>
+                              <a:schemeClr val="tx1"/>
+                            </a:solidFill>
+                            <a:latin typeface="Cambria Math" panose="02040503050406030204" pitchFamily="18" charset="0"/>
+                          </a:rPr>
+                        </m:ctrlPr>
+                      </m:sSupPr>
+                      <m:e>
+                        <m:r>
+                          <a:rPr lang="en-US" sz="2000" b="1" i="0" smtClean="0">
+                            <a:solidFill>
+                              <a:schemeClr val="tx1"/>
+                            </a:solidFill>
+                            <a:latin typeface="Cambria Math" panose="02040503050406030204" pitchFamily="18" charset="0"/>
+                          </a:rPr>
+                          <m:t>𝐓</m:t>
+                        </m:r>
+                      </m:e>
+                      <m:sup>
+                        <m:r>
+                          <a:rPr lang="en-US" sz="2000" b="0" i="1" smtClean="0">
+                            <a:solidFill>
+                              <a:schemeClr val="tx1"/>
+                            </a:solidFill>
+                            <a:latin typeface="Cambria Math" panose="02040503050406030204" pitchFamily="18" charset="0"/>
+                          </a:rPr>
+                          <m:t>𝑇</m:t>
+                        </m:r>
+                      </m:sup>
+                    </m:sSup>
+                    <m:r>
+                      <a:rPr lang="en-US" sz="2000" b="1" i="0" smtClean="0">
+                        <a:solidFill>
+                          <a:schemeClr val="tx1"/>
+                        </a:solidFill>
+                        <a:latin typeface="Cambria Math" panose="02040503050406030204" pitchFamily="18" charset="0"/>
+                      </a:rPr>
+                      <m:t>𝐪</m:t>
+                    </m:r>
+                  </m:oMath>
+                </a14:m>
+                <a:r>
+                  <a:rPr lang="en-US" sz="2000" b="1" dirty="0">
+                    <a:solidFill>
+                      <a:schemeClr val="tx1"/>
+                    </a:solidFill>
+                    <a:latin typeface="Bahnschrift SemiBold" panose="020B0502040204020203" pitchFamily="34" charset="0"/>
+                  </a:rPr>
+                  <a:t>. </a:t>
+                </a:r>
+              </a:p>
+              <a:p>
+                <a:pPr marL="0" indent="457200">
+                  <a:lnSpc>
+                    <a:spcPct val="110000"/>
+                  </a:lnSpc>
+                  <a:buNone/>
+                </a:pPr>
+                <a:r>
+                  <a:rPr lang="en-US" sz="2000" dirty="0"/>
+                  <a:t>Since the eigenvectors are already established and the weights can be determined using RGB, then the spectrum of the color signal can be recreated.</a:t>
+                </a:r>
+                <a:endParaRPr lang="en-US" sz="2000" b="1" dirty="0">
+                  <a:solidFill>
+                    <a:schemeClr val="tx1"/>
+                  </a:solidFill>
+                  <a:latin typeface="Bahnschrift SemiBold" panose="020B0502040204020203" pitchFamily="34" charset="0"/>
+                </a:endParaRPr>
+              </a:p>
+            </p:txBody>
+          </p:sp>
+        </mc:Choice>
+        <mc:Fallback>
+          <p:sp>
+            <p:nvSpPr>
+              <p:cNvPr id="3" name="Content Placeholder 2">
+                <a:extLst>
+                  <a:ext uri="{FF2B5EF4-FFF2-40B4-BE49-F238E27FC236}">
+                    <a16:creationId xmlns:a16="http://schemas.microsoft.com/office/drawing/2014/main" id="{ECE74CC9-655D-68B1-5F60-5C08DD885B5C}"/>
+                  </a:ext>
+                </a:extLst>
+              </p:cNvPr>
+              <p:cNvSpPr>
+                <a:spLocks noGrp="1" noRot="1" noChangeAspect="1" noMove="1" noResize="1" noEditPoints="1" noAdjustHandles="1" noChangeArrowheads="1" noChangeShapeType="1" noTextEdit="1"/>
+              </p:cNvSpPr>
+              <p:nvPr>
+                <p:ph idx="1"/>
+              </p:nvPr>
+            </p:nvSpPr>
+            <p:spPr>
+              <a:blipFill>
+                <a:blip r:embed="rId2"/>
+                <a:stretch>
+                  <a:fillRect l="-773" t="-726" r="-1391"/>
                 </a:stretch>
               </a:blipFill>
             </p:spPr>
@@ -8958,7 +11511,7 @@
           <a:p>
             <a:r>
               <a:rPr lang="en-US" dirty="0"/>
-              <a:t>Methodology</a:t>
+              <a:t>Background</a:t>
             </a:r>
           </a:p>
         </p:txBody>
@@ -9015,111 +11568,52 @@
           <a:p>
             <a:fld id="{8262CFD8-7A98-47E6-A2CC-B17DDA24BA0E}" type="slidenum">
               <a:rPr lang="en-US" smtClean="0"/>
-              <a:t>3</a:t>
+              <a:t>4</a:t>
             </a:fld>
             <a:endParaRPr lang="en-US"/>
           </a:p>
         </p:txBody>
       </p:sp>
-    </p:spTree>
-    <p:extLst>
-      <p:ext uri="{BB962C8B-B14F-4D97-AF65-F5344CB8AC3E}">
-        <p14:creationId xmlns:p14="http://schemas.microsoft.com/office/powerpoint/2010/main" val="1971012692"/>
-      </p:ext>
-    </p:extLst>
-  </p:cSld>
-  <p:clrMapOvr>
-    <a:masterClrMapping/>
-  </p:clrMapOvr>
-</p:sld>
-</file>
-
-<file path=ppt/slides/slide4.xml><?xml version="1.0" encoding="utf-8"?>
-<p:sld xmlns:a="http://schemas.openxmlformats.org/drawingml/2006/main" xmlns:r="http://schemas.openxmlformats.org/officeDocument/2006/relationships" xmlns:p="http://schemas.openxmlformats.org/presentationml/2006/main">
-  <p:cSld>
-    <p:spTree>
-      <p:nvGrpSpPr>
-        <p:cNvPr id="1" name=""/>
-        <p:cNvGrpSpPr/>
-        <p:nvPr/>
-      </p:nvGrpSpPr>
-      <p:grpSpPr>
-        <a:xfrm>
-          <a:off x="0" y="0"/>
-          <a:ext cx="0" cy="0"/>
-          <a:chOff x="0" y="0"/>
-          <a:chExt cx="0" cy="0"/>
-        </a:xfrm>
-      </p:grpSpPr>
-      <mc:AlternateContent xmlns:mc="http://schemas.openxmlformats.org/markup-compatibility/2006" xmlns:a14="http://schemas.microsoft.com/office/drawing/2010/main">
-        <mc:Choice Requires="a14">
+      <mc:AlternateContent xmlns:mc="http://schemas.openxmlformats.org/markup-compatibility/2006">
+        <mc:Choice xmlns:a14="http://schemas.microsoft.com/office/drawing/2010/main" Requires="a14">
           <p:sp>
             <p:nvSpPr>
-              <p:cNvPr id="3" name="Content Placeholder 2">
+              <p:cNvPr id="7" name="TextBox 6">
                 <a:extLst>
                   <a:ext uri="{FF2B5EF4-FFF2-40B4-BE49-F238E27FC236}">
-                    <a16:creationId xmlns:a16="http://schemas.microsoft.com/office/drawing/2014/main" id="{ECE74CC9-655D-68B1-5F60-5C08DD885B5C}"/>
+                    <a16:creationId xmlns:a16="http://schemas.microsoft.com/office/drawing/2014/main" id="{CAE6BCCC-FB53-1FAB-EAE6-4EA0D10BF261}"/>
                   </a:ext>
                 </a:extLst>
               </p:cNvPr>
-              <p:cNvSpPr>
-                <a:spLocks noGrp="1"/>
-              </p:cNvSpPr>
-              <p:nvPr>
-                <p:ph idx="1"/>
-              </p:nvPr>
+              <p:cNvSpPr txBox="1"/>
+              <p:nvPr/>
             </p:nvSpPr>
-            <p:spPr/>
+            <p:spPr>
+              <a:xfrm>
+                <a:off x="697501" y="1586895"/>
+                <a:ext cx="3690530" cy="1098762"/>
+              </a:xfrm>
+              <a:prstGeom prst="rect">
+                <a:avLst/>
+              </a:prstGeom>
+              <a:solidFill>
+                <a:srgbClr val="EBA0A2">
+                  <a:alpha val="18000"/>
+                </a:srgbClr>
+              </a:solidFill>
+            </p:spPr>
             <p:txBody>
-              <a:bodyPr>
-                <a:normAutofit/>
+              <a:bodyPr wrap="square">
+                <a:spAutoFit/>
               </a:bodyPr>
               <a:lstStyle/>
               <a:p>
                 <a:pPr marL="0" indent="0">
                   <a:spcBef>
-                    <a:spcPts val="600"/>
+                    <a:spcPts val="0"/>
                   </a:spcBef>
                   <a:spcAft>
-                    <a:spcPts val="600"/>
-                  </a:spcAft>
-                  <a:buNone/>
-                </a:pPr>
-                <a:r>
-                  <a:rPr lang="en-US" dirty="0">
-                    <a:solidFill>
-                      <a:schemeClr val="bg1"/>
-                    </a:solidFill>
-                    <a:highlight>
-                      <a:srgbClr val="467599"/>
-                    </a:highlight>
-                    <a:latin typeface="Bahnschrift SemiBold" panose="020B0502040204020203" pitchFamily="34" charset="0"/>
-                  </a:rPr>
-                  <a:t> Estimating Color Signal from Digital Color</a:t>
-                </a:r>
-                <a:r>
-                  <a:rPr lang="en-US" dirty="0">
-                    <a:solidFill>
-                      <a:srgbClr val="467599"/>
-                    </a:solidFill>
-                    <a:highlight>
-                      <a:srgbClr val="467599"/>
-                    </a:highlight>
-                    <a:latin typeface="Bahnschrift SemiBold" panose="020B0502040204020203" pitchFamily="34" charset="0"/>
-                  </a:rPr>
-                  <a:t>.</a:t>
-                </a:r>
-                <a:endParaRPr lang="en-US" dirty="0">
-                  <a:latin typeface="Bahnschrift SemiBold" panose="020B0502040204020203" pitchFamily="34" charset="0"/>
-                </a:endParaRPr>
-              </a:p>
-              <a:p>
-                <a:pPr marL="0" indent="0">
-                  <a:spcBef>
-                    <a:spcPts val="600"/>
-                  </a:spcBef>
-                  <a:spcAft>
-                    <a:spcPts val="600"/>
+                    <a:spcPts val="0"/>
                   </a:spcAft>
                   <a:buNone/>
                 </a:pPr>
@@ -9132,7 +11626,7 @@
                       <m:sSub>
                         <m:sSubPr>
                           <m:ctrlPr>
-                            <a:rPr lang="en-US" sz="2000" i="1" smtClean="0">
+                            <a:rPr lang="en-US" sz="900" i="1" smtClean="0">
                               <a:solidFill>
                                 <a:schemeClr val="tx1"/>
                               </a:solidFill>
@@ -9142,7 +11636,7 @@
                         </m:sSubPr>
                         <m:e>
                           <m:r>
-                            <a:rPr lang="en-US" sz="2000" i="1" smtClean="0">
+                            <a:rPr lang="en-US" sz="900" i="1" smtClean="0">
                               <a:solidFill>
                                 <a:schemeClr val="tx1"/>
                               </a:solidFill>
@@ -9153,7 +11647,7 @@
                         </m:e>
                         <m:sub>
                           <m:r>
-                            <a:rPr lang="en-US" sz="2000" b="0" i="1" smtClean="0">
+                            <a:rPr lang="en-US" sz="900" b="0" i="1" smtClean="0">
                               <a:solidFill>
                                 <a:schemeClr val="tx1"/>
                               </a:solidFill>
@@ -9164,7 +11658,7 @@
                         </m:sub>
                       </m:sSub>
                       <m:r>
-                        <a:rPr lang="en-US" sz="2000" i="1" smtClean="0">
+                        <a:rPr lang="en-US" sz="900" i="1" smtClean="0">
                           <a:solidFill>
                             <a:schemeClr val="tx1"/>
                           </a:solidFill>
@@ -9175,7 +11669,7 @@
                       <m:sSub>
                         <m:sSubPr>
                           <m:ctrlPr>
-                            <a:rPr lang="en-US" sz="2000" i="1" smtClean="0">
+                            <a:rPr lang="en-US" sz="900" i="1" smtClean="0">
                               <a:solidFill>
                                 <a:schemeClr val="tx1"/>
                               </a:solidFill>
@@ -9185,7 +11679,7 @@
                         </m:sSubPr>
                         <m:e>
                           <m:r>
-                            <a:rPr lang="en-US" sz="2000" i="1" smtClean="0">
+                            <a:rPr lang="en-US" sz="900" i="1" smtClean="0">
                               <a:solidFill>
                                 <a:schemeClr val="tx1"/>
                               </a:solidFill>
@@ -9196,7 +11690,7 @@
                         </m:e>
                         <m:sub>
                           <m:r>
-                            <a:rPr lang="en-US" sz="2000" i="1" smtClean="0">
+                            <a:rPr lang="en-US" sz="900" i="1" smtClean="0">
                               <a:solidFill>
                                 <a:schemeClr val="tx1"/>
                               </a:solidFill>
@@ -9213,7 +11707,7 @@
                           <m:subHide m:val="on"/>
                           <m:supHide m:val="on"/>
                           <m:ctrlPr>
-                            <a:rPr lang="en-US" sz="2000" i="1" smtClean="0">
+                            <a:rPr lang="en-US" sz="900" i="1" smtClean="0">
                               <a:solidFill>
                                 <a:schemeClr val="tx1"/>
                               </a:solidFill>
@@ -9227,7 +11721,7 @@
                           <m:sSub>
                             <m:sSubPr>
                               <m:ctrlPr>
-                                <a:rPr lang="en-US" sz="2000" i="1" smtClean="0">
+                                <a:rPr lang="en-US" sz="900" i="1" smtClean="0">
                                   <a:solidFill>
                                     <a:schemeClr val="tx1"/>
                                   </a:solidFill>
@@ -9237,7 +11731,7 @@
                             </m:sSubPr>
                             <m:e>
                               <m:r>
-                                <a:rPr lang="en-US" sz="2000" i="1" smtClean="0">
+                                <a:rPr lang="en-US" sz="900" i="1" smtClean="0">
                                   <a:solidFill>
                                     <a:schemeClr val="tx1"/>
                                   </a:solidFill>
@@ -9248,7 +11742,7 @@
                             </m:e>
                             <m:sub>
                               <m:r>
-                                <a:rPr lang="en-US" sz="2000" i="1" smtClean="0">
+                                <a:rPr lang="en-US" sz="900" i="1" smtClean="0">
                                   <a:solidFill>
                                     <a:schemeClr val="tx1"/>
                                   </a:solidFill>
@@ -9261,7 +11755,7 @@
                           <m:d>
                             <m:dPr>
                               <m:ctrlPr>
-                                <a:rPr lang="en-US" sz="2000" i="1" smtClean="0">
+                                <a:rPr lang="en-US" sz="900" i="1" smtClean="0">
                                   <a:solidFill>
                                     <a:schemeClr val="tx1"/>
                                   </a:solidFill>
@@ -9271,7 +11765,7 @@
                             </m:dPr>
                             <m:e>
                               <m:r>
-                                <a:rPr lang="en-US" sz="2000" i="1" smtClean="0">
+                                <a:rPr lang="en-US" sz="900" i="1" smtClean="0">
                                   <a:solidFill>
                                     <a:schemeClr val="tx1"/>
                                   </a:solidFill>
@@ -9284,7 +11778,7 @@
                           <m:sSub>
                             <m:sSubPr>
                               <m:ctrlPr>
-                                <a:rPr lang="en-US" sz="2000" i="1" smtClean="0">
+                                <a:rPr lang="en-US" sz="900" i="1" smtClean="0">
                                   <a:solidFill>
                                     <a:schemeClr val="tx1"/>
                                   </a:solidFill>
@@ -9294,7 +11788,7 @@
                             </m:sSubPr>
                             <m:e>
                               <m:r>
-                                <a:rPr lang="en-US" sz="2000" i="1" smtClean="0">
+                                <a:rPr lang="en-US" sz="900" i="1" smtClean="0">
                                   <a:solidFill>
                                     <a:schemeClr val="tx1"/>
                                   </a:solidFill>
@@ -9305,7 +11799,7 @@
                             </m:e>
                             <m:sub>
                               <m:r>
-                                <a:rPr lang="en-US" sz="2000" b="0" i="1" smtClean="0">
+                                <a:rPr lang="en-US" sz="900" b="0" i="1" smtClean="0">
                                   <a:solidFill>
                                     <a:schemeClr val="tx1"/>
                                   </a:solidFill>
@@ -9318,7 +11812,7 @@
                           <m:d>
                             <m:dPr>
                               <m:ctrlPr>
-                                <a:rPr lang="en-US" sz="2000" i="1" smtClean="0">
+                                <a:rPr lang="en-US" sz="900" i="1" smtClean="0">
                                   <a:solidFill>
                                     <a:schemeClr val="tx1"/>
                                   </a:solidFill>
@@ -9328,7 +11822,7 @@
                             </m:dPr>
                             <m:e>
                               <m:r>
-                                <a:rPr lang="en-US" sz="2000" i="1" smtClean="0">
+                                <a:rPr lang="en-US" sz="900" i="1" smtClean="0">
                                   <a:solidFill>
                                     <a:schemeClr val="tx1"/>
                                   </a:solidFill>
@@ -9341,7 +11835,7 @@
                         </m:e>
                       </m:nary>
                       <m:r>
-                        <a:rPr lang="en-US" sz="2000" i="1" smtClean="0">
+                        <a:rPr lang="en-US" sz="900" i="1" smtClean="0">
                           <a:solidFill>
                             <a:schemeClr val="tx1"/>
                           </a:solidFill>
@@ -9352,7 +11846,7 @@
                       <m:sSub>
                         <m:sSubPr>
                           <m:ctrlPr>
-                            <a:rPr lang="en-US" sz="2000" i="1" smtClean="0">
+                            <a:rPr lang="en-US" sz="900" i="1" smtClean="0">
                               <a:solidFill>
                                 <a:schemeClr val="tx1"/>
                               </a:solidFill>
@@ -9362,7 +11856,7 @@
                         </m:sSubPr>
                         <m:e>
                           <m:r>
-                            <a:rPr lang="en-US" sz="2000" i="1" smtClean="0">
+                            <a:rPr lang="en-US" sz="900" i="1" smtClean="0">
                               <a:solidFill>
                                 <a:schemeClr val="tx1"/>
                               </a:solidFill>
@@ -9373,7 +11867,7 @@
                         </m:e>
                         <m:sub>
                           <m:r>
-                            <a:rPr lang="en-US" sz="2000" i="1" smtClean="0">
+                            <a:rPr lang="en-US" sz="900" i="1" smtClean="0">
                               <a:solidFill>
                                 <a:schemeClr val="tx1"/>
                               </a:solidFill>
@@ -9390,7 +11884,7 @@
                           <m:subHide m:val="on"/>
                           <m:supHide m:val="on"/>
                           <m:ctrlPr>
-                            <a:rPr lang="en-US" sz="2000" i="1" smtClean="0">
+                            <a:rPr lang="en-US" sz="900" i="1" smtClean="0">
                               <a:solidFill>
                                 <a:schemeClr val="tx1"/>
                               </a:solidFill>
@@ -9404,7 +11898,7 @@
                           <m:sSub>
                             <m:sSubPr>
                               <m:ctrlPr>
-                                <a:rPr lang="en-US" sz="2000" i="1" smtClean="0">
+                                <a:rPr lang="en-US" sz="900" i="1" smtClean="0">
                                   <a:solidFill>
                                     <a:schemeClr val="tx1"/>
                                   </a:solidFill>
@@ -9414,7 +11908,7 @@
                             </m:sSubPr>
                             <m:e>
                               <m:r>
-                                <a:rPr lang="en-US" sz="2000" i="1" smtClean="0">
+                                <a:rPr lang="en-US" sz="900" i="1" smtClean="0">
                                   <a:solidFill>
                                     <a:schemeClr val="tx1"/>
                                   </a:solidFill>
@@ -9425,7 +11919,7 @@
                             </m:e>
                             <m:sub>
                               <m:r>
-                                <a:rPr lang="en-US" sz="2000" i="1" smtClean="0">
+                                <a:rPr lang="en-US" sz="900" i="1" smtClean="0">
                                   <a:solidFill>
                                     <a:schemeClr val="tx1"/>
                                   </a:solidFill>
@@ -9438,7 +11932,7 @@
                           <m:d>
                             <m:dPr>
                               <m:ctrlPr>
-                                <a:rPr lang="en-US" sz="2000" i="1" smtClean="0">
+                                <a:rPr lang="en-US" sz="900" i="1" smtClean="0">
                                   <a:solidFill>
                                     <a:schemeClr val="tx1"/>
                                   </a:solidFill>
@@ -9448,7 +11942,7 @@
                             </m:dPr>
                             <m:e>
                               <m:r>
-                                <a:rPr lang="en-US" sz="2000" i="1" smtClean="0">
+                                <a:rPr lang="en-US" sz="900" i="1" smtClean="0">
                                   <a:solidFill>
                                     <a:schemeClr val="tx1"/>
                                   </a:solidFill>
@@ -9461,7 +11955,7 @@
                           <m:sSub>
                             <m:sSubPr>
                               <m:ctrlPr>
-                                <a:rPr lang="en-US" sz="2000" i="1" smtClean="0">
+                                <a:rPr lang="en-US" sz="900" i="1" smtClean="0">
                                   <a:solidFill>
                                     <a:schemeClr val="tx1"/>
                                   </a:solidFill>
@@ -9471,7 +11965,7 @@
                             </m:sSubPr>
                             <m:e>
                               <m:r>
-                                <a:rPr lang="en-US" sz="2000" i="1" smtClean="0">
+                                <a:rPr lang="en-US" sz="900" i="1" smtClean="0">
                                   <a:solidFill>
                                     <a:schemeClr val="tx1"/>
                                   </a:solidFill>
@@ -9482,7 +11976,7 @@
                             </m:e>
                             <m:sub>
                               <m:r>
-                                <a:rPr lang="en-US" sz="2000" b="0" i="1" smtClean="0">
+                                <a:rPr lang="en-US" sz="900" b="0" i="1" smtClean="0">
                                   <a:solidFill>
                                     <a:schemeClr val="tx1"/>
                                   </a:solidFill>
@@ -9495,7 +11989,7 @@
                           <m:d>
                             <m:dPr>
                               <m:ctrlPr>
-                                <a:rPr lang="en-US" sz="2000" i="1" smtClean="0">
+                                <a:rPr lang="en-US" sz="900" i="1" smtClean="0">
                                   <a:solidFill>
                                     <a:schemeClr val="tx1"/>
                                   </a:solidFill>
@@ -9505,7 +11999,7 @@
                             </m:dPr>
                             <m:e>
                               <m:r>
-                                <a:rPr lang="en-US" sz="2000" i="1" smtClean="0">
+                                <a:rPr lang="en-US" sz="900" i="1" smtClean="0">
                                   <a:solidFill>
                                     <a:schemeClr val="tx1"/>
                                   </a:solidFill>
@@ -9516,7 +12010,7 @@
                             </m:e>
                           </m:d>
                           <m:r>
-                            <a:rPr lang="en-US" sz="2000" i="1" smtClean="0">
+                            <a:rPr lang="en-US" sz="900" i="1" smtClean="0">
                               <a:solidFill>
                                 <a:schemeClr val="tx1"/>
                               </a:solidFill>
@@ -9527,7 +12021,7 @@
                         </m:e>
                       </m:nary>
                       <m:r>
-                        <a:rPr lang="en-US" sz="2000" i="1" smtClean="0">
+                        <a:rPr lang="en-US" sz="900" i="1" smtClean="0">
                           <a:solidFill>
                             <a:schemeClr val="tx1"/>
                           </a:solidFill>
@@ -9538,7 +12032,7 @@
                       <m:sSub>
                         <m:sSubPr>
                           <m:ctrlPr>
-                            <a:rPr lang="en-US" sz="2000" i="1" smtClean="0">
+                            <a:rPr lang="en-US" sz="900" i="1" smtClean="0">
                               <a:solidFill>
                                 <a:schemeClr val="tx1"/>
                               </a:solidFill>
@@ -9548,7 +12042,7 @@
                         </m:sSubPr>
                         <m:e>
                           <m:r>
-                            <a:rPr lang="en-US" sz="2000" i="1" smtClean="0">
+                            <a:rPr lang="en-US" sz="900" i="1" smtClean="0">
                               <a:solidFill>
                                 <a:schemeClr val="tx1"/>
                               </a:solidFill>
@@ -9559,7 +12053,7 @@
                         </m:e>
                         <m:sub>
                           <m:r>
-                            <a:rPr lang="en-US" sz="2000" i="1" smtClean="0">
+                            <a:rPr lang="en-US" sz="900" i="1" smtClean="0">
                               <a:solidFill>
                                 <a:schemeClr val="tx1"/>
                               </a:solidFill>
@@ -9576,7 +12070,7 @@
                           <m:subHide m:val="on"/>
                           <m:supHide m:val="on"/>
                           <m:ctrlPr>
-                            <a:rPr lang="en-US" sz="2000" i="1" smtClean="0">
+                            <a:rPr lang="en-US" sz="900" i="1" smtClean="0">
                               <a:solidFill>
                                 <a:schemeClr val="tx1"/>
                               </a:solidFill>
@@ -9590,7 +12084,7 @@
                           <m:sSub>
                             <m:sSubPr>
                               <m:ctrlPr>
-                                <a:rPr lang="en-US" sz="2000" i="1" smtClean="0">
+                                <a:rPr lang="en-US" sz="900" i="1" smtClean="0">
                                   <a:solidFill>
                                     <a:schemeClr val="tx1"/>
                                   </a:solidFill>
@@ -9600,7 +12094,7 @@
                             </m:sSubPr>
                             <m:e>
                               <m:r>
-                                <a:rPr lang="en-US" sz="2000" i="1" smtClean="0">
+                                <a:rPr lang="en-US" sz="900" i="1" smtClean="0">
                                   <a:solidFill>
                                     <a:schemeClr val="tx1"/>
                                   </a:solidFill>
@@ -9611,7 +12105,7 @@
                             </m:e>
                             <m:sub>
                               <m:r>
-                                <a:rPr lang="en-US" sz="2000" i="1" smtClean="0">
+                                <a:rPr lang="en-US" sz="900" i="1" smtClean="0">
                                   <a:solidFill>
                                     <a:schemeClr val="tx1"/>
                                   </a:solidFill>
@@ -9624,7 +12118,7 @@
                           <m:d>
                             <m:dPr>
                               <m:ctrlPr>
-                                <a:rPr lang="en-US" sz="2000" i="1" smtClean="0">
+                                <a:rPr lang="en-US" sz="900" i="1" smtClean="0">
                                   <a:solidFill>
                                     <a:schemeClr val="tx1"/>
                                   </a:solidFill>
@@ -9634,7 +12128,7 @@
                             </m:dPr>
                             <m:e>
                               <m:r>
-                                <a:rPr lang="en-US" sz="2000" i="1" smtClean="0">
+                                <a:rPr lang="en-US" sz="900" i="1" smtClean="0">
                                   <a:solidFill>
                                     <a:schemeClr val="tx1"/>
                                   </a:solidFill>
@@ -9647,7 +12141,7 @@
                           <m:sSub>
                             <m:sSubPr>
                               <m:ctrlPr>
-                                <a:rPr lang="en-US" sz="2000" i="1" smtClean="0">
+                                <a:rPr lang="en-US" sz="900" i="1" smtClean="0">
                                   <a:solidFill>
                                     <a:schemeClr val="tx1"/>
                                   </a:solidFill>
@@ -9657,7 +12151,7 @@
                             </m:sSubPr>
                             <m:e>
                               <m:r>
-                                <a:rPr lang="en-US" sz="2000" i="1" smtClean="0">
+                                <a:rPr lang="en-US" sz="900" i="1" smtClean="0">
                                   <a:solidFill>
                                     <a:schemeClr val="tx1"/>
                                   </a:solidFill>
@@ -9668,7 +12162,7 @@
                             </m:e>
                             <m:sub>
                               <m:r>
-                                <a:rPr lang="en-US" sz="2000" b="0" i="1" smtClean="0">
+                                <a:rPr lang="en-US" sz="900" b="0" i="1" smtClean="0">
                                   <a:solidFill>
                                     <a:schemeClr val="tx1"/>
                                   </a:solidFill>
@@ -9681,7 +12175,7 @@
                           <m:d>
                             <m:dPr>
                               <m:ctrlPr>
-                                <a:rPr lang="en-US" sz="2000" i="1" smtClean="0">
+                                <a:rPr lang="en-US" sz="900" i="1" smtClean="0">
                                   <a:solidFill>
                                     <a:schemeClr val="tx1"/>
                                   </a:solidFill>
@@ -9691,7 +12185,7 @@
                             </m:dPr>
                             <m:e>
                               <m:r>
-                                <a:rPr lang="en-US" sz="2000" i="1" smtClean="0">
+                                <a:rPr lang="en-US" sz="900" i="1" smtClean="0">
                                   <a:solidFill>
                                     <a:schemeClr val="tx1"/>
                                   </a:solidFill>
@@ -9706,7 +12200,7 @@
                     </m:oMath>
                   </m:oMathPara>
                 </a14:m>
-                <a:endParaRPr lang="en-US" sz="2000" dirty="0">
+                <a:endParaRPr lang="en-US" sz="900" dirty="0">
                   <a:solidFill>
                     <a:schemeClr val="tx1"/>
                   </a:solidFill>
@@ -9716,10 +12210,10 @@
               <a:p>
                 <a:pPr marL="0" indent="0">
                   <a:spcBef>
-                    <a:spcPts val="600"/>
+                    <a:spcPts val="0"/>
                   </a:spcBef>
                   <a:spcAft>
-                    <a:spcPts val="600"/>
+                    <a:spcPts val="0"/>
                   </a:spcAft>
                   <a:buNone/>
                 </a:pPr>
@@ -9732,7 +12226,7 @@
                       <m:sSub>
                         <m:sSubPr>
                           <m:ctrlPr>
-                            <a:rPr lang="en-US" sz="2000" i="1" smtClean="0">
+                            <a:rPr lang="en-US" sz="900" i="1" smtClean="0">
                               <a:solidFill>
                                 <a:schemeClr val="tx1"/>
                               </a:solidFill>
@@ -9742,7 +12236,7 @@
                         </m:sSubPr>
                         <m:e>
                           <m:r>
-                            <a:rPr lang="en-US" sz="2000" i="1" smtClean="0">
+                            <a:rPr lang="en-US" sz="900" i="1" smtClean="0">
                               <a:solidFill>
                                 <a:schemeClr val="tx1"/>
                               </a:solidFill>
@@ -9753,7 +12247,7 @@
                         </m:e>
                         <m:sub>
                           <m:r>
-                            <a:rPr lang="en-US" sz="2000" b="0" i="1" smtClean="0">
+                            <a:rPr lang="en-US" sz="900" b="0" i="1" smtClean="0">
                               <a:solidFill>
                                 <a:schemeClr val="tx1"/>
                               </a:solidFill>
@@ -9764,7 +12258,7 @@
                         </m:sub>
                       </m:sSub>
                       <m:r>
-                        <a:rPr lang="en-US" sz="2000" i="1" smtClean="0">
+                        <a:rPr lang="en-US" sz="900" i="1" smtClean="0">
                           <a:solidFill>
                             <a:schemeClr val="tx1"/>
                           </a:solidFill>
@@ -9775,7 +12269,7 @@
                       <m:sSub>
                         <m:sSubPr>
                           <m:ctrlPr>
-                            <a:rPr lang="en-US" sz="2000" i="1" smtClean="0">
+                            <a:rPr lang="en-US" sz="900" i="1" smtClean="0">
                               <a:solidFill>
                                 <a:schemeClr val="tx1"/>
                               </a:solidFill>
@@ -9785,7 +12279,7 @@
                         </m:sSubPr>
                         <m:e>
                           <m:r>
-                            <a:rPr lang="en-US" sz="2000" i="1" smtClean="0">
+                            <a:rPr lang="en-US" sz="900" i="1" smtClean="0">
                               <a:solidFill>
                                 <a:schemeClr val="tx1"/>
                               </a:solidFill>
@@ -9796,7 +12290,7 @@
                         </m:e>
                         <m:sub>
                           <m:r>
-                            <a:rPr lang="en-US" sz="2000" i="1" smtClean="0">
+                            <a:rPr lang="en-US" sz="900" i="1" smtClean="0">
                               <a:solidFill>
                                 <a:schemeClr val="tx1"/>
                               </a:solidFill>
@@ -9813,7 +12307,7 @@
                           <m:subHide m:val="on"/>
                           <m:supHide m:val="on"/>
                           <m:ctrlPr>
-                            <a:rPr lang="en-US" sz="2000" i="1" smtClean="0">
+                            <a:rPr lang="en-US" sz="900" i="1" smtClean="0">
                               <a:solidFill>
                                 <a:schemeClr val="tx1"/>
                               </a:solidFill>
@@ -9827,7 +12321,7 @@
                           <m:sSub>
                             <m:sSubPr>
                               <m:ctrlPr>
-                                <a:rPr lang="en-US" sz="2000" i="1" smtClean="0">
+                                <a:rPr lang="en-US" sz="900" i="1" smtClean="0">
                                   <a:solidFill>
                                     <a:schemeClr val="tx1"/>
                                   </a:solidFill>
@@ -9837,7 +12331,7 @@
                             </m:sSubPr>
                             <m:e>
                               <m:r>
-                                <a:rPr lang="en-US" sz="2000" i="1" smtClean="0">
+                                <a:rPr lang="en-US" sz="900" i="1" smtClean="0">
                                   <a:solidFill>
                                     <a:schemeClr val="tx1"/>
                                   </a:solidFill>
@@ -9848,7 +12342,7 @@
                             </m:e>
                             <m:sub>
                               <m:r>
-                                <a:rPr lang="en-US" sz="2000" i="1" smtClean="0">
+                                <a:rPr lang="en-US" sz="900" i="1" smtClean="0">
                                   <a:solidFill>
                                     <a:schemeClr val="tx1"/>
                                   </a:solidFill>
@@ -9861,7 +12355,7 @@
                           <m:d>
                             <m:dPr>
                               <m:ctrlPr>
-                                <a:rPr lang="en-US" sz="2000" i="1" smtClean="0">
+                                <a:rPr lang="en-US" sz="900" i="1" smtClean="0">
                                   <a:solidFill>
                                     <a:schemeClr val="tx1"/>
                                   </a:solidFill>
@@ -9871,7 +12365,7 @@
                             </m:dPr>
                             <m:e>
                               <m:r>
-                                <a:rPr lang="en-US" sz="2000" i="1" smtClean="0">
+                                <a:rPr lang="en-US" sz="900" i="1" smtClean="0">
                                   <a:solidFill>
                                     <a:schemeClr val="tx1"/>
                                   </a:solidFill>
@@ -9884,7 +12378,7 @@
                           <m:sSub>
                             <m:sSubPr>
                               <m:ctrlPr>
-                                <a:rPr lang="en-US" sz="2000" i="1" smtClean="0">
+                                <a:rPr lang="en-US" sz="900" i="1" smtClean="0">
                                   <a:solidFill>
                                     <a:schemeClr val="tx1"/>
                                   </a:solidFill>
@@ -9894,7 +12388,7 @@
                             </m:sSubPr>
                             <m:e>
                               <m:r>
-                                <a:rPr lang="en-US" sz="2000" i="1" smtClean="0">
+                                <a:rPr lang="en-US" sz="900" i="1" smtClean="0">
                                   <a:solidFill>
                                     <a:schemeClr val="tx1"/>
                                   </a:solidFill>
@@ -9905,7 +12399,7 @@
                             </m:e>
                             <m:sub>
                               <m:r>
-                                <a:rPr lang="en-US" sz="2000" b="0" i="1" smtClean="0">
+                                <a:rPr lang="en-US" sz="900" b="0" i="1" smtClean="0">
                                   <a:solidFill>
                                     <a:schemeClr val="tx1"/>
                                   </a:solidFill>
@@ -9918,7 +12412,7 @@
                           <m:d>
                             <m:dPr>
                               <m:ctrlPr>
-                                <a:rPr lang="en-US" sz="2000" i="1" smtClean="0">
+                                <a:rPr lang="en-US" sz="900" i="1" smtClean="0">
                                   <a:solidFill>
                                     <a:schemeClr val="tx1"/>
                                   </a:solidFill>
@@ -9928,7 +12422,7 @@
                             </m:dPr>
                             <m:e>
                               <m:r>
-                                <a:rPr lang="en-US" sz="2000" i="1" smtClean="0">
+                                <a:rPr lang="en-US" sz="900" i="1" smtClean="0">
                                   <a:solidFill>
                                     <a:schemeClr val="tx1"/>
                                   </a:solidFill>
@@ -9941,7 +12435,7 @@
                         </m:e>
                       </m:nary>
                       <m:r>
-                        <a:rPr lang="en-US" sz="2000" i="1" smtClean="0">
+                        <a:rPr lang="en-US" sz="900" i="1" smtClean="0">
                           <a:solidFill>
                             <a:schemeClr val="tx1"/>
                           </a:solidFill>
@@ -9952,7 +12446,7 @@
                       <m:sSub>
                         <m:sSubPr>
                           <m:ctrlPr>
-                            <a:rPr lang="en-US" sz="2000" i="1" smtClean="0">
+                            <a:rPr lang="en-US" sz="900" i="1" smtClean="0">
                               <a:solidFill>
                                 <a:schemeClr val="tx1"/>
                               </a:solidFill>
@@ -9962,7 +12456,7 @@
                         </m:sSubPr>
                         <m:e>
                           <m:r>
-                            <a:rPr lang="en-US" sz="2000" i="1" smtClean="0">
+                            <a:rPr lang="en-US" sz="900" i="1" smtClean="0">
                               <a:solidFill>
                                 <a:schemeClr val="tx1"/>
                               </a:solidFill>
@@ -9973,7 +12467,7 @@
                         </m:e>
                         <m:sub>
                           <m:r>
-                            <a:rPr lang="en-US" sz="2000" i="1" smtClean="0">
+                            <a:rPr lang="en-US" sz="900" i="1" smtClean="0">
                               <a:solidFill>
                                 <a:schemeClr val="tx1"/>
                               </a:solidFill>
@@ -9990,7 +12484,7 @@
                           <m:subHide m:val="on"/>
                           <m:supHide m:val="on"/>
                           <m:ctrlPr>
-                            <a:rPr lang="en-US" sz="2000" i="1" smtClean="0">
+                            <a:rPr lang="en-US" sz="900" i="1" smtClean="0">
                               <a:solidFill>
                                 <a:schemeClr val="tx1"/>
                               </a:solidFill>
@@ -10004,7 +12498,7 @@
                           <m:sSub>
                             <m:sSubPr>
                               <m:ctrlPr>
-                                <a:rPr lang="en-US" sz="2000" i="1" smtClean="0">
+                                <a:rPr lang="en-US" sz="900" i="1" smtClean="0">
                                   <a:solidFill>
                                     <a:schemeClr val="tx1"/>
                                   </a:solidFill>
@@ -10014,7 +12508,7 @@
                             </m:sSubPr>
                             <m:e>
                               <m:r>
-                                <a:rPr lang="en-US" sz="2000" i="1" smtClean="0">
+                                <a:rPr lang="en-US" sz="900" i="1" smtClean="0">
                                   <a:solidFill>
                                     <a:schemeClr val="tx1"/>
                                   </a:solidFill>
@@ -10025,7 +12519,7 @@
                             </m:e>
                             <m:sub>
                               <m:r>
-                                <a:rPr lang="en-US" sz="2000" i="1" smtClean="0">
+                                <a:rPr lang="en-US" sz="900" i="1" smtClean="0">
                                   <a:solidFill>
                                     <a:schemeClr val="tx1"/>
                                   </a:solidFill>
@@ -10038,7 +12532,7 @@
                           <m:d>
                             <m:dPr>
                               <m:ctrlPr>
-                                <a:rPr lang="en-US" sz="2000" i="1" smtClean="0">
+                                <a:rPr lang="en-US" sz="900" i="1" smtClean="0">
                                   <a:solidFill>
                                     <a:schemeClr val="tx1"/>
                                   </a:solidFill>
@@ -10048,7 +12542,7 @@
                             </m:dPr>
                             <m:e>
                               <m:r>
-                                <a:rPr lang="en-US" sz="2000" i="1" smtClean="0">
+                                <a:rPr lang="en-US" sz="900" i="1" smtClean="0">
                                   <a:solidFill>
                                     <a:schemeClr val="tx1"/>
                                   </a:solidFill>
@@ -10061,7 +12555,7 @@
                           <m:sSub>
                             <m:sSubPr>
                               <m:ctrlPr>
-                                <a:rPr lang="en-US" sz="2000" i="1" smtClean="0">
+                                <a:rPr lang="en-US" sz="900" i="1" smtClean="0">
                                   <a:solidFill>
                                     <a:schemeClr val="tx1"/>
                                   </a:solidFill>
@@ -10071,7 +12565,7 @@
                             </m:sSubPr>
                             <m:e>
                               <m:r>
-                                <a:rPr lang="en-US" sz="2000" i="1" smtClean="0">
+                                <a:rPr lang="en-US" sz="900" i="1" smtClean="0">
                                   <a:solidFill>
                                     <a:schemeClr val="tx1"/>
                                   </a:solidFill>
@@ -10082,7 +12576,7 @@
                             </m:e>
                             <m:sub>
                               <m:r>
-                                <a:rPr lang="en-US" sz="2000" b="0" i="1" smtClean="0">
+                                <a:rPr lang="en-US" sz="900" b="0" i="1" smtClean="0">
                                   <a:solidFill>
                                     <a:schemeClr val="tx1"/>
                                   </a:solidFill>
@@ -10095,7 +12589,7 @@
                           <m:d>
                             <m:dPr>
                               <m:ctrlPr>
-                                <a:rPr lang="en-US" sz="2000" i="1" smtClean="0">
+                                <a:rPr lang="en-US" sz="900" i="1" smtClean="0">
                                   <a:solidFill>
                                     <a:schemeClr val="tx1"/>
                                   </a:solidFill>
@@ -10105,7 +12599,7 @@
                             </m:dPr>
                             <m:e>
                               <m:r>
-                                <a:rPr lang="en-US" sz="2000" i="1" smtClean="0">
+                                <a:rPr lang="en-US" sz="900" i="1" smtClean="0">
                                   <a:solidFill>
                                     <a:schemeClr val="tx1"/>
                                   </a:solidFill>
@@ -10116,7 +12610,7 @@
                             </m:e>
                           </m:d>
                           <m:r>
-                            <a:rPr lang="en-US" sz="2000" i="1" smtClean="0">
+                            <a:rPr lang="en-US" sz="900" i="1" smtClean="0">
                               <a:solidFill>
                                 <a:schemeClr val="tx1"/>
                               </a:solidFill>
@@ -10127,7 +12621,7 @@
                         </m:e>
                       </m:nary>
                       <m:r>
-                        <a:rPr lang="en-US" sz="2000" i="1" smtClean="0">
+                        <a:rPr lang="en-US" sz="900" i="1" smtClean="0">
                           <a:solidFill>
                             <a:schemeClr val="tx1"/>
                           </a:solidFill>
@@ -10138,7 +12632,7 @@
                       <m:sSub>
                         <m:sSubPr>
                           <m:ctrlPr>
-                            <a:rPr lang="en-US" sz="2000" i="1" smtClean="0">
+                            <a:rPr lang="en-US" sz="900" i="1" smtClean="0">
                               <a:solidFill>
                                 <a:schemeClr val="tx1"/>
                               </a:solidFill>
@@ -10148,7 +12642,7 @@
                         </m:sSubPr>
                         <m:e>
                           <m:r>
-                            <a:rPr lang="en-US" sz="2000" i="1" smtClean="0">
+                            <a:rPr lang="en-US" sz="900" i="1" smtClean="0">
                               <a:solidFill>
                                 <a:schemeClr val="tx1"/>
                               </a:solidFill>
@@ -10159,7 +12653,7 @@
                         </m:e>
                         <m:sub>
                           <m:r>
-                            <a:rPr lang="en-US" sz="2000" i="1" smtClean="0">
+                            <a:rPr lang="en-US" sz="900" i="1" smtClean="0">
                               <a:solidFill>
                                 <a:schemeClr val="tx1"/>
                               </a:solidFill>
@@ -10176,7 +12670,7 @@
                           <m:subHide m:val="on"/>
                           <m:supHide m:val="on"/>
                           <m:ctrlPr>
-                            <a:rPr lang="en-US" sz="2000" i="1" smtClean="0">
+                            <a:rPr lang="en-US" sz="900" i="1" smtClean="0">
                               <a:solidFill>
                                 <a:schemeClr val="tx1"/>
                               </a:solidFill>
@@ -10190,7 +12684,7 @@
                           <m:sSub>
                             <m:sSubPr>
                               <m:ctrlPr>
-                                <a:rPr lang="en-US" sz="2000" i="1" smtClean="0">
+                                <a:rPr lang="en-US" sz="900" i="1" smtClean="0">
                                   <a:solidFill>
                                     <a:schemeClr val="tx1"/>
                                   </a:solidFill>
@@ -10200,7 +12694,7 @@
                             </m:sSubPr>
                             <m:e>
                               <m:r>
-                                <a:rPr lang="en-US" sz="2000" i="1" smtClean="0">
+                                <a:rPr lang="en-US" sz="900" i="1" smtClean="0">
                                   <a:solidFill>
                                     <a:schemeClr val="tx1"/>
                                   </a:solidFill>
@@ -10211,7 +12705,7 @@
                             </m:e>
                             <m:sub>
                               <m:r>
-                                <a:rPr lang="en-US" sz="2000" i="1" smtClean="0">
+                                <a:rPr lang="en-US" sz="900" i="1" smtClean="0">
                                   <a:solidFill>
                                     <a:schemeClr val="tx1"/>
                                   </a:solidFill>
@@ -10224,7 +12718,7 @@
                           <m:d>
                             <m:dPr>
                               <m:ctrlPr>
-                                <a:rPr lang="en-US" sz="2000" i="1" smtClean="0">
+                                <a:rPr lang="en-US" sz="900" i="1" smtClean="0">
                                   <a:solidFill>
                                     <a:schemeClr val="tx1"/>
                                   </a:solidFill>
@@ -10234,7 +12728,7 @@
                             </m:dPr>
                             <m:e>
                               <m:r>
-                                <a:rPr lang="en-US" sz="2000" i="1" smtClean="0">
+                                <a:rPr lang="en-US" sz="900" i="1" smtClean="0">
                                   <a:solidFill>
                                     <a:schemeClr val="tx1"/>
                                   </a:solidFill>
@@ -10247,7 +12741,7 @@
                           <m:sSub>
                             <m:sSubPr>
                               <m:ctrlPr>
-                                <a:rPr lang="en-US" sz="2000" i="1" smtClean="0">
+                                <a:rPr lang="en-US" sz="900" i="1" smtClean="0">
                                   <a:solidFill>
                                     <a:schemeClr val="tx1"/>
                                   </a:solidFill>
@@ -10257,7 +12751,7 @@
                             </m:sSubPr>
                             <m:e>
                               <m:r>
-                                <a:rPr lang="en-US" sz="2000" i="1" smtClean="0">
+                                <a:rPr lang="en-US" sz="900" i="1" smtClean="0">
                                   <a:solidFill>
                                     <a:schemeClr val="tx1"/>
                                   </a:solidFill>
@@ -10268,7 +12762,7 @@
                             </m:e>
                             <m:sub>
                               <m:r>
-                                <a:rPr lang="en-US" sz="2000" b="0" i="1" smtClean="0">
+                                <a:rPr lang="en-US" sz="900" b="0" i="1" smtClean="0">
                                   <a:solidFill>
                                     <a:schemeClr val="tx1"/>
                                   </a:solidFill>
@@ -10281,7 +12775,7 @@
                           <m:d>
                             <m:dPr>
                               <m:ctrlPr>
-                                <a:rPr lang="en-US" sz="2000" i="1" smtClean="0">
+                                <a:rPr lang="en-US" sz="900" i="1" smtClean="0">
                                   <a:solidFill>
                                     <a:schemeClr val="tx1"/>
                                   </a:solidFill>
@@ -10291,7 +12785,7 @@
                             </m:dPr>
                             <m:e>
                               <m:r>
-                                <a:rPr lang="en-US" sz="2000" i="1" smtClean="0">
+                                <a:rPr lang="en-US" sz="900" i="1" smtClean="0">
                                   <a:solidFill>
                                     <a:schemeClr val="tx1"/>
                                   </a:solidFill>
@@ -10306,7 +12800,7 @@
                     </m:oMath>
                   </m:oMathPara>
                 </a14:m>
-                <a:endParaRPr lang="en-US" sz="2000" dirty="0">
+                <a:endParaRPr lang="en-US" sz="900" dirty="0">
                   <a:solidFill>
                     <a:schemeClr val="tx1"/>
                   </a:solidFill>
@@ -10316,10 +12810,10 @@
               <a:p>
                 <a:pPr marL="0" indent="0">
                   <a:spcBef>
-                    <a:spcPts val="600"/>
+                    <a:spcPts val="0"/>
                   </a:spcBef>
                   <a:spcAft>
-                    <a:spcPts val="600"/>
+                    <a:spcPts val="0"/>
                   </a:spcAft>
                   <a:buNone/>
                 </a:pPr>
@@ -10332,7 +12826,7 @@
                       <m:sSub>
                         <m:sSubPr>
                           <m:ctrlPr>
-                            <a:rPr lang="en-US" sz="2000" i="1" smtClean="0">
+                            <a:rPr lang="en-US" sz="900" i="1" smtClean="0">
                               <a:solidFill>
                                 <a:schemeClr val="tx1"/>
                               </a:solidFill>
@@ -10342,7 +12836,7 @@
                         </m:sSubPr>
                         <m:e>
                           <m:r>
-                            <a:rPr lang="en-US" sz="2000" i="1" smtClean="0">
+                            <a:rPr lang="en-US" sz="900" i="1" smtClean="0">
                               <a:solidFill>
                                 <a:schemeClr val="tx1"/>
                               </a:solidFill>
@@ -10353,7 +12847,7 @@
                         </m:e>
                         <m:sub>
                           <m:r>
-                            <a:rPr lang="en-US" sz="2000" b="0" i="1" smtClean="0">
+                            <a:rPr lang="en-US" sz="900" b="0" i="1" smtClean="0">
                               <a:solidFill>
                                 <a:schemeClr val="tx1"/>
                               </a:solidFill>
@@ -10364,7 +12858,7 @@
                         </m:sub>
                       </m:sSub>
                       <m:r>
-                        <a:rPr lang="en-US" sz="2000" i="1" smtClean="0">
+                        <a:rPr lang="en-US" sz="900" i="1" smtClean="0">
                           <a:solidFill>
                             <a:schemeClr val="tx1"/>
                           </a:solidFill>
@@ -10375,7 +12869,7 @@
                       <m:sSub>
                         <m:sSubPr>
                           <m:ctrlPr>
-                            <a:rPr lang="en-US" sz="2000" i="1" smtClean="0">
+                            <a:rPr lang="en-US" sz="900" i="1" smtClean="0">
                               <a:solidFill>
                                 <a:schemeClr val="tx1"/>
                               </a:solidFill>
@@ -10385,7 +12879,7 @@
                         </m:sSubPr>
                         <m:e>
                           <m:r>
-                            <a:rPr lang="en-US" sz="2000" i="1" smtClean="0">
+                            <a:rPr lang="en-US" sz="900" i="1" smtClean="0">
                               <a:solidFill>
                                 <a:schemeClr val="tx1"/>
                               </a:solidFill>
@@ -10396,7 +12890,7 @@
                         </m:e>
                         <m:sub>
                           <m:r>
-                            <a:rPr lang="en-US" sz="2000" i="1" smtClean="0">
+                            <a:rPr lang="en-US" sz="900" i="1" smtClean="0">
                               <a:solidFill>
                                 <a:schemeClr val="tx1"/>
                               </a:solidFill>
@@ -10413,7 +12907,7 @@
                           <m:subHide m:val="on"/>
                           <m:supHide m:val="on"/>
                           <m:ctrlPr>
-                            <a:rPr lang="en-US" sz="2000" i="1" smtClean="0">
+                            <a:rPr lang="en-US" sz="900" i="1" smtClean="0">
                               <a:solidFill>
                                 <a:schemeClr val="tx1"/>
                               </a:solidFill>
@@ -10427,7 +12921,7 @@
                           <m:sSub>
                             <m:sSubPr>
                               <m:ctrlPr>
-                                <a:rPr lang="en-US" sz="2000" i="1" smtClean="0">
+                                <a:rPr lang="en-US" sz="900" i="1" smtClean="0">
                                   <a:solidFill>
                                     <a:schemeClr val="tx1"/>
                                   </a:solidFill>
@@ -10437,7 +12931,7 @@
                             </m:sSubPr>
                             <m:e>
                               <m:r>
-                                <a:rPr lang="en-US" sz="2000" i="1" smtClean="0">
+                                <a:rPr lang="en-US" sz="900" i="1" smtClean="0">
                                   <a:solidFill>
                                     <a:schemeClr val="tx1"/>
                                   </a:solidFill>
@@ -10448,7 +12942,7 @@
                             </m:e>
                             <m:sub>
                               <m:r>
-                                <a:rPr lang="en-US" sz="2000" i="1" smtClean="0">
+                                <a:rPr lang="en-US" sz="900" i="1" smtClean="0">
                                   <a:solidFill>
                                     <a:schemeClr val="tx1"/>
                                   </a:solidFill>
@@ -10461,7 +12955,7 @@
                           <m:d>
                             <m:dPr>
                               <m:ctrlPr>
-                                <a:rPr lang="en-US" sz="2000" i="1" smtClean="0">
+                                <a:rPr lang="en-US" sz="900" i="1" smtClean="0">
                                   <a:solidFill>
                                     <a:schemeClr val="tx1"/>
                                   </a:solidFill>
@@ -10471,7 +12965,7 @@
                             </m:dPr>
                             <m:e>
                               <m:r>
-                                <a:rPr lang="en-US" sz="2000" i="1" smtClean="0">
+                                <a:rPr lang="en-US" sz="900" i="1" smtClean="0">
                                   <a:solidFill>
                                     <a:schemeClr val="tx1"/>
                                   </a:solidFill>
@@ -10484,7 +12978,7 @@
                           <m:sSub>
                             <m:sSubPr>
                               <m:ctrlPr>
-                                <a:rPr lang="en-US" sz="2000" i="1" smtClean="0">
+                                <a:rPr lang="en-US" sz="900" i="1" smtClean="0">
                                   <a:solidFill>
                                     <a:schemeClr val="tx1"/>
                                   </a:solidFill>
@@ -10494,7 +12988,7 @@
                             </m:sSubPr>
                             <m:e>
                               <m:r>
-                                <a:rPr lang="en-US" sz="2000" i="1" smtClean="0">
+                                <a:rPr lang="en-US" sz="900" i="1" smtClean="0">
                                   <a:solidFill>
                                     <a:schemeClr val="tx1"/>
                                   </a:solidFill>
@@ -10505,7 +12999,7 @@
                             </m:e>
                             <m:sub>
                               <m:r>
-                                <a:rPr lang="en-US" sz="2000" b="0" i="1" smtClean="0">
+                                <a:rPr lang="en-US" sz="900" b="0" i="1" smtClean="0">
                                   <a:solidFill>
                                     <a:schemeClr val="tx1"/>
                                   </a:solidFill>
@@ -10518,7 +13012,7 @@
                           <m:d>
                             <m:dPr>
                               <m:ctrlPr>
-                                <a:rPr lang="en-US" sz="2000" i="1" smtClean="0">
+                                <a:rPr lang="en-US" sz="900" i="1" smtClean="0">
                                   <a:solidFill>
                                     <a:schemeClr val="tx1"/>
                                   </a:solidFill>
@@ -10528,7 +13022,7 @@
                             </m:dPr>
                             <m:e>
                               <m:r>
-                                <a:rPr lang="en-US" sz="2000" i="1" smtClean="0">
+                                <a:rPr lang="en-US" sz="900" i="1" smtClean="0">
                                   <a:solidFill>
                                     <a:schemeClr val="tx1"/>
                                   </a:solidFill>
@@ -10541,7 +13035,7 @@
                         </m:e>
                       </m:nary>
                       <m:r>
-                        <a:rPr lang="en-US" sz="2000" i="1" smtClean="0">
+                        <a:rPr lang="en-US" sz="900" i="1" smtClean="0">
                           <a:solidFill>
                             <a:schemeClr val="tx1"/>
                           </a:solidFill>
@@ -10552,7 +13046,7 @@
                       <m:sSub>
                         <m:sSubPr>
                           <m:ctrlPr>
-                            <a:rPr lang="en-US" sz="2000" i="1" smtClean="0">
+                            <a:rPr lang="en-US" sz="900" i="1" smtClean="0">
                               <a:solidFill>
                                 <a:schemeClr val="tx1"/>
                               </a:solidFill>
@@ -10562,7 +13056,7 @@
                         </m:sSubPr>
                         <m:e>
                           <m:r>
-                            <a:rPr lang="en-US" sz="2000" i="1" smtClean="0">
+                            <a:rPr lang="en-US" sz="900" i="1" smtClean="0">
                               <a:solidFill>
                                 <a:schemeClr val="tx1"/>
                               </a:solidFill>
@@ -10573,7 +13067,7 @@
                         </m:e>
                         <m:sub>
                           <m:r>
-                            <a:rPr lang="en-US" sz="2000" i="1" smtClean="0">
+                            <a:rPr lang="en-US" sz="900" i="1" smtClean="0">
                               <a:solidFill>
                                 <a:schemeClr val="tx1"/>
                               </a:solidFill>
@@ -10590,7 +13084,7 @@
                           <m:subHide m:val="on"/>
                           <m:supHide m:val="on"/>
                           <m:ctrlPr>
-                            <a:rPr lang="en-US" sz="2000" i="1" smtClean="0">
+                            <a:rPr lang="en-US" sz="900" i="1" smtClean="0">
                               <a:solidFill>
                                 <a:schemeClr val="tx1"/>
                               </a:solidFill>
@@ -10604,7 +13098,7 @@
                           <m:sSub>
                             <m:sSubPr>
                               <m:ctrlPr>
-                                <a:rPr lang="en-US" sz="2000" i="1" smtClean="0">
+                                <a:rPr lang="en-US" sz="900" i="1" smtClean="0">
                                   <a:solidFill>
                                     <a:schemeClr val="tx1"/>
                                   </a:solidFill>
@@ -10614,7 +13108,7 @@
                             </m:sSubPr>
                             <m:e>
                               <m:r>
-                                <a:rPr lang="en-US" sz="2000" i="1" smtClean="0">
+                                <a:rPr lang="en-US" sz="900" i="1" smtClean="0">
                                   <a:solidFill>
                                     <a:schemeClr val="tx1"/>
                                   </a:solidFill>
@@ -10625,7 +13119,7 @@
                             </m:e>
                             <m:sub>
                               <m:r>
-                                <a:rPr lang="en-US" sz="2000" i="1" smtClean="0">
+                                <a:rPr lang="en-US" sz="900" i="1" smtClean="0">
                                   <a:solidFill>
                                     <a:schemeClr val="tx1"/>
                                   </a:solidFill>
@@ -10638,7 +13132,7 @@
                           <m:d>
                             <m:dPr>
                               <m:ctrlPr>
-                                <a:rPr lang="en-US" sz="2000" i="1" smtClean="0">
+                                <a:rPr lang="en-US" sz="900" i="1" smtClean="0">
                                   <a:solidFill>
                                     <a:schemeClr val="tx1"/>
                                   </a:solidFill>
@@ -10648,7 +13142,7 @@
                             </m:dPr>
                             <m:e>
                               <m:r>
-                                <a:rPr lang="en-US" sz="2000" i="1" smtClean="0">
+                                <a:rPr lang="en-US" sz="900" i="1" smtClean="0">
                                   <a:solidFill>
                                     <a:schemeClr val="tx1"/>
                                   </a:solidFill>
@@ -10661,7 +13155,7 @@
                           <m:sSub>
                             <m:sSubPr>
                               <m:ctrlPr>
-                                <a:rPr lang="en-US" sz="2000" i="1" smtClean="0">
+                                <a:rPr lang="en-US" sz="900" i="1" smtClean="0">
                                   <a:solidFill>
                                     <a:schemeClr val="tx1"/>
                                   </a:solidFill>
@@ -10671,7 +13165,7 @@
                             </m:sSubPr>
                             <m:e>
                               <m:r>
-                                <a:rPr lang="en-US" sz="2000" i="1" smtClean="0">
+                                <a:rPr lang="en-US" sz="900" i="1" smtClean="0">
                                   <a:solidFill>
                                     <a:schemeClr val="tx1"/>
                                   </a:solidFill>
@@ -10682,7 +13176,7 @@
                             </m:e>
                             <m:sub>
                               <m:r>
-                                <a:rPr lang="en-US" sz="2000" b="0" i="1" smtClean="0">
+                                <a:rPr lang="en-US" sz="900" b="0" i="1" smtClean="0">
                                   <a:solidFill>
                                     <a:schemeClr val="tx1"/>
                                   </a:solidFill>
@@ -10695,7 +13189,7 @@
                           <m:d>
                             <m:dPr>
                               <m:ctrlPr>
-                                <a:rPr lang="en-US" sz="2000" i="1" smtClean="0">
+                                <a:rPr lang="en-US" sz="900" i="1" smtClean="0">
                                   <a:solidFill>
                                     <a:schemeClr val="tx1"/>
                                   </a:solidFill>
@@ -10705,7 +13199,7 @@
                             </m:dPr>
                             <m:e>
                               <m:r>
-                                <a:rPr lang="en-US" sz="2000" i="1" smtClean="0">
+                                <a:rPr lang="en-US" sz="900" i="1" smtClean="0">
                                   <a:solidFill>
                                     <a:schemeClr val="tx1"/>
                                   </a:solidFill>
@@ -10716,7 +13210,7 @@
                             </m:e>
                           </m:d>
                           <m:r>
-                            <a:rPr lang="en-US" sz="2000" i="1" smtClean="0">
+                            <a:rPr lang="en-US" sz="900" i="1" smtClean="0">
                               <a:solidFill>
                                 <a:schemeClr val="tx1"/>
                               </a:solidFill>
@@ -10727,7 +13221,7 @@
                         </m:e>
                       </m:nary>
                       <m:r>
-                        <a:rPr lang="en-US" sz="2000" i="1" smtClean="0">
+                        <a:rPr lang="en-US" sz="900" i="1" smtClean="0">
                           <a:solidFill>
                             <a:schemeClr val="tx1"/>
                           </a:solidFill>
@@ -10738,7 +13232,7 @@
                       <m:sSub>
                         <m:sSubPr>
                           <m:ctrlPr>
-                            <a:rPr lang="en-US" sz="2000" i="1" smtClean="0">
+                            <a:rPr lang="en-US" sz="900" i="1" smtClean="0">
                               <a:solidFill>
                                 <a:schemeClr val="tx1"/>
                               </a:solidFill>
@@ -10748,7 +13242,7 @@
                         </m:sSubPr>
                         <m:e>
                           <m:r>
-                            <a:rPr lang="en-US" sz="2000" i="1" smtClean="0">
+                            <a:rPr lang="en-US" sz="900" i="1" smtClean="0">
                               <a:solidFill>
                                 <a:schemeClr val="tx1"/>
                               </a:solidFill>
@@ -10759,7 +13253,7 @@
                         </m:e>
                         <m:sub>
                           <m:r>
-                            <a:rPr lang="en-US" sz="2000" i="1" smtClean="0">
+                            <a:rPr lang="en-US" sz="900" i="1" smtClean="0">
                               <a:solidFill>
                                 <a:schemeClr val="tx1"/>
                               </a:solidFill>
@@ -10776,7 +13270,7 @@
                           <m:subHide m:val="on"/>
                           <m:supHide m:val="on"/>
                           <m:ctrlPr>
-                            <a:rPr lang="en-US" sz="2000" i="1" smtClean="0">
+                            <a:rPr lang="en-US" sz="900" i="1" smtClean="0">
                               <a:solidFill>
                                 <a:schemeClr val="tx1"/>
                               </a:solidFill>
@@ -10790,7 +13284,7 @@
                           <m:sSub>
                             <m:sSubPr>
                               <m:ctrlPr>
-                                <a:rPr lang="en-US" sz="2000" i="1" smtClean="0">
+                                <a:rPr lang="en-US" sz="900" i="1" smtClean="0">
                                   <a:solidFill>
                                     <a:schemeClr val="tx1"/>
                                   </a:solidFill>
@@ -10800,7 +13294,7 @@
                             </m:sSubPr>
                             <m:e>
                               <m:r>
-                                <a:rPr lang="en-US" sz="2000" i="1" smtClean="0">
+                                <a:rPr lang="en-US" sz="900" i="1" smtClean="0">
                                   <a:solidFill>
                                     <a:schemeClr val="tx1"/>
                                   </a:solidFill>
@@ -10811,7 +13305,7 @@
                             </m:e>
                             <m:sub>
                               <m:r>
-                                <a:rPr lang="en-US" sz="2000" i="1" smtClean="0">
+                                <a:rPr lang="en-US" sz="900" i="1" smtClean="0">
                                   <a:solidFill>
                                     <a:schemeClr val="tx1"/>
                                   </a:solidFill>
@@ -10824,7 +13318,7 @@
                           <m:d>
                             <m:dPr>
                               <m:ctrlPr>
-                                <a:rPr lang="en-US" sz="2000" i="1" smtClean="0">
+                                <a:rPr lang="en-US" sz="900" i="1" smtClean="0">
                                   <a:solidFill>
                                     <a:schemeClr val="tx1"/>
                                   </a:solidFill>
@@ -10834,7 +13328,7 @@
                             </m:dPr>
                             <m:e>
                               <m:r>
-                                <a:rPr lang="en-US" sz="2000" i="1" smtClean="0">
+                                <a:rPr lang="en-US" sz="900" i="1" smtClean="0">
                                   <a:solidFill>
                                     <a:schemeClr val="tx1"/>
                                   </a:solidFill>
@@ -10847,7 +13341,7 @@
                           <m:sSub>
                             <m:sSubPr>
                               <m:ctrlPr>
-                                <a:rPr lang="en-US" sz="2000" i="1" smtClean="0">
+                                <a:rPr lang="en-US" sz="900" i="1" smtClean="0">
                                   <a:solidFill>
                                     <a:schemeClr val="tx1"/>
                                   </a:solidFill>
@@ -10857,7 +13351,7 @@
                             </m:sSubPr>
                             <m:e>
                               <m:r>
-                                <a:rPr lang="en-US" sz="2000" i="1" smtClean="0">
+                                <a:rPr lang="en-US" sz="900" i="1" smtClean="0">
                                   <a:solidFill>
                                     <a:schemeClr val="tx1"/>
                                   </a:solidFill>
@@ -10868,7 +13362,7 @@
                             </m:e>
                             <m:sub>
                               <m:r>
-                                <a:rPr lang="en-US" sz="2000" b="0" i="1" smtClean="0">
+                                <a:rPr lang="en-US" sz="900" b="0" i="1" smtClean="0">
                                   <a:solidFill>
                                     <a:schemeClr val="tx1"/>
                                   </a:solidFill>
@@ -10881,7 +13375,7 @@
                           <m:d>
                             <m:dPr>
                               <m:ctrlPr>
-                                <a:rPr lang="en-US" sz="2000" i="1" smtClean="0">
+                                <a:rPr lang="en-US" sz="900" i="1" smtClean="0">
                                   <a:solidFill>
                                     <a:schemeClr val="tx1"/>
                                   </a:solidFill>
@@ -10891,7 +13385,7 @@
                             </m:dPr>
                             <m:e>
                               <m:r>
-                                <a:rPr lang="en-US" sz="2000" i="1" smtClean="0">
+                                <a:rPr lang="en-US" sz="900" i="1" smtClean="0">
                                   <a:solidFill>
                                     <a:schemeClr val="tx1"/>
                                   </a:solidFill>
@@ -10906,1418 +13400,38 @@
                     </m:oMath>
                   </m:oMathPara>
                 </a14:m>
-                <a:endParaRPr lang="en-US" sz="2000" dirty="0">
-                  <a:latin typeface="Bahnschrift SemiBold" panose="020B0502040204020203" pitchFamily="34" charset="0"/>
-                </a:endParaRPr>
-              </a:p>
-              <a:p>
-                <a:pPr marL="0" indent="0">
-                  <a:spcBef>
-                    <a:spcPts val="600"/>
-                  </a:spcBef>
-                  <a:spcAft>
-                    <a:spcPts val="600"/>
-                  </a:spcAft>
-                  <a:buNone/>
-                </a:pPr>
-                <a14:m>
-                  <m:oMathPara xmlns:m="http://schemas.openxmlformats.org/officeDocument/2006/math">
-                    <m:oMathParaPr>
-                      <m:jc m:val="centerGroup"/>
-                    </m:oMathParaPr>
-                    <m:oMath xmlns:m="http://schemas.openxmlformats.org/officeDocument/2006/math">
-                      <m:d>
-                        <m:dPr>
-                          <m:begChr m:val="["/>
-                          <m:endChr m:val="]"/>
-                          <m:ctrlPr>
-                            <a:rPr lang="en-US" sz="2000" i="1" smtClean="0">
-                              <a:solidFill>
-                                <a:schemeClr val="tx1"/>
-                              </a:solidFill>
-                              <a:latin typeface="Cambria Math" panose="02040503050406030204" pitchFamily="18" charset="0"/>
-                            </a:rPr>
-                          </m:ctrlPr>
-                        </m:dPr>
-                        <m:e>
-                          <m:m>
-                            <m:mPr>
-                              <m:plcHide m:val="on"/>
-                              <m:mcs>
-                                <m:mc>
-                                  <m:mcPr>
-                                    <m:count m:val="1"/>
-                                    <m:mcJc m:val="center"/>
-                                  </m:mcPr>
-                                </m:mc>
-                              </m:mcs>
-                              <m:ctrlPr>
-                                <a:rPr lang="en-US" sz="2000" i="1" smtClean="0">
-                                  <a:solidFill>
-                                    <a:schemeClr val="tx1"/>
-                                  </a:solidFill>
-                                  <a:latin typeface="Cambria Math" panose="02040503050406030204" pitchFamily="18" charset="0"/>
-                                </a:rPr>
-                              </m:ctrlPr>
-                            </m:mPr>
-                            <m:mr>
-                              <m:e>
-                                <m:sSub>
-                                  <m:sSubPr>
-                                    <m:ctrlPr>
-                                      <a:rPr lang="en-US" sz="2000" i="1" smtClean="0">
-                                        <a:solidFill>
-                                          <a:schemeClr val="tx1"/>
-                                        </a:solidFill>
-                                        <a:latin typeface="Cambria Math" panose="02040503050406030204" pitchFamily="18" charset="0"/>
-                                      </a:rPr>
-                                    </m:ctrlPr>
-                                  </m:sSubPr>
-                                  <m:e>
-                                    <m:r>
-                                      <a:rPr lang="en-US" sz="2000" i="1" smtClean="0">
-                                        <a:solidFill>
-                                          <a:schemeClr val="tx1"/>
-                                        </a:solidFill>
-                                        <a:latin typeface="Cambria Math" panose="02040503050406030204" pitchFamily="18" charset="0"/>
-                                      </a:rPr>
-                                      <m:t>𝑞</m:t>
-                                    </m:r>
-                                  </m:e>
-                                  <m:sub>
-                                    <m:r>
-                                      <a:rPr lang="en-US" sz="2000" i="1" smtClean="0">
-                                        <a:solidFill>
-                                          <a:schemeClr val="tx1"/>
-                                        </a:solidFill>
-                                        <a:latin typeface="Cambria Math" panose="02040503050406030204" pitchFamily="18" charset="0"/>
-                                      </a:rPr>
-                                      <m:t>𝑅</m:t>
-                                    </m:r>
-                                  </m:sub>
-                                </m:sSub>
-                              </m:e>
-                            </m:mr>
-                            <m:mr>
-                              <m:e>
-                                <m:sSub>
-                                  <m:sSubPr>
-                                    <m:ctrlPr>
-                                      <a:rPr lang="en-US" sz="2000" i="1" smtClean="0">
-                                        <a:solidFill>
-                                          <a:schemeClr val="tx1"/>
-                                        </a:solidFill>
-                                        <a:latin typeface="Cambria Math" panose="02040503050406030204" pitchFamily="18" charset="0"/>
-                                      </a:rPr>
-                                    </m:ctrlPr>
-                                  </m:sSubPr>
-                                  <m:e>
-                                    <m:r>
-                                      <a:rPr lang="en-US" sz="2000" i="1" smtClean="0">
-                                        <a:solidFill>
-                                          <a:schemeClr val="tx1"/>
-                                        </a:solidFill>
-                                        <a:latin typeface="Cambria Math" panose="02040503050406030204" pitchFamily="18" charset="0"/>
-                                      </a:rPr>
-                                      <m:t>𝑞</m:t>
-                                    </m:r>
-                                  </m:e>
-                                  <m:sub>
-                                    <m:r>
-                                      <a:rPr lang="en-US" sz="2000" i="1" smtClean="0">
-                                        <a:solidFill>
-                                          <a:schemeClr val="tx1"/>
-                                        </a:solidFill>
-                                        <a:latin typeface="Cambria Math" panose="02040503050406030204" pitchFamily="18" charset="0"/>
-                                      </a:rPr>
-                                      <m:t>𝐺</m:t>
-                                    </m:r>
-                                  </m:sub>
-                                </m:sSub>
-                              </m:e>
-                            </m:mr>
-                            <m:mr>
-                              <m:e>
-                                <m:sSub>
-                                  <m:sSubPr>
-                                    <m:ctrlPr>
-                                      <a:rPr lang="en-US" sz="2000" i="1" smtClean="0">
-                                        <a:solidFill>
-                                          <a:schemeClr val="tx1"/>
-                                        </a:solidFill>
-                                        <a:latin typeface="Cambria Math" panose="02040503050406030204" pitchFamily="18" charset="0"/>
-                                      </a:rPr>
-                                    </m:ctrlPr>
-                                  </m:sSubPr>
-                                  <m:e>
-                                    <m:r>
-                                      <a:rPr lang="en-US" sz="2000" i="1" smtClean="0">
-                                        <a:solidFill>
-                                          <a:schemeClr val="tx1"/>
-                                        </a:solidFill>
-                                        <a:latin typeface="Cambria Math" panose="02040503050406030204" pitchFamily="18" charset="0"/>
-                                      </a:rPr>
-                                      <m:t>𝑞</m:t>
-                                    </m:r>
-                                  </m:e>
-                                  <m:sub>
-                                    <m:r>
-                                      <a:rPr lang="en-US" sz="2000" i="1" smtClean="0">
-                                        <a:solidFill>
-                                          <a:schemeClr val="tx1"/>
-                                        </a:solidFill>
-                                        <a:latin typeface="Cambria Math" panose="02040503050406030204" pitchFamily="18" charset="0"/>
-                                      </a:rPr>
-                                      <m:t>𝐵</m:t>
-                                    </m:r>
-                                  </m:sub>
-                                </m:sSub>
-                              </m:e>
-                            </m:mr>
-                          </m:m>
-                        </m:e>
-                      </m:d>
-                      <m:r>
-                        <a:rPr lang="en-US" sz="2000" i="1" smtClean="0">
-                          <a:solidFill>
-                            <a:schemeClr val="tx1"/>
-                          </a:solidFill>
-                          <a:latin typeface="Cambria Math" panose="02040503050406030204" pitchFamily="18" charset="0"/>
-                        </a:rPr>
-                        <m:t>=</m:t>
-                      </m:r>
-                      <m:d>
-                        <m:dPr>
-                          <m:begChr m:val="["/>
-                          <m:endChr m:val="]"/>
-                          <m:ctrlPr>
-                            <a:rPr lang="en-US" sz="2000" i="1" smtClean="0">
-                              <a:solidFill>
-                                <a:schemeClr val="tx1"/>
-                              </a:solidFill>
-                              <a:latin typeface="Cambria Math" panose="02040503050406030204" pitchFamily="18" charset="0"/>
-                            </a:rPr>
-                          </m:ctrlPr>
-                        </m:dPr>
-                        <m:e>
-                          <m:m>
-                            <m:mPr>
-                              <m:plcHide m:val="on"/>
-                              <m:mcs>
-                                <m:mc>
-                                  <m:mcPr>
-                                    <m:count m:val="3"/>
-                                    <m:mcJc m:val="center"/>
-                                  </m:mcPr>
-                                </m:mc>
-                              </m:mcs>
-                              <m:ctrlPr>
-                                <a:rPr lang="en-US" sz="2000" i="1" smtClean="0">
-                                  <a:solidFill>
-                                    <a:schemeClr val="tx1"/>
-                                  </a:solidFill>
-                                  <a:latin typeface="Cambria Math" panose="02040503050406030204" pitchFamily="18" charset="0"/>
-                                </a:rPr>
-                              </m:ctrlPr>
-                            </m:mPr>
-                            <m:mr>
-                              <m:e>
-                                <m:sSub>
-                                  <m:sSubPr>
-                                    <m:ctrlPr>
-                                      <a:rPr lang="en-US" sz="2000" i="1" smtClean="0">
-                                        <a:solidFill>
-                                          <a:schemeClr val="tx1"/>
-                                        </a:solidFill>
-                                        <a:latin typeface="Cambria Math" panose="02040503050406030204" pitchFamily="18" charset="0"/>
-                                      </a:rPr>
-                                    </m:ctrlPr>
-                                  </m:sSubPr>
-                                  <m:e>
-                                    <m:r>
-                                      <a:rPr lang="en-US" sz="2000" i="1" smtClean="0">
-                                        <a:solidFill>
-                                          <a:schemeClr val="tx1"/>
-                                        </a:solidFill>
-                                        <a:latin typeface="Cambria Math" panose="02040503050406030204" pitchFamily="18" charset="0"/>
-                                      </a:rPr>
-                                      <m:t>𝑒</m:t>
-                                    </m:r>
-                                  </m:e>
-                                  <m:sub>
-                                    <m:r>
-                                      <a:rPr lang="en-US" sz="2000" i="1" smtClean="0">
-                                        <a:solidFill>
-                                          <a:schemeClr val="tx1"/>
-                                        </a:solidFill>
-                                        <a:latin typeface="Cambria Math" panose="02040503050406030204" pitchFamily="18" charset="0"/>
-                                      </a:rPr>
-                                      <m:t>1</m:t>
-                                    </m:r>
-                                  </m:sub>
-                                </m:sSub>
-                                <m:r>
-                                  <a:rPr lang="en-US" sz="2000" i="1" smtClean="0">
-                                    <a:solidFill>
-                                      <a:schemeClr val="tx1"/>
-                                    </a:solidFill>
-                                    <a:latin typeface="Cambria Math" panose="02040503050406030204" pitchFamily="18" charset="0"/>
-                                  </a:rPr>
-                                  <m:t>⋅</m:t>
-                                </m:r>
-                                <m:sSub>
-                                  <m:sSubPr>
-                                    <m:ctrlPr>
-                                      <a:rPr lang="en-US" sz="2000" i="1" smtClean="0">
-                                        <a:solidFill>
-                                          <a:schemeClr val="tx1"/>
-                                        </a:solidFill>
-                                        <a:latin typeface="Cambria Math" panose="02040503050406030204" pitchFamily="18" charset="0"/>
-                                      </a:rPr>
-                                    </m:ctrlPr>
-                                  </m:sSubPr>
-                                  <m:e>
-                                    <m:r>
-                                      <a:rPr lang="en-US" sz="2000" i="1" smtClean="0">
-                                        <a:solidFill>
-                                          <a:schemeClr val="tx1"/>
-                                        </a:solidFill>
-                                        <a:latin typeface="Cambria Math" panose="02040503050406030204" pitchFamily="18" charset="0"/>
-                                      </a:rPr>
-                                      <m:t>𝑆</m:t>
-                                    </m:r>
-                                  </m:e>
-                                  <m:sub>
-                                    <m:r>
-                                      <a:rPr lang="en-US" sz="2000" i="1" smtClean="0">
-                                        <a:solidFill>
-                                          <a:schemeClr val="tx1"/>
-                                        </a:solidFill>
-                                        <a:latin typeface="Cambria Math" panose="02040503050406030204" pitchFamily="18" charset="0"/>
-                                      </a:rPr>
-                                      <m:t>𝑅</m:t>
-                                    </m:r>
-                                  </m:sub>
-                                </m:sSub>
-                              </m:e>
-                              <m:e>
-                                <m:sSub>
-                                  <m:sSubPr>
-                                    <m:ctrlPr>
-                                      <a:rPr lang="en-US" sz="2000" i="1" smtClean="0">
-                                        <a:solidFill>
-                                          <a:schemeClr val="tx1"/>
-                                        </a:solidFill>
-                                        <a:latin typeface="Cambria Math" panose="02040503050406030204" pitchFamily="18" charset="0"/>
-                                      </a:rPr>
-                                    </m:ctrlPr>
-                                  </m:sSubPr>
-                                  <m:e>
-                                    <m:r>
-                                      <a:rPr lang="en-US" sz="2000" i="1" smtClean="0">
-                                        <a:solidFill>
-                                          <a:schemeClr val="tx1"/>
-                                        </a:solidFill>
-                                        <a:latin typeface="Cambria Math" panose="02040503050406030204" pitchFamily="18" charset="0"/>
-                                      </a:rPr>
-                                      <m:t>𝑒</m:t>
-                                    </m:r>
-                                  </m:e>
-                                  <m:sub>
-                                    <m:r>
-                                      <a:rPr lang="en-US" sz="2000" i="1" smtClean="0">
-                                        <a:solidFill>
-                                          <a:schemeClr val="tx1"/>
-                                        </a:solidFill>
-                                        <a:latin typeface="Cambria Math" panose="02040503050406030204" pitchFamily="18" charset="0"/>
-                                      </a:rPr>
-                                      <m:t>2</m:t>
-                                    </m:r>
-                                  </m:sub>
-                                </m:sSub>
-                                <m:r>
-                                  <a:rPr lang="en-US" sz="2000" i="1" smtClean="0">
-                                    <a:solidFill>
-                                      <a:schemeClr val="tx1"/>
-                                    </a:solidFill>
-                                    <a:latin typeface="Cambria Math" panose="02040503050406030204" pitchFamily="18" charset="0"/>
-                                  </a:rPr>
-                                  <m:t>⋅</m:t>
-                                </m:r>
-                                <m:sSub>
-                                  <m:sSubPr>
-                                    <m:ctrlPr>
-                                      <a:rPr lang="en-US" sz="2000" i="1" smtClean="0">
-                                        <a:solidFill>
-                                          <a:schemeClr val="tx1"/>
-                                        </a:solidFill>
-                                        <a:latin typeface="Cambria Math" panose="02040503050406030204" pitchFamily="18" charset="0"/>
-                                      </a:rPr>
-                                    </m:ctrlPr>
-                                  </m:sSubPr>
-                                  <m:e>
-                                    <m:r>
-                                      <a:rPr lang="en-US" sz="2000" i="1" smtClean="0">
-                                        <a:solidFill>
-                                          <a:schemeClr val="tx1"/>
-                                        </a:solidFill>
-                                        <a:latin typeface="Cambria Math" panose="02040503050406030204" pitchFamily="18" charset="0"/>
-                                      </a:rPr>
-                                      <m:t>𝑆</m:t>
-                                    </m:r>
-                                  </m:e>
-                                  <m:sub>
-                                    <m:r>
-                                      <a:rPr lang="en-US" sz="2000" i="1" smtClean="0">
-                                        <a:solidFill>
-                                          <a:schemeClr val="tx1"/>
-                                        </a:solidFill>
-                                        <a:latin typeface="Cambria Math" panose="02040503050406030204" pitchFamily="18" charset="0"/>
-                                      </a:rPr>
-                                      <m:t>𝑅</m:t>
-                                    </m:r>
-                                  </m:sub>
-                                </m:sSub>
-                              </m:e>
-                              <m:e>
-                                <m:r>
-                                  <a:rPr lang="en-US" sz="2000" i="1" smtClean="0">
-                                    <a:solidFill>
-                                      <a:schemeClr val="tx1"/>
-                                    </a:solidFill>
-                                    <a:latin typeface="Cambria Math" panose="02040503050406030204" pitchFamily="18" charset="0"/>
-                                  </a:rPr>
-                                  <m:t>⋯</m:t>
-                                </m:r>
-                                <m:r>
-                                  <a:rPr lang="en-US" sz="2000" b="0" i="1" smtClean="0">
-                                    <a:solidFill>
-                                      <a:schemeClr val="tx1"/>
-                                    </a:solidFill>
-                                    <a:latin typeface="Cambria Math" panose="02040503050406030204" pitchFamily="18" charset="0"/>
-                                  </a:rPr>
-                                  <m:t>    </m:t>
-                                </m:r>
-                                <m:sSub>
-                                  <m:sSubPr>
-                                    <m:ctrlPr>
-                                      <a:rPr lang="en-US" sz="2000" i="1" smtClean="0">
-                                        <a:solidFill>
-                                          <a:schemeClr val="tx1"/>
-                                        </a:solidFill>
-                                        <a:latin typeface="Cambria Math" panose="02040503050406030204" pitchFamily="18" charset="0"/>
-                                      </a:rPr>
-                                    </m:ctrlPr>
-                                  </m:sSubPr>
-                                  <m:e>
-                                    <m:r>
-                                      <a:rPr lang="en-US" sz="2000" i="1" smtClean="0">
-                                        <a:solidFill>
-                                          <a:schemeClr val="tx1"/>
-                                        </a:solidFill>
-                                        <a:latin typeface="Cambria Math" panose="02040503050406030204" pitchFamily="18" charset="0"/>
-                                      </a:rPr>
-                                      <m:t>𝑒</m:t>
-                                    </m:r>
-                                  </m:e>
-                                  <m:sub>
-                                    <m:r>
-                                      <a:rPr lang="en-US" sz="2000" i="1" smtClean="0">
-                                        <a:solidFill>
-                                          <a:schemeClr val="tx1"/>
-                                        </a:solidFill>
-                                        <a:latin typeface="Cambria Math" panose="02040503050406030204" pitchFamily="18" charset="0"/>
-                                      </a:rPr>
-                                      <m:t>𝑚</m:t>
-                                    </m:r>
-                                  </m:sub>
-                                </m:sSub>
-                                <m:r>
-                                  <a:rPr lang="en-US" sz="2000" i="1" smtClean="0">
-                                    <a:solidFill>
-                                      <a:schemeClr val="tx1"/>
-                                    </a:solidFill>
-                                    <a:latin typeface="Cambria Math" panose="02040503050406030204" pitchFamily="18" charset="0"/>
-                                  </a:rPr>
-                                  <m:t>⋅</m:t>
-                                </m:r>
-                                <m:sSub>
-                                  <m:sSubPr>
-                                    <m:ctrlPr>
-                                      <a:rPr lang="en-US" sz="2000" i="1" smtClean="0">
-                                        <a:solidFill>
-                                          <a:schemeClr val="tx1"/>
-                                        </a:solidFill>
-                                        <a:latin typeface="Cambria Math" panose="02040503050406030204" pitchFamily="18" charset="0"/>
-                                      </a:rPr>
-                                    </m:ctrlPr>
-                                  </m:sSubPr>
-                                  <m:e>
-                                    <m:r>
-                                      <a:rPr lang="en-US" sz="2000" i="1" smtClean="0">
-                                        <a:solidFill>
-                                          <a:schemeClr val="tx1"/>
-                                        </a:solidFill>
-                                        <a:latin typeface="Cambria Math" panose="02040503050406030204" pitchFamily="18" charset="0"/>
-                                      </a:rPr>
-                                      <m:t>𝑆</m:t>
-                                    </m:r>
-                                  </m:e>
-                                  <m:sub>
-                                    <m:r>
-                                      <a:rPr lang="en-US" sz="2000" i="1" smtClean="0">
-                                        <a:solidFill>
-                                          <a:schemeClr val="tx1"/>
-                                        </a:solidFill>
-                                        <a:latin typeface="Cambria Math" panose="02040503050406030204" pitchFamily="18" charset="0"/>
-                                      </a:rPr>
-                                      <m:t>𝑅</m:t>
-                                    </m:r>
-                                  </m:sub>
-                                </m:sSub>
-                              </m:e>
-                            </m:mr>
-                            <m:mr>
-                              <m:e>
-                                <m:sSub>
-                                  <m:sSubPr>
-                                    <m:ctrlPr>
-                                      <a:rPr lang="en-US" sz="2000" i="1" smtClean="0">
-                                        <a:solidFill>
-                                          <a:schemeClr val="tx1"/>
-                                        </a:solidFill>
-                                        <a:latin typeface="Cambria Math" panose="02040503050406030204" pitchFamily="18" charset="0"/>
-                                      </a:rPr>
-                                    </m:ctrlPr>
-                                  </m:sSubPr>
-                                  <m:e>
-                                    <m:r>
-                                      <a:rPr lang="en-US" sz="2000" i="1" smtClean="0">
-                                        <a:solidFill>
-                                          <a:schemeClr val="tx1"/>
-                                        </a:solidFill>
-                                        <a:latin typeface="Cambria Math" panose="02040503050406030204" pitchFamily="18" charset="0"/>
-                                      </a:rPr>
-                                      <m:t>𝑒</m:t>
-                                    </m:r>
-                                  </m:e>
-                                  <m:sub>
-                                    <m:r>
-                                      <a:rPr lang="en-US" sz="2000" i="1" smtClean="0">
-                                        <a:solidFill>
-                                          <a:schemeClr val="tx1"/>
-                                        </a:solidFill>
-                                        <a:latin typeface="Cambria Math" panose="02040503050406030204" pitchFamily="18" charset="0"/>
-                                      </a:rPr>
-                                      <m:t>1</m:t>
-                                    </m:r>
-                                  </m:sub>
-                                </m:sSub>
-                                <m:r>
-                                  <a:rPr lang="en-US" sz="2000" i="1" smtClean="0">
-                                    <a:solidFill>
-                                      <a:schemeClr val="tx1"/>
-                                    </a:solidFill>
-                                    <a:latin typeface="Cambria Math" panose="02040503050406030204" pitchFamily="18" charset="0"/>
-                                  </a:rPr>
-                                  <m:t>⋅</m:t>
-                                </m:r>
-                                <m:sSub>
-                                  <m:sSubPr>
-                                    <m:ctrlPr>
-                                      <a:rPr lang="en-US" sz="2000" i="1" smtClean="0">
-                                        <a:solidFill>
-                                          <a:schemeClr val="tx1"/>
-                                        </a:solidFill>
-                                        <a:latin typeface="Cambria Math" panose="02040503050406030204" pitchFamily="18" charset="0"/>
-                                      </a:rPr>
-                                    </m:ctrlPr>
-                                  </m:sSubPr>
-                                  <m:e>
-                                    <m:r>
-                                      <a:rPr lang="en-US" sz="2000" i="1" smtClean="0">
-                                        <a:solidFill>
-                                          <a:schemeClr val="tx1"/>
-                                        </a:solidFill>
-                                        <a:latin typeface="Cambria Math" panose="02040503050406030204" pitchFamily="18" charset="0"/>
-                                      </a:rPr>
-                                      <m:t>𝑆</m:t>
-                                    </m:r>
-                                  </m:e>
-                                  <m:sub>
-                                    <m:r>
-                                      <a:rPr lang="en-US" sz="2000" i="1" smtClean="0">
-                                        <a:solidFill>
-                                          <a:schemeClr val="tx1"/>
-                                        </a:solidFill>
-                                        <a:latin typeface="Cambria Math" panose="02040503050406030204" pitchFamily="18" charset="0"/>
-                                      </a:rPr>
-                                      <m:t>𝐺</m:t>
-                                    </m:r>
-                                  </m:sub>
-                                </m:sSub>
-                              </m:e>
-                              <m:e>
-                                <m:sSub>
-                                  <m:sSubPr>
-                                    <m:ctrlPr>
-                                      <a:rPr lang="en-US" sz="2000" i="1" smtClean="0">
-                                        <a:solidFill>
-                                          <a:schemeClr val="tx1"/>
-                                        </a:solidFill>
-                                        <a:latin typeface="Cambria Math" panose="02040503050406030204" pitchFamily="18" charset="0"/>
-                                      </a:rPr>
-                                    </m:ctrlPr>
-                                  </m:sSubPr>
-                                  <m:e>
-                                    <m:r>
-                                      <a:rPr lang="en-US" sz="2000" i="1" smtClean="0">
-                                        <a:solidFill>
-                                          <a:schemeClr val="tx1"/>
-                                        </a:solidFill>
-                                        <a:latin typeface="Cambria Math" panose="02040503050406030204" pitchFamily="18" charset="0"/>
-                                      </a:rPr>
-                                      <m:t>𝑒</m:t>
-                                    </m:r>
-                                  </m:e>
-                                  <m:sub>
-                                    <m:r>
-                                      <a:rPr lang="en-US" sz="2000" i="1" smtClean="0">
-                                        <a:solidFill>
-                                          <a:schemeClr val="tx1"/>
-                                        </a:solidFill>
-                                        <a:latin typeface="Cambria Math" panose="02040503050406030204" pitchFamily="18" charset="0"/>
-                                      </a:rPr>
-                                      <m:t>2</m:t>
-                                    </m:r>
-                                  </m:sub>
-                                </m:sSub>
-                                <m:r>
-                                  <a:rPr lang="en-US" sz="2000" i="1" smtClean="0">
-                                    <a:solidFill>
-                                      <a:schemeClr val="tx1"/>
-                                    </a:solidFill>
-                                    <a:latin typeface="Cambria Math" panose="02040503050406030204" pitchFamily="18" charset="0"/>
-                                  </a:rPr>
-                                  <m:t>⋅</m:t>
-                                </m:r>
-                                <m:sSub>
-                                  <m:sSubPr>
-                                    <m:ctrlPr>
-                                      <a:rPr lang="en-US" sz="2000" i="1" smtClean="0">
-                                        <a:solidFill>
-                                          <a:schemeClr val="tx1"/>
-                                        </a:solidFill>
-                                        <a:latin typeface="Cambria Math" panose="02040503050406030204" pitchFamily="18" charset="0"/>
-                                      </a:rPr>
-                                    </m:ctrlPr>
-                                  </m:sSubPr>
-                                  <m:e>
-                                    <m:r>
-                                      <a:rPr lang="en-US" sz="2000" i="1" smtClean="0">
-                                        <a:solidFill>
-                                          <a:schemeClr val="tx1"/>
-                                        </a:solidFill>
-                                        <a:latin typeface="Cambria Math" panose="02040503050406030204" pitchFamily="18" charset="0"/>
-                                      </a:rPr>
-                                      <m:t>𝑆</m:t>
-                                    </m:r>
-                                  </m:e>
-                                  <m:sub>
-                                    <m:r>
-                                      <a:rPr lang="en-US" sz="2000" i="1" smtClean="0">
-                                        <a:solidFill>
-                                          <a:schemeClr val="tx1"/>
-                                        </a:solidFill>
-                                        <a:latin typeface="Cambria Math" panose="02040503050406030204" pitchFamily="18" charset="0"/>
-                                      </a:rPr>
-                                      <m:t>𝐺</m:t>
-                                    </m:r>
-                                  </m:sub>
-                                </m:sSub>
-                              </m:e>
-                              <m:e>
-                                <m:r>
-                                  <a:rPr lang="en-US" sz="2000" i="1">
-                                    <a:latin typeface="Cambria Math" panose="02040503050406030204" pitchFamily="18" charset="0"/>
-                                  </a:rPr>
-                                  <m:t>⋯</m:t>
-                                </m:r>
-                                <m:r>
-                                  <a:rPr lang="en-US" sz="2000" b="0" i="1" smtClean="0">
-                                    <a:latin typeface="Cambria Math" panose="02040503050406030204" pitchFamily="18" charset="0"/>
-                                  </a:rPr>
-                                  <m:t>    </m:t>
-                                </m:r>
-                                <m:sSub>
-                                  <m:sSubPr>
-                                    <m:ctrlPr>
-                                      <a:rPr lang="en-US" sz="2000" b="0" i="1" smtClean="0">
-                                        <a:solidFill>
-                                          <a:schemeClr val="tx1"/>
-                                        </a:solidFill>
-                                        <a:latin typeface="Cambria Math" panose="02040503050406030204" pitchFamily="18" charset="0"/>
-                                      </a:rPr>
-                                    </m:ctrlPr>
-                                  </m:sSubPr>
-                                  <m:e>
-                                    <m:r>
-                                      <a:rPr lang="en-US" sz="2000" i="1" smtClean="0">
-                                        <a:solidFill>
-                                          <a:schemeClr val="tx1"/>
-                                        </a:solidFill>
-                                        <a:latin typeface="Cambria Math" panose="02040503050406030204" pitchFamily="18" charset="0"/>
-                                      </a:rPr>
-                                      <m:t>ⅇ</m:t>
-                                    </m:r>
-                                  </m:e>
-                                  <m:sub>
-                                    <m:r>
-                                      <a:rPr lang="en-US" sz="2000" i="1" smtClean="0">
-                                        <a:solidFill>
-                                          <a:schemeClr val="tx1"/>
-                                        </a:solidFill>
-                                        <a:latin typeface="Cambria Math" panose="02040503050406030204" pitchFamily="18" charset="0"/>
-                                      </a:rPr>
-                                      <m:t>𝑚</m:t>
-                                    </m:r>
-                                  </m:sub>
-                                </m:sSub>
-                                <m:r>
-                                  <a:rPr lang="en-US" sz="2000" i="1" smtClean="0">
-                                    <a:solidFill>
-                                      <a:schemeClr val="tx1"/>
-                                    </a:solidFill>
-                                    <a:latin typeface="Cambria Math" panose="02040503050406030204" pitchFamily="18" charset="0"/>
-                                  </a:rPr>
-                                  <m:t>⋅</m:t>
-                                </m:r>
-                                <m:sSub>
-                                  <m:sSubPr>
-                                    <m:ctrlPr>
-                                      <a:rPr lang="en-US" sz="2000" i="1" smtClean="0">
-                                        <a:solidFill>
-                                          <a:schemeClr val="tx1"/>
-                                        </a:solidFill>
-                                        <a:latin typeface="Cambria Math" panose="02040503050406030204" pitchFamily="18" charset="0"/>
-                                      </a:rPr>
-                                    </m:ctrlPr>
-                                  </m:sSubPr>
-                                  <m:e>
-                                    <m:r>
-                                      <a:rPr lang="en-US" sz="2000" i="1" smtClean="0">
-                                        <a:solidFill>
-                                          <a:schemeClr val="tx1"/>
-                                        </a:solidFill>
-                                        <a:latin typeface="Cambria Math" panose="02040503050406030204" pitchFamily="18" charset="0"/>
-                                      </a:rPr>
-                                      <m:t>𝑆</m:t>
-                                    </m:r>
-                                  </m:e>
-                                  <m:sub>
-                                    <m:r>
-                                      <a:rPr lang="en-US" sz="2000" i="1" smtClean="0">
-                                        <a:solidFill>
-                                          <a:schemeClr val="tx1"/>
-                                        </a:solidFill>
-                                        <a:latin typeface="Cambria Math" panose="02040503050406030204" pitchFamily="18" charset="0"/>
-                                      </a:rPr>
-                                      <m:t>𝐺</m:t>
-                                    </m:r>
-                                  </m:sub>
-                                </m:sSub>
-                              </m:e>
-                            </m:mr>
-                            <m:mr>
-                              <m:e>
-                                <m:sSub>
-                                  <m:sSubPr>
-                                    <m:ctrlPr>
-                                      <a:rPr lang="en-US" sz="2000" i="1" smtClean="0">
-                                        <a:solidFill>
-                                          <a:schemeClr val="tx1"/>
-                                        </a:solidFill>
-                                        <a:latin typeface="Cambria Math" panose="02040503050406030204" pitchFamily="18" charset="0"/>
-                                      </a:rPr>
-                                    </m:ctrlPr>
-                                  </m:sSubPr>
-                                  <m:e>
-                                    <m:r>
-                                      <a:rPr lang="en-US" sz="2000" i="1" smtClean="0">
-                                        <a:solidFill>
-                                          <a:schemeClr val="tx1"/>
-                                        </a:solidFill>
-                                        <a:latin typeface="Cambria Math" panose="02040503050406030204" pitchFamily="18" charset="0"/>
-                                      </a:rPr>
-                                      <m:t>𝑒</m:t>
-                                    </m:r>
-                                  </m:e>
-                                  <m:sub>
-                                    <m:r>
-                                      <a:rPr lang="en-US" sz="2000" i="1" smtClean="0">
-                                        <a:solidFill>
-                                          <a:schemeClr val="tx1"/>
-                                        </a:solidFill>
-                                        <a:latin typeface="Cambria Math" panose="02040503050406030204" pitchFamily="18" charset="0"/>
-                                      </a:rPr>
-                                      <m:t>1</m:t>
-                                    </m:r>
-                                  </m:sub>
-                                </m:sSub>
-                                <m:r>
-                                  <a:rPr lang="en-US" sz="2000" i="1" smtClean="0">
-                                    <a:solidFill>
-                                      <a:schemeClr val="tx1"/>
-                                    </a:solidFill>
-                                    <a:latin typeface="Cambria Math" panose="02040503050406030204" pitchFamily="18" charset="0"/>
-                                  </a:rPr>
-                                  <m:t>⋅</m:t>
-                                </m:r>
-                                <m:sSub>
-                                  <m:sSubPr>
-                                    <m:ctrlPr>
-                                      <a:rPr lang="en-US" sz="2000" i="1" smtClean="0">
-                                        <a:solidFill>
-                                          <a:schemeClr val="tx1"/>
-                                        </a:solidFill>
-                                        <a:latin typeface="Cambria Math" panose="02040503050406030204" pitchFamily="18" charset="0"/>
-                                      </a:rPr>
-                                    </m:ctrlPr>
-                                  </m:sSubPr>
-                                  <m:e>
-                                    <m:r>
-                                      <a:rPr lang="en-US" sz="2000" i="1" smtClean="0">
-                                        <a:solidFill>
-                                          <a:schemeClr val="tx1"/>
-                                        </a:solidFill>
-                                        <a:latin typeface="Cambria Math" panose="02040503050406030204" pitchFamily="18" charset="0"/>
-                                      </a:rPr>
-                                      <m:t>𝑆</m:t>
-                                    </m:r>
-                                  </m:e>
-                                  <m:sub>
-                                    <m:r>
-                                      <a:rPr lang="en-US" sz="2000" i="1" smtClean="0">
-                                        <a:solidFill>
-                                          <a:schemeClr val="tx1"/>
-                                        </a:solidFill>
-                                        <a:latin typeface="Cambria Math" panose="02040503050406030204" pitchFamily="18" charset="0"/>
-                                      </a:rPr>
-                                      <m:t>𝐵</m:t>
-                                    </m:r>
-                                  </m:sub>
-                                </m:sSub>
-                              </m:e>
-                              <m:e>
-                                <m:sSub>
-                                  <m:sSubPr>
-                                    <m:ctrlPr>
-                                      <a:rPr lang="en-US" sz="2000" i="1" smtClean="0">
-                                        <a:solidFill>
-                                          <a:schemeClr val="tx1"/>
-                                        </a:solidFill>
-                                        <a:latin typeface="Cambria Math" panose="02040503050406030204" pitchFamily="18" charset="0"/>
-                                      </a:rPr>
-                                    </m:ctrlPr>
-                                  </m:sSubPr>
-                                  <m:e>
-                                    <m:r>
-                                      <a:rPr lang="en-US" sz="2000" i="1" smtClean="0">
-                                        <a:solidFill>
-                                          <a:schemeClr val="tx1"/>
-                                        </a:solidFill>
-                                        <a:latin typeface="Cambria Math" panose="02040503050406030204" pitchFamily="18" charset="0"/>
-                                      </a:rPr>
-                                      <m:t>𝑒</m:t>
-                                    </m:r>
-                                  </m:e>
-                                  <m:sub>
-                                    <m:r>
-                                      <a:rPr lang="en-US" sz="2000" i="1" smtClean="0">
-                                        <a:solidFill>
-                                          <a:schemeClr val="tx1"/>
-                                        </a:solidFill>
-                                        <a:latin typeface="Cambria Math" panose="02040503050406030204" pitchFamily="18" charset="0"/>
-                                      </a:rPr>
-                                      <m:t>2</m:t>
-                                    </m:r>
-                                  </m:sub>
-                                </m:sSub>
-                                <m:r>
-                                  <a:rPr lang="en-US" sz="2000" i="1" smtClean="0">
-                                    <a:solidFill>
-                                      <a:schemeClr val="tx1"/>
-                                    </a:solidFill>
-                                    <a:latin typeface="Cambria Math" panose="02040503050406030204" pitchFamily="18" charset="0"/>
-                                  </a:rPr>
-                                  <m:t>⋅</m:t>
-                                </m:r>
-                                <m:sSub>
-                                  <m:sSubPr>
-                                    <m:ctrlPr>
-                                      <a:rPr lang="en-US" sz="2000" i="1" smtClean="0">
-                                        <a:solidFill>
-                                          <a:schemeClr val="tx1"/>
-                                        </a:solidFill>
-                                        <a:latin typeface="Cambria Math" panose="02040503050406030204" pitchFamily="18" charset="0"/>
-                                      </a:rPr>
-                                    </m:ctrlPr>
-                                  </m:sSubPr>
-                                  <m:e>
-                                    <m:r>
-                                      <a:rPr lang="en-US" sz="2000" i="1" smtClean="0">
-                                        <a:solidFill>
-                                          <a:schemeClr val="tx1"/>
-                                        </a:solidFill>
-                                        <a:latin typeface="Cambria Math" panose="02040503050406030204" pitchFamily="18" charset="0"/>
-                                      </a:rPr>
-                                      <m:t>𝑆</m:t>
-                                    </m:r>
-                                  </m:e>
-                                  <m:sub>
-                                    <m:r>
-                                      <a:rPr lang="en-US" sz="2000" i="1" smtClean="0">
-                                        <a:solidFill>
-                                          <a:schemeClr val="tx1"/>
-                                        </a:solidFill>
-                                        <a:latin typeface="Cambria Math" panose="02040503050406030204" pitchFamily="18" charset="0"/>
-                                      </a:rPr>
-                                      <m:t>𝐵</m:t>
-                                    </m:r>
-                                  </m:sub>
-                                </m:sSub>
-                              </m:e>
-                              <m:e>
-                                <m:r>
-                                  <a:rPr lang="en-US" sz="2000" i="1" smtClean="0">
-                                    <a:solidFill>
-                                      <a:schemeClr val="tx1"/>
-                                    </a:solidFill>
-                                    <a:latin typeface="Cambria Math" panose="02040503050406030204" pitchFamily="18" charset="0"/>
-                                  </a:rPr>
-                                  <m:t>⋯</m:t>
-                                </m:r>
-                                <m:r>
-                                  <a:rPr lang="en-US" sz="2000" b="0" i="1" smtClean="0">
-                                    <a:solidFill>
-                                      <a:schemeClr val="tx1"/>
-                                    </a:solidFill>
-                                    <a:latin typeface="Cambria Math" panose="02040503050406030204" pitchFamily="18" charset="0"/>
-                                  </a:rPr>
-                                  <m:t> </m:t>
-                                </m:r>
-                                <m:sSub>
-                                  <m:sSubPr>
-                                    <m:ctrlPr>
-                                      <a:rPr lang="en-US" sz="2000" i="1">
-                                        <a:latin typeface="Cambria Math" panose="02040503050406030204" pitchFamily="18" charset="0"/>
-                                      </a:rPr>
-                                    </m:ctrlPr>
-                                  </m:sSubPr>
-                                  <m:e>
-                                    <m:r>
-                                      <a:rPr lang="en-US" sz="2000" b="0" i="1" smtClean="0">
-                                        <a:latin typeface="Cambria Math" panose="02040503050406030204" pitchFamily="18" charset="0"/>
-                                      </a:rPr>
-                                      <m:t>   </m:t>
-                                    </m:r>
-                                    <m:r>
-                                      <a:rPr lang="en-US" sz="2000" i="1">
-                                        <a:latin typeface="Cambria Math" panose="02040503050406030204" pitchFamily="18" charset="0"/>
-                                      </a:rPr>
-                                      <m:t>ⅇ</m:t>
-                                    </m:r>
-                                  </m:e>
-                                  <m:sub>
-                                    <m:r>
-                                      <a:rPr lang="en-US" sz="2000" i="1">
-                                        <a:latin typeface="Cambria Math" panose="02040503050406030204" pitchFamily="18" charset="0"/>
-                                      </a:rPr>
-                                      <m:t>𝑚</m:t>
-                                    </m:r>
-                                  </m:sub>
-                                </m:sSub>
-                                <m:r>
-                                  <a:rPr lang="en-US" sz="2000" i="1">
-                                    <a:latin typeface="Cambria Math" panose="02040503050406030204" pitchFamily="18" charset="0"/>
-                                  </a:rPr>
-                                  <m:t>⋅</m:t>
-                                </m:r>
-                                <m:sSub>
-                                  <m:sSubPr>
-                                    <m:ctrlPr>
-                                      <a:rPr lang="en-US" sz="2000" i="1">
-                                        <a:latin typeface="Cambria Math" panose="02040503050406030204" pitchFamily="18" charset="0"/>
-                                      </a:rPr>
-                                    </m:ctrlPr>
-                                  </m:sSubPr>
-                                  <m:e>
-                                    <m:r>
-                                      <a:rPr lang="en-US" sz="2000" i="1">
-                                        <a:latin typeface="Cambria Math" panose="02040503050406030204" pitchFamily="18" charset="0"/>
-                                      </a:rPr>
-                                      <m:t>𝑆</m:t>
-                                    </m:r>
-                                  </m:e>
-                                  <m:sub>
-                                    <m:r>
-                                      <a:rPr lang="en-US" sz="2000" b="0" i="1" smtClean="0">
-                                        <a:latin typeface="Cambria Math" panose="02040503050406030204" pitchFamily="18" charset="0"/>
-                                      </a:rPr>
-                                      <m:t>𝐵</m:t>
-                                    </m:r>
-                                  </m:sub>
-                                </m:sSub>
-                              </m:e>
-                            </m:mr>
-                          </m:m>
-                        </m:e>
-                      </m:d>
-                      <m:d>
-                        <m:dPr>
-                          <m:begChr m:val="["/>
-                          <m:endChr m:val="]"/>
-                          <m:ctrlPr>
-                            <a:rPr lang="en-US" sz="2000" i="1" dirty="0" smtClean="0">
-                              <a:solidFill>
-                                <a:schemeClr val="tx1"/>
-                              </a:solidFill>
-                              <a:latin typeface="Cambria Math" panose="02040503050406030204" pitchFamily="18" charset="0"/>
-                            </a:rPr>
-                          </m:ctrlPr>
-                        </m:dPr>
-                        <m:e>
-                          <m:m>
-                            <m:mPr>
-                              <m:plcHide m:val="on"/>
-                              <m:mcs>
-                                <m:mc>
-                                  <m:mcPr>
-                                    <m:count m:val="1"/>
-                                    <m:mcJc m:val="center"/>
-                                  </m:mcPr>
-                                </m:mc>
-                              </m:mcs>
-                              <m:ctrlPr>
-                                <a:rPr lang="en-US" sz="2000" i="1" dirty="0">
-                                  <a:solidFill>
-                                    <a:schemeClr val="tx1"/>
-                                  </a:solidFill>
-                                  <a:latin typeface="Cambria Math" panose="02040503050406030204" pitchFamily="18" charset="0"/>
-                                </a:rPr>
-                              </m:ctrlPr>
-                            </m:mPr>
-                            <m:mr>
-                              <m:e>
-                                <m:sSub>
-                                  <m:sSubPr>
-                                    <m:ctrlPr>
-                                      <a:rPr lang="en-US" sz="2000" i="1" dirty="0">
-                                        <a:solidFill>
-                                          <a:schemeClr val="tx1"/>
-                                        </a:solidFill>
-                                        <a:latin typeface="Cambria Math" panose="02040503050406030204" pitchFamily="18" charset="0"/>
-                                      </a:rPr>
-                                    </m:ctrlPr>
-                                  </m:sSubPr>
-                                  <m:e>
-                                    <m:r>
-                                      <a:rPr lang="en-US" sz="2000" i="1" dirty="0">
-                                        <a:solidFill>
-                                          <a:schemeClr val="tx1"/>
-                                        </a:solidFill>
-                                        <a:latin typeface="Cambria Math" panose="02040503050406030204" pitchFamily="18" charset="0"/>
-                                      </a:rPr>
-                                      <m:t>𝑎</m:t>
-                                    </m:r>
-                                  </m:e>
-                                  <m:sub>
-                                    <m:r>
-                                      <a:rPr lang="en-US" sz="2000" i="0" dirty="0">
-                                        <a:solidFill>
-                                          <a:schemeClr val="tx1"/>
-                                        </a:solidFill>
-                                        <a:latin typeface="Cambria Math" panose="02040503050406030204" pitchFamily="18" charset="0"/>
-                                      </a:rPr>
-                                      <m:t>1</m:t>
-                                    </m:r>
-                                  </m:sub>
-                                </m:sSub>
-                              </m:e>
-                            </m:mr>
-                            <m:mr>
-                              <m:e>
-                                <m:sSub>
-                                  <m:sSubPr>
-                                    <m:ctrlPr>
-                                      <a:rPr lang="en-US" sz="2000" i="1" dirty="0">
-                                        <a:solidFill>
-                                          <a:schemeClr val="tx1"/>
-                                        </a:solidFill>
-                                        <a:latin typeface="Cambria Math" panose="02040503050406030204" pitchFamily="18" charset="0"/>
-                                      </a:rPr>
-                                    </m:ctrlPr>
-                                  </m:sSubPr>
-                                  <m:e>
-                                    <m:r>
-                                      <a:rPr lang="en-US" sz="2000" i="1" dirty="0">
-                                        <a:solidFill>
-                                          <a:schemeClr val="tx1"/>
-                                        </a:solidFill>
-                                        <a:latin typeface="Cambria Math" panose="02040503050406030204" pitchFamily="18" charset="0"/>
-                                      </a:rPr>
-                                      <m:t>𝑎</m:t>
-                                    </m:r>
-                                  </m:e>
-                                  <m:sub>
-                                    <m:r>
-                                      <a:rPr lang="en-US" sz="2000" i="0" dirty="0">
-                                        <a:solidFill>
-                                          <a:schemeClr val="tx1"/>
-                                        </a:solidFill>
-                                        <a:latin typeface="Cambria Math" panose="02040503050406030204" pitchFamily="18" charset="0"/>
-                                      </a:rPr>
-                                      <m:t>2</m:t>
-                                    </m:r>
-                                  </m:sub>
-                                </m:sSub>
-                              </m:e>
-                            </m:mr>
-                            <m:mr>
-                              <m:e>
-                                <m:r>
-                                  <a:rPr lang="en-US" sz="2000" i="1" dirty="0">
-                                    <a:latin typeface="Cambria Math" panose="02040503050406030204" pitchFamily="18" charset="0"/>
-                                    <a:ea typeface="Cambria Math" panose="02040503050406030204" pitchFamily="18" charset="0"/>
-                                  </a:rPr>
-                                  <m:t>⋮</m:t>
-                                </m:r>
-                              </m:e>
-                            </m:mr>
-                            <m:mr>
-                              <m:e>
-                                <m:sSub>
-                                  <m:sSubPr>
-                                    <m:ctrlPr>
-                                      <a:rPr lang="en-US" sz="2000" i="1" dirty="0">
-                                        <a:solidFill>
-                                          <a:schemeClr val="tx1"/>
-                                        </a:solidFill>
-                                        <a:latin typeface="Cambria Math" panose="02040503050406030204" pitchFamily="18" charset="0"/>
-                                      </a:rPr>
-                                    </m:ctrlPr>
-                                  </m:sSubPr>
-                                  <m:e>
-                                    <m:r>
-                                      <a:rPr lang="en-US" sz="2000" i="1" dirty="0">
-                                        <a:solidFill>
-                                          <a:schemeClr val="tx1"/>
-                                        </a:solidFill>
-                                        <a:latin typeface="Cambria Math" panose="02040503050406030204" pitchFamily="18" charset="0"/>
-                                      </a:rPr>
-                                      <m:t>𝑎</m:t>
-                                    </m:r>
-                                  </m:e>
-                                  <m:sub>
-                                    <m:r>
-                                      <a:rPr lang="en-US" sz="2000" i="1" dirty="0">
-                                        <a:solidFill>
-                                          <a:schemeClr val="tx1"/>
-                                        </a:solidFill>
-                                        <a:latin typeface="Cambria Math" panose="02040503050406030204" pitchFamily="18" charset="0"/>
-                                      </a:rPr>
-                                      <m:t>𝑚</m:t>
-                                    </m:r>
-                                  </m:sub>
-                                </m:sSub>
-                              </m:e>
-                            </m:mr>
-                          </m:m>
-                        </m:e>
-                      </m:d>
-                    </m:oMath>
-                  </m:oMathPara>
-                </a14:m>
-                <a:endParaRPr lang="en-US" sz="2000" dirty="0">
-                  <a:solidFill>
-                    <a:schemeClr val="tx1"/>
-                  </a:solidFill>
-                  <a:latin typeface="Bahnschrift SemiBold" panose="020B0502040204020203" pitchFamily="34" charset="0"/>
-                </a:endParaRPr>
-              </a:p>
-              <a:p>
-                <a:pPr marL="0" indent="0">
-                  <a:spcBef>
-                    <a:spcPts val="600"/>
-                  </a:spcBef>
-                  <a:spcAft>
-                    <a:spcPts val="600"/>
-                  </a:spcAft>
-                  <a:buNone/>
-                </a:pPr>
-                <a:endParaRPr lang="en-US" sz="2000" b="1" i="0" dirty="0">
-                  <a:solidFill>
-                    <a:schemeClr val="tx1"/>
-                  </a:solidFill>
-                  <a:latin typeface="Cambria Math" panose="02040503050406030204" pitchFamily="18" charset="0"/>
-                </a:endParaRPr>
-              </a:p>
-              <a:p>
-                <a:pPr marL="0" indent="0">
-                  <a:spcBef>
-                    <a:spcPts val="600"/>
-                  </a:spcBef>
-                  <a:spcAft>
-                    <a:spcPts val="600"/>
-                  </a:spcAft>
-                  <a:buNone/>
-                </a:pPr>
-                <a14:m>
-                  <m:oMathPara xmlns:m="http://schemas.openxmlformats.org/officeDocument/2006/math">
-                    <m:oMathParaPr>
-                      <m:jc m:val="centerGroup"/>
-                    </m:oMathParaPr>
-                    <m:oMath xmlns:m="http://schemas.openxmlformats.org/officeDocument/2006/math">
-                      <m:r>
-                        <a:rPr lang="en-US" sz="2000" b="1" i="0" smtClean="0">
-                          <a:solidFill>
-                            <a:schemeClr val="tx1"/>
-                          </a:solidFill>
-                          <a:latin typeface="Cambria Math" panose="02040503050406030204" pitchFamily="18" charset="0"/>
-                        </a:rPr>
-                        <m:t>𝐪</m:t>
-                      </m:r>
-                      <m:r>
-                        <a:rPr lang="en-US" sz="2000" b="1" i="0" smtClean="0">
-                          <a:solidFill>
-                            <a:schemeClr val="tx1"/>
-                          </a:solidFill>
-                          <a:latin typeface="Cambria Math" panose="02040503050406030204" pitchFamily="18" charset="0"/>
-                        </a:rPr>
-                        <m:t>=</m:t>
-                      </m:r>
-                      <m:r>
-                        <a:rPr lang="en-US" sz="2000" b="1" i="0" smtClean="0">
-                          <a:solidFill>
-                            <a:schemeClr val="tx1"/>
-                          </a:solidFill>
-                          <a:latin typeface="Cambria Math" panose="02040503050406030204" pitchFamily="18" charset="0"/>
-                        </a:rPr>
-                        <m:t>𝐓𝐚</m:t>
-                      </m:r>
-                    </m:oMath>
-                  </m:oMathPara>
-                </a14:m>
-                <a:endParaRPr lang="en-US" sz="2000" b="1" dirty="0">
-                  <a:solidFill>
-                    <a:schemeClr val="tx1"/>
-                  </a:solidFill>
-                  <a:latin typeface="Bahnschrift SemiBold" panose="020B0502040204020203" pitchFamily="34" charset="0"/>
-                </a:endParaRPr>
-              </a:p>
-              <a:p>
-                <a:pPr marL="0" indent="0">
-                  <a:spcBef>
-                    <a:spcPts val="600"/>
-                  </a:spcBef>
-                  <a:spcAft>
-                    <a:spcPts val="600"/>
-                  </a:spcAft>
-                  <a:buNone/>
-                </a:pPr>
-                <a14:m>
-                  <m:oMathPara xmlns:m="http://schemas.openxmlformats.org/officeDocument/2006/math">
-                    <m:oMathParaPr>
-                      <m:jc m:val="centerGroup"/>
-                    </m:oMathParaPr>
-                    <m:oMath xmlns:m="http://schemas.openxmlformats.org/officeDocument/2006/math">
-                      <m:r>
-                        <a:rPr lang="en-US" sz="2000" b="1" i="0" smtClean="0">
-                          <a:solidFill>
-                            <a:schemeClr val="tx1"/>
-                          </a:solidFill>
-                          <a:latin typeface="Cambria Math" panose="02040503050406030204" pitchFamily="18" charset="0"/>
-                        </a:rPr>
-                        <m:t>𝐚</m:t>
-                      </m:r>
-                      <m:r>
-                        <a:rPr lang="en-US" sz="2000" b="1" i="0" smtClean="0">
-                          <a:solidFill>
-                            <a:schemeClr val="tx1"/>
-                          </a:solidFill>
-                          <a:latin typeface="Cambria Math" panose="02040503050406030204" pitchFamily="18" charset="0"/>
-                        </a:rPr>
-                        <m:t>=</m:t>
-                      </m:r>
-                      <m:sSup>
-                        <m:sSupPr>
-                          <m:ctrlPr>
-                            <a:rPr lang="en-US" sz="2000" b="1" i="1" smtClean="0">
-                              <a:solidFill>
-                                <a:schemeClr val="tx1"/>
-                              </a:solidFill>
-                              <a:latin typeface="Cambria Math" panose="02040503050406030204" pitchFamily="18" charset="0"/>
-                            </a:rPr>
-                          </m:ctrlPr>
-                        </m:sSupPr>
-                        <m:e>
-                          <m:d>
-                            <m:dPr>
-                              <m:ctrlPr>
-                                <a:rPr lang="en-US" sz="2000" b="1" i="1" smtClean="0">
-                                  <a:solidFill>
-                                    <a:schemeClr val="tx1"/>
-                                  </a:solidFill>
-                                  <a:latin typeface="Cambria Math" panose="02040503050406030204" pitchFamily="18" charset="0"/>
-                                </a:rPr>
-                              </m:ctrlPr>
-                            </m:dPr>
-                            <m:e>
-                              <m:sSup>
-                                <m:sSupPr>
-                                  <m:ctrlPr>
-                                    <a:rPr lang="en-US" sz="2000" b="1" i="1" smtClean="0">
-                                      <a:solidFill>
-                                        <a:schemeClr val="tx1"/>
-                                      </a:solidFill>
-                                      <a:latin typeface="Cambria Math" panose="02040503050406030204" pitchFamily="18" charset="0"/>
-                                    </a:rPr>
-                                  </m:ctrlPr>
-                                </m:sSupPr>
-                                <m:e>
-                                  <m:r>
-                                    <a:rPr lang="en-US" sz="2000" b="1" i="0" smtClean="0">
-                                      <a:solidFill>
-                                        <a:schemeClr val="tx1"/>
-                                      </a:solidFill>
-                                      <a:latin typeface="Cambria Math" panose="02040503050406030204" pitchFamily="18" charset="0"/>
-                                    </a:rPr>
-                                    <m:t>𝐓</m:t>
-                                  </m:r>
-                                </m:e>
-                                <m:sup>
-                                  <m:r>
-                                    <a:rPr lang="en-US" sz="2000" b="0" i="1" smtClean="0">
-                                      <a:solidFill>
-                                        <a:schemeClr val="tx1"/>
-                                      </a:solidFill>
-                                      <a:latin typeface="Cambria Math" panose="02040503050406030204" pitchFamily="18" charset="0"/>
-                                    </a:rPr>
-                                    <m:t>𝑇</m:t>
-                                  </m:r>
-                                </m:sup>
-                              </m:sSup>
-                              <m:r>
-                                <a:rPr lang="en-US" sz="2000" b="1" i="0" smtClean="0">
-                                  <a:solidFill>
-                                    <a:schemeClr val="tx1"/>
-                                  </a:solidFill>
-                                  <a:latin typeface="Cambria Math" panose="02040503050406030204" pitchFamily="18" charset="0"/>
-                                </a:rPr>
-                                <m:t>𝐓</m:t>
-                              </m:r>
-                            </m:e>
-                          </m:d>
-                        </m:e>
-                        <m:sup>
-                          <m:r>
-                            <a:rPr lang="en-US" sz="2000" b="1" i="0" smtClean="0">
-                              <a:solidFill>
-                                <a:schemeClr val="tx1"/>
-                              </a:solidFill>
-                              <a:latin typeface="Cambria Math" panose="02040503050406030204" pitchFamily="18" charset="0"/>
-                            </a:rPr>
-                            <m:t>−</m:t>
-                          </m:r>
-                          <m:r>
-                            <a:rPr lang="en-US" sz="2000" b="1" i="0" smtClean="0">
-                              <a:solidFill>
-                                <a:schemeClr val="tx1"/>
-                              </a:solidFill>
-                              <a:latin typeface="Cambria Math" panose="02040503050406030204" pitchFamily="18" charset="0"/>
-                            </a:rPr>
-                            <m:t>𝟏</m:t>
-                          </m:r>
-                        </m:sup>
-                      </m:sSup>
-                      <m:sSup>
-                        <m:sSupPr>
-                          <m:ctrlPr>
-                            <a:rPr lang="en-US" sz="2000" b="1" i="1" smtClean="0">
-                              <a:solidFill>
-                                <a:schemeClr val="tx1"/>
-                              </a:solidFill>
-                              <a:latin typeface="Cambria Math" panose="02040503050406030204" pitchFamily="18" charset="0"/>
-                            </a:rPr>
-                          </m:ctrlPr>
-                        </m:sSupPr>
-                        <m:e>
-                          <m:r>
-                            <a:rPr lang="en-US" sz="2000" b="1" i="0" smtClean="0">
-                              <a:solidFill>
-                                <a:schemeClr val="tx1"/>
-                              </a:solidFill>
-                              <a:latin typeface="Cambria Math" panose="02040503050406030204" pitchFamily="18" charset="0"/>
-                            </a:rPr>
-                            <m:t>𝐓</m:t>
-                          </m:r>
-                        </m:e>
-                        <m:sup>
-                          <m:r>
-                            <a:rPr lang="en-US" sz="2000" b="0" i="1" smtClean="0">
-                              <a:solidFill>
-                                <a:schemeClr val="tx1"/>
-                              </a:solidFill>
-                              <a:latin typeface="Cambria Math" panose="02040503050406030204" pitchFamily="18" charset="0"/>
-                            </a:rPr>
-                            <m:t>𝑇</m:t>
-                          </m:r>
-                        </m:sup>
-                      </m:sSup>
-                      <m:r>
-                        <a:rPr lang="en-US" sz="2000" b="1" i="0" smtClean="0">
-                          <a:solidFill>
-                            <a:schemeClr val="tx1"/>
-                          </a:solidFill>
-                          <a:latin typeface="Cambria Math" panose="02040503050406030204" pitchFamily="18" charset="0"/>
-                        </a:rPr>
-                        <m:t>𝐪</m:t>
-                      </m:r>
-                    </m:oMath>
-                  </m:oMathPara>
-                </a14:m>
-                <a:endParaRPr lang="en-US" sz="2000" b="1" dirty="0">
-                  <a:solidFill>
-                    <a:schemeClr val="tx1"/>
-                  </a:solidFill>
-                  <a:latin typeface="Bahnschrift SemiBold" panose="020B0502040204020203" pitchFamily="34" charset="0"/>
-                </a:endParaRPr>
+                <a:endParaRPr lang="en-US" sz="900" dirty="0"/>
               </a:p>
             </p:txBody>
           </p:sp>
         </mc:Choice>
-        <mc:Fallback xmlns="">
+        <mc:Fallback>
           <p:sp>
             <p:nvSpPr>
-              <p:cNvPr id="3" name="Content Placeholder 2">
+              <p:cNvPr id="7" name="TextBox 6">
                 <a:extLst>
                   <a:ext uri="{FF2B5EF4-FFF2-40B4-BE49-F238E27FC236}">
-                    <a16:creationId xmlns:a16="http://schemas.microsoft.com/office/drawing/2014/main" id="{ECE74CC9-655D-68B1-5F60-5C08DD885B5C}"/>
+                    <a16:creationId xmlns:a16="http://schemas.microsoft.com/office/drawing/2014/main" id="{CAE6BCCC-FB53-1FAB-EAE6-4EA0D10BF261}"/>
                   </a:ext>
                 </a:extLst>
               </p:cNvPr>
-              <p:cNvSpPr>
-                <a:spLocks noGrp="1" noRot="1" noChangeAspect="1" noMove="1" noResize="1" noEditPoints="1" noAdjustHandles="1" noChangeArrowheads="1" noChangeShapeType="1" noTextEdit="1"/>
+              <p:cNvSpPr txBox="1">
+                <a:spLocks noRot="1" noChangeAspect="1" noMove="1" noResize="1" noEditPoints="1" noAdjustHandles="1" noChangeArrowheads="1" noChangeShapeType="1" noTextEdit="1"/>
               </p:cNvSpPr>
-              <p:nvPr>
-                <p:ph idx="1"/>
-              </p:nvPr>
+              <p:nvPr/>
             </p:nvSpPr>
             <p:spPr>
+              <a:xfrm>
+                <a:off x="697501" y="1586895"/>
+                <a:ext cx="3690530" cy="1098762"/>
+              </a:xfrm>
+              <a:prstGeom prst="rect">
+                <a:avLst/>
+              </a:prstGeom>
               <a:blipFill>
-                <a:blip r:embed="rId2"/>
+                <a:blip r:embed="rId3"/>
                 <a:stretch>
-                  <a:fillRect l="-1546" t="-2177"/>
+                  <a:fillRect t="-43094" r="-2475" b="-60773"/>
                 </a:stretch>
               </a:blipFill>
             </p:spPr>
@@ -12336,92 +13450,45 @@
           </p:sp>
         </mc:Fallback>
       </mc:AlternateContent>
-      <p:sp>
-        <p:nvSpPr>
-          <p:cNvPr id="2" name="Title 1">
+      <p:pic>
+        <p:nvPicPr>
+          <p:cNvPr id="9" name="Graphic 8" descr="Arrow: Straight with solid fill">
             <a:extLst>
               <a:ext uri="{FF2B5EF4-FFF2-40B4-BE49-F238E27FC236}">
-                <a16:creationId xmlns:a16="http://schemas.microsoft.com/office/drawing/2014/main" id="{81F1909E-2A3A-76BB-F2AA-4E9B17F26D00}"/>
+                <a16:creationId xmlns:a16="http://schemas.microsoft.com/office/drawing/2014/main" id="{1E11123E-02DD-5E5E-E3D1-F335B91050C0}"/>
               </a:ext>
             </a:extLst>
           </p:cNvPr>
-          <p:cNvSpPr>
-            <a:spLocks noGrp="1"/>
-          </p:cNvSpPr>
-          <p:nvPr>
-            <p:ph type="title"/>
-          </p:nvPr>
-        </p:nvSpPr>
-        <p:spPr/>
-        <p:txBody>
-          <a:bodyPr/>
-          <a:lstStyle/>
-          <a:p>
-            <a:r>
-              <a:rPr lang="en-US" dirty="0"/>
-              <a:t>Methodology</a:t>
-            </a:r>
-          </a:p>
-        </p:txBody>
-      </p:sp>
-      <p:sp>
-        <p:nvSpPr>
-          <p:cNvPr id="4" name="Footer Placeholder 3">
+          <p:cNvPicPr>
+            <a:picLocks noChangeAspect="1"/>
+          </p:cNvPicPr>
+          <p:nvPr/>
+        </p:nvPicPr>
+        <p:blipFill>
+          <a:blip r:embed="rId4">
             <a:extLst>
-              <a:ext uri="{FF2B5EF4-FFF2-40B4-BE49-F238E27FC236}">
-                <a16:creationId xmlns:a16="http://schemas.microsoft.com/office/drawing/2014/main" id="{1BE078DB-88BA-BCF0-C738-7E2872E13DE5}"/>
+              <a:ext uri="{28A0092B-C50C-407E-A947-70E740481C1C}">
+                <a14:useLocalDpi xmlns:a14="http://schemas.microsoft.com/office/drawing/2010/main" val="0"/>
+              </a:ext>
+              <a:ext uri="{96DAC541-7B7A-43D3-8B79-37D633B846F1}">
+                <asvg:svgBlip xmlns:asvg="http://schemas.microsoft.com/office/drawing/2016/SVG/main" r:embed="rId5"/>
               </a:ext>
             </a:extLst>
-          </p:cNvPr>
-          <p:cNvSpPr>
-            <a:spLocks noGrp="1"/>
-          </p:cNvSpPr>
-          <p:nvPr>
-            <p:ph type="ftr" sz="quarter" idx="11"/>
-          </p:nvPr>
-        </p:nvSpPr>
-        <p:spPr/>
-        <p:txBody>
-          <a:bodyPr/>
-          <a:lstStyle/>
-          <a:p>
-            <a:r>
-              <a:rPr lang="en-US"/>
-              <a:t>Physics 301 - Advanced Signal and Image Processing</a:t>
-            </a:r>
-            <a:endParaRPr lang="en-US" dirty="0"/>
-          </a:p>
-        </p:txBody>
-      </p:sp>
-      <p:sp>
-        <p:nvSpPr>
-          <p:cNvPr id="5" name="Slide Number Placeholder 4">
-            <a:extLst>
-              <a:ext uri="{FF2B5EF4-FFF2-40B4-BE49-F238E27FC236}">
-                <a16:creationId xmlns:a16="http://schemas.microsoft.com/office/drawing/2014/main" id="{9E5DAB68-8863-6E41-33AF-9385EB37F968}"/>
-              </a:ext>
-            </a:extLst>
-          </p:cNvPr>
-          <p:cNvSpPr>
-            <a:spLocks noGrp="1"/>
-          </p:cNvSpPr>
-          <p:nvPr>
-            <p:ph type="sldNum" sz="quarter" idx="12"/>
-          </p:nvPr>
-        </p:nvSpPr>
-        <p:spPr/>
-        <p:txBody>
-          <a:bodyPr/>
-          <a:lstStyle/>
-          <a:p>
-            <a:fld id="{8262CFD8-7A98-47E6-A2CC-B17DDA24BA0E}" type="slidenum">
-              <a:rPr lang="en-US" smtClean="0"/>
-              <a:t>4</a:t>
-            </a:fld>
-            <a:endParaRPr lang="en-US"/>
-          </a:p>
-        </p:txBody>
-      </p:sp>
+          </a:blip>
+          <a:stretch>
+            <a:fillRect/>
+          </a:stretch>
+        </p:blipFill>
+        <p:spPr>
+          <a:xfrm flipH="1">
+            <a:off x="4456882" y="1917881"/>
+            <a:ext cx="436789" cy="436789"/>
+          </a:xfrm>
+          <a:prstGeom prst="rect">
+            <a:avLst/>
+          </a:prstGeom>
+        </p:spPr>
+      </p:pic>
     </p:spTree>
     <p:extLst>
       <p:ext uri="{BB962C8B-B14F-4D97-AF65-F5344CB8AC3E}">
@@ -12509,42 +13576,125 @@
           </a:p>
         </p:txBody>
       </p:sp>
-      <p:sp>
-        <p:nvSpPr>
-          <p:cNvPr id="4" name="Content Placeholder 3">
-            <a:extLst>
-              <a:ext uri="{FF2B5EF4-FFF2-40B4-BE49-F238E27FC236}">
-                <a16:creationId xmlns:a16="http://schemas.microsoft.com/office/drawing/2014/main" id="{9E8851CC-F8DF-ABCF-0C79-3A6690DB36B9}"/>
-              </a:ext>
-            </a:extLst>
-          </p:cNvPr>
-          <p:cNvSpPr>
-            <a:spLocks noGrp="1"/>
-          </p:cNvSpPr>
-          <p:nvPr>
-            <p:ph idx="1"/>
-          </p:nvPr>
-        </p:nvSpPr>
-        <p:spPr/>
-        <p:txBody>
-          <a:bodyPr/>
-          <a:lstStyle/>
-          <a:p>
-            <a:r>
-              <a:rPr lang="en-US" dirty="0"/>
-              <a:t>Using Principal Components Analysis (PCA), an extensive ensemble can be reduced in terms of its dimensionality so that a few eigenspectral can closely represent the spectral reflectance of an input digital color. In this activity, a high-dimensional information shall be derived using three digital numbers of RGB in a technique called spectral super-resolution. The transformation matrix shall be calculated from the Munsell color chips ensemble and then, we attempt to recover the spectra of 24 </a:t>
-            </a:r>
-            <a:r>
-              <a:rPr lang="en-US" dirty="0" err="1"/>
-              <a:t>Macbetch</a:t>
-            </a:r>
-            <a:r>
-              <a:rPr lang="en-US" dirty="0"/>
-              <a:t> color patches.</a:t>
-            </a:r>
-          </a:p>
-        </p:txBody>
-      </p:sp>
+      <mc:AlternateContent xmlns:mc="http://schemas.openxmlformats.org/markup-compatibility/2006">
+        <mc:Choice xmlns:a14="http://schemas.microsoft.com/office/drawing/2010/main" Requires="a14">
+          <p:sp>
+            <p:nvSpPr>
+              <p:cNvPr id="4" name="Content Placeholder 3">
+                <a:extLst>
+                  <a:ext uri="{FF2B5EF4-FFF2-40B4-BE49-F238E27FC236}">
+                    <a16:creationId xmlns:a16="http://schemas.microsoft.com/office/drawing/2014/main" id="{9E8851CC-F8DF-ABCF-0C79-3A6690DB36B9}"/>
+                  </a:ext>
+                </a:extLst>
+              </p:cNvPr>
+              <p:cNvSpPr>
+                <a:spLocks noGrp="1"/>
+              </p:cNvSpPr>
+              <p:nvPr>
+                <p:ph idx="1"/>
+              </p:nvPr>
+            </p:nvSpPr>
+            <p:spPr/>
+            <p:txBody>
+              <a:bodyPr>
+                <a:normAutofit/>
+              </a:bodyPr>
+              <a:lstStyle/>
+              <a:p>
+                <a:pPr marL="0" indent="0">
+                  <a:buNone/>
+                </a:pPr>
+                <a:r>
+                  <a:rPr lang="en-US" sz="1800" dirty="0"/>
+                  <a:t>Like the compression demonstrated in facial reconstruction using Principal Components Analysis (PCA), here we attempt to reduce the reflectance database into a few representative eigenspectra which yields the transformation matrix </a:t>
+                </a:r>
+                <a14:m>
+                  <m:oMath xmlns:m="http://schemas.openxmlformats.org/officeDocument/2006/math">
+                    <m:r>
+                      <a:rPr lang="en-US" sz="1800" b="1" i="0" smtClean="0">
+                        <a:solidFill>
+                          <a:schemeClr val="tx1"/>
+                        </a:solidFill>
+                        <a:latin typeface="Cambria Math" panose="02040503050406030204" pitchFamily="18" charset="0"/>
+                      </a:rPr>
+                      <m:t>𝐓</m:t>
+                    </m:r>
+                    <m:r>
+                      <a:rPr lang="en-US" sz="1800" b="1" i="1" smtClean="0">
+                        <a:solidFill>
+                          <a:schemeClr val="tx1"/>
+                        </a:solidFill>
+                        <a:latin typeface="Cambria Math" panose="02040503050406030204" pitchFamily="18" charset="0"/>
+                      </a:rPr>
+                      <m:t> </m:t>
+                    </m:r>
+                  </m:oMath>
+                </a14:m>
+                <a:r>
+                  <a:rPr lang="en-US" sz="1800" dirty="0"/>
+                  <a:t>necessary to represent the spectral reflectance using only the input digital color. </a:t>
+                </a:r>
+              </a:p>
+              <a:p>
+                <a:pPr marL="0" indent="0">
+                  <a:buNone/>
+                </a:pPr>
+                <a:r>
+                  <a:rPr lang="en-US" sz="1800" dirty="0"/>
+                  <a:t>To facilitate this process called spectral super-resolution, we use the 1269 Munsell color chips ensemble and then, we attempt to recover the spectra of 24 </a:t>
+                </a:r>
+                <a:r>
+                  <a:rPr lang="en-US" sz="1800" dirty="0" err="1"/>
+                  <a:t>Macbetch</a:t>
+                </a:r>
+                <a:r>
+                  <a:rPr lang="en-US" sz="1800" dirty="0"/>
+                  <a:t> color patches using the rendered RGB values.</a:t>
+                </a:r>
+              </a:p>
+            </p:txBody>
+          </p:sp>
+        </mc:Choice>
+        <mc:Fallback>
+          <p:sp>
+            <p:nvSpPr>
+              <p:cNvPr id="4" name="Content Placeholder 3">
+                <a:extLst>
+                  <a:ext uri="{FF2B5EF4-FFF2-40B4-BE49-F238E27FC236}">
+                    <a16:creationId xmlns:a16="http://schemas.microsoft.com/office/drawing/2014/main" id="{9E8851CC-F8DF-ABCF-0C79-3A6690DB36B9}"/>
+                  </a:ext>
+                </a:extLst>
+              </p:cNvPr>
+              <p:cNvSpPr>
+                <a:spLocks noGrp="1" noRot="1" noChangeAspect="1" noMove="1" noResize="1" noEditPoints="1" noAdjustHandles="1" noChangeArrowheads="1" noChangeShapeType="1" noTextEdit="1"/>
+              </p:cNvSpPr>
+              <p:nvPr>
+                <p:ph idx="1"/>
+              </p:nvPr>
+            </p:nvSpPr>
+            <p:spPr>
+              <a:blipFill>
+                <a:blip r:embed="rId2"/>
+                <a:stretch>
+                  <a:fillRect l="-618" t="-726" r="-1236"/>
+                </a:stretch>
+              </a:blipFill>
+            </p:spPr>
+            <p:txBody>
+              <a:bodyPr/>
+              <a:lstStyle/>
+              <a:p>
+                <a:r>
+                  <a:rPr lang="en-US">
+                    <a:noFill/>
+                  </a:rPr>
+                  <a:t> </a:t>
+                </a:r>
+              </a:p>
+            </p:txBody>
+          </p:sp>
+        </mc:Fallback>
+      </mc:AlternateContent>
       <p:sp>
         <p:nvSpPr>
           <p:cNvPr id="5" name="Slide Number Placeholder 4">
@@ -12574,6 +13724,53 @@
           </a:p>
         </p:txBody>
       </p:sp>
+      <p:pic>
+        <p:nvPicPr>
+          <p:cNvPr id="6" name="Picture 4">
+            <a:extLst>
+              <a:ext uri="{FF2B5EF4-FFF2-40B4-BE49-F238E27FC236}">
+                <a16:creationId xmlns:a16="http://schemas.microsoft.com/office/drawing/2014/main" id="{ED74867E-97C1-F055-2123-874C5805B60D}"/>
+              </a:ext>
+            </a:extLst>
+          </p:cNvPr>
+          <p:cNvPicPr>
+            <a:picLocks noChangeAspect="1" noChangeArrowheads="1"/>
+          </p:cNvPicPr>
+          <p:nvPr/>
+        </p:nvPicPr>
+        <p:blipFill>
+          <a:blip r:embed="rId3">
+            <a:extLst>
+              <a:ext uri="{28A0092B-C50C-407E-A947-70E740481C1C}">
+                <a14:useLocalDpi xmlns:a14="http://schemas.microsoft.com/office/drawing/2010/main" val="0"/>
+              </a:ext>
+            </a:extLst>
+          </a:blip>
+          <a:srcRect/>
+          <a:stretch>
+            <a:fillRect/>
+          </a:stretch>
+        </p:blipFill>
+        <p:spPr bwMode="auto">
+          <a:xfrm>
+            <a:off x="914400" y="3784140"/>
+            <a:ext cx="7315200" cy="2392823"/>
+          </a:xfrm>
+          <a:prstGeom prst="rect">
+            <a:avLst/>
+          </a:prstGeom>
+          <a:noFill/>
+          <a:extLst>
+            <a:ext uri="{909E8E84-426E-40DD-AFC4-6F175D3DCCD1}">
+              <a14:hiddenFill xmlns:a14="http://schemas.microsoft.com/office/drawing/2010/main">
+                <a:solidFill>
+                  <a:srgbClr val="FFFFFF"/>
+                </a:solidFill>
+              </a14:hiddenFill>
+            </a:ext>
+          </a:extLst>
+        </p:spPr>
+      </p:pic>
     </p:spTree>
     <p:extLst>
       <p:ext uri="{BB962C8B-B14F-4D97-AF65-F5344CB8AC3E}">
@@ -12654,7 +13851,10 @@
           <a:bodyPr/>
           <a:lstStyle/>
           <a:p>
-            <a:endParaRPr lang="en-US" dirty="0"/>
+            <a:r>
+              <a:rPr lang="en-US" dirty="0"/>
+              <a:t>Transformation Matrix</a:t>
+            </a:r>
           </a:p>
         </p:txBody>
       </p:sp>
@@ -12687,84 +13887,780 @@
           </a:p>
         </p:txBody>
       </p:sp>
-      <p:sp>
-        <p:nvSpPr>
-          <p:cNvPr id="6" name="Content Placeholder 5">
-            <a:extLst>
-              <a:ext uri="{FF2B5EF4-FFF2-40B4-BE49-F238E27FC236}">
-                <a16:creationId xmlns:a16="http://schemas.microsoft.com/office/drawing/2014/main" id="{6422D1F4-E83D-3E3E-953D-7789D0058270}"/>
-              </a:ext>
-            </a:extLst>
-          </p:cNvPr>
-          <p:cNvSpPr>
-            <a:spLocks noGrp="1"/>
-          </p:cNvSpPr>
-          <p:nvPr>
-            <p:ph idx="1"/>
-          </p:nvPr>
-        </p:nvSpPr>
-        <p:spPr/>
-        <p:txBody>
-          <a:bodyPr/>
-          <a:lstStyle/>
-          <a:p>
-            <a:endParaRPr lang="en-US"/>
-          </a:p>
-        </p:txBody>
-      </p:sp>
+      <mc:AlternateContent xmlns:mc="http://schemas.openxmlformats.org/markup-compatibility/2006">
+        <mc:Choice xmlns:a14="http://schemas.microsoft.com/office/drawing/2010/main" Requires="a14">
+          <p:sp>
+            <p:nvSpPr>
+              <p:cNvPr id="6" name="Content Placeholder 5">
+                <a:extLst>
+                  <a:ext uri="{FF2B5EF4-FFF2-40B4-BE49-F238E27FC236}">
+                    <a16:creationId xmlns:a16="http://schemas.microsoft.com/office/drawing/2014/main" id="{6422D1F4-E83D-3E3E-953D-7789D0058270}"/>
+                  </a:ext>
+                </a:extLst>
+              </p:cNvPr>
+              <p:cNvSpPr>
+                <a:spLocks noGrp="1"/>
+              </p:cNvSpPr>
+              <p:nvPr>
+                <p:ph idx="1"/>
+              </p:nvPr>
+            </p:nvSpPr>
+            <p:spPr/>
+            <p:txBody>
+              <a:bodyPr/>
+              <a:lstStyle/>
+              <a:p>
+                <a:pPr marL="0" indent="0">
+                  <a:buNone/>
+                </a:pPr>
+                <a:r>
+                  <a:rPr lang="en-US" sz="1800" dirty="0"/>
+                  <a:t>Show below are the illuminants to be tested and the spectral sensitivity to be used in obtaining the transformation matrix </a:t>
+                </a:r>
+                <a14:m>
+                  <m:oMath xmlns:m="http://schemas.openxmlformats.org/officeDocument/2006/math">
+                    <m:r>
+                      <a:rPr lang="en-US" sz="1800" b="1" i="0" smtClean="0">
+                        <a:solidFill>
+                          <a:schemeClr val="tx1"/>
+                        </a:solidFill>
+                        <a:latin typeface="Cambria Math" panose="02040503050406030204" pitchFamily="18" charset="0"/>
+                      </a:rPr>
+                      <m:t>𝐓</m:t>
+                    </m:r>
+                  </m:oMath>
+                </a14:m>
+                <a:r>
+                  <a:rPr lang="en-US" sz="1800" dirty="0"/>
+                  <a:t>.</a:t>
+                </a:r>
+                <a:br>
+                  <a:rPr lang="en-US" sz="1800" dirty="0"/>
+                </a:br>
+                <a:br>
+                  <a:rPr lang="en-US" sz="1800" dirty="0"/>
+                </a:br>
+                <a:br>
+                  <a:rPr lang="en-US" sz="1800" dirty="0"/>
+                </a:br>
+                <a:br>
+                  <a:rPr lang="en-US" sz="1800" dirty="0"/>
+                </a:br>
+                <a:br>
+                  <a:rPr lang="en-US" sz="1800" dirty="0"/>
+                </a:br>
+                <a:br>
+                  <a:rPr lang="en-US" sz="1800" dirty="0"/>
+                </a:br>
+                <a:endParaRPr lang="en-US" sz="1800" dirty="0"/>
+              </a:p>
+              <a:p>
+                <a:pPr marL="0" indent="0">
+                  <a:buNone/>
+                </a:pPr>
+                <a:br>
+                  <a:rPr lang="en-US" sz="1800" dirty="0"/>
+                </a:br>
+                <a:br>
+                  <a:rPr lang="en-US" sz="1800" dirty="0"/>
+                </a:br>
+                <a:r>
+                  <a:rPr lang="en-US" sz="1800" dirty="0"/>
+                  <a:t>To quantify the reconstruction accuracies, we employed Root-Mean-Square-Error (RMSE) and Spectral-Angle-Mapper (SAM) metrics which measures the residual error and structure shape similarity respectively between the actual </a:t>
+                </a:r>
+                <a14:m>
+                  <m:oMath xmlns:m="http://schemas.openxmlformats.org/officeDocument/2006/math">
+                    <m:sSub>
+                      <m:sSubPr>
+                        <m:ctrlPr>
+                          <a:rPr lang="en-US" sz="1800" i="1">
+                            <a:latin typeface="Cambria Math" panose="02040503050406030204" pitchFamily="18" charset="0"/>
+                          </a:rPr>
+                        </m:ctrlPr>
+                      </m:sSubPr>
+                      <m:e>
+                        <m:acc>
+                          <m:accPr>
+                            <m:chr m:val="̂"/>
+                            <m:ctrlPr>
+                              <a:rPr lang="en-US" sz="1800" i="1">
+                                <a:latin typeface="Cambria Math" panose="02040503050406030204" pitchFamily="18" charset="0"/>
+                              </a:rPr>
+                            </m:ctrlPr>
+                          </m:accPr>
+                          <m:e>
+                            <m:r>
+                              <a:rPr lang="en-US" sz="1800" i="1">
+                                <a:latin typeface="Cambria Math" panose="02040503050406030204" pitchFamily="18" charset="0"/>
+                              </a:rPr>
+                              <m:t>𝑟</m:t>
+                            </m:r>
+                          </m:e>
+                        </m:acc>
+                      </m:e>
+                      <m:sub>
+                        <m:r>
+                          <a:rPr lang="en-US" sz="1800" i="1">
+                            <a:latin typeface="Cambria Math" panose="02040503050406030204" pitchFamily="18" charset="0"/>
+                          </a:rPr>
+                          <m:t> </m:t>
+                        </m:r>
+                      </m:sub>
+                    </m:sSub>
+                  </m:oMath>
+                </a14:m>
+                <a:r>
+                  <a:rPr lang="en-US" sz="1800" dirty="0"/>
+                  <a:t> and reconstructed </a:t>
+                </a:r>
+                <a14:m>
+                  <m:oMath xmlns:m="http://schemas.openxmlformats.org/officeDocument/2006/math">
+                    <m:r>
+                      <a:rPr lang="en-US" sz="1800" i="1">
+                        <a:latin typeface="Cambria Math" panose="02040503050406030204" pitchFamily="18" charset="0"/>
+                      </a:rPr>
+                      <m:t>𝑟</m:t>
+                    </m:r>
+                    <m:r>
+                      <a:rPr lang="en-US" sz="1800" i="1">
+                        <a:latin typeface="Cambria Math" panose="02040503050406030204" pitchFamily="18" charset="0"/>
+                      </a:rPr>
+                      <m:t> </m:t>
+                    </m:r>
+                  </m:oMath>
+                </a14:m>
+                <a:r>
+                  <a:rPr lang="en-US" sz="1800" dirty="0"/>
+                  <a:t>spectra:</a:t>
+                </a:r>
+              </a:p>
+              <a:p>
+                <a:pPr marL="0" indent="0" algn="ctr">
+                  <a:buNone/>
+                </a:pPr>
+                <a:r>
+                  <a:rPr lang="en-US" sz="2000" dirty="0"/>
+                  <a:t> </a:t>
+                </a:r>
+                <a14:m>
+                  <m:oMath xmlns:m="http://schemas.openxmlformats.org/officeDocument/2006/math">
+                    <m:r>
+                      <a:rPr lang="en-US" sz="2000" b="0" i="1" smtClean="0">
+                        <a:latin typeface="Cambria Math" panose="02040503050406030204" pitchFamily="18" charset="0"/>
+                      </a:rPr>
+                      <m:t>𝑅𝑀𝑆𝐸</m:t>
+                    </m:r>
+                    <m:r>
+                      <a:rPr lang="en-US" sz="2000" b="0" i="1" smtClean="0">
+                        <a:latin typeface="Cambria Math" panose="02040503050406030204" pitchFamily="18" charset="0"/>
+                      </a:rPr>
+                      <m:t>=</m:t>
+                    </m:r>
+                    <m:rad>
+                      <m:radPr>
+                        <m:degHide m:val="on"/>
+                        <m:ctrlPr>
+                          <a:rPr lang="en-US" sz="2000" b="0" i="1" smtClean="0">
+                            <a:latin typeface="Cambria Math" panose="02040503050406030204" pitchFamily="18" charset="0"/>
+                          </a:rPr>
+                        </m:ctrlPr>
+                      </m:radPr>
+                      <m:deg/>
+                      <m:e>
+                        <m:f>
+                          <m:fPr>
+                            <m:ctrlPr>
+                              <a:rPr lang="en-US" sz="2000" b="0" i="1" smtClean="0">
+                                <a:latin typeface="Cambria Math" panose="02040503050406030204" pitchFamily="18" charset="0"/>
+                              </a:rPr>
+                            </m:ctrlPr>
+                          </m:fPr>
+                          <m:num>
+                            <m:nary>
+                              <m:naryPr>
+                                <m:chr m:val="∑"/>
+                                <m:supHide m:val="on"/>
+                                <m:ctrlPr>
+                                  <a:rPr lang="en-US" sz="2000" b="0" i="1" smtClean="0">
+                                    <a:latin typeface="Cambria Math" panose="02040503050406030204" pitchFamily="18" charset="0"/>
+                                  </a:rPr>
+                                </m:ctrlPr>
+                              </m:naryPr>
+                              <m:sub>
+                                <m:r>
+                                  <a:rPr lang="en-US" sz="2000" b="0" i="1" smtClean="0">
+                                    <a:latin typeface="Cambria Math" panose="02040503050406030204" pitchFamily="18" charset="0"/>
+                                  </a:rPr>
+                                  <m:t>𝑁</m:t>
+                                </m:r>
+                              </m:sub>
+                              <m:sup/>
+                              <m:e>
+                                <m:r>
+                                  <a:rPr lang="en-US" sz="2000" b="0" i="1" smtClean="0">
+                                    <a:latin typeface="Cambria Math" panose="02040503050406030204" pitchFamily="18" charset="0"/>
+                                  </a:rPr>
+                                  <m:t>(</m:t>
+                                </m:r>
+                                <m:sSub>
+                                  <m:sSubPr>
+                                    <m:ctrlPr>
+                                      <a:rPr lang="en-US" sz="2000" b="0" i="1" smtClean="0">
+                                        <a:latin typeface="Cambria Math" panose="02040503050406030204" pitchFamily="18" charset="0"/>
+                                      </a:rPr>
+                                    </m:ctrlPr>
+                                  </m:sSubPr>
+                                  <m:e>
+                                    <m:r>
+                                      <a:rPr lang="en-US" sz="2000" b="0" i="1" smtClean="0">
+                                        <a:latin typeface="Cambria Math" panose="02040503050406030204" pitchFamily="18" charset="0"/>
+                                      </a:rPr>
+                                      <m:t>𝑟</m:t>
+                                    </m:r>
+                                  </m:e>
+                                  <m:sub>
+                                    <m:r>
+                                      <a:rPr lang="en-US" sz="2000" b="0" i="1" smtClean="0">
+                                        <a:latin typeface="Cambria Math" panose="02040503050406030204" pitchFamily="18" charset="0"/>
+                                      </a:rPr>
+                                      <m:t> </m:t>
+                                    </m:r>
+                                  </m:sub>
+                                </m:sSub>
+                                <m:d>
+                                  <m:dPr>
+                                    <m:ctrlPr>
+                                      <a:rPr lang="en-US" sz="2000" b="0" i="1" smtClean="0">
+                                        <a:latin typeface="Cambria Math" panose="02040503050406030204" pitchFamily="18" charset="0"/>
+                                      </a:rPr>
+                                    </m:ctrlPr>
+                                  </m:dPr>
+                                  <m:e>
+                                    <m:r>
+                                      <a:rPr lang="en-US" sz="2000" b="0" i="1" smtClean="0">
+                                        <a:latin typeface="Cambria Math" panose="02040503050406030204" pitchFamily="18" charset="0"/>
+                                      </a:rPr>
+                                      <m:t>𝑁</m:t>
+                                    </m:r>
+                                  </m:e>
+                                </m:d>
+                                <m:r>
+                                  <a:rPr lang="en-US" sz="2000" i="1">
+                                    <a:latin typeface="Cambria Math" panose="02040503050406030204" pitchFamily="18" charset="0"/>
+                                  </a:rPr>
+                                  <m:t>−</m:t>
+                                </m:r>
+                                <m:sSub>
+                                  <m:sSubPr>
+                                    <m:ctrlPr>
+                                      <a:rPr lang="en-US" sz="2000" i="1">
+                                        <a:latin typeface="Cambria Math" panose="02040503050406030204" pitchFamily="18" charset="0"/>
+                                      </a:rPr>
+                                    </m:ctrlPr>
+                                  </m:sSubPr>
+                                  <m:e>
+                                    <m:acc>
+                                      <m:accPr>
+                                        <m:chr m:val="̂"/>
+                                        <m:ctrlPr>
+                                          <a:rPr lang="en-US" sz="2000" b="0" i="1" smtClean="0">
+                                            <a:latin typeface="Cambria Math" panose="02040503050406030204" pitchFamily="18" charset="0"/>
+                                          </a:rPr>
+                                        </m:ctrlPr>
+                                      </m:accPr>
+                                      <m:e>
+                                        <m:r>
+                                          <a:rPr lang="en-US" sz="2000" b="0" i="1" smtClean="0">
+                                            <a:latin typeface="Cambria Math" panose="02040503050406030204" pitchFamily="18" charset="0"/>
+                                          </a:rPr>
+                                          <m:t>𝑟</m:t>
+                                        </m:r>
+                                      </m:e>
+                                    </m:acc>
+                                  </m:e>
+                                  <m:sub>
+                                    <m:r>
+                                      <a:rPr lang="en-US" sz="2000" b="0" i="1" smtClean="0">
+                                        <a:latin typeface="Cambria Math" panose="02040503050406030204" pitchFamily="18" charset="0"/>
+                                      </a:rPr>
+                                      <m:t> </m:t>
+                                    </m:r>
+                                  </m:sub>
+                                </m:sSub>
+                                <m:d>
+                                  <m:dPr>
+                                    <m:ctrlPr>
+                                      <a:rPr lang="en-US" sz="2000" i="1">
+                                        <a:latin typeface="Cambria Math" panose="02040503050406030204" pitchFamily="18" charset="0"/>
+                                      </a:rPr>
+                                    </m:ctrlPr>
+                                  </m:dPr>
+                                  <m:e>
+                                    <m:r>
+                                      <a:rPr lang="en-US" sz="2000" b="0" i="1" smtClean="0">
+                                        <a:latin typeface="Cambria Math" panose="02040503050406030204" pitchFamily="18" charset="0"/>
+                                      </a:rPr>
+                                      <m:t>𝑁</m:t>
+                                    </m:r>
+                                  </m:e>
+                                </m:d>
+                                <m:r>
+                                  <a:rPr lang="en-US" sz="2000" b="0" i="1" smtClean="0">
+                                    <a:latin typeface="Cambria Math" panose="02040503050406030204" pitchFamily="18" charset="0"/>
+                                  </a:rPr>
+                                  <m:t>)</m:t>
+                                </m:r>
+                              </m:e>
+                            </m:nary>
+                          </m:num>
+                          <m:den>
+                            <m:r>
+                              <a:rPr lang="en-US" sz="2000" b="0" i="1" smtClean="0">
+                                <a:latin typeface="Cambria Math" panose="02040503050406030204" pitchFamily="18" charset="0"/>
+                              </a:rPr>
+                              <m:t>𝑛</m:t>
+                            </m:r>
+                          </m:den>
+                        </m:f>
+                      </m:e>
+                    </m:rad>
+                  </m:oMath>
+                </a14:m>
+                <a:r>
+                  <a:rPr lang="en-US" sz="1800" dirty="0"/>
+                  <a:t>		</a:t>
+                </a:r>
+                <a14:m>
+                  <m:oMath xmlns:m="http://schemas.openxmlformats.org/officeDocument/2006/math">
+                    <m:r>
+                      <a:rPr lang="en-US" sz="1800" i="1">
+                        <a:latin typeface="Cambria Math" panose="02040503050406030204" pitchFamily="18" charset="0"/>
+                      </a:rPr>
+                      <m:t>𝑆𝐴𝑀</m:t>
+                    </m:r>
+                    <m:r>
+                      <a:rPr lang="en-US" sz="1800" i="1">
+                        <a:latin typeface="Cambria Math" panose="02040503050406030204" pitchFamily="18" charset="0"/>
+                      </a:rPr>
+                      <m:t>=</m:t>
+                    </m:r>
+                    <m:func>
+                      <m:funcPr>
+                        <m:ctrlPr>
+                          <a:rPr lang="en-US" sz="1800" i="1">
+                            <a:latin typeface="Cambria Math" panose="02040503050406030204" pitchFamily="18" charset="0"/>
+                          </a:rPr>
+                        </m:ctrlPr>
+                      </m:funcPr>
+                      <m:fName>
+                        <m:sSup>
+                          <m:sSupPr>
+                            <m:ctrlPr>
+                              <a:rPr lang="en-US" sz="1800" i="1">
+                                <a:latin typeface="Cambria Math" panose="02040503050406030204" pitchFamily="18" charset="0"/>
+                              </a:rPr>
+                            </m:ctrlPr>
+                          </m:sSupPr>
+                          <m:e>
+                            <m:r>
+                              <m:rPr>
+                                <m:sty m:val="p"/>
+                              </m:rPr>
+                              <a:rPr lang="en-US" sz="1800">
+                                <a:latin typeface="Cambria Math" panose="02040503050406030204" pitchFamily="18" charset="0"/>
+                              </a:rPr>
+                              <m:t>cos</m:t>
+                            </m:r>
+                          </m:e>
+                          <m:sup>
+                            <m:r>
+                              <a:rPr lang="en-US" sz="1800" i="1">
+                                <a:latin typeface="Cambria Math" panose="02040503050406030204" pitchFamily="18" charset="0"/>
+                              </a:rPr>
+                              <m:t>−1</m:t>
+                            </m:r>
+                          </m:sup>
+                        </m:sSup>
+                      </m:fName>
+                      <m:e>
+                        <m:d>
+                          <m:dPr>
+                            <m:ctrlPr>
+                              <a:rPr lang="en-US" sz="1800" i="1">
+                                <a:latin typeface="Cambria Math" panose="02040503050406030204" pitchFamily="18" charset="0"/>
+                              </a:rPr>
+                            </m:ctrlPr>
+                          </m:dPr>
+                          <m:e>
+                            <m:f>
+                              <m:fPr>
+                                <m:ctrlPr>
+                                  <a:rPr lang="en-US" sz="1800" i="1">
+                                    <a:latin typeface="Cambria Math" panose="02040503050406030204" pitchFamily="18" charset="0"/>
+                                  </a:rPr>
+                                </m:ctrlPr>
+                              </m:fPr>
+                              <m:num>
+                                <m:nary>
+                                  <m:naryPr>
+                                    <m:chr m:val="∑"/>
+                                    <m:supHide m:val="on"/>
+                                    <m:ctrlPr>
+                                      <a:rPr lang="en-US" sz="1800" i="1">
+                                        <a:latin typeface="Cambria Math" panose="02040503050406030204" pitchFamily="18" charset="0"/>
+                                      </a:rPr>
+                                    </m:ctrlPr>
+                                  </m:naryPr>
+                                  <m:sub>
+                                    <m:r>
+                                      <a:rPr lang="en-US" sz="1800" i="1">
+                                        <a:latin typeface="Cambria Math" panose="02040503050406030204" pitchFamily="18" charset="0"/>
+                                      </a:rPr>
+                                      <m:t>𝑁</m:t>
+                                    </m:r>
+                                  </m:sub>
+                                  <m:sup/>
+                                  <m:e>
+                                    <m:sSub>
+                                      <m:sSubPr>
+                                        <m:ctrlPr>
+                                          <a:rPr lang="en-US" sz="1800" i="1">
+                                            <a:latin typeface="Cambria Math" panose="02040503050406030204" pitchFamily="18" charset="0"/>
+                                          </a:rPr>
+                                        </m:ctrlPr>
+                                      </m:sSubPr>
+                                      <m:e>
+                                        <m:r>
+                                          <a:rPr lang="en-US" sz="1800" i="1">
+                                            <a:latin typeface="Cambria Math" panose="02040503050406030204" pitchFamily="18" charset="0"/>
+                                          </a:rPr>
+                                          <m:t>𝑟</m:t>
+                                        </m:r>
+                                      </m:e>
+                                      <m:sub>
+                                        <m:r>
+                                          <a:rPr lang="en-US" sz="1800" i="1">
+                                            <a:latin typeface="Cambria Math" panose="02040503050406030204" pitchFamily="18" charset="0"/>
+                                          </a:rPr>
+                                          <m:t> </m:t>
+                                        </m:r>
+                                      </m:sub>
+                                    </m:sSub>
+                                    <m:d>
+                                      <m:dPr>
+                                        <m:ctrlPr>
+                                          <a:rPr lang="en-US" sz="1800" i="1">
+                                            <a:latin typeface="Cambria Math" panose="02040503050406030204" pitchFamily="18" charset="0"/>
+                                          </a:rPr>
+                                        </m:ctrlPr>
+                                      </m:dPr>
+                                      <m:e>
+                                        <m:r>
+                                          <a:rPr lang="en-US" sz="1800" i="1">
+                                            <a:latin typeface="Cambria Math" panose="02040503050406030204" pitchFamily="18" charset="0"/>
+                                          </a:rPr>
+                                          <m:t>𝑁</m:t>
+                                        </m:r>
+                                      </m:e>
+                                    </m:d>
+                                    <m:r>
+                                      <a:rPr lang="en-US" sz="1800" i="1">
+                                        <a:latin typeface="Cambria Math" panose="02040503050406030204" pitchFamily="18" charset="0"/>
+                                      </a:rPr>
+                                      <m:t>∗</m:t>
+                                    </m:r>
+                                    <m:sSub>
+                                      <m:sSubPr>
+                                        <m:ctrlPr>
+                                          <a:rPr lang="en-US" sz="1800" i="1">
+                                            <a:latin typeface="Cambria Math" panose="02040503050406030204" pitchFamily="18" charset="0"/>
+                                          </a:rPr>
+                                        </m:ctrlPr>
+                                      </m:sSubPr>
+                                      <m:e>
+                                        <m:acc>
+                                          <m:accPr>
+                                            <m:chr m:val="̂"/>
+                                            <m:ctrlPr>
+                                              <a:rPr lang="en-US" sz="1800" i="1">
+                                                <a:latin typeface="Cambria Math" panose="02040503050406030204" pitchFamily="18" charset="0"/>
+                                              </a:rPr>
+                                            </m:ctrlPr>
+                                          </m:accPr>
+                                          <m:e>
+                                            <m:r>
+                                              <a:rPr lang="en-US" sz="1800" i="1">
+                                                <a:latin typeface="Cambria Math" panose="02040503050406030204" pitchFamily="18" charset="0"/>
+                                              </a:rPr>
+                                              <m:t>𝑟</m:t>
+                                            </m:r>
+                                          </m:e>
+                                        </m:acc>
+                                      </m:e>
+                                      <m:sub>
+                                        <m:r>
+                                          <a:rPr lang="en-US" sz="1800" i="1">
+                                            <a:latin typeface="Cambria Math" panose="02040503050406030204" pitchFamily="18" charset="0"/>
+                                          </a:rPr>
+                                          <m:t> </m:t>
+                                        </m:r>
+                                      </m:sub>
+                                    </m:sSub>
+                                    <m:d>
+                                      <m:dPr>
+                                        <m:ctrlPr>
+                                          <a:rPr lang="en-US" sz="1800" i="1">
+                                            <a:latin typeface="Cambria Math" panose="02040503050406030204" pitchFamily="18" charset="0"/>
+                                          </a:rPr>
+                                        </m:ctrlPr>
+                                      </m:dPr>
+                                      <m:e>
+                                        <m:r>
+                                          <a:rPr lang="en-US" sz="1800" i="1">
+                                            <a:latin typeface="Cambria Math" panose="02040503050406030204" pitchFamily="18" charset="0"/>
+                                          </a:rPr>
+                                          <m:t>𝑁</m:t>
+                                        </m:r>
+                                      </m:e>
+                                    </m:d>
+                                  </m:e>
+                                </m:nary>
+                              </m:num>
+                              <m:den>
+                                <m:r>
+                                  <a:rPr lang="en-US" sz="1800" i="1">
+                                    <a:latin typeface="Cambria Math" panose="02040503050406030204" pitchFamily="18" charset="0"/>
+                                  </a:rPr>
+                                  <m:t>√</m:t>
+                                </m:r>
+                                <m:nary>
+                                  <m:naryPr>
+                                    <m:chr m:val="∑"/>
+                                    <m:supHide m:val="on"/>
+                                    <m:ctrlPr>
+                                      <a:rPr lang="en-US" sz="1800" i="1">
+                                        <a:latin typeface="Cambria Math" panose="02040503050406030204" pitchFamily="18" charset="0"/>
+                                      </a:rPr>
+                                    </m:ctrlPr>
+                                  </m:naryPr>
+                                  <m:sub>
+                                    <m:r>
+                                      <a:rPr lang="en-US" sz="1800" i="1">
+                                        <a:latin typeface="Cambria Math" panose="02040503050406030204" pitchFamily="18" charset="0"/>
+                                      </a:rPr>
+                                      <m:t>𝑁</m:t>
+                                    </m:r>
+                                  </m:sub>
+                                  <m:sup/>
+                                  <m:e>
+                                    <m:sSub>
+                                      <m:sSubPr>
+                                        <m:ctrlPr>
+                                          <a:rPr lang="en-US" sz="1800" i="1">
+                                            <a:latin typeface="Cambria Math" panose="02040503050406030204" pitchFamily="18" charset="0"/>
+                                          </a:rPr>
+                                        </m:ctrlPr>
+                                      </m:sSubPr>
+                                      <m:e>
+                                        <m:r>
+                                          <a:rPr lang="en-US" sz="1800" i="1">
+                                            <a:latin typeface="Cambria Math" panose="02040503050406030204" pitchFamily="18" charset="0"/>
+                                          </a:rPr>
+                                          <m:t>𝑟</m:t>
+                                        </m:r>
+                                      </m:e>
+                                      <m:sub>
+                                        <m:r>
+                                          <a:rPr lang="en-US" sz="1800" i="1">
+                                            <a:latin typeface="Cambria Math" panose="02040503050406030204" pitchFamily="18" charset="0"/>
+                                          </a:rPr>
+                                          <m:t> </m:t>
+                                        </m:r>
+                                      </m:sub>
+                                    </m:sSub>
+                                    <m:d>
+                                      <m:dPr>
+                                        <m:ctrlPr>
+                                          <a:rPr lang="en-US" sz="1800" i="1">
+                                            <a:latin typeface="Cambria Math" panose="02040503050406030204" pitchFamily="18" charset="0"/>
+                                          </a:rPr>
+                                        </m:ctrlPr>
+                                      </m:dPr>
+                                      <m:e>
+                                        <m:r>
+                                          <a:rPr lang="en-US" sz="1800" i="1">
+                                            <a:latin typeface="Cambria Math" panose="02040503050406030204" pitchFamily="18" charset="0"/>
+                                          </a:rPr>
+                                          <m:t>𝑁</m:t>
+                                        </m:r>
+                                      </m:e>
+                                    </m:d>
+                                    <m:r>
+                                      <a:rPr lang="en-US" sz="1800" i="1">
+                                        <a:latin typeface="Cambria Math" panose="02040503050406030204" pitchFamily="18" charset="0"/>
+                                      </a:rPr>
+                                      <m:t>√</m:t>
+                                    </m:r>
+                                    <m:nary>
+                                      <m:naryPr>
+                                        <m:chr m:val="∑"/>
+                                        <m:supHide m:val="on"/>
+                                        <m:ctrlPr>
+                                          <a:rPr lang="en-US" sz="1800" i="1">
+                                            <a:latin typeface="Cambria Math" panose="02040503050406030204" pitchFamily="18" charset="0"/>
+                                          </a:rPr>
+                                        </m:ctrlPr>
+                                      </m:naryPr>
+                                      <m:sub>
+                                        <m:r>
+                                          <a:rPr lang="en-US" sz="1800" i="1">
+                                            <a:latin typeface="Cambria Math" panose="02040503050406030204" pitchFamily="18" charset="0"/>
+                                          </a:rPr>
+                                          <m:t>𝑁</m:t>
+                                        </m:r>
+                                      </m:sub>
+                                      <m:sup/>
+                                      <m:e>
+                                        <m:acc>
+                                          <m:accPr>
+                                            <m:chr m:val="̂"/>
+                                            <m:ctrlPr>
+                                              <a:rPr lang="en-US" sz="1800" i="1">
+                                                <a:latin typeface="Cambria Math" panose="02040503050406030204" pitchFamily="18" charset="0"/>
+                                              </a:rPr>
+                                            </m:ctrlPr>
+                                          </m:accPr>
+                                          <m:e>
+                                            <m:r>
+                                              <a:rPr lang="en-US" sz="1800" i="1">
+                                                <a:latin typeface="Cambria Math" panose="02040503050406030204" pitchFamily="18" charset="0"/>
+                                              </a:rPr>
+                                              <m:t>𝑟</m:t>
+                                            </m:r>
+                                          </m:e>
+                                        </m:acc>
+                                        <m:d>
+                                          <m:dPr>
+                                            <m:ctrlPr>
+                                              <a:rPr lang="en-US" sz="1800" i="1">
+                                                <a:latin typeface="Cambria Math" panose="02040503050406030204" pitchFamily="18" charset="0"/>
+                                              </a:rPr>
+                                            </m:ctrlPr>
+                                          </m:dPr>
+                                          <m:e>
+                                            <m:r>
+                                              <a:rPr lang="en-US" sz="1800" i="1">
+                                                <a:latin typeface="Cambria Math" panose="02040503050406030204" pitchFamily="18" charset="0"/>
+                                              </a:rPr>
+                                              <m:t>𝑁</m:t>
+                                            </m:r>
+                                          </m:e>
+                                        </m:d>
+                                        <m:r>
+                                          <a:rPr lang="en-US" sz="1800" i="1">
+                                            <a:latin typeface="Cambria Math" panose="02040503050406030204" pitchFamily="18" charset="0"/>
+                                          </a:rPr>
+                                          <m:t>  </m:t>
+                                        </m:r>
+                                      </m:e>
+                                    </m:nary>
+                                  </m:e>
+                                </m:nary>
+                              </m:den>
+                            </m:f>
+                          </m:e>
+                        </m:d>
+                      </m:e>
+                    </m:func>
+                    <m:r>
+                      <a:rPr lang="en-US" sz="1800">
+                        <a:latin typeface="Cambria Math" panose="02040503050406030204" pitchFamily="18" charset="0"/>
+                      </a:rPr>
+                      <m:t>.</m:t>
+                    </m:r>
+                  </m:oMath>
+                </a14:m>
+                <a:endParaRPr lang="en-US" sz="1800" dirty="0"/>
+              </a:p>
+              <a:p>
+                <a:pPr marL="0" indent="0">
+                  <a:buNone/>
+                </a:pPr>
+                <a:endParaRPr lang="en-US" sz="1800" dirty="0"/>
+              </a:p>
+              <a:p>
+                <a:pPr marL="0" indent="0">
+                  <a:buNone/>
+                </a:pPr>
+                <a:endParaRPr lang="en-US" sz="1800" dirty="0"/>
+              </a:p>
+              <a:p>
+                <a:pPr marL="0" indent="0">
+                  <a:buNone/>
+                </a:pPr>
+                <a:endParaRPr lang="en-US" sz="1800" dirty="0"/>
+              </a:p>
+              <a:p>
+                <a:pPr marL="0" indent="0">
+                  <a:buNone/>
+                </a:pPr>
+                <a:endParaRPr lang="en-US" sz="1800" dirty="0"/>
+              </a:p>
+              <a:p>
+                <a:pPr marL="0" indent="0">
+                  <a:buNone/>
+                </a:pPr>
+                <a:endParaRPr lang="en-US" sz="1800" dirty="0"/>
+              </a:p>
+            </p:txBody>
+          </p:sp>
+        </mc:Choice>
+        <mc:Fallback>
+          <p:sp>
+            <p:nvSpPr>
+              <p:cNvPr id="6" name="Content Placeholder 5">
+                <a:extLst>
+                  <a:ext uri="{FF2B5EF4-FFF2-40B4-BE49-F238E27FC236}">
+                    <a16:creationId xmlns:a16="http://schemas.microsoft.com/office/drawing/2014/main" id="{6422D1F4-E83D-3E3E-953D-7789D0058270}"/>
+                  </a:ext>
+                </a:extLst>
+              </p:cNvPr>
+              <p:cNvSpPr>
+                <a:spLocks noGrp="1" noRot="1" noChangeAspect="1" noMove="1" noResize="1" noEditPoints="1" noAdjustHandles="1" noChangeArrowheads="1" noChangeShapeType="1" noTextEdit="1"/>
+              </p:cNvSpPr>
+              <p:nvPr>
+                <p:ph idx="1"/>
+              </p:nvPr>
+            </p:nvSpPr>
+            <p:spPr>
+              <a:blipFill>
+                <a:blip r:embed="rId2"/>
+                <a:stretch>
+                  <a:fillRect l="-618" t="-726"/>
+                </a:stretch>
+              </a:blipFill>
+            </p:spPr>
+            <p:txBody>
+              <a:bodyPr/>
+              <a:lstStyle/>
+              <a:p>
+                <a:r>
+                  <a:rPr lang="en-US">
+                    <a:noFill/>
+                  </a:rPr>
+                  <a:t> </a:t>
+                </a:r>
+              </a:p>
+            </p:txBody>
+          </p:sp>
+        </mc:Fallback>
+      </mc:AlternateContent>
       <p:pic>
         <p:nvPicPr>
           <p:cNvPr id="1026" name="Picture 2">
             <a:extLst>
               <a:ext uri="{FF2B5EF4-FFF2-40B4-BE49-F238E27FC236}">
                 <a16:creationId xmlns:a16="http://schemas.microsoft.com/office/drawing/2014/main" id="{545F4C8D-82F0-2C64-DB59-1BC00CECDD39}"/>
-              </a:ext>
-            </a:extLst>
-          </p:cNvPr>
-          <p:cNvPicPr>
-            <a:picLocks noChangeAspect="1" noChangeArrowheads="1"/>
-          </p:cNvPicPr>
-          <p:nvPr/>
-        </p:nvPicPr>
-        <p:blipFill>
-          <a:blip r:embed="rId2">
-            <a:extLst>
-              <a:ext uri="{28A0092B-C50C-407E-A947-70E740481C1C}">
-                <a14:useLocalDpi xmlns:a14="http://schemas.microsoft.com/office/drawing/2010/main" val="0"/>
-              </a:ext>
-            </a:extLst>
-          </a:blip>
-          <a:srcRect/>
-          <a:stretch>
-            <a:fillRect/>
-          </a:stretch>
-        </p:blipFill>
-        <p:spPr bwMode="auto">
-          <a:xfrm>
-            <a:off x="495300" y="1027523"/>
-            <a:ext cx="8153400" cy="2667000"/>
-          </a:xfrm>
-          <a:prstGeom prst="rect">
-            <a:avLst/>
-          </a:prstGeom>
-          <a:noFill/>
-          <a:extLst>
-            <a:ext uri="{909E8E84-426E-40DD-AFC4-6F175D3DCCD1}">
-              <a14:hiddenFill xmlns:a14="http://schemas.microsoft.com/office/drawing/2010/main">
-                <a:solidFill>
-                  <a:srgbClr val="FFFFFF"/>
-                </a:solidFill>
-              </a14:hiddenFill>
-            </a:ext>
-          </a:extLst>
-        </p:spPr>
-      </p:pic>
-      <p:pic>
-        <p:nvPicPr>
-          <p:cNvPr id="1028" name="Picture 4">
-            <a:extLst>
-              <a:ext uri="{FF2B5EF4-FFF2-40B4-BE49-F238E27FC236}">
-                <a16:creationId xmlns:a16="http://schemas.microsoft.com/office/drawing/2014/main" id="{BA2F30BD-4024-6860-504D-D9FFB5C6ABE2}"/>
               </a:ext>
             </a:extLst>
           </p:cNvPr>
@@ -12788,8 +14684,8 @@
         </p:blipFill>
         <p:spPr bwMode="auto">
           <a:xfrm>
-            <a:off x="495300" y="3689351"/>
-            <a:ext cx="8153400" cy="2667000"/>
+            <a:off x="1371600" y="1850235"/>
+            <a:ext cx="6400800" cy="2093720"/>
           </a:xfrm>
           <a:prstGeom prst="rect">
             <a:avLst/>
@@ -12866,6 +14762,71 @@
       </p:sp>
       <p:sp>
         <p:nvSpPr>
+          <p:cNvPr id="7" name="Title 6">
+            <a:extLst>
+              <a:ext uri="{FF2B5EF4-FFF2-40B4-BE49-F238E27FC236}">
+                <a16:creationId xmlns:a16="http://schemas.microsoft.com/office/drawing/2014/main" id="{C4B78B5B-C4CA-9068-6C54-15C5156B3026}"/>
+              </a:ext>
+            </a:extLst>
+          </p:cNvPr>
+          <p:cNvSpPr>
+            <a:spLocks noGrp="1"/>
+          </p:cNvSpPr>
+          <p:nvPr>
+            <p:ph type="title"/>
+          </p:nvPr>
+        </p:nvSpPr>
+        <p:spPr/>
+        <p:txBody>
+          <a:bodyPr/>
+          <a:lstStyle/>
+          <a:p>
+            <a:r>
+              <a:rPr lang="en-US" dirty="0"/>
+              <a:t>Percent Explained</a:t>
+            </a:r>
+          </a:p>
+        </p:txBody>
+      </p:sp>
+      <p:sp>
+        <p:nvSpPr>
+          <p:cNvPr id="8" name="Content Placeholder 7">
+            <a:extLst>
+              <a:ext uri="{FF2B5EF4-FFF2-40B4-BE49-F238E27FC236}">
+                <a16:creationId xmlns:a16="http://schemas.microsoft.com/office/drawing/2014/main" id="{F9CDE2EC-93AA-417F-B164-1A20C1DD6F43}"/>
+              </a:ext>
+            </a:extLst>
+          </p:cNvPr>
+          <p:cNvSpPr>
+            <a:spLocks noGrp="1"/>
+          </p:cNvSpPr>
+          <p:nvPr>
+            <p:ph idx="1"/>
+          </p:nvPr>
+        </p:nvSpPr>
+        <p:spPr/>
+        <p:txBody>
+          <a:bodyPr/>
+          <a:lstStyle/>
+          <a:p>
+            <a:pPr marL="0" indent="0">
+              <a:buNone/>
+            </a:pPr>
+            <a:r>
+              <a:rPr lang="en-US" sz="1800" dirty="0"/>
+              <a:t>Taking the cumulative sum of the normalized eigenvalues, we can see that three (3) principal components can represent 95% of the variance in the Munsell reflectance database. Therefore, we expect a spectrum to be reconstructed with great accuracy using only three input values.</a:t>
+            </a:r>
+          </a:p>
+          <a:p>
+            <a:pPr marL="0" indent="0">
+              <a:buNone/>
+            </a:pPr>
+            <a:endParaRPr lang="en-US" sz="1800" dirty="0"/>
+          </a:p>
+        </p:txBody>
+      </p:sp>
+      <p:sp>
+        <p:nvSpPr>
           <p:cNvPr id="3" name="Slide Number Placeholder 2">
             <a:extLst>
               <a:ext uri="{FF2B5EF4-FFF2-40B4-BE49-F238E27FC236}">
@@ -12922,8 +14883,8 @@
         </p:blipFill>
         <p:spPr bwMode="auto">
           <a:xfrm>
-            <a:off x="0" y="969963"/>
-            <a:ext cx="9144000" cy="2784475"/>
+            <a:off x="1371600" y="2454433"/>
+            <a:ext cx="6400800" cy="1949133"/>
           </a:xfrm>
           <a:prstGeom prst="rect">
             <a:avLst/>
@@ -12969,8 +14930,8 @@
         </p:blipFill>
         <p:spPr bwMode="auto">
           <a:xfrm>
-            <a:off x="0" y="3571876"/>
-            <a:ext cx="9144000" cy="2784475"/>
+            <a:off x="1371600" y="4407218"/>
+            <a:ext cx="6400800" cy="1949133"/>
           </a:xfrm>
           <a:prstGeom prst="rect">
             <a:avLst/>
@@ -13047,6 +15008,65 @@
       </p:sp>
       <p:sp>
         <p:nvSpPr>
+          <p:cNvPr id="4" name="Title 3">
+            <a:extLst>
+              <a:ext uri="{FF2B5EF4-FFF2-40B4-BE49-F238E27FC236}">
+                <a16:creationId xmlns:a16="http://schemas.microsoft.com/office/drawing/2014/main" id="{6069ED36-A7A4-F786-E511-090403683AF7}"/>
+              </a:ext>
+            </a:extLst>
+          </p:cNvPr>
+          <p:cNvSpPr>
+            <a:spLocks noGrp="1"/>
+          </p:cNvSpPr>
+          <p:nvPr>
+            <p:ph type="title"/>
+          </p:nvPr>
+        </p:nvSpPr>
+        <p:spPr/>
+        <p:txBody>
+          <a:bodyPr/>
+          <a:lstStyle/>
+          <a:p>
+            <a:r>
+              <a:rPr lang="en-US" dirty="0"/>
+              <a:t>Reconstruction</a:t>
+            </a:r>
+          </a:p>
+        </p:txBody>
+      </p:sp>
+      <p:sp>
+        <p:nvSpPr>
+          <p:cNvPr id="5" name="Content Placeholder 4">
+            <a:extLst>
+              <a:ext uri="{FF2B5EF4-FFF2-40B4-BE49-F238E27FC236}">
+                <a16:creationId xmlns:a16="http://schemas.microsoft.com/office/drawing/2014/main" id="{8CDECB08-7724-F062-C0F7-88E09B4C906B}"/>
+              </a:ext>
+            </a:extLst>
+          </p:cNvPr>
+          <p:cNvSpPr>
+            <a:spLocks noGrp="1"/>
+          </p:cNvSpPr>
+          <p:nvPr>
+            <p:ph idx="1"/>
+          </p:nvPr>
+        </p:nvSpPr>
+        <p:spPr/>
+        <p:txBody>
+          <a:bodyPr/>
+          <a:lstStyle/>
+          <a:p>
+            <a:pPr marL="0" indent="0">
+              <a:buNone/>
+            </a:pPr>
+            <a:r>
+              <a:rPr lang="en-US" sz="1800" dirty="0"/>
+              <a:t>Shown below is the sample reconstruction of a random Munsell reflectance spectrum using increasing number of principal components. At N = 3, the residual error of the reconstruction was reduced by almost ten-folds and the shape similarity has improved by seven-folds. At N = 6 onwards, the reconstruction is almost perfect with imperceivable errors.</a:t>
+            </a:r>
+          </a:p>
+        </p:txBody>
+      </p:sp>
+      <p:sp>
+        <p:nvSpPr>
           <p:cNvPr id="3" name="Slide Number Placeholder 2">
             <a:extLst>
               <a:ext uri="{FF2B5EF4-FFF2-40B4-BE49-F238E27FC236}">
@@ -13103,8 +15123,8 @@
         </p:blipFill>
         <p:spPr bwMode="auto">
           <a:xfrm>
-            <a:off x="0" y="968375"/>
-            <a:ext cx="9144000" cy="4921250"/>
+            <a:off x="914400" y="2484006"/>
+            <a:ext cx="7315200" cy="3937000"/>
           </a:xfrm>
           <a:prstGeom prst="rect">
             <a:avLst/>
@@ -13156,7 +15176,7 @@
           <p:cNvPr id="2" name="Footer Placeholder 1">
             <a:extLst>
               <a:ext uri="{FF2B5EF4-FFF2-40B4-BE49-F238E27FC236}">
-                <a16:creationId xmlns:a16="http://schemas.microsoft.com/office/drawing/2014/main" id="{2F7B457A-6D98-7C9B-8493-8D56CED95B43}"/>
+                <a16:creationId xmlns:a16="http://schemas.microsoft.com/office/drawing/2014/main" id="{491DE1E2-A561-E30D-036F-99C5B8C542AA}"/>
               </a:ext>
             </a:extLst>
           </p:cNvPr>
@@ -13176,15 +15196,16 @@
               <a:rPr lang="en-US"/>
               <a:t>Physics 301 - Advanced Signal and Image Processing</a:t>
             </a:r>
+            <a:endParaRPr lang="en-US" dirty="0"/>
           </a:p>
         </p:txBody>
       </p:sp>
       <p:sp>
         <p:nvSpPr>
-          <p:cNvPr id="4" name="Title 3">
+          <p:cNvPr id="3" name="Title 2">
             <a:extLst>
               <a:ext uri="{FF2B5EF4-FFF2-40B4-BE49-F238E27FC236}">
-                <a16:creationId xmlns:a16="http://schemas.microsoft.com/office/drawing/2014/main" id="{2ECEAFAA-A137-F49D-6499-EC774519D41C}"/>
+                <a16:creationId xmlns:a16="http://schemas.microsoft.com/office/drawing/2014/main" id="{72E53406-62C4-F6C7-97D0-E06DBF32FBBD}"/>
               </a:ext>
             </a:extLst>
           </p:cNvPr>
@@ -13202,17 +15223,17 @@
           <a:p>
             <a:r>
               <a:rPr lang="en-US" dirty="0"/>
-              <a:t>Testing Macbeth</a:t>
+              <a:t>Reconstructing Macbeth CC</a:t>
             </a:r>
           </a:p>
         </p:txBody>
       </p:sp>
       <p:sp>
         <p:nvSpPr>
-          <p:cNvPr id="5" name="Content Placeholder 4">
+          <p:cNvPr id="4" name="Content Placeholder 3">
             <a:extLst>
               <a:ext uri="{FF2B5EF4-FFF2-40B4-BE49-F238E27FC236}">
-                <a16:creationId xmlns:a16="http://schemas.microsoft.com/office/drawing/2014/main" id="{8B957DE7-D128-B035-6FCD-F993D6E28C17}"/>
+                <a16:creationId xmlns:a16="http://schemas.microsoft.com/office/drawing/2014/main" id="{F8C1CAEF-580D-7ACC-269A-CA6A927C6FDC}"/>
               </a:ext>
             </a:extLst>
           </p:cNvPr>
@@ -13223,26 +15244,175 @@
             <p:ph idx="1"/>
           </p:nvPr>
         </p:nvSpPr>
-        <p:spPr>
-          <a:xfrm>
-            <a:off x="676273" y="1131216"/>
-            <a:ext cx="7886700" cy="5045747"/>
-          </a:xfrm>
-        </p:spPr>
+        <p:spPr/>
         <p:txBody>
-          <a:bodyPr/>
+          <a:bodyPr>
+            <a:noAutofit/>
+          </a:bodyPr>
           <a:lstStyle/>
           <a:p>
-            <a:endParaRPr lang="en-US"/>
+            <a:pPr marL="0" indent="0">
+              <a:buNone/>
+            </a:pPr>
+            <a:r>
+              <a:rPr lang="en-US" sz="1800" dirty="0"/>
+              <a:t>Shown below are the accuracies for the reconstruction of the 24 reflectance spectra from the Macbeth color chart. At N = 3, majority of the patches have RMSE &lt; 0.1 and SAM &lt; 0.2, low enough even though these were not part of the PCA ensemble where eigenvectors were obtained.</a:t>
+            </a:r>
+          </a:p>
+          <a:p>
+            <a:pPr marL="0" indent="457200">
+              <a:buNone/>
+            </a:pPr>
+            <a:endParaRPr lang="en-US" sz="1800" dirty="0"/>
+          </a:p>
+          <a:p>
+            <a:pPr marL="0" indent="457200">
+              <a:buNone/>
+            </a:pPr>
+            <a:endParaRPr lang="en-US" sz="1800" dirty="0"/>
+          </a:p>
+          <a:p>
+            <a:pPr marL="0" indent="457200">
+              <a:buNone/>
+            </a:pPr>
+            <a:endParaRPr lang="en-US" sz="1800" dirty="0"/>
+          </a:p>
+          <a:p>
+            <a:pPr marL="0" indent="457200">
+              <a:buNone/>
+            </a:pPr>
+            <a:endParaRPr lang="en-US" sz="1800" dirty="0"/>
+          </a:p>
+          <a:p>
+            <a:pPr marL="0" indent="457200">
+              <a:buNone/>
+            </a:pPr>
+            <a:endParaRPr lang="en-US" sz="1800" dirty="0"/>
+          </a:p>
+          <a:p>
+            <a:pPr marL="0" indent="457200">
+              <a:buNone/>
+            </a:pPr>
+            <a:r>
+              <a:rPr lang="en-US" sz="1800" dirty="0"/>
+              <a:t>Aside from spectral accuracy, we employed </a:t>
+            </a:r>
+            <a:r>
+              <a:rPr lang="en-US" sz="1800" dirty="0">
+                <a:solidFill>
+                  <a:srgbClr val="202124"/>
+                </a:solidFill>
+              </a:rPr>
+              <a:t>c</a:t>
+            </a:r>
+            <a:r>
+              <a:rPr lang="en-US" sz="1800" b="0" i="0" dirty="0">
+                <a:solidFill>
+                  <a:srgbClr val="202124"/>
+                </a:solidFill>
+                <a:effectLst/>
+              </a:rPr>
+              <a:t>olor difference </a:t>
+            </a:r>
+            <a:r>
+              <a:rPr lang="el-GR" sz="1800" b="0" i="0" dirty="0">
+                <a:solidFill>
+                  <a:srgbClr val="202124"/>
+                </a:solidFill>
+                <a:effectLst/>
+              </a:rPr>
+              <a:t>Δ</a:t>
+            </a:r>
+            <a:r>
+              <a:rPr lang="en-US" sz="1800" b="0" i="0" dirty="0">
+                <a:solidFill>
+                  <a:srgbClr val="202124"/>
+                </a:solidFill>
+                <a:effectLst/>
+              </a:rPr>
+              <a:t>E</a:t>
+            </a:r>
+            <a:r>
+              <a:rPr lang="en-US" sz="1800" b="0" i="0" baseline="-25000" dirty="0">
+                <a:solidFill>
+                  <a:srgbClr val="202124"/>
+                </a:solidFill>
+                <a:effectLst/>
+              </a:rPr>
+              <a:t>76</a:t>
+            </a:r>
+            <a:r>
+              <a:rPr lang="en-US" sz="1800" b="0" i="0" dirty="0">
+                <a:solidFill>
+                  <a:srgbClr val="202124"/>
+                </a:solidFill>
+                <a:effectLst/>
+              </a:rPr>
+              <a:t> which measures the Euclidean distance between the two spectra transformed in the CIELAB uniform color space. In short, </a:t>
+            </a:r>
+            <a:r>
+              <a:rPr lang="el-GR" sz="1800" b="0" i="0" dirty="0">
+                <a:solidFill>
+                  <a:srgbClr val="202124"/>
+                </a:solidFill>
+                <a:effectLst/>
+              </a:rPr>
+              <a:t>Δ</a:t>
+            </a:r>
+            <a:r>
+              <a:rPr lang="en-US" sz="1800" b="0" i="0" dirty="0">
+                <a:solidFill>
+                  <a:srgbClr val="202124"/>
+                </a:solidFill>
+                <a:effectLst/>
+              </a:rPr>
+              <a:t>E</a:t>
+            </a:r>
+            <a:r>
+              <a:rPr lang="en-US" sz="1800" b="0" i="0" baseline="-25000" dirty="0">
+                <a:solidFill>
+                  <a:srgbClr val="202124"/>
+                </a:solidFill>
+                <a:effectLst/>
+              </a:rPr>
+              <a:t>76</a:t>
+            </a:r>
+            <a:r>
+              <a:rPr lang="en-US" sz="1800" b="0" i="0" dirty="0">
+                <a:solidFill>
+                  <a:srgbClr val="202124"/>
+                </a:solidFill>
+                <a:effectLst/>
+              </a:rPr>
+              <a:t> quantifies how perceptually different the actual Macbeth color signals are from the PCA reconstructed spectra. </a:t>
+            </a:r>
+            <a:r>
+              <a:rPr lang="en-US" sz="1800" dirty="0">
+                <a:solidFill>
+                  <a:srgbClr val="202124"/>
+                </a:solidFill>
+              </a:rPr>
+              <a:t>From here onwards</a:t>
+            </a:r>
+            <a:r>
+              <a:rPr lang="en-US" sz="1800" b="0" i="0" dirty="0">
+                <a:solidFill>
+                  <a:srgbClr val="202124"/>
+                </a:solidFill>
+                <a:effectLst/>
+              </a:rPr>
+              <a:t>, we use (N = 3) three principal components.</a:t>
+            </a:r>
+            <a:endParaRPr lang="en-US" sz="1800" dirty="0"/>
           </a:p>
         </p:txBody>
       </p:sp>
       <p:sp>
         <p:nvSpPr>
-          <p:cNvPr id="3" name="Slide Number Placeholder 2">
+          <p:cNvPr id="5" name="Slide Number Placeholder 4">
             <a:extLst>
               <a:ext uri="{FF2B5EF4-FFF2-40B4-BE49-F238E27FC236}">
-                <a16:creationId xmlns:a16="http://schemas.microsoft.com/office/drawing/2014/main" id="{A2203607-C249-4922-F9AE-93C15F5F2DC9}"/>
+                <a16:creationId xmlns:a16="http://schemas.microsoft.com/office/drawing/2014/main" id="{889211E0-DCE4-7DA5-C397-47C4C40785FD}"/>
               </a:ext>
             </a:extLst>
           </p:cNvPr>
@@ -13268,10 +15438,10 @@
       </p:sp>
       <p:pic>
         <p:nvPicPr>
-          <p:cNvPr id="4100" name="Picture 4">
+          <p:cNvPr id="6" name="Picture 4">
             <a:extLst>
               <a:ext uri="{FF2B5EF4-FFF2-40B4-BE49-F238E27FC236}">
-                <a16:creationId xmlns:a16="http://schemas.microsoft.com/office/drawing/2014/main" id="{A01B6CB8-9F92-5988-5585-32FD349EE17D}"/>
+                <a16:creationId xmlns:a16="http://schemas.microsoft.com/office/drawing/2014/main" id="{9D5444A1-1D3D-4155-E2E5-136491138E85}"/>
               </a:ext>
             </a:extLst>
           </p:cNvPr>
@@ -13295,55 +15465,8 @@
         </p:blipFill>
         <p:spPr bwMode="auto">
           <a:xfrm>
-            <a:off x="457200" y="1131216"/>
-            <a:ext cx="8229600" cy="2667477"/>
-          </a:xfrm>
-          <a:prstGeom prst="rect">
-            <a:avLst/>
-          </a:prstGeom>
-          <a:noFill/>
-          <a:extLst>
-            <a:ext uri="{909E8E84-426E-40DD-AFC4-6F175D3DCCD1}">
-              <a14:hiddenFill xmlns:a14="http://schemas.microsoft.com/office/drawing/2010/main">
-                <a:solidFill>
-                  <a:srgbClr val="FFFFFF"/>
-                </a:solidFill>
-              </a14:hiddenFill>
-            </a:ext>
-          </a:extLst>
-        </p:spPr>
-      </p:pic>
-      <p:pic>
-        <p:nvPicPr>
-          <p:cNvPr id="4102" name="Picture 6">
-            <a:extLst>
-              <a:ext uri="{FF2B5EF4-FFF2-40B4-BE49-F238E27FC236}">
-                <a16:creationId xmlns:a16="http://schemas.microsoft.com/office/drawing/2014/main" id="{8C5D28F1-EB96-C418-8DC4-CA5304202D20}"/>
-              </a:ext>
-            </a:extLst>
-          </p:cNvPr>
-          <p:cNvPicPr>
-            <a:picLocks noChangeAspect="1" noChangeArrowheads="1"/>
-          </p:cNvPicPr>
-          <p:nvPr/>
-        </p:nvPicPr>
-        <p:blipFill>
-          <a:blip r:embed="rId3">
-            <a:extLst>
-              <a:ext uri="{28A0092B-C50C-407E-A947-70E740481C1C}">
-                <a14:useLocalDpi xmlns:a14="http://schemas.microsoft.com/office/drawing/2010/main" val="0"/>
-              </a:ext>
-            </a:extLst>
-          </a:blip>
-          <a:srcRect/>
-          <a:stretch>
-            <a:fillRect/>
-          </a:stretch>
-        </p:blipFill>
-        <p:spPr bwMode="auto">
-          <a:xfrm>
-            <a:off x="457200" y="3717450"/>
-            <a:ext cx="8229600" cy="2638901"/>
+            <a:off x="1371600" y="2391647"/>
+            <a:ext cx="6400800" cy="2074705"/>
           </a:xfrm>
           <a:prstGeom prst="rect">
             <a:avLst/>
@@ -13363,7 +15486,7 @@
     </p:spTree>
     <p:extLst>
       <p:ext uri="{BB962C8B-B14F-4D97-AF65-F5344CB8AC3E}">
-        <p14:creationId xmlns:p14="http://schemas.microsoft.com/office/powerpoint/2010/main" val="4152126054"/>
+        <p14:creationId xmlns:p14="http://schemas.microsoft.com/office/powerpoint/2010/main" val="901307171"/>
       </p:ext>
     </p:extLst>
   </p:cSld>

--- a/04 RGB-to-Spectra using PCA/Activity 4 - RGB-Spectra using PCA.pptx
+++ b/04 RGB-to-Spectra using PCA/Activity 4 - RGB-Spectra using PCA.pptx
@@ -124,7 +124,7 @@
   <p:extLst>
     <p:ext uri="{EFAFB233-063F-42B5-8137-9DF3F51BA10A}">
       <p15:sldGuideLst xmlns:p15="http://schemas.microsoft.com/office/powerpoint/2012/main">
-        <p15:guide id="1" orient="horz" pos="2160" userDrawn="1">
+        <p15:guide id="1" orient="horz" pos="2136" userDrawn="1">
           <p15:clr>
             <a:srgbClr val="A4A3A4"/>
           </p15:clr>
@@ -914,7 +914,7 @@
             </a:lnSpc>
           </a:pPr>
           <a:r>
-            <a:rPr lang="en-US" sz="1600" dirty="0">
+            <a:rPr lang="en-US" sz="1400" dirty="0">
               <a:latin typeface="Bahnschrift Light" panose="020B0502040204020203" pitchFamily="34" charset="0"/>
             </a:rPr>
             <a:t>Compute the eigenspectral of paint pigments from the Munsell Color Chips database</a:t>
@@ -929,7 +929,7 @@
         <a:bodyPr/>
         <a:lstStyle/>
         <a:p>
-          <a:endParaRPr lang="en-US" sz="2400">
+          <a:endParaRPr lang="en-US" sz="2000">
             <a:latin typeface="Bahnschrift Light" panose="020B0502040204020203" pitchFamily="34" charset="0"/>
           </a:endParaRPr>
         </a:p>
@@ -947,7 +947,7 @@
               <a:spcPct val="100000"/>
             </a:lnSpc>
           </a:pPr>
-          <a:endParaRPr lang="en-US" sz="2400">
+          <a:endParaRPr lang="en-US" sz="2000">
             <a:latin typeface="Bahnschrift Light" panose="020B0502040204020203" pitchFamily="34" charset="0"/>
           </a:endParaRPr>
         </a:p>
@@ -966,7 +966,7 @@
             </a:lnSpc>
           </a:pPr>
           <a:r>
-            <a:rPr lang="en-US" sz="1600" dirty="0">
+            <a:rPr lang="en-US" sz="1400" dirty="0">
               <a:latin typeface="Bahnschrift Light" panose="020B0502040204020203" pitchFamily="34" charset="0"/>
             </a:rPr>
             <a:t>Convert a color camera into a spectral imager using principal components analysis</a:t>
@@ -981,7 +981,7 @@
         <a:bodyPr/>
         <a:lstStyle/>
         <a:p>
-          <a:endParaRPr lang="en-US" sz="2400">
+          <a:endParaRPr lang="en-US" sz="2000">
             <a:latin typeface="Bahnschrift Light" panose="020B0502040204020203" pitchFamily="34" charset="0"/>
           </a:endParaRPr>
         </a:p>
@@ -999,7 +999,7 @@
               <a:spcPct val="100000"/>
             </a:lnSpc>
           </a:pPr>
-          <a:endParaRPr lang="en-US" sz="2400">
+          <a:endParaRPr lang="en-US" sz="2000">
             <a:latin typeface="Bahnschrift Light" panose="020B0502040204020203" pitchFamily="34" charset="0"/>
           </a:endParaRPr>
         </a:p>
@@ -1290,7 +1290,7 @@
         </a:bodyPr>
         <a:lstStyle/>
         <a:p>
-          <a:pPr marL="0" lvl="0" indent="0" algn="l" defTabSz="711200">
+          <a:pPr marL="0" lvl="0" indent="0" algn="l" defTabSz="622300">
             <a:lnSpc>
               <a:spcPct val="100000"/>
             </a:lnSpc>
@@ -1303,7 +1303,7 @@
             <a:buNone/>
           </a:pPr>
           <a:r>
-            <a:rPr lang="en-US" sz="1600" kern="1200" dirty="0">
+            <a:rPr lang="en-US" sz="1400" kern="1200" dirty="0">
               <a:latin typeface="Bahnschrift Light" panose="020B0502040204020203" pitchFamily="34" charset="0"/>
             </a:rPr>
             <a:t>Compute the eigenspectral of paint pigments from the Munsell Color Chips database</a:t>
@@ -1437,7 +1437,7 @@
         </a:bodyPr>
         <a:lstStyle/>
         <a:p>
-          <a:pPr marL="0" lvl="0" indent="0" algn="l" defTabSz="711200">
+          <a:pPr marL="0" lvl="0" indent="0" algn="l" defTabSz="622300">
             <a:lnSpc>
               <a:spcPct val="100000"/>
             </a:lnSpc>
@@ -1450,7 +1450,7 @@
             <a:buNone/>
           </a:pPr>
           <a:r>
-            <a:rPr lang="en-US" sz="1600" kern="1200" dirty="0">
+            <a:rPr lang="en-US" sz="1400" kern="1200" dirty="0">
               <a:latin typeface="Bahnschrift Light" panose="020B0502040204020203" pitchFamily="34" charset="0"/>
             </a:rPr>
             <a:t>Convert a color camera into a spectral imager using principal components analysis</a:t>
@@ -2794,7 +2794,7 @@
           <a:p>
             <a:fld id="{5C1B11F4-4A81-4A1F-8746-8659FC968F94}" type="datetimeFigureOut">
               <a:rPr lang="en-US" smtClean="0"/>
-              <a:t>6/5/2022</a:t>
+              <a:t>6/6/2022</a:t>
             </a:fld>
             <a:endParaRPr lang="en-US"/>
           </a:p>
@@ -3676,6 +3676,392 @@
 </file>
 
 <file path=ppt/slideLayouts/slideLayout10.xml><?xml version="1.0" encoding="utf-8"?>
+<p:sldLayout xmlns:a="http://schemas.openxmlformats.org/drawingml/2006/main" xmlns:r="http://schemas.openxmlformats.org/officeDocument/2006/relationships" xmlns:p="http://schemas.openxmlformats.org/presentationml/2006/main" type="blank" preserve="1">
+  <p:cSld name="Blank">
+    <p:spTree>
+      <p:nvGrpSpPr>
+        <p:cNvPr id="1" name=""/>
+        <p:cNvGrpSpPr/>
+        <p:nvPr/>
+      </p:nvGrpSpPr>
+      <p:grpSpPr>
+        <a:xfrm>
+          <a:off x="0" y="0"/>
+          <a:ext cx="0" cy="0"/>
+          <a:chOff x="0" y="0"/>
+          <a:chExt cx="0" cy="0"/>
+        </a:xfrm>
+      </p:grpSpPr>
+      <p:sp>
+        <p:nvSpPr>
+          <p:cNvPr id="2" name="Date Placeholder 1"/>
+          <p:cNvSpPr>
+            <a:spLocks noGrp="1"/>
+          </p:cNvSpPr>
+          <p:nvPr>
+            <p:ph type="dt" sz="half" idx="10"/>
+          </p:nvPr>
+        </p:nvSpPr>
+        <p:spPr>
+          <a:xfrm>
+            <a:off x="628650" y="6356351"/>
+            <a:ext cx="2057400" cy="365125"/>
+          </a:xfrm>
+          <a:prstGeom prst="rect">
+            <a:avLst/>
+          </a:prstGeom>
+        </p:spPr>
+        <p:txBody>
+          <a:bodyPr/>
+          <a:lstStyle/>
+          <a:p>
+            <a:endParaRPr lang="en-US"/>
+          </a:p>
+        </p:txBody>
+      </p:sp>
+      <p:sp>
+        <p:nvSpPr>
+          <p:cNvPr id="3" name="Footer Placeholder 2"/>
+          <p:cNvSpPr>
+            <a:spLocks noGrp="1"/>
+          </p:cNvSpPr>
+          <p:nvPr>
+            <p:ph type="ftr" sz="quarter" idx="11"/>
+          </p:nvPr>
+        </p:nvSpPr>
+        <p:spPr/>
+        <p:txBody>
+          <a:bodyPr/>
+          <a:lstStyle/>
+          <a:p>
+            <a:r>
+              <a:rPr lang="en-US"/>
+              <a:t>Physics 301 - Advanced Signal and Image Processing</a:t>
+            </a:r>
+          </a:p>
+        </p:txBody>
+      </p:sp>
+      <p:sp>
+        <p:nvSpPr>
+          <p:cNvPr id="4" name="Slide Number Placeholder 3"/>
+          <p:cNvSpPr>
+            <a:spLocks noGrp="1"/>
+          </p:cNvSpPr>
+          <p:nvPr>
+            <p:ph type="sldNum" sz="quarter" idx="12"/>
+          </p:nvPr>
+        </p:nvSpPr>
+        <p:spPr/>
+        <p:txBody>
+          <a:bodyPr/>
+          <a:lstStyle/>
+          <a:p>
+            <a:fld id="{8262CFD8-7A98-47E6-A2CC-B17DDA24BA0E}" type="slidenum">
+              <a:rPr lang="en-US" smtClean="0"/>
+              <a:t>‹#›</a:t>
+            </a:fld>
+            <a:endParaRPr lang="en-US"/>
+          </a:p>
+        </p:txBody>
+      </p:sp>
+    </p:spTree>
+    <p:extLst>
+      <p:ext uri="{BB962C8B-B14F-4D97-AF65-F5344CB8AC3E}">
+        <p14:creationId xmlns:p14="http://schemas.microsoft.com/office/powerpoint/2010/main" val="3604995932"/>
+      </p:ext>
+    </p:extLst>
+  </p:cSld>
+  <p:clrMapOvr>
+    <a:masterClrMapping/>
+  </p:clrMapOvr>
+</p:sldLayout>
+</file>
+
+<file path=ppt/slideLayouts/slideLayout11.xml><?xml version="1.0" encoding="utf-8"?>
+<p:sldLayout xmlns:a="http://schemas.openxmlformats.org/drawingml/2006/main" xmlns:r="http://schemas.openxmlformats.org/officeDocument/2006/relationships" xmlns:p="http://schemas.openxmlformats.org/presentationml/2006/main" type="objTx" preserve="1">
+  <p:cSld name="Content with Caption">
+    <p:spTree>
+      <p:nvGrpSpPr>
+        <p:cNvPr id="1" name=""/>
+        <p:cNvGrpSpPr/>
+        <p:nvPr/>
+      </p:nvGrpSpPr>
+      <p:grpSpPr>
+        <a:xfrm>
+          <a:off x="0" y="0"/>
+          <a:ext cx="0" cy="0"/>
+          <a:chOff x="0" y="0"/>
+          <a:chExt cx="0" cy="0"/>
+        </a:xfrm>
+      </p:grpSpPr>
+      <p:sp>
+        <p:nvSpPr>
+          <p:cNvPr id="2" name="Title 1"/>
+          <p:cNvSpPr>
+            <a:spLocks noGrp="1"/>
+          </p:cNvSpPr>
+          <p:nvPr>
+            <p:ph type="title"/>
+          </p:nvPr>
+        </p:nvSpPr>
+        <p:spPr>
+          <a:xfrm>
+            <a:off x="629841" y="457200"/>
+            <a:ext cx="2949178" cy="1600200"/>
+          </a:xfrm>
+        </p:spPr>
+        <p:txBody>
+          <a:bodyPr anchor="b"/>
+          <a:lstStyle>
+            <a:lvl1pPr>
+              <a:defRPr sz="3200"/>
+            </a:lvl1pPr>
+          </a:lstStyle>
+          <a:p>
+            <a:r>
+              <a:rPr lang="en-US"/>
+              <a:t>Click to edit Master title style</a:t>
+            </a:r>
+            <a:endParaRPr lang="en-US" dirty="0"/>
+          </a:p>
+        </p:txBody>
+      </p:sp>
+      <p:sp>
+        <p:nvSpPr>
+          <p:cNvPr id="3" name="Content Placeholder 2"/>
+          <p:cNvSpPr>
+            <a:spLocks noGrp="1"/>
+          </p:cNvSpPr>
+          <p:nvPr>
+            <p:ph idx="1"/>
+          </p:nvPr>
+        </p:nvSpPr>
+        <p:spPr>
+          <a:xfrm>
+            <a:off x="3887391" y="987426"/>
+            <a:ext cx="4629150" cy="4873625"/>
+          </a:xfrm>
+        </p:spPr>
+        <p:txBody>
+          <a:bodyPr/>
+          <a:lstStyle>
+            <a:lvl1pPr>
+              <a:defRPr sz="3200"/>
+            </a:lvl1pPr>
+            <a:lvl2pPr>
+              <a:defRPr sz="2800"/>
+            </a:lvl2pPr>
+            <a:lvl3pPr>
+              <a:defRPr sz="2400"/>
+            </a:lvl3pPr>
+            <a:lvl4pPr>
+              <a:defRPr sz="2000"/>
+            </a:lvl4pPr>
+            <a:lvl5pPr>
+              <a:defRPr sz="2000"/>
+            </a:lvl5pPr>
+            <a:lvl6pPr>
+              <a:defRPr sz="2000"/>
+            </a:lvl6pPr>
+            <a:lvl7pPr>
+              <a:defRPr sz="2000"/>
+            </a:lvl7pPr>
+            <a:lvl8pPr>
+              <a:defRPr sz="2000"/>
+            </a:lvl8pPr>
+            <a:lvl9pPr>
+              <a:defRPr sz="2000"/>
+            </a:lvl9pPr>
+          </a:lstStyle>
+          <a:p>
+            <a:pPr lvl="0"/>
+            <a:r>
+              <a:rPr lang="en-US"/>
+              <a:t>Click to edit Master text styles</a:t>
+            </a:r>
+          </a:p>
+          <a:p>
+            <a:pPr lvl="1"/>
+            <a:r>
+              <a:rPr lang="en-US"/>
+              <a:t>Second level</a:t>
+            </a:r>
+          </a:p>
+          <a:p>
+            <a:pPr lvl="2"/>
+            <a:r>
+              <a:rPr lang="en-US"/>
+              <a:t>Third level</a:t>
+            </a:r>
+          </a:p>
+          <a:p>
+            <a:pPr lvl="3"/>
+            <a:r>
+              <a:rPr lang="en-US"/>
+              <a:t>Fourth level</a:t>
+            </a:r>
+          </a:p>
+          <a:p>
+            <a:pPr lvl="4"/>
+            <a:r>
+              <a:rPr lang="en-US"/>
+              <a:t>Fifth level</a:t>
+            </a:r>
+            <a:endParaRPr lang="en-US" dirty="0"/>
+          </a:p>
+        </p:txBody>
+      </p:sp>
+      <p:sp>
+        <p:nvSpPr>
+          <p:cNvPr id="4" name="Text Placeholder 3"/>
+          <p:cNvSpPr>
+            <a:spLocks noGrp="1"/>
+          </p:cNvSpPr>
+          <p:nvPr>
+            <p:ph type="body" sz="half" idx="2"/>
+          </p:nvPr>
+        </p:nvSpPr>
+        <p:spPr>
+          <a:xfrm>
+            <a:off x="629841" y="2057400"/>
+            <a:ext cx="2949178" cy="3811588"/>
+          </a:xfrm>
+        </p:spPr>
+        <p:txBody>
+          <a:bodyPr/>
+          <a:lstStyle>
+            <a:lvl1pPr marL="0" indent="0">
+              <a:buNone/>
+              <a:defRPr sz="1600"/>
+            </a:lvl1pPr>
+            <a:lvl2pPr marL="457200" indent="0">
+              <a:buNone/>
+              <a:defRPr sz="1400"/>
+            </a:lvl2pPr>
+            <a:lvl3pPr marL="914400" indent="0">
+              <a:buNone/>
+              <a:defRPr sz="1200"/>
+            </a:lvl3pPr>
+            <a:lvl4pPr marL="1371600" indent="0">
+              <a:buNone/>
+              <a:defRPr sz="1000"/>
+            </a:lvl4pPr>
+            <a:lvl5pPr marL="1828800" indent="0">
+              <a:buNone/>
+              <a:defRPr sz="1000"/>
+            </a:lvl5pPr>
+            <a:lvl6pPr marL="2286000" indent="0">
+              <a:buNone/>
+              <a:defRPr sz="1000"/>
+            </a:lvl6pPr>
+            <a:lvl7pPr marL="2743200" indent="0">
+              <a:buNone/>
+              <a:defRPr sz="1000"/>
+            </a:lvl7pPr>
+            <a:lvl8pPr marL="3200400" indent="0">
+              <a:buNone/>
+              <a:defRPr sz="1000"/>
+            </a:lvl8pPr>
+            <a:lvl9pPr marL="3657600" indent="0">
+              <a:buNone/>
+              <a:defRPr sz="1000"/>
+            </a:lvl9pPr>
+          </a:lstStyle>
+          <a:p>
+            <a:pPr lvl="0"/>
+            <a:r>
+              <a:rPr lang="en-US"/>
+              <a:t>Click to edit Master text styles</a:t>
+            </a:r>
+          </a:p>
+        </p:txBody>
+      </p:sp>
+      <p:sp>
+        <p:nvSpPr>
+          <p:cNvPr id="5" name="Date Placeholder 4"/>
+          <p:cNvSpPr>
+            <a:spLocks noGrp="1"/>
+          </p:cNvSpPr>
+          <p:nvPr>
+            <p:ph type="dt" sz="half" idx="10"/>
+          </p:nvPr>
+        </p:nvSpPr>
+        <p:spPr>
+          <a:xfrm>
+            <a:off x="628650" y="6356351"/>
+            <a:ext cx="2057400" cy="365125"/>
+          </a:xfrm>
+          <a:prstGeom prst="rect">
+            <a:avLst/>
+          </a:prstGeom>
+        </p:spPr>
+        <p:txBody>
+          <a:bodyPr/>
+          <a:lstStyle/>
+          <a:p>
+            <a:endParaRPr lang="en-US"/>
+          </a:p>
+        </p:txBody>
+      </p:sp>
+      <p:sp>
+        <p:nvSpPr>
+          <p:cNvPr id="6" name="Footer Placeholder 5"/>
+          <p:cNvSpPr>
+            <a:spLocks noGrp="1"/>
+          </p:cNvSpPr>
+          <p:nvPr>
+            <p:ph type="ftr" sz="quarter" idx="11"/>
+          </p:nvPr>
+        </p:nvSpPr>
+        <p:spPr/>
+        <p:txBody>
+          <a:bodyPr/>
+          <a:lstStyle/>
+          <a:p>
+            <a:r>
+              <a:rPr lang="en-US"/>
+              <a:t>Physics 301 - Advanced Signal and Image Processing</a:t>
+            </a:r>
+          </a:p>
+        </p:txBody>
+      </p:sp>
+      <p:sp>
+        <p:nvSpPr>
+          <p:cNvPr id="7" name="Slide Number Placeholder 6"/>
+          <p:cNvSpPr>
+            <a:spLocks noGrp="1"/>
+          </p:cNvSpPr>
+          <p:nvPr>
+            <p:ph type="sldNum" sz="quarter" idx="12"/>
+          </p:nvPr>
+        </p:nvSpPr>
+        <p:spPr/>
+        <p:txBody>
+          <a:bodyPr/>
+          <a:lstStyle/>
+          <a:p>
+            <a:fld id="{8262CFD8-7A98-47E6-A2CC-B17DDA24BA0E}" type="slidenum">
+              <a:rPr lang="en-US" smtClean="0"/>
+              <a:t>‹#›</a:t>
+            </a:fld>
+            <a:endParaRPr lang="en-US"/>
+          </a:p>
+        </p:txBody>
+      </p:sp>
+    </p:spTree>
+    <p:extLst>
+      <p:ext uri="{BB962C8B-B14F-4D97-AF65-F5344CB8AC3E}">
+        <p14:creationId xmlns:p14="http://schemas.microsoft.com/office/powerpoint/2010/main" val="4138949225"/>
+      </p:ext>
+    </p:extLst>
+  </p:cSld>
+  <p:clrMapOvr>
+    <a:masterClrMapping/>
+  </p:clrMapOvr>
+</p:sldLayout>
+</file>
+
+<file path=ppt/slideLayouts/slideLayout12.xml><?xml version="1.0" encoding="utf-8"?>
 <p:sldLayout xmlns:a="http://schemas.openxmlformats.org/drawingml/2006/main" xmlns:r="http://schemas.openxmlformats.org/officeDocument/2006/relationships" xmlns:p="http://schemas.openxmlformats.org/presentationml/2006/main" type="picTx" preserve="1">
   <p:cSld name="Picture with Caption">
     <p:spTree>
@@ -3939,7 +4325,7 @@
 </p:sldLayout>
 </file>
 
-<file path=ppt/slideLayouts/slideLayout11.xml><?xml version="1.0" encoding="utf-8"?>
+<file path=ppt/slideLayouts/slideLayout13.xml><?xml version="1.0" encoding="utf-8"?>
 <p:sldLayout xmlns:a="http://schemas.openxmlformats.org/drawingml/2006/main" xmlns:r="http://schemas.openxmlformats.org/officeDocument/2006/relationships" xmlns:p="http://schemas.openxmlformats.org/presentationml/2006/main" type="vertTx" preserve="1">
   <p:cSld name="Title and Vertical Text">
     <p:spTree>
@@ -4116,7 +4502,7 @@
 </p:sldLayout>
 </file>
 
-<file path=ppt/slideLayouts/slideLayout12.xml><?xml version="1.0" encoding="utf-8"?>
+<file path=ppt/slideLayouts/slideLayout14.xml><?xml version="1.0" encoding="utf-8"?>
 <p:sldLayout xmlns:a="http://schemas.openxmlformats.org/drawingml/2006/main" xmlns:r="http://schemas.openxmlformats.org/officeDocument/2006/relationships" xmlns:p="http://schemas.openxmlformats.org/presentationml/2006/main" type="vertTitleAndTx" preserve="1">
   <p:cSld name="Vertical Title and Text">
     <p:spTree>
@@ -5374,6 +5760,2387 @@
 </file>
 
 <file path=ppt/slideLayouts/slideLayout3.xml><?xml version="1.0" encoding="utf-8"?>
+<p:sldLayout xmlns:a="http://schemas.openxmlformats.org/drawingml/2006/main" xmlns:r="http://schemas.openxmlformats.org/officeDocument/2006/relationships" xmlns:p="http://schemas.openxmlformats.org/presentationml/2006/main" matchingName="Title and Content" preserve="1" userDrawn="1">
+  <p:cSld name="1_Title and Content">
+    <p:bg>
+      <p:bgPr>
+        <a:solidFill>
+          <a:schemeClr val="bg1"/>
+        </a:solidFill>
+        <a:effectLst/>
+      </p:bgPr>
+    </p:bg>
+    <p:spTree>
+      <p:nvGrpSpPr>
+        <p:cNvPr id="1" name="Shape 27"/>
+        <p:cNvGrpSpPr/>
+        <p:nvPr/>
+      </p:nvGrpSpPr>
+      <p:grpSpPr>
+        <a:xfrm>
+          <a:off x="0" y="0"/>
+          <a:ext cx="0" cy="0"/>
+          <a:chOff x="0" y="0"/>
+          <a:chExt cx="0" cy="0"/>
+        </a:xfrm>
+      </p:grpSpPr>
+      <p:sp>
+        <p:nvSpPr>
+          <p:cNvPr id="25" name="Google Shape;29;p31">
+            <a:extLst>
+              <a:ext uri="{FF2B5EF4-FFF2-40B4-BE49-F238E27FC236}">
+                <a16:creationId xmlns:a16="http://schemas.microsoft.com/office/drawing/2014/main" id="{D933B60E-9596-75BF-40EF-1D954957F451}"/>
+              </a:ext>
+            </a:extLst>
+          </p:cNvPr>
+          <p:cNvSpPr txBox="1">
+            <a:spLocks noGrp="1"/>
+          </p:cNvSpPr>
+          <p:nvPr>
+            <p:ph type="body" idx="1" hasCustomPrompt="1"/>
+          </p:nvPr>
+        </p:nvSpPr>
+        <p:spPr>
+          <a:xfrm>
+            <a:off x="628649" y="949242"/>
+            <a:ext cx="8058151" cy="1177612"/>
+          </a:xfrm>
+          <a:prstGeom prst="rect">
+            <a:avLst/>
+          </a:prstGeom>
+          <a:noFill/>
+          <a:ln>
+            <a:noFill/>
+          </a:ln>
+        </p:spPr>
+        <p:txBody>
+          <a:bodyPr spcFirstLastPara="1" wrap="square" lIns="91425" tIns="45700" rIns="91425" bIns="45700" anchor="t" anchorCtr="0">
+            <a:normAutofit/>
+          </a:bodyPr>
+          <a:lstStyle>
+            <a:lvl1pPr marL="312896" lvl="0" indent="-214313" algn="l">
+              <a:spcBef>
+                <a:spcPts val="600"/>
+              </a:spcBef>
+              <a:spcAft>
+                <a:spcPts val="600"/>
+              </a:spcAft>
+              <a:buClr>
+                <a:srgbClr val="1D3354"/>
+              </a:buClr>
+              <a:buSzPct val="100000"/>
+              <a:buFont typeface="Wingdings" panose="05000000000000000000" pitchFamily="2" charset="2"/>
+              <a:buChar char="§"/>
+              <a:defRPr sz="2000" spc="0">
+                <a:solidFill>
+                  <a:schemeClr val="tx1"/>
+                </a:solidFill>
+                <a:effectLst/>
+                <a:latin typeface="Bahnschrift Light" panose="020B0502040204020203" pitchFamily="34" charset="0"/>
+                <a:ea typeface="Verdana" panose="020B0604030504040204" pitchFamily="34" charset="0"/>
+                <a:cs typeface="Helvetica" panose="020B0604020202020204" pitchFamily="34" charset="0"/>
+              </a:defRPr>
+            </a:lvl1pPr>
+            <a:lvl2pPr marL="784384" lvl="1" indent="-342900" algn="l">
+              <a:spcBef>
+                <a:spcPts val="600"/>
+              </a:spcBef>
+              <a:spcAft>
+                <a:spcPts val="600"/>
+              </a:spcAft>
+              <a:buClr>
+                <a:srgbClr val="AF0E3F"/>
+              </a:buClr>
+              <a:buSzPct val="140000"/>
+              <a:buFont typeface="Wingdings" panose="05000000000000000000" pitchFamily="2" charset="2"/>
+              <a:buChar char="§"/>
+              <a:defRPr sz="2100">
+                <a:solidFill>
+                  <a:srgbClr val="FF6464"/>
+                </a:solidFill>
+              </a:defRPr>
+            </a:lvl2pPr>
+            <a:lvl3pPr marL="1122998" lvl="2" indent="-342900" algn="l">
+              <a:spcBef>
+                <a:spcPts val="600"/>
+              </a:spcBef>
+              <a:spcAft>
+                <a:spcPts val="600"/>
+              </a:spcAft>
+              <a:buClr>
+                <a:srgbClr val="AF0E3F"/>
+              </a:buClr>
+              <a:buSzPct val="140000"/>
+              <a:buFont typeface="Wingdings" panose="05000000000000000000" pitchFamily="2" charset="2"/>
+              <a:buChar char="§"/>
+              <a:defRPr sz="2100"/>
+            </a:lvl3pPr>
+            <a:lvl4pPr marL="1457325" lvl="3" indent="-342900" algn="l">
+              <a:spcBef>
+                <a:spcPts val="600"/>
+              </a:spcBef>
+              <a:spcAft>
+                <a:spcPts val="600"/>
+              </a:spcAft>
+              <a:buClr>
+                <a:srgbClr val="AF0E3F"/>
+              </a:buClr>
+              <a:buSzPct val="140000"/>
+              <a:buFont typeface="Wingdings" panose="05000000000000000000" pitchFamily="2" charset="2"/>
+              <a:buChar char="§"/>
+              <a:defRPr sz="2100" b="1"/>
+            </a:lvl4pPr>
+            <a:lvl5pPr marL="1800225" lvl="4" indent="-342900" algn="l">
+              <a:spcBef>
+                <a:spcPts val="600"/>
+              </a:spcBef>
+              <a:spcAft>
+                <a:spcPts val="600"/>
+              </a:spcAft>
+              <a:buClr>
+                <a:srgbClr val="AF0E3F"/>
+              </a:buClr>
+              <a:buSzPct val="140000"/>
+              <a:buFont typeface="Wingdings" panose="05000000000000000000" pitchFamily="2" charset="2"/>
+              <a:buChar char="§"/>
+              <a:defRPr sz="2100" i="1">
+                <a:solidFill>
+                  <a:srgbClr val="C00000"/>
+                </a:solidFill>
+              </a:defRPr>
+            </a:lvl5pPr>
+            <a:lvl6pPr marL="1800225" lvl="5" indent="0" algn="l">
+              <a:spcBef>
+                <a:spcPts val="600"/>
+              </a:spcBef>
+              <a:spcAft>
+                <a:spcPts val="600"/>
+              </a:spcAft>
+              <a:buClr>
+                <a:srgbClr val="AF0E3F"/>
+              </a:buClr>
+              <a:buSzPct val="140000"/>
+              <a:buFont typeface="Wingdings" panose="05000000000000000000" pitchFamily="2" charset="2"/>
+              <a:buNone/>
+              <a:defRPr sz="2100"/>
+            </a:lvl6pPr>
+            <a:lvl7pPr marL="2400300" lvl="6" indent="-257175" algn="l">
+              <a:spcBef>
+                <a:spcPts val="270"/>
+              </a:spcBef>
+              <a:spcAft>
+                <a:spcPts val="0"/>
+              </a:spcAft>
+              <a:buSzPts val="1800"/>
+              <a:buChar char="•"/>
+              <a:defRPr/>
+            </a:lvl7pPr>
+            <a:lvl8pPr marL="2743200" lvl="7" indent="-257175" algn="l">
+              <a:spcBef>
+                <a:spcPts val="270"/>
+              </a:spcBef>
+              <a:spcAft>
+                <a:spcPts val="0"/>
+              </a:spcAft>
+              <a:buSzPts val="1800"/>
+              <a:buChar char="•"/>
+              <a:defRPr/>
+            </a:lvl8pPr>
+            <a:lvl9pPr marL="3086100" lvl="8" indent="-257175" algn="l">
+              <a:spcBef>
+                <a:spcPts val="270"/>
+              </a:spcBef>
+              <a:spcAft>
+                <a:spcPts val="0"/>
+              </a:spcAft>
+              <a:buSzPts val="1800"/>
+              <a:buChar char="•"/>
+              <a:defRPr/>
+            </a:lvl9pPr>
+          </a:lstStyle>
+          <a:p>
+            <a:r>
+              <a:rPr lang="en-PH" dirty="0"/>
+              <a:t>Sample text</a:t>
+            </a:r>
+          </a:p>
+        </p:txBody>
+      </p:sp>
+      <p:sp>
+        <p:nvSpPr>
+          <p:cNvPr id="27" name="Google Shape;28;p31">
+            <a:extLst>
+              <a:ext uri="{FF2B5EF4-FFF2-40B4-BE49-F238E27FC236}">
+                <a16:creationId xmlns:a16="http://schemas.microsoft.com/office/drawing/2014/main" id="{F9EBFDC1-A551-FD54-3832-55F976F86CE4}"/>
+              </a:ext>
+            </a:extLst>
+          </p:cNvPr>
+          <p:cNvSpPr txBox="1">
+            <a:spLocks noGrp="1"/>
+          </p:cNvSpPr>
+          <p:nvPr>
+            <p:ph type="title" hasCustomPrompt="1"/>
+          </p:nvPr>
+        </p:nvSpPr>
+        <p:spPr>
+          <a:xfrm>
+            <a:off x="457200" y="187697"/>
+            <a:ext cx="8229600" cy="619827"/>
+          </a:xfrm>
+          <a:prstGeom prst="rect">
+            <a:avLst/>
+          </a:prstGeom>
+          <a:noFill/>
+          <a:ln>
+            <a:noFill/>
+          </a:ln>
+        </p:spPr>
+        <p:txBody>
+          <a:bodyPr spcFirstLastPara="1" wrap="square" lIns="91425" tIns="45700" rIns="91425" bIns="45700" anchor="ctr" anchorCtr="0">
+            <a:noAutofit/>
+          </a:bodyPr>
+          <a:lstStyle>
+            <a:lvl1pPr lvl="0" algn="l">
+              <a:spcBef>
+                <a:spcPts val="0"/>
+              </a:spcBef>
+              <a:spcAft>
+                <a:spcPts val="0"/>
+              </a:spcAft>
+              <a:buClr>
+                <a:srgbClr val="C00000"/>
+              </a:buClr>
+              <a:buSzPts val="1800"/>
+              <a:buNone/>
+              <a:defRPr sz="6000" b="1">
+                <a:ln w="0">
+                  <a:noFill/>
+                </a:ln>
+                <a:solidFill>
+                  <a:srgbClr val="467599"/>
+                </a:solidFill>
+                <a:effectLst>
+                  <a:outerShdw dist="38100" dir="8100000" algn="tr" rotWithShape="0">
+                    <a:srgbClr val="D64045"/>
+                  </a:outerShdw>
+                </a:effectLst>
+                <a:latin typeface="Bahnschrift Condensed" panose="020B0502040204020203" pitchFamily="34" charset="0"/>
+                <a:cs typeface="Helvetica" panose="020B0604020202020204" pitchFamily="34" charset="0"/>
+              </a:defRPr>
+            </a:lvl1pPr>
+            <a:lvl2pPr lvl="1">
+              <a:spcBef>
+                <a:spcPts val="0"/>
+              </a:spcBef>
+              <a:spcAft>
+                <a:spcPts val="0"/>
+              </a:spcAft>
+              <a:buSzPts val="1400"/>
+              <a:buNone/>
+              <a:defRPr/>
+            </a:lvl2pPr>
+            <a:lvl3pPr lvl="2">
+              <a:spcBef>
+                <a:spcPts val="0"/>
+              </a:spcBef>
+              <a:spcAft>
+                <a:spcPts val="0"/>
+              </a:spcAft>
+              <a:buSzPts val="1400"/>
+              <a:buNone/>
+              <a:defRPr/>
+            </a:lvl3pPr>
+            <a:lvl4pPr lvl="3">
+              <a:spcBef>
+                <a:spcPts val="0"/>
+              </a:spcBef>
+              <a:spcAft>
+                <a:spcPts val="0"/>
+              </a:spcAft>
+              <a:buSzPts val="1400"/>
+              <a:buNone/>
+              <a:defRPr/>
+            </a:lvl4pPr>
+            <a:lvl5pPr lvl="4">
+              <a:spcBef>
+                <a:spcPts val="0"/>
+              </a:spcBef>
+              <a:spcAft>
+                <a:spcPts val="0"/>
+              </a:spcAft>
+              <a:buSzPts val="1400"/>
+              <a:buNone/>
+              <a:defRPr/>
+            </a:lvl5pPr>
+            <a:lvl6pPr lvl="5">
+              <a:spcBef>
+                <a:spcPts val="0"/>
+              </a:spcBef>
+              <a:spcAft>
+                <a:spcPts val="0"/>
+              </a:spcAft>
+              <a:buSzPts val="1400"/>
+              <a:buNone/>
+              <a:defRPr/>
+            </a:lvl6pPr>
+            <a:lvl7pPr lvl="6">
+              <a:spcBef>
+                <a:spcPts val="0"/>
+              </a:spcBef>
+              <a:spcAft>
+                <a:spcPts val="0"/>
+              </a:spcAft>
+              <a:buSzPts val="1400"/>
+              <a:buNone/>
+              <a:defRPr/>
+            </a:lvl7pPr>
+            <a:lvl8pPr lvl="7">
+              <a:spcBef>
+                <a:spcPts val="0"/>
+              </a:spcBef>
+              <a:spcAft>
+                <a:spcPts val="0"/>
+              </a:spcAft>
+              <a:buSzPts val="1400"/>
+              <a:buNone/>
+              <a:defRPr/>
+            </a:lvl8pPr>
+            <a:lvl9pPr lvl="8">
+              <a:spcBef>
+                <a:spcPts val="0"/>
+              </a:spcBef>
+              <a:spcAft>
+                <a:spcPts val="0"/>
+              </a:spcAft>
+              <a:buSzPts val="1400"/>
+              <a:buNone/>
+              <a:defRPr/>
+            </a:lvl9pPr>
+          </a:lstStyle>
+          <a:p>
+            <a:r>
+              <a:rPr lang="en-US" dirty="0"/>
+              <a:t>	 objectives</a:t>
+            </a:r>
+            <a:endParaRPr dirty="0"/>
+          </a:p>
+        </p:txBody>
+      </p:sp>
+      <p:pic>
+        <p:nvPicPr>
+          <p:cNvPr id="42" name="Graphic 41" descr="A puzzle">
+            <a:extLst>
+              <a:ext uri="{FF2B5EF4-FFF2-40B4-BE49-F238E27FC236}">
+                <a16:creationId xmlns:a16="http://schemas.microsoft.com/office/drawing/2014/main" id="{7B11378C-27AA-1673-7712-BDE19253E1E5}"/>
+              </a:ext>
+            </a:extLst>
+          </p:cNvPr>
+          <p:cNvPicPr>
+            <a:picLocks noChangeAspect="1"/>
+          </p:cNvPicPr>
+          <p:nvPr userDrawn="1"/>
+        </p:nvPicPr>
+        <p:blipFill>
+          <a:blip r:embed="rId2">
+            <a:extLst>
+              <a:ext uri="{28A0092B-C50C-407E-A947-70E740481C1C}">
+                <a14:useLocalDpi xmlns:a14="http://schemas.microsoft.com/office/drawing/2010/main" val="0"/>
+              </a:ext>
+              <a:ext uri="{96DAC541-7B7A-43D3-8B79-37D633B846F1}">
+                <asvg:svgBlip xmlns:asvg="http://schemas.microsoft.com/office/drawing/2016/SVG/main" r:embed="rId3"/>
+              </a:ext>
+            </a:extLst>
+          </a:blip>
+          <a:stretch>
+            <a:fillRect/>
+          </a:stretch>
+        </p:blipFill>
+        <p:spPr>
+          <a:xfrm>
+            <a:off x="28279" y="-242655"/>
+            <a:ext cx="1939156" cy="1939156"/>
+          </a:xfrm>
+          <a:prstGeom prst="rect">
+            <a:avLst/>
+          </a:prstGeom>
+          <a:effectLst>
+            <a:outerShdw dist="25400" dir="8100000" algn="tr" rotWithShape="0">
+              <a:srgbClr val="D64045"/>
+            </a:outerShdw>
+          </a:effectLst>
+        </p:spPr>
+      </p:pic>
+      <p:sp>
+        <p:nvSpPr>
+          <p:cNvPr id="10" name="Footer Placeholder 4">
+            <a:extLst>
+              <a:ext uri="{FF2B5EF4-FFF2-40B4-BE49-F238E27FC236}">
+                <a16:creationId xmlns:a16="http://schemas.microsoft.com/office/drawing/2014/main" id="{0C0EA192-0932-FEAE-9E17-3AF1158A6950}"/>
+              </a:ext>
+            </a:extLst>
+          </p:cNvPr>
+          <p:cNvSpPr>
+            <a:spLocks noGrp="1"/>
+          </p:cNvSpPr>
+          <p:nvPr>
+            <p:ph type="ftr" sz="quarter" idx="3"/>
+          </p:nvPr>
+        </p:nvSpPr>
+        <p:spPr>
+          <a:xfrm>
+            <a:off x="628649" y="6356351"/>
+            <a:ext cx="6818525" cy="365125"/>
+          </a:xfrm>
+          <a:prstGeom prst="rect">
+            <a:avLst/>
+          </a:prstGeom>
+        </p:spPr>
+        <p:txBody>
+          <a:bodyPr vert="horz" lIns="91440" tIns="45720" rIns="91440" bIns="45720" rtlCol="0" anchor="ctr"/>
+          <a:lstStyle>
+            <a:lvl1pPr algn="l">
+              <a:defRPr sz="1800" spc="300">
+                <a:solidFill>
+                  <a:srgbClr val="D64045"/>
+                </a:solidFill>
+                <a:latin typeface="Bahnschrift Condensed" panose="020B0502040204020203" pitchFamily="34" charset="0"/>
+              </a:defRPr>
+            </a:lvl1pPr>
+          </a:lstStyle>
+          <a:p>
+            <a:r>
+              <a:rPr lang="en-US"/>
+              <a:t>Physics 301 - Advanced Signal and Image Processing</a:t>
+            </a:r>
+            <a:endParaRPr lang="en-US" dirty="0"/>
+          </a:p>
+        </p:txBody>
+      </p:sp>
+      <p:sp>
+        <p:nvSpPr>
+          <p:cNvPr id="11" name="Slide Number Placeholder 5">
+            <a:extLst>
+              <a:ext uri="{FF2B5EF4-FFF2-40B4-BE49-F238E27FC236}">
+                <a16:creationId xmlns:a16="http://schemas.microsoft.com/office/drawing/2014/main" id="{5997149A-AE92-98E3-B00D-1C6E247F5246}"/>
+              </a:ext>
+            </a:extLst>
+          </p:cNvPr>
+          <p:cNvSpPr>
+            <a:spLocks noGrp="1"/>
+          </p:cNvSpPr>
+          <p:nvPr>
+            <p:ph type="sldNum" sz="quarter" idx="4"/>
+          </p:nvPr>
+        </p:nvSpPr>
+        <p:spPr>
+          <a:xfrm>
+            <a:off x="7588576" y="6356351"/>
+            <a:ext cx="926773" cy="365125"/>
+          </a:xfrm>
+          <a:prstGeom prst="rect">
+            <a:avLst/>
+          </a:prstGeom>
+        </p:spPr>
+        <p:txBody>
+          <a:bodyPr vert="horz" lIns="91440" tIns="45720" rIns="91440" bIns="45720" rtlCol="0" anchor="ctr"/>
+          <a:lstStyle>
+            <a:lvl1pPr algn="r">
+              <a:defRPr sz="1800" spc="300">
+                <a:solidFill>
+                  <a:srgbClr val="D64045"/>
+                </a:solidFill>
+                <a:latin typeface="Bahnschrift Condensed" panose="020B0502040204020203" pitchFamily="34" charset="0"/>
+              </a:defRPr>
+            </a:lvl1pPr>
+          </a:lstStyle>
+          <a:p>
+            <a:fld id="{8262CFD8-7A98-47E6-A2CC-B17DDA24BA0E}" type="slidenum">
+              <a:rPr lang="en-US" smtClean="0"/>
+              <a:pPr/>
+              <a:t>‹#›</a:t>
+            </a:fld>
+            <a:endParaRPr lang="en-US"/>
+          </a:p>
+        </p:txBody>
+      </p:sp>
+      <p:grpSp>
+        <p:nvGrpSpPr>
+          <p:cNvPr id="12" name="Group 11">
+            <a:extLst>
+              <a:ext uri="{FF2B5EF4-FFF2-40B4-BE49-F238E27FC236}">
+                <a16:creationId xmlns:a16="http://schemas.microsoft.com/office/drawing/2014/main" id="{A4693759-34FC-FBCE-ABBE-AA6FD7E86521}"/>
+              </a:ext>
+            </a:extLst>
+          </p:cNvPr>
+          <p:cNvGrpSpPr/>
+          <p:nvPr userDrawn="1"/>
+        </p:nvGrpSpPr>
+        <p:grpSpPr>
+          <a:xfrm>
+            <a:off x="457200" y="2078912"/>
+            <a:ext cx="5773918" cy="1143536"/>
+            <a:chOff x="457200" y="3429000"/>
+            <a:chExt cx="5773918" cy="1143536"/>
+          </a:xfrm>
+        </p:grpSpPr>
+        <p:sp>
+          <p:nvSpPr>
+            <p:cNvPr id="13" name="Google Shape;28;p31">
+              <a:extLst>
+                <a:ext uri="{FF2B5EF4-FFF2-40B4-BE49-F238E27FC236}">
+                  <a16:creationId xmlns:a16="http://schemas.microsoft.com/office/drawing/2014/main" id="{69155587-274E-3D4D-6FAB-37A2307CD7B0}"/>
+                </a:ext>
+              </a:extLst>
+            </p:cNvPr>
+            <p:cNvSpPr txBox="1">
+              <a:spLocks/>
+            </p:cNvSpPr>
+            <p:nvPr userDrawn="1"/>
+          </p:nvSpPr>
+          <p:spPr>
+            <a:xfrm>
+              <a:off x="457200" y="3791354"/>
+              <a:ext cx="5773918" cy="619827"/>
+            </a:xfrm>
+            <a:prstGeom prst="rect">
+              <a:avLst/>
+            </a:prstGeom>
+            <a:noFill/>
+            <a:ln>
+              <a:noFill/>
+            </a:ln>
+          </p:spPr>
+          <p:txBody>
+            <a:bodyPr spcFirstLastPara="1" wrap="square" lIns="91425" tIns="45700" rIns="91425" bIns="45700" anchor="ctr" anchorCtr="0">
+              <a:noAutofit/>
+            </a:bodyPr>
+            <a:lstStyle>
+              <a:defPPr marR="0" lvl="0" algn="l" rtl="0">
+                <a:lnSpc>
+                  <a:spcPct val="100000"/>
+                </a:lnSpc>
+                <a:spcBef>
+                  <a:spcPts val="0"/>
+                </a:spcBef>
+                <a:spcAft>
+                  <a:spcPts val="0"/>
+                </a:spcAft>
+              </a:defPPr>
+              <a:lvl1pPr marR="0" lvl="0" algn="l" rtl="0" eaLnBrk="1" hangingPunct="1">
+                <a:lnSpc>
+                  <a:spcPct val="100000"/>
+                </a:lnSpc>
+                <a:spcBef>
+                  <a:spcPts val="0"/>
+                </a:spcBef>
+                <a:spcAft>
+                  <a:spcPts val="0"/>
+                </a:spcAft>
+                <a:buClr>
+                  <a:srgbClr val="C00000"/>
+                </a:buClr>
+                <a:buSzPts val="1800"/>
+                <a:buFont typeface="Arial"/>
+                <a:buNone/>
+                <a:defRPr sz="6000" b="1" i="0" u="none" strike="noStrike" cap="none">
+                  <a:ln w="0">
+                    <a:noFill/>
+                  </a:ln>
+                  <a:solidFill>
+                    <a:srgbClr val="D64045"/>
+                  </a:solidFill>
+                  <a:effectLst>
+                    <a:outerShdw dist="38100" dir="8100000" algn="tr" rotWithShape="0">
+                      <a:srgbClr val="467599"/>
+                    </a:outerShdw>
+                  </a:effectLst>
+                  <a:latin typeface="Bahnschrift Condensed" panose="020B0502040204020203" pitchFamily="34" charset="0"/>
+                  <a:ea typeface="Verdana" panose="020B0604030504040204" pitchFamily="34" charset="0"/>
+                  <a:cs typeface="Helvetica" panose="020B0604020202020204" pitchFamily="34" charset="0"/>
+                  <a:sym typeface="Arial"/>
+                </a:defRPr>
+              </a:lvl1pPr>
+              <a:lvl2pPr marR="0" lvl="1" algn="l" rtl="0" eaLnBrk="1" hangingPunct="1">
+                <a:lnSpc>
+                  <a:spcPct val="100000"/>
+                </a:lnSpc>
+                <a:spcBef>
+                  <a:spcPts val="0"/>
+                </a:spcBef>
+                <a:spcAft>
+                  <a:spcPts val="0"/>
+                </a:spcAft>
+                <a:buClr>
+                  <a:srgbClr val="000000"/>
+                </a:buClr>
+                <a:buSzPts val="1400"/>
+                <a:buFont typeface="Arial"/>
+                <a:buNone/>
+                <a:defRPr sz="1050" b="0" i="0" u="none" strike="noStrike" cap="none">
+                  <a:solidFill>
+                    <a:srgbClr val="000000"/>
+                  </a:solidFill>
+                  <a:latin typeface="Arial"/>
+                  <a:ea typeface="Arial"/>
+                  <a:cs typeface="Arial"/>
+                  <a:sym typeface="Arial"/>
+                </a:defRPr>
+              </a:lvl2pPr>
+              <a:lvl3pPr marR="0" lvl="2" algn="l" rtl="0" eaLnBrk="1" hangingPunct="1">
+                <a:lnSpc>
+                  <a:spcPct val="100000"/>
+                </a:lnSpc>
+                <a:spcBef>
+                  <a:spcPts val="0"/>
+                </a:spcBef>
+                <a:spcAft>
+                  <a:spcPts val="0"/>
+                </a:spcAft>
+                <a:buClr>
+                  <a:srgbClr val="000000"/>
+                </a:buClr>
+                <a:buSzPts val="1400"/>
+                <a:buFont typeface="Arial"/>
+                <a:buNone/>
+                <a:defRPr sz="1050" b="0" i="0" u="none" strike="noStrike" cap="none">
+                  <a:solidFill>
+                    <a:srgbClr val="000000"/>
+                  </a:solidFill>
+                  <a:latin typeface="Arial"/>
+                  <a:ea typeface="Arial"/>
+                  <a:cs typeface="Arial"/>
+                  <a:sym typeface="Arial"/>
+                </a:defRPr>
+              </a:lvl3pPr>
+              <a:lvl4pPr marR="0" lvl="3" algn="l" rtl="0" eaLnBrk="1" hangingPunct="1">
+                <a:lnSpc>
+                  <a:spcPct val="100000"/>
+                </a:lnSpc>
+                <a:spcBef>
+                  <a:spcPts val="0"/>
+                </a:spcBef>
+                <a:spcAft>
+                  <a:spcPts val="0"/>
+                </a:spcAft>
+                <a:buClr>
+                  <a:srgbClr val="000000"/>
+                </a:buClr>
+                <a:buSzPts val="1400"/>
+                <a:buFont typeface="Arial"/>
+                <a:buNone/>
+                <a:defRPr sz="1050" b="0" i="0" u="none" strike="noStrike" cap="none">
+                  <a:solidFill>
+                    <a:srgbClr val="000000"/>
+                  </a:solidFill>
+                  <a:latin typeface="Arial"/>
+                  <a:ea typeface="Arial"/>
+                  <a:cs typeface="Arial"/>
+                  <a:sym typeface="Arial"/>
+                </a:defRPr>
+              </a:lvl4pPr>
+              <a:lvl5pPr marR="0" lvl="4" algn="l" rtl="0" eaLnBrk="1" hangingPunct="1">
+                <a:lnSpc>
+                  <a:spcPct val="100000"/>
+                </a:lnSpc>
+                <a:spcBef>
+                  <a:spcPts val="0"/>
+                </a:spcBef>
+                <a:spcAft>
+                  <a:spcPts val="0"/>
+                </a:spcAft>
+                <a:buClr>
+                  <a:srgbClr val="000000"/>
+                </a:buClr>
+                <a:buSzPts val="1400"/>
+                <a:buFont typeface="Arial"/>
+                <a:buNone/>
+                <a:defRPr sz="1050" b="0" i="0" u="none" strike="noStrike" cap="none">
+                  <a:solidFill>
+                    <a:srgbClr val="000000"/>
+                  </a:solidFill>
+                  <a:latin typeface="Arial"/>
+                  <a:ea typeface="Arial"/>
+                  <a:cs typeface="Arial"/>
+                  <a:sym typeface="Arial"/>
+                </a:defRPr>
+              </a:lvl5pPr>
+              <a:lvl6pPr marR="0" lvl="5" algn="l" rtl="0" eaLnBrk="1" hangingPunct="1">
+                <a:lnSpc>
+                  <a:spcPct val="100000"/>
+                </a:lnSpc>
+                <a:spcBef>
+                  <a:spcPts val="0"/>
+                </a:spcBef>
+                <a:spcAft>
+                  <a:spcPts val="0"/>
+                </a:spcAft>
+                <a:buClr>
+                  <a:srgbClr val="000000"/>
+                </a:buClr>
+                <a:buSzPts val="1400"/>
+                <a:buFont typeface="Arial"/>
+                <a:buNone/>
+                <a:defRPr sz="1050" b="0" i="0" u="none" strike="noStrike" cap="none">
+                  <a:solidFill>
+                    <a:srgbClr val="000000"/>
+                  </a:solidFill>
+                  <a:latin typeface="Arial"/>
+                  <a:ea typeface="Arial"/>
+                  <a:cs typeface="Arial"/>
+                  <a:sym typeface="Arial"/>
+                </a:defRPr>
+              </a:lvl6pPr>
+              <a:lvl7pPr marR="0" lvl="6" algn="l" rtl="0" eaLnBrk="1" hangingPunct="1">
+                <a:lnSpc>
+                  <a:spcPct val="100000"/>
+                </a:lnSpc>
+                <a:spcBef>
+                  <a:spcPts val="0"/>
+                </a:spcBef>
+                <a:spcAft>
+                  <a:spcPts val="0"/>
+                </a:spcAft>
+                <a:buClr>
+                  <a:srgbClr val="000000"/>
+                </a:buClr>
+                <a:buSzPts val="1400"/>
+                <a:buFont typeface="Arial"/>
+                <a:buNone/>
+                <a:defRPr sz="1050" b="0" i="0" u="none" strike="noStrike" cap="none">
+                  <a:solidFill>
+                    <a:srgbClr val="000000"/>
+                  </a:solidFill>
+                  <a:latin typeface="Arial"/>
+                  <a:ea typeface="Arial"/>
+                  <a:cs typeface="Arial"/>
+                  <a:sym typeface="Arial"/>
+                </a:defRPr>
+              </a:lvl7pPr>
+              <a:lvl8pPr marR="0" lvl="7" algn="l" rtl="0" eaLnBrk="1" hangingPunct="1">
+                <a:lnSpc>
+                  <a:spcPct val="100000"/>
+                </a:lnSpc>
+                <a:spcBef>
+                  <a:spcPts val="0"/>
+                </a:spcBef>
+                <a:spcAft>
+                  <a:spcPts val="0"/>
+                </a:spcAft>
+                <a:buClr>
+                  <a:srgbClr val="000000"/>
+                </a:buClr>
+                <a:buSzPts val="1400"/>
+                <a:buFont typeface="Arial"/>
+                <a:buNone/>
+                <a:defRPr sz="1050" b="0" i="0" u="none" strike="noStrike" cap="none">
+                  <a:solidFill>
+                    <a:srgbClr val="000000"/>
+                  </a:solidFill>
+                  <a:latin typeface="Arial"/>
+                  <a:ea typeface="Arial"/>
+                  <a:cs typeface="Arial"/>
+                  <a:sym typeface="Arial"/>
+                </a:defRPr>
+              </a:lvl8pPr>
+              <a:lvl9pPr marR="0" lvl="8" algn="l" rtl="0" eaLnBrk="1" hangingPunct="1">
+                <a:lnSpc>
+                  <a:spcPct val="100000"/>
+                </a:lnSpc>
+                <a:spcBef>
+                  <a:spcPts val="0"/>
+                </a:spcBef>
+                <a:spcAft>
+                  <a:spcPts val="0"/>
+                </a:spcAft>
+                <a:buClr>
+                  <a:srgbClr val="000000"/>
+                </a:buClr>
+                <a:buSzPts val="1400"/>
+                <a:buFont typeface="Arial"/>
+                <a:buNone/>
+                <a:defRPr sz="1050" b="0" i="0" u="none" strike="noStrike" cap="none">
+                  <a:solidFill>
+                    <a:srgbClr val="000000"/>
+                  </a:solidFill>
+                  <a:latin typeface="Arial"/>
+                  <a:ea typeface="Arial"/>
+                  <a:cs typeface="Arial"/>
+                  <a:sym typeface="Arial"/>
+                </a:defRPr>
+              </a:lvl9pPr>
+            </a:lstStyle>
+            <a:p>
+              <a:pPr algn="l"/>
+              <a:r>
+                <a:rPr lang="en-US" dirty="0"/>
+                <a:t>		 key take-aways</a:t>
+              </a:r>
+            </a:p>
+          </p:txBody>
+        </p:sp>
+        <p:pic>
+          <p:nvPicPr>
+            <p:cNvPr id="14" name="Graphic 13" descr="A lightbulb">
+              <a:extLst>
+                <a:ext uri="{FF2B5EF4-FFF2-40B4-BE49-F238E27FC236}">
+                  <a16:creationId xmlns:a16="http://schemas.microsoft.com/office/drawing/2014/main" id="{4C2D8F07-5D0C-A510-D9CA-C7FEBE01B735}"/>
+                </a:ext>
+              </a:extLst>
+            </p:cNvPr>
+            <p:cNvPicPr>
+              <a:picLocks noChangeAspect="1"/>
+            </p:cNvPicPr>
+            <p:nvPr userDrawn="1"/>
+          </p:nvPicPr>
+          <p:blipFill rotWithShape="1">
+            <a:blip r:embed="rId4">
+              <a:extLst>
+                <a:ext uri="{28A0092B-C50C-407E-A947-70E740481C1C}">
+                  <a14:useLocalDpi xmlns:a14="http://schemas.microsoft.com/office/drawing/2010/main" val="0"/>
+                </a:ext>
+                <a:ext uri="{96DAC541-7B7A-43D3-8B79-37D633B846F1}">
+                  <asvg:svgBlip xmlns:asvg="http://schemas.microsoft.com/office/drawing/2016/SVG/main" r:embed="rId5"/>
+                </a:ext>
+              </a:extLst>
+            </a:blip>
+            <a:srcRect l="16030" t="10286" r="16030" b="10286"/>
+            <a:stretch/>
+          </p:blipFill>
+          <p:spPr>
+            <a:xfrm>
+              <a:off x="457200" y="3429000"/>
+              <a:ext cx="978154" cy="1143536"/>
+            </a:xfrm>
+            <a:prstGeom prst="rect">
+              <a:avLst/>
+            </a:prstGeom>
+            <a:effectLst>
+              <a:outerShdw dist="25400" dir="8100000" algn="tr" rotWithShape="0">
+                <a:srgbClr val="467599"/>
+              </a:outerShdw>
+            </a:effectLst>
+          </p:spPr>
+        </p:pic>
+      </p:grpSp>
+      <p:sp>
+        <p:nvSpPr>
+          <p:cNvPr id="15" name="Google Shape;29;p31">
+            <a:extLst>
+              <a:ext uri="{FF2B5EF4-FFF2-40B4-BE49-F238E27FC236}">
+                <a16:creationId xmlns:a16="http://schemas.microsoft.com/office/drawing/2014/main" id="{8DE1B49A-DE74-91FA-2C55-7A926302AD4F}"/>
+              </a:ext>
+            </a:extLst>
+          </p:cNvPr>
+          <p:cNvSpPr txBox="1">
+            <a:spLocks noGrp="1"/>
+          </p:cNvSpPr>
+          <p:nvPr>
+            <p:ph type="body" idx="10" hasCustomPrompt="1"/>
+          </p:nvPr>
+        </p:nvSpPr>
+        <p:spPr>
+          <a:xfrm>
+            <a:off x="628649" y="3293354"/>
+            <a:ext cx="8058152" cy="2151781"/>
+          </a:xfrm>
+          <a:prstGeom prst="rect">
+            <a:avLst/>
+          </a:prstGeom>
+          <a:noFill/>
+          <a:ln>
+            <a:noFill/>
+          </a:ln>
+        </p:spPr>
+        <p:txBody>
+          <a:bodyPr spcFirstLastPara="1" wrap="square" lIns="91425" tIns="45700" rIns="91425" bIns="45700" anchor="t" anchorCtr="0">
+            <a:normAutofit/>
+          </a:bodyPr>
+          <a:lstStyle>
+            <a:lvl1pPr marL="312896" lvl="0" indent="-214313" algn="l">
+              <a:spcBef>
+                <a:spcPts val="0"/>
+              </a:spcBef>
+              <a:spcAft>
+                <a:spcPts val="0"/>
+              </a:spcAft>
+              <a:buClr>
+                <a:srgbClr val="C00000"/>
+              </a:buClr>
+              <a:buSzPct val="100000"/>
+              <a:buFont typeface="Wingdings" panose="05000000000000000000" pitchFamily="2" charset="2"/>
+              <a:buChar char="§"/>
+              <a:defRPr sz="2000" spc="0">
+                <a:solidFill>
+                  <a:schemeClr val="tx1"/>
+                </a:solidFill>
+                <a:effectLst/>
+                <a:latin typeface="Bahnschrift Light" panose="020B0502040204020203" pitchFamily="34" charset="0"/>
+                <a:ea typeface="Verdana" panose="020B0604030504040204" pitchFamily="34" charset="0"/>
+                <a:cs typeface="Helvetica" panose="020B0604020202020204" pitchFamily="34" charset="0"/>
+              </a:defRPr>
+            </a:lvl1pPr>
+            <a:lvl2pPr marL="784384" lvl="1" indent="-342900" algn="l">
+              <a:spcBef>
+                <a:spcPts val="600"/>
+              </a:spcBef>
+              <a:spcAft>
+                <a:spcPts val="600"/>
+              </a:spcAft>
+              <a:buClr>
+                <a:srgbClr val="AF0E3F"/>
+              </a:buClr>
+              <a:buSzPct val="140000"/>
+              <a:buFont typeface="Wingdings" panose="05000000000000000000" pitchFamily="2" charset="2"/>
+              <a:buChar char="§"/>
+              <a:defRPr sz="2100">
+                <a:solidFill>
+                  <a:srgbClr val="FF6464"/>
+                </a:solidFill>
+              </a:defRPr>
+            </a:lvl2pPr>
+            <a:lvl3pPr marL="1122998" lvl="2" indent="-342900" algn="l">
+              <a:spcBef>
+                <a:spcPts val="600"/>
+              </a:spcBef>
+              <a:spcAft>
+                <a:spcPts val="600"/>
+              </a:spcAft>
+              <a:buClr>
+                <a:srgbClr val="AF0E3F"/>
+              </a:buClr>
+              <a:buSzPct val="140000"/>
+              <a:buFont typeface="Wingdings" panose="05000000000000000000" pitchFamily="2" charset="2"/>
+              <a:buChar char="§"/>
+              <a:defRPr sz="2100"/>
+            </a:lvl3pPr>
+            <a:lvl4pPr marL="1457325" lvl="3" indent="-342900" algn="l">
+              <a:spcBef>
+                <a:spcPts val="600"/>
+              </a:spcBef>
+              <a:spcAft>
+                <a:spcPts val="600"/>
+              </a:spcAft>
+              <a:buClr>
+                <a:srgbClr val="AF0E3F"/>
+              </a:buClr>
+              <a:buSzPct val="140000"/>
+              <a:buFont typeface="Wingdings" panose="05000000000000000000" pitchFamily="2" charset="2"/>
+              <a:buChar char="§"/>
+              <a:defRPr sz="2100" b="1"/>
+            </a:lvl4pPr>
+            <a:lvl5pPr marL="1800225" lvl="4" indent="-342900" algn="l">
+              <a:spcBef>
+                <a:spcPts val="600"/>
+              </a:spcBef>
+              <a:spcAft>
+                <a:spcPts val="600"/>
+              </a:spcAft>
+              <a:buClr>
+                <a:srgbClr val="AF0E3F"/>
+              </a:buClr>
+              <a:buSzPct val="140000"/>
+              <a:buFont typeface="Wingdings" panose="05000000000000000000" pitchFamily="2" charset="2"/>
+              <a:buChar char="§"/>
+              <a:defRPr sz="2100" i="1">
+                <a:solidFill>
+                  <a:srgbClr val="C00000"/>
+                </a:solidFill>
+              </a:defRPr>
+            </a:lvl5pPr>
+            <a:lvl6pPr marL="1800225" lvl="5" indent="0" algn="l">
+              <a:spcBef>
+                <a:spcPts val="600"/>
+              </a:spcBef>
+              <a:spcAft>
+                <a:spcPts val="600"/>
+              </a:spcAft>
+              <a:buClr>
+                <a:srgbClr val="AF0E3F"/>
+              </a:buClr>
+              <a:buSzPct val="140000"/>
+              <a:buFont typeface="Wingdings" panose="05000000000000000000" pitchFamily="2" charset="2"/>
+              <a:buNone/>
+              <a:defRPr sz="2100"/>
+            </a:lvl6pPr>
+            <a:lvl7pPr marL="2400300" lvl="6" indent="-257175" algn="l">
+              <a:spcBef>
+                <a:spcPts val="270"/>
+              </a:spcBef>
+              <a:spcAft>
+                <a:spcPts val="0"/>
+              </a:spcAft>
+              <a:buSzPts val="1800"/>
+              <a:buChar char="•"/>
+              <a:defRPr/>
+            </a:lvl7pPr>
+            <a:lvl8pPr marL="2743200" lvl="7" indent="-257175" algn="l">
+              <a:spcBef>
+                <a:spcPts val="270"/>
+              </a:spcBef>
+              <a:spcAft>
+                <a:spcPts val="0"/>
+              </a:spcAft>
+              <a:buSzPts val="1800"/>
+              <a:buChar char="•"/>
+              <a:defRPr/>
+            </a:lvl8pPr>
+            <a:lvl9pPr marL="3086100" lvl="8" indent="-257175" algn="l">
+              <a:spcBef>
+                <a:spcPts val="270"/>
+              </a:spcBef>
+              <a:spcAft>
+                <a:spcPts val="0"/>
+              </a:spcAft>
+              <a:buSzPts val="1800"/>
+              <a:buChar char="•"/>
+              <a:defRPr/>
+            </a:lvl9pPr>
+          </a:lstStyle>
+          <a:p>
+            <a:r>
+              <a:rPr lang="en-PH" dirty="0"/>
+              <a:t>Sample text</a:t>
+            </a:r>
+          </a:p>
+        </p:txBody>
+      </p:sp>
+      <p:sp>
+        <p:nvSpPr>
+          <p:cNvPr id="16" name="Google Shape;29;p31">
+            <a:extLst>
+              <a:ext uri="{FF2B5EF4-FFF2-40B4-BE49-F238E27FC236}">
+                <a16:creationId xmlns:a16="http://schemas.microsoft.com/office/drawing/2014/main" id="{D8622480-41A5-CA42-51F1-3E2BDB6802F4}"/>
+              </a:ext>
+            </a:extLst>
+          </p:cNvPr>
+          <p:cNvSpPr txBox="1">
+            <a:spLocks noGrp="1"/>
+          </p:cNvSpPr>
+          <p:nvPr>
+            <p:ph type="body" idx="11" hasCustomPrompt="1"/>
+          </p:nvPr>
+        </p:nvSpPr>
+        <p:spPr>
+          <a:xfrm>
+            <a:off x="628648" y="5816603"/>
+            <a:ext cx="8058152" cy="468841"/>
+          </a:xfrm>
+          <a:prstGeom prst="rect">
+            <a:avLst/>
+          </a:prstGeom>
+          <a:noFill/>
+          <a:ln>
+            <a:noFill/>
+          </a:ln>
+        </p:spPr>
+        <p:txBody>
+          <a:bodyPr spcFirstLastPara="1" wrap="square" lIns="91425" tIns="45700" rIns="91425" bIns="45700" anchor="t" anchorCtr="0">
+            <a:noAutofit/>
+          </a:bodyPr>
+          <a:lstStyle>
+            <a:lvl1pPr marL="270033" lvl="0" indent="-171450" algn="l">
+              <a:spcBef>
+                <a:spcPts val="0"/>
+              </a:spcBef>
+              <a:spcAft>
+                <a:spcPts val="0"/>
+              </a:spcAft>
+              <a:buClr>
+                <a:srgbClr val="467599"/>
+              </a:buClr>
+              <a:buSzPct val="100000"/>
+              <a:buFont typeface="Wingdings" panose="05000000000000000000" pitchFamily="2" charset="2"/>
+              <a:buChar char="§"/>
+              <a:defRPr sz="1200" spc="0">
+                <a:solidFill>
+                  <a:srgbClr val="467599"/>
+                </a:solidFill>
+                <a:effectLst/>
+                <a:latin typeface="Bahnschrift SemiLight" panose="020B0502040204020203" pitchFamily="34" charset="0"/>
+                <a:ea typeface="Verdana" panose="020B0604030504040204" pitchFamily="34" charset="0"/>
+                <a:cs typeface="Helvetica" panose="020B0604020202020204" pitchFamily="34" charset="0"/>
+              </a:defRPr>
+            </a:lvl1pPr>
+            <a:lvl2pPr marL="784384" lvl="1" indent="-342900" algn="l">
+              <a:spcBef>
+                <a:spcPts val="600"/>
+              </a:spcBef>
+              <a:spcAft>
+                <a:spcPts val="600"/>
+              </a:spcAft>
+              <a:buClr>
+                <a:srgbClr val="AF0E3F"/>
+              </a:buClr>
+              <a:buSzPct val="140000"/>
+              <a:buFont typeface="Wingdings" panose="05000000000000000000" pitchFamily="2" charset="2"/>
+              <a:buChar char="§"/>
+              <a:defRPr sz="2100">
+                <a:solidFill>
+                  <a:srgbClr val="FF6464"/>
+                </a:solidFill>
+              </a:defRPr>
+            </a:lvl2pPr>
+            <a:lvl3pPr marL="1122998" lvl="2" indent="-342900" algn="l">
+              <a:spcBef>
+                <a:spcPts val="600"/>
+              </a:spcBef>
+              <a:spcAft>
+                <a:spcPts val="600"/>
+              </a:spcAft>
+              <a:buClr>
+                <a:srgbClr val="AF0E3F"/>
+              </a:buClr>
+              <a:buSzPct val="140000"/>
+              <a:buFont typeface="Wingdings" panose="05000000000000000000" pitchFamily="2" charset="2"/>
+              <a:buChar char="§"/>
+              <a:defRPr sz="2100"/>
+            </a:lvl3pPr>
+            <a:lvl4pPr marL="1457325" lvl="3" indent="-342900" algn="l">
+              <a:spcBef>
+                <a:spcPts val="600"/>
+              </a:spcBef>
+              <a:spcAft>
+                <a:spcPts val="600"/>
+              </a:spcAft>
+              <a:buClr>
+                <a:srgbClr val="AF0E3F"/>
+              </a:buClr>
+              <a:buSzPct val="140000"/>
+              <a:buFont typeface="Wingdings" panose="05000000000000000000" pitchFamily="2" charset="2"/>
+              <a:buChar char="§"/>
+              <a:defRPr sz="2100" b="1"/>
+            </a:lvl4pPr>
+            <a:lvl5pPr marL="1800225" lvl="4" indent="-342900" algn="l">
+              <a:spcBef>
+                <a:spcPts val="600"/>
+              </a:spcBef>
+              <a:spcAft>
+                <a:spcPts val="600"/>
+              </a:spcAft>
+              <a:buClr>
+                <a:srgbClr val="AF0E3F"/>
+              </a:buClr>
+              <a:buSzPct val="140000"/>
+              <a:buFont typeface="Wingdings" panose="05000000000000000000" pitchFamily="2" charset="2"/>
+              <a:buChar char="§"/>
+              <a:defRPr sz="2100" i="1">
+                <a:solidFill>
+                  <a:srgbClr val="C00000"/>
+                </a:solidFill>
+              </a:defRPr>
+            </a:lvl5pPr>
+            <a:lvl6pPr marL="1800225" lvl="5" indent="0" algn="l">
+              <a:spcBef>
+                <a:spcPts val="600"/>
+              </a:spcBef>
+              <a:spcAft>
+                <a:spcPts val="600"/>
+              </a:spcAft>
+              <a:buClr>
+                <a:srgbClr val="AF0E3F"/>
+              </a:buClr>
+              <a:buSzPct val="140000"/>
+              <a:buFont typeface="Wingdings" panose="05000000000000000000" pitchFamily="2" charset="2"/>
+              <a:buNone/>
+              <a:defRPr sz="2100"/>
+            </a:lvl6pPr>
+            <a:lvl7pPr marL="2400300" lvl="6" indent="-257175" algn="l">
+              <a:spcBef>
+                <a:spcPts val="270"/>
+              </a:spcBef>
+              <a:spcAft>
+                <a:spcPts val="0"/>
+              </a:spcAft>
+              <a:buSzPts val="1800"/>
+              <a:buChar char="•"/>
+              <a:defRPr/>
+            </a:lvl7pPr>
+            <a:lvl8pPr marL="2743200" lvl="7" indent="-257175" algn="l">
+              <a:spcBef>
+                <a:spcPts val="270"/>
+              </a:spcBef>
+              <a:spcAft>
+                <a:spcPts val="0"/>
+              </a:spcAft>
+              <a:buSzPts val="1800"/>
+              <a:buChar char="•"/>
+              <a:defRPr/>
+            </a:lvl8pPr>
+            <a:lvl9pPr marL="3086100" lvl="8" indent="-257175" algn="l">
+              <a:spcBef>
+                <a:spcPts val="270"/>
+              </a:spcBef>
+              <a:spcAft>
+                <a:spcPts val="0"/>
+              </a:spcAft>
+              <a:buSzPts val="1800"/>
+              <a:buChar char="•"/>
+              <a:defRPr/>
+            </a:lvl9pPr>
+          </a:lstStyle>
+          <a:p>
+            <a:r>
+              <a:rPr lang="en-PH" dirty="0"/>
+              <a:t>GITHUB:</a:t>
+            </a:r>
+          </a:p>
+          <a:p>
+            <a:r>
+              <a:rPr lang="en-PH" dirty="0"/>
+              <a:t>GOOGLE DRIVE:</a:t>
+            </a:r>
+          </a:p>
+          <a:p>
+            <a:endParaRPr lang="en-PH" dirty="0"/>
+          </a:p>
+        </p:txBody>
+      </p:sp>
+      <p:sp>
+        <p:nvSpPr>
+          <p:cNvPr id="17" name="TextBox 16">
+            <a:extLst>
+              <a:ext uri="{FF2B5EF4-FFF2-40B4-BE49-F238E27FC236}">
+                <a16:creationId xmlns:a16="http://schemas.microsoft.com/office/drawing/2014/main" id="{A8B4850B-96CC-FEF3-5F30-A7761AB3B5A0}"/>
+              </a:ext>
+            </a:extLst>
+          </p:cNvPr>
+          <p:cNvSpPr txBox="1"/>
+          <p:nvPr userDrawn="1"/>
+        </p:nvSpPr>
+        <p:spPr>
+          <a:xfrm>
+            <a:off x="536051" y="5447271"/>
+            <a:ext cx="4572000" cy="369332"/>
+          </a:xfrm>
+          <a:prstGeom prst="rect">
+            <a:avLst/>
+          </a:prstGeom>
+          <a:noFill/>
+        </p:spPr>
+        <p:txBody>
+          <a:bodyPr wrap="square">
+            <a:spAutoFit/>
+          </a:bodyPr>
+          <a:lstStyle/>
+          <a:p>
+            <a:pPr algn="l"/>
+            <a:r>
+              <a:rPr lang="en-PH" sz="1800" b="1" spc="600" baseline="0" dirty="0">
+                <a:solidFill>
+                  <a:schemeClr val="bg1"/>
+                </a:solidFill>
+                <a:effectLst/>
+                <a:highlight>
+                  <a:srgbClr val="467599"/>
+                </a:highlight>
+                <a:latin typeface="Bahnschrift" panose="020B0502040204020203" pitchFamily="34" charset="0"/>
+                <a:ea typeface="Verdana" panose="020B0604030504040204" pitchFamily="34" charset="0"/>
+              </a:rPr>
+              <a:t> SOURCE CODE</a:t>
+            </a:r>
+          </a:p>
+        </p:txBody>
+      </p:sp>
+    </p:spTree>
+    <p:extLst>
+      <p:ext uri="{BB962C8B-B14F-4D97-AF65-F5344CB8AC3E}">
+        <p14:creationId xmlns:p14="http://schemas.microsoft.com/office/powerpoint/2010/main" val="1761093118"/>
+      </p:ext>
+    </p:extLst>
+  </p:cSld>
+  <p:clrMapOvr>
+    <a:masterClrMapping/>
+  </p:clrMapOvr>
+  <mc:AlternateContent xmlns:mc="http://schemas.openxmlformats.org/markup-compatibility/2006" xmlns:p14="http://schemas.microsoft.com/office/powerpoint/2010/main">
+    <mc:Choice Requires="p14">
+      <p:transition p14:dur="200">
+        <p:fade/>
+      </p:transition>
+    </mc:Choice>
+    <mc:Fallback xmlns:ahyp="http://schemas.microsoft.com/office/drawing/2018/hyperlinkcolor" xmlns:p15="http://schemas.microsoft.com/office/powerpoint/2012/main" xmlns:com="http://schemas.openxmlformats.org/drawingml/2006/compatibility" xmlns:pvml="urn:schemas-microsoft-com:office:powerpoint" xmlns:v="urn:schemas-microsoft-com:vml" xmlns:o="urn:schemas-microsoft-com:office:office" xmlns:dgm="http://schemas.openxmlformats.org/drawingml/2006/diagram" xmlns:c="http://schemas.openxmlformats.org/drawingml/2006/chart" xmlns:mv="urn:schemas-microsoft-com:mac:vml" xmlns="">
+      <p:transition>
+        <p:fade/>
+      </p:transition>
+    </mc:Fallback>
+  </mc:AlternateContent>
+</p:sldLayout>
+</file>
+
+<file path=ppt/slideLayouts/slideLayout4.xml><?xml version="1.0" encoding="utf-8"?>
+<p:sldLayout xmlns:a="http://schemas.openxmlformats.org/drawingml/2006/main" xmlns:r="http://schemas.openxmlformats.org/officeDocument/2006/relationships" xmlns:p="http://schemas.openxmlformats.org/presentationml/2006/main" matchingName="Title and Content" preserve="1" userDrawn="1">
+  <p:cSld name="1_Title and Content">
+    <p:bg>
+      <p:bgPr>
+        <a:solidFill>
+          <a:schemeClr val="bg1"/>
+        </a:solidFill>
+        <a:effectLst/>
+      </p:bgPr>
+    </p:bg>
+    <p:spTree>
+      <p:nvGrpSpPr>
+        <p:cNvPr id="1" name="Shape 27"/>
+        <p:cNvGrpSpPr/>
+        <p:nvPr/>
+      </p:nvGrpSpPr>
+      <p:grpSpPr>
+        <a:xfrm>
+          <a:off x="0" y="0"/>
+          <a:ext cx="0" cy="0"/>
+          <a:chOff x="0" y="0"/>
+          <a:chExt cx="0" cy="0"/>
+        </a:xfrm>
+      </p:grpSpPr>
+      <p:sp>
+        <p:nvSpPr>
+          <p:cNvPr id="25" name="Google Shape;29;p31">
+            <a:extLst>
+              <a:ext uri="{FF2B5EF4-FFF2-40B4-BE49-F238E27FC236}">
+                <a16:creationId xmlns:a16="http://schemas.microsoft.com/office/drawing/2014/main" id="{D933B60E-9596-75BF-40EF-1D954957F451}"/>
+              </a:ext>
+            </a:extLst>
+          </p:cNvPr>
+          <p:cNvSpPr txBox="1">
+            <a:spLocks noGrp="1"/>
+          </p:cNvSpPr>
+          <p:nvPr>
+            <p:ph type="body" idx="1" hasCustomPrompt="1"/>
+          </p:nvPr>
+        </p:nvSpPr>
+        <p:spPr>
+          <a:xfrm>
+            <a:off x="628649" y="1325161"/>
+            <a:ext cx="8058151" cy="2137701"/>
+          </a:xfrm>
+          <a:prstGeom prst="rect">
+            <a:avLst/>
+          </a:prstGeom>
+          <a:noFill/>
+          <a:ln>
+            <a:noFill/>
+          </a:ln>
+        </p:spPr>
+        <p:txBody>
+          <a:bodyPr spcFirstLastPara="1" wrap="square" lIns="91425" tIns="45700" rIns="91425" bIns="45700" anchor="t" anchorCtr="0">
+            <a:noAutofit/>
+          </a:bodyPr>
+          <a:lstStyle>
+            <a:lvl1pPr marL="312896" lvl="0" indent="-214313" algn="l">
+              <a:spcBef>
+                <a:spcPts val="0"/>
+              </a:spcBef>
+              <a:spcAft>
+                <a:spcPts val="600"/>
+              </a:spcAft>
+              <a:buClr>
+                <a:srgbClr val="1D3354"/>
+              </a:buClr>
+              <a:buSzPct val="100000"/>
+              <a:buFont typeface="Wingdings" panose="05000000000000000000" pitchFamily="2" charset="2"/>
+              <a:buChar char="§"/>
+              <a:defRPr sz="1400" spc="0">
+                <a:solidFill>
+                  <a:schemeClr val="tx1"/>
+                </a:solidFill>
+                <a:effectLst/>
+                <a:latin typeface="Bahnschrift Light" panose="020B0502040204020203" pitchFamily="34" charset="0"/>
+                <a:ea typeface="Verdana" panose="020B0604030504040204" pitchFamily="34" charset="0"/>
+                <a:cs typeface="Helvetica" panose="020B0604020202020204" pitchFamily="34" charset="0"/>
+              </a:defRPr>
+            </a:lvl1pPr>
+            <a:lvl2pPr marL="784384" lvl="1" indent="-342900" algn="l">
+              <a:spcBef>
+                <a:spcPts val="600"/>
+              </a:spcBef>
+              <a:spcAft>
+                <a:spcPts val="600"/>
+              </a:spcAft>
+              <a:buClr>
+                <a:srgbClr val="AF0E3F"/>
+              </a:buClr>
+              <a:buSzPct val="140000"/>
+              <a:buFont typeface="Wingdings" panose="05000000000000000000" pitchFamily="2" charset="2"/>
+              <a:buChar char="§"/>
+              <a:defRPr sz="2100">
+                <a:solidFill>
+                  <a:srgbClr val="FF6464"/>
+                </a:solidFill>
+              </a:defRPr>
+            </a:lvl2pPr>
+            <a:lvl3pPr marL="1122998" lvl="2" indent="-342900" algn="l">
+              <a:spcBef>
+                <a:spcPts val="600"/>
+              </a:spcBef>
+              <a:spcAft>
+                <a:spcPts val="600"/>
+              </a:spcAft>
+              <a:buClr>
+                <a:srgbClr val="AF0E3F"/>
+              </a:buClr>
+              <a:buSzPct val="140000"/>
+              <a:buFont typeface="Wingdings" panose="05000000000000000000" pitchFamily="2" charset="2"/>
+              <a:buChar char="§"/>
+              <a:defRPr sz="2100"/>
+            </a:lvl3pPr>
+            <a:lvl4pPr marL="1457325" lvl="3" indent="-342900" algn="l">
+              <a:spcBef>
+                <a:spcPts val="600"/>
+              </a:spcBef>
+              <a:spcAft>
+                <a:spcPts val="600"/>
+              </a:spcAft>
+              <a:buClr>
+                <a:srgbClr val="AF0E3F"/>
+              </a:buClr>
+              <a:buSzPct val="140000"/>
+              <a:buFont typeface="Wingdings" panose="05000000000000000000" pitchFamily="2" charset="2"/>
+              <a:buChar char="§"/>
+              <a:defRPr sz="2100" b="1"/>
+            </a:lvl4pPr>
+            <a:lvl5pPr marL="1800225" lvl="4" indent="-342900" algn="l">
+              <a:spcBef>
+                <a:spcPts val="600"/>
+              </a:spcBef>
+              <a:spcAft>
+                <a:spcPts val="600"/>
+              </a:spcAft>
+              <a:buClr>
+                <a:srgbClr val="AF0E3F"/>
+              </a:buClr>
+              <a:buSzPct val="140000"/>
+              <a:buFont typeface="Wingdings" panose="05000000000000000000" pitchFamily="2" charset="2"/>
+              <a:buChar char="§"/>
+              <a:defRPr sz="2100" i="1">
+                <a:solidFill>
+                  <a:srgbClr val="C00000"/>
+                </a:solidFill>
+              </a:defRPr>
+            </a:lvl5pPr>
+            <a:lvl6pPr marL="1800225" lvl="5" indent="0" algn="l">
+              <a:spcBef>
+                <a:spcPts val="600"/>
+              </a:spcBef>
+              <a:spcAft>
+                <a:spcPts val="600"/>
+              </a:spcAft>
+              <a:buClr>
+                <a:srgbClr val="AF0E3F"/>
+              </a:buClr>
+              <a:buSzPct val="140000"/>
+              <a:buFont typeface="Wingdings" panose="05000000000000000000" pitchFamily="2" charset="2"/>
+              <a:buNone/>
+              <a:defRPr sz="2100"/>
+            </a:lvl6pPr>
+            <a:lvl7pPr marL="2400300" lvl="6" indent="-257175" algn="l">
+              <a:spcBef>
+                <a:spcPts val="270"/>
+              </a:spcBef>
+              <a:spcAft>
+                <a:spcPts val="0"/>
+              </a:spcAft>
+              <a:buSzPts val="1800"/>
+              <a:buChar char="•"/>
+              <a:defRPr/>
+            </a:lvl7pPr>
+            <a:lvl8pPr marL="2743200" lvl="7" indent="-257175" algn="l">
+              <a:spcBef>
+                <a:spcPts val="270"/>
+              </a:spcBef>
+              <a:spcAft>
+                <a:spcPts val="0"/>
+              </a:spcAft>
+              <a:buSzPts val="1800"/>
+              <a:buChar char="•"/>
+              <a:defRPr/>
+            </a:lvl8pPr>
+            <a:lvl9pPr marL="3086100" lvl="8" indent="-257175" algn="l">
+              <a:spcBef>
+                <a:spcPts val="270"/>
+              </a:spcBef>
+              <a:spcAft>
+                <a:spcPts val="0"/>
+              </a:spcAft>
+              <a:buSzPts val="1800"/>
+              <a:buChar char="•"/>
+              <a:defRPr/>
+            </a:lvl9pPr>
+          </a:lstStyle>
+          <a:p>
+            <a:r>
+              <a:rPr lang="en-PH" dirty="0"/>
+              <a:t>Sample text</a:t>
+            </a:r>
+          </a:p>
+        </p:txBody>
+      </p:sp>
+      <p:sp>
+        <p:nvSpPr>
+          <p:cNvPr id="27" name="Google Shape;28;p31">
+            <a:extLst>
+              <a:ext uri="{FF2B5EF4-FFF2-40B4-BE49-F238E27FC236}">
+                <a16:creationId xmlns:a16="http://schemas.microsoft.com/office/drawing/2014/main" id="{F9EBFDC1-A551-FD54-3832-55F976F86CE4}"/>
+              </a:ext>
+            </a:extLst>
+          </p:cNvPr>
+          <p:cNvSpPr txBox="1">
+            <a:spLocks noGrp="1"/>
+          </p:cNvSpPr>
+          <p:nvPr>
+            <p:ph type="title" hasCustomPrompt="1"/>
+          </p:nvPr>
+        </p:nvSpPr>
+        <p:spPr>
+          <a:xfrm>
+            <a:off x="628648" y="592963"/>
+            <a:ext cx="8058151" cy="619827"/>
+          </a:xfrm>
+          <a:prstGeom prst="rect">
+            <a:avLst/>
+          </a:prstGeom>
+          <a:noFill/>
+          <a:ln>
+            <a:noFill/>
+          </a:ln>
+        </p:spPr>
+        <p:txBody>
+          <a:bodyPr spcFirstLastPara="1" wrap="square" lIns="91425" tIns="45700" rIns="91425" bIns="45700" anchor="ctr" anchorCtr="0">
+            <a:noAutofit/>
+          </a:bodyPr>
+          <a:lstStyle>
+            <a:lvl1pPr lvl="0" algn="l">
+              <a:spcBef>
+                <a:spcPts val="0"/>
+              </a:spcBef>
+              <a:spcAft>
+                <a:spcPts val="0"/>
+              </a:spcAft>
+              <a:buClr>
+                <a:srgbClr val="C00000"/>
+              </a:buClr>
+              <a:buSzPts val="1800"/>
+              <a:buNone/>
+              <a:defRPr sz="6000" b="1">
+                <a:ln w="0">
+                  <a:noFill/>
+                </a:ln>
+                <a:solidFill>
+                  <a:srgbClr val="467599"/>
+                </a:solidFill>
+                <a:effectLst>
+                  <a:outerShdw dist="38100" dir="8100000" algn="tr" rotWithShape="0">
+                    <a:srgbClr val="D64045"/>
+                  </a:outerShdw>
+                </a:effectLst>
+                <a:latin typeface="Bahnschrift Condensed" panose="020B0502040204020203" pitchFamily="34" charset="0"/>
+                <a:cs typeface="Helvetica" panose="020B0604020202020204" pitchFamily="34" charset="0"/>
+              </a:defRPr>
+            </a:lvl1pPr>
+            <a:lvl2pPr lvl="1">
+              <a:spcBef>
+                <a:spcPts val="0"/>
+              </a:spcBef>
+              <a:spcAft>
+                <a:spcPts val="0"/>
+              </a:spcAft>
+              <a:buSzPts val="1400"/>
+              <a:buNone/>
+              <a:defRPr/>
+            </a:lvl2pPr>
+            <a:lvl3pPr lvl="2">
+              <a:spcBef>
+                <a:spcPts val="0"/>
+              </a:spcBef>
+              <a:spcAft>
+                <a:spcPts val="0"/>
+              </a:spcAft>
+              <a:buSzPts val="1400"/>
+              <a:buNone/>
+              <a:defRPr/>
+            </a:lvl3pPr>
+            <a:lvl4pPr lvl="3">
+              <a:spcBef>
+                <a:spcPts val="0"/>
+              </a:spcBef>
+              <a:spcAft>
+                <a:spcPts val="0"/>
+              </a:spcAft>
+              <a:buSzPts val="1400"/>
+              <a:buNone/>
+              <a:defRPr/>
+            </a:lvl4pPr>
+            <a:lvl5pPr lvl="4">
+              <a:spcBef>
+                <a:spcPts val="0"/>
+              </a:spcBef>
+              <a:spcAft>
+                <a:spcPts val="0"/>
+              </a:spcAft>
+              <a:buSzPts val="1400"/>
+              <a:buNone/>
+              <a:defRPr/>
+            </a:lvl5pPr>
+            <a:lvl6pPr lvl="5">
+              <a:spcBef>
+                <a:spcPts val="0"/>
+              </a:spcBef>
+              <a:spcAft>
+                <a:spcPts val="0"/>
+              </a:spcAft>
+              <a:buSzPts val="1400"/>
+              <a:buNone/>
+              <a:defRPr/>
+            </a:lvl6pPr>
+            <a:lvl7pPr lvl="6">
+              <a:spcBef>
+                <a:spcPts val="0"/>
+              </a:spcBef>
+              <a:spcAft>
+                <a:spcPts val="0"/>
+              </a:spcAft>
+              <a:buSzPts val="1400"/>
+              <a:buNone/>
+              <a:defRPr/>
+            </a:lvl7pPr>
+            <a:lvl8pPr lvl="7">
+              <a:spcBef>
+                <a:spcPts val="0"/>
+              </a:spcBef>
+              <a:spcAft>
+                <a:spcPts val="0"/>
+              </a:spcAft>
+              <a:buSzPts val="1400"/>
+              <a:buNone/>
+              <a:defRPr/>
+            </a:lvl8pPr>
+            <a:lvl9pPr lvl="8">
+              <a:spcBef>
+                <a:spcPts val="0"/>
+              </a:spcBef>
+              <a:spcAft>
+                <a:spcPts val="0"/>
+              </a:spcAft>
+              <a:buSzPts val="1400"/>
+              <a:buNone/>
+              <a:defRPr/>
+            </a:lvl9pPr>
+          </a:lstStyle>
+          <a:p>
+            <a:r>
+              <a:rPr lang="en-US" dirty="0"/>
+              <a:t>	reflection</a:t>
+            </a:r>
+            <a:endParaRPr dirty="0"/>
+          </a:p>
+        </p:txBody>
+      </p:sp>
+      <p:sp>
+        <p:nvSpPr>
+          <p:cNvPr id="10" name="Footer Placeholder 4">
+            <a:extLst>
+              <a:ext uri="{FF2B5EF4-FFF2-40B4-BE49-F238E27FC236}">
+                <a16:creationId xmlns:a16="http://schemas.microsoft.com/office/drawing/2014/main" id="{0C0EA192-0932-FEAE-9E17-3AF1158A6950}"/>
+              </a:ext>
+            </a:extLst>
+          </p:cNvPr>
+          <p:cNvSpPr>
+            <a:spLocks noGrp="1"/>
+          </p:cNvSpPr>
+          <p:nvPr>
+            <p:ph type="ftr" sz="quarter" idx="3"/>
+          </p:nvPr>
+        </p:nvSpPr>
+        <p:spPr>
+          <a:xfrm>
+            <a:off x="628649" y="6356351"/>
+            <a:ext cx="6818525" cy="365125"/>
+          </a:xfrm>
+          <a:prstGeom prst="rect">
+            <a:avLst/>
+          </a:prstGeom>
+        </p:spPr>
+        <p:txBody>
+          <a:bodyPr vert="horz" lIns="91440" tIns="45720" rIns="91440" bIns="45720" rtlCol="0" anchor="ctr"/>
+          <a:lstStyle>
+            <a:lvl1pPr algn="l">
+              <a:defRPr sz="1800" spc="300">
+                <a:solidFill>
+                  <a:srgbClr val="D64045"/>
+                </a:solidFill>
+                <a:latin typeface="Bahnschrift Condensed" panose="020B0502040204020203" pitchFamily="34" charset="0"/>
+              </a:defRPr>
+            </a:lvl1pPr>
+          </a:lstStyle>
+          <a:p>
+            <a:r>
+              <a:rPr lang="en-US"/>
+              <a:t>Physics 301 - Advanced Signal and Image Processing</a:t>
+            </a:r>
+            <a:endParaRPr lang="en-US" dirty="0"/>
+          </a:p>
+        </p:txBody>
+      </p:sp>
+      <p:sp>
+        <p:nvSpPr>
+          <p:cNvPr id="11" name="Slide Number Placeholder 5">
+            <a:extLst>
+              <a:ext uri="{FF2B5EF4-FFF2-40B4-BE49-F238E27FC236}">
+                <a16:creationId xmlns:a16="http://schemas.microsoft.com/office/drawing/2014/main" id="{5997149A-AE92-98E3-B00D-1C6E247F5246}"/>
+              </a:ext>
+            </a:extLst>
+          </p:cNvPr>
+          <p:cNvSpPr>
+            <a:spLocks noGrp="1"/>
+          </p:cNvSpPr>
+          <p:nvPr>
+            <p:ph type="sldNum" sz="quarter" idx="4"/>
+          </p:nvPr>
+        </p:nvSpPr>
+        <p:spPr>
+          <a:xfrm>
+            <a:off x="7588576" y="6356351"/>
+            <a:ext cx="926773" cy="365125"/>
+          </a:xfrm>
+          <a:prstGeom prst="rect">
+            <a:avLst/>
+          </a:prstGeom>
+        </p:spPr>
+        <p:txBody>
+          <a:bodyPr vert="horz" lIns="91440" tIns="45720" rIns="91440" bIns="45720" rtlCol="0" anchor="ctr"/>
+          <a:lstStyle>
+            <a:lvl1pPr algn="r">
+              <a:defRPr sz="1800" spc="300">
+                <a:solidFill>
+                  <a:srgbClr val="D64045"/>
+                </a:solidFill>
+                <a:latin typeface="Bahnschrift Condensed" panose="020B0502040204020203" pitchFamily="34" charset="0"/>
+              </a:defRPr>
+            </a:lvl1pPr>
+          </a:lstStyle>
+          <a:p>
+            <a:fld id="{8262CFD8-7A98-47E6-A2CC-B17DDA24BA0E}" type="slidenum">
+              <a:rPr lang="en-US" smtClean="0"/>
+              <a:pPr/>
+              <a:t>‹#›</a:t>
+            </a:fld>
+            <a:endParaRPr lang="en-US"/>
+          </a:p>
+        </p:txBody>
+      </p:sp>
+      <p:sp>
+        <p:nvSpPr>
+          <p:cNvPr id="15" name="Google Shape;29;p31">
+            <a:extLst>
+              <a:ext uri="{FF2B5EF4-FFF2-40B4-BE49-F238E27FC236}">
+                <a16:creationId xmlns:a16="http://schemas.microsoft.com/office/drawing/2014/main" id="{8DE1B49A-DE74-91FA-2C55-7A926302AD4F}"/>
+              </a:ext>
+            </a:extLst>
+          </p:cNvPr>
+          <p:cNvSpPr txBox="1">
+            <a:spLocks noGrp="1"/>
+          </p:cNvSpPr>
+          <p:nvPr>
+            <p:ph type="body" idx="10" hasCustomPrompt="1"/>
+          </p:nvPr>
+        </p:nvSpPr>
+        <p:spPr>
+          <a:xfrm>
+            <a:off x="628649" y="4218650"/>
+            <a:ext cx="8058152" cy="2046387"/>
+          </a:xfrm>
+          <a:prstGeom prst="rect">
+            <a:avLst/>
+          </a:prstGeom>
+          <a:noFill/>
+          <a:ln>
+            <a:noFill/>
+          </a:ln>
+        </p:spPr>
+        <p:txBody>
+          <a:bodyPr spcFirstLastPara="1" wrap="square" lIns="91425" tIns="45700" rIns="91425" bIns="45700" anchor="t" anchorCtr="0">
+            <a:noAutofit/>
+          </a:bodyPr>
+          <a:lstStyle>
+            <a:lvl1pPr marL="312896" lvl="0" indent="-214313" algn="l">
+              <a:lnSpc>
+                <a:spcPct val="100000"/>
+              </a:lnSpc>
+              <a:spcBef>
+                <a:spcPts val="0"/>
+              </a:spcBef>
+              <a:spcAft>
+                <a:spcPts val="0"/>
+              </a:spcAft>
+              <a:buClr>
+                <a:srgbClr val="C00000"/>
+              </a:buClr>
+              <a:buSzPct val="100000"/>
+              <a:buFont typeface="Wingdings" panose="05000000000000000000" pitchFamily="2" charset="2"/>
+              <a:buChar char="§"/>
+              <a:defRPr sz="1400" spc="0">
+                <a:solidFill>
+                  <a:schemeClr val="tx1"/>
+                </a:solidFill>
+                <a:effectLst/>
+                <a:latin typeface="Bahnschrift Light" panose="020B0502040204020203" pitchFamily="34" charset="0"/>
+                <a:ea typeface="Verdana" panose="020B0604030504040204" pitchFamily="34" charset="0"/>
+                <a:cs typeface="Helvetica" panose="020B0604020202020204" pitchFamily="34" charset="0"/>
+              </a:defRPr>
+            </a:lvl1pPr>
+            <a:lvl2pPr marL="784384" lvl="1" indent="-342900" algn="l">
+              <a:spcBef>
+                <a:spcPts val="600"/>
+              </a:spcBef>
+              <a:spcAft>
+                <a:spcPts val="600"/>
+              </a:spcAft>
+              <a:buClr>
+                <a:srgbClr val="AF0E3F"/>
+              </a:buClr>
+              <a:buSzPct val="140000"/>
+              <a:buFont typeface="Wingdings" panose="05000000000000000000" pitchFamily="2" charset="2"/>
+              <a:buChar char="§"/>
+              <a:defRPr sz="2100">
+                <a:solidFill>
+                  <a:srgbClr val="FF6464"/>
+                </a:solidFill>
+              </a:defRPr>
+            </a:lvl2pPr>
+            <a:lvl3pPr marL="1122998" lvl="2" indent="-342900" algn="l">
+              <a:spcBef>
+                <a:spcPts val="600"/>
+              </a:spcBef>
+              <a:spcAft>
+                <a:spcPts val="600"/>
+              </a:spcAft>
+              <a:buClr>
+                <a:srgbClr val="AF0E3F"/>
+              </a:buClr>
+              <a:buSzPct val="140000"/>
+              <a:buFont typeface="Wingdings" panose="05000000000000000000" pitchFamily="2" charset="2"/>
+              <a:buChar char="§"/>
+              <a:defRPr sz="2100"/>
+            </a:lvl3pPr>
+            <a:lvl4pPr marL="1457325" lvl="3" indent="-342900" algn="l">
+              <a:spcBef>
+                <a:spcPts val="600"/>
+              </a:spcBef>
+              <a:spcAft>
+                <a:spcPts val="600"/>
+              </a:spcAft>
+              <a:buClr>
+                <a:srgbClr val="AF0E3F"/>
+              </a:buClr>
+              <a:buSzPct val="140000"/>
+              <a:buFont typeface="Wingdings" panose="05000000000000000000" pitchFamily="2" charset="2"/>
+              <a:buChar char="§"/>
+              <a:defRPr sz="2100" b="1"/>
+            </a:lvl4pPr>
+            <a:lvl5pPr marL="1800225" lvl="4" indent="-342900" algn="l">
+              <a:spcBef>
+                <a:spcPts val="600"/>
+              </a:spcBef>
+              <a:spcAft>
+                <a:spcPts val="600"/>
+              </a:spcAft>
+              <a:buClr>
+                <a:srgbClr val="AF0E3F"/>
+              </a:buClr>
+              <a:buSzPct val="140000"/>
+              <a:buFont typeface="Wingdings" panose="05000000000000000000" pitchFamily="2" charset="2"/>
+              <a:buChar char="§"/>
+              <a:defRPr sz="2100" i="1">
+                <a:solidFill>
+                  <a:srgbClr val="C00000"/>
+                </a:solidFill>
+              </a:defRPr>
+            </a:lvl5pPr>
+            <a:lvl6pPr marL="1800225" lvl="5" indent="0" algn="l">
+              <a:spcBef>
+                <a:spcPts val="600"/>
+              </a:spcBef>
+              <a:spcAft>
+                <a:spcPts val="600"/>
+              </a:spcAft>
+              <a:buClr>
+                <a:srgbClr val="AF0E3F"/>
+              </a:buClr>
+              <a:buSzPct val="140000"/>
+              <a:buFont typeface="Wingdings" panose="05000000000000000000" pitchFamily="2" charset="2"/>
+              <a:buNone/>
+              <a:defRPr sz="2100"/>
+            </a:lvl6pPr>
+            <a:lvl7pPr marL="2400300" lvl="6" indent="-257175" algn="l">
+              <a:spcBef>
+                <a:spcPts val="270"/>
+              </a:spcBef>
+              <a:spcAft>
+                <a:spcPts val="0"/>
+              </a:spcAft>
+              <a:buSzPts val="1800"/>
+              <a:buChar char="•"/>
+              <a:defRPr/>
+            </a:lvl7pPr>
+            <a:lvl8pPr marL="2743200" lvl="7" indent="-257175" algn="l">
+              <a:spcBef>
+                <a:spcPts val="270"/>
+              </a:spcBef>
+              <a:spcAft>
+                <a:spcPts val="0"/>
+              </a:spcAft>
+              <a:buSzPts val="1800"/>
+              <a:buChar char="•"/>
+              <a:defRPr/>
+            </a:lvl8pPr>
+            <a:lvl9pPr marL="3086100" lvl="8" indent="-257175" algn="l">
+              <a:spcBef>
+                <a:spcPts val="270"/>
+              </a:spcBef>
+              <a:spcAft>
+                <a:spcPts val="0"/>
+              </a:spcAft>
+              <a:buSzPts val="1800"/>
+              <a:buChar char="•"/>
+              <a:defRPr/>
+            </a:lvl9pPr>
+          </a:lstStyle>
+          <a:p>
+            <a:r>
+              <a:rPr lang="en-PH" dirty="0"/>
+              <a:t>Sample text</a:t>
+            </a:r>
+          </a:p>
+        </p:txBody>
+      </p:sp>
+      <p:pic>
+        <p:nvPicPr>
+          <p:cNvPr id="3" name="Graphic 2" descr="Quill with solid fill">
+            <a:extLst>
+              <a:ext uri="{FF2B5EF4-FFF2-40B4-BE49-F238E27FC236}">
+                <a16:creationId xmlns:a16="http://schemas.microsoft.com/office/drawing/2014/main" id="{B9FFA53B-2F18-9DF8-3F6A-763705EA42D4}"/>
+              </a:ext>
+            </a:extLst>
+          </p:cNvPr>
+          <p:cNvPicPr>
+            <a:picLocks noChangeAspect="1"/>
+          </p:cNvPicPr>
+          <p:nvPr userDrawn="1"/>
+        </p:nvPicPr>
+        <p:blipFill>
+          <a:blip r:embed="rId2">
+            <a:extLst>
+              <a:ext uri="{28A0092B-C50C-407E-A947-70E740481C1C}">
+                <a14:useLocalDpi xmlns:a14="http://schemas.microsoft.com/office/drawing/2010/main" val="0"/>
+              </a:ext>
+              <a:ext uri="{96DAC541-7B7A-43D3-8B79-37D633B846F1}">
+                <asvg:svgBlip xmlns:asvg="http://schemas.microsoft.com/office/drawing/2016/SVG/main" r:embed="rId3"/>
+              </a:ext>
+            </a:extLst>
+          </a:blip>
+          <a:stretch>
+            <a:fillRect/>
+          </a:stretch>
+        </p:blipFill>
+        <p:spPr>
+          <a:xfrm>
+            <a:off x="628648" y="108870"/>
+            <a:ext cx="1216291" cy="1216291"/>
+          </a:xfrm>
+          <a:prstGeom prst="rect">
+            <a:avLst/>
+          </a:prstGeom>
+          <a:effectLst>
+            <a:outerShdw dist="38100" dir="8100000" algn="tr" rotWithShape="0">
+              <a:srgbClr val="D64045"/>
+            </a:outerShdw>
+          </a:effectLst>
+        </p:spPr>
+      </p:pic>
+      <p:grpSp>
+        <p:nvGrpSpPr>
+          <p:cNvPr id="2" name="Group 1">
+            <a:extLst>
+              <a:ext uri="{FF2B5EF4-FFF2-40B4-BE49-F238E27FC236}">
+                <a16:creationId xmlns:a16="http://schemas.microsoft.com/office/drawing/2014/main" id="{BDEF291E-D32F-A650-73A0-C6F41F2BDFAB}"/>
+              </a:ext>
+            </a:extLst>
+          </p:cNvPr>
+          <p:cNvGrpSpPr/>
+          <p:nvPr userDrawn="1"/>
+        </p:nvGrpSpPr>
+        <p:grpSpPr>
+          <a:xfrm>
+            <a:off x="457200" y="3207152"/>
+            <a:ext cx="5773918" cy="1057912"/>
+            <a:chOff x="457200" y="3196343"/>
+            <a:chExt cx="5773918" cy="1057912"/>
+          </a:xfrm>
+        </p:grpSpPr>
+        <p:sp>
+          <p:nvSpPr>
+            <p:cNvPr id="13" name="Google Shape;28;p31">
+              <a:extLst>
+                <a:ext uri="{FF2B5EF4-FFF2-40B4-BE49-F238E27FC236}">
+                  <a16:creationId xmlns:a16="http://schemas.microsoft.com/office/drawing/2014/main" id="{69155587-274E-3D4D-6FAB-37A2307CD7B0}"/>
+                </a:ext>
+              </a:extLst>
+            </p:cNvPr>
+            <p:cNvSpPr txBox="1">
+              <a:spLocks/>
+            </p:cNvSpPr>
+            <p:nvPr userDrawn="1"/>
+          </p:nvSpPr>
+          <p:spPr>
+            <a:xfrm>
+              <a:off x="457200" y="3442604"/>
+              <a:ext cx="5773918" cy="619827"/>
+            </a:xfrm>
+            <a:prstGeom prst="rect">
+              <a:avLst/>
+            </a:prstGeom>
+            <a:noFill/>
+            <a:ln>
+              <a:noFill/>
+            </a:ln>
+          </p:spPr>
+          <p:txBody>
+            <a:bodyPr spcFirstLastPara="1" wrap="square" lIns="91425" tIns="45700" rIns="91425" bIns="45700" anchor="ctr" anchorCtr="0">
+              <a:noAutofit/>
+            </a:bodyPr>
+            <a:lstStyle>
+              <a:defPPr marR="0" lvl="0" algn="l" rtl="0">
+                <a:lnSpc>
+                  <a:spcPct val="100000"/>
+                </a:lnSpc>
+                <a:spcBef>
+                  <a:spcPts val="0"/>
+                </a:spcBef>
+                <a:spcAft>
+                  <a:spcPts val="0"/>
+                </a:spcAft>
+              </a:defPPr>
+              <a:lvl1pPr marR="0" lvl="0" algn="l" rtl="0" eaLnBrk="1" hangingPunct="1">
+                <a:lnSpc>
+                  <a:spcPct val="100000"/>
+                </a:lnSpc>
+                <a:spcBef>
+                  <a:spcPts val="0"/>
+                </a:spcBef>
+                <a:spcAft>
+                  <a:spcPts val="0"/>
+                </a:spcAft>
+                <a:buClr>
+                  <a:srgbClr val="C00000"/>
+                </a:buClr>
+                <a:buSzPts val="1800"/>
+                <a:buFont typeface="Arial"/>
+                <a:buNone/>
+                <a:defRPr sz="6000" b="1" i="0" u="none" strike="noStrike" cap="none">
+                  <a:ln w="0">
+                    <a:noFill/>
+                  </a:ln>
+                  <a:solidFill>
+                    <a:srgbClr val="D64045"/>
+                  </a:solidFill>
+                  <a:effectLst>
+                    <a:outerShdw dist="38100" dir="8100000" algn="tr" rotWithShape="0">
+                      <a:srgbClr val="467599"/>
+                    </a:outerShdw>
+                  </a:effectLst>
+                  <a:latin typeface="Bahnschrift Condensed" panose="020B0502040204020203" pitchFamily="34" charset="0"/>
+                  <a:ea typeface="Verdana" panose="020B0604030504040204" pitchFamily="34" charset="0"/>
+                  <a:cs typeface="Helvetica" panose="020B0604020202020204" pitchFamily="34" charset="0"/>
+                  <a:sym typeface="Arial"/>
+                </a:defRPr>
+              </a:lvl1pPr>
+              <a:lvl2pPr marR="0" lvl="1" algn="l" rtl="0" eaLnBrk="1" hangingPunct="1">
+                <a:lnSpc>
+                  <a:spcPct val="100000"/>
+                </a:lnSpc>
+                <a:spcBef>
+                  <a:spcPts val="0"/>
+                </a:spcBef>
+                <a:spcAft>
+                  <a:spcPts val="0"/>
+                </a:spcAft>
+                <a:buClr>
+                  <a:srgbClr val="000000"/>
+                </a:buClr>
+                <a:buSzPts val="1400"/>
+                <a:buFont typeface="Arial"/>
+                <a:buNone/>
+                <a:defRPr sz="1050" b="0" i="0" u="none" strike="noStrike" cap="none">
+                  <a:solidFill>
+                    <a:srgbClr val="000000"/>
+                  </a:solidFill>
+                  <a:latin typeface="Arial"/>
+                  <a:ea typeface="Arial"/>
+                  <a:cs typeface="Arial"/>
+                  <a:sym typeface="Arial"/>
+                </a:defRPr>
+              </a:lvl2pPr>
+              <a:lvl3pPr marR="0" lvl="2" algn="l" rtl="0" eaLnBrk="1" hangingPunct="1">
+                <a:lnSpc>
+                  <a:spcPct val="100000"/>
+                </a:lnSpc>
+                <a:spcBef>
+                  <a:spcPts val="0"/>
+                </a:spcBef>
+                <a:spcAft>
+                  <a:spcPts val="0"/>
+                </a:spcAft>
+                <a:buClr>
+                  <a:srgbClr val="000000"/>
+                </a:buClr>
+                <a:buSzPts val="1400"/>
+                <a:buFont typeface="Arial"/>
+                <a:buNone/>
+                <a:defRPr sz="1050" b="0" i="0" u="none" strike="noStrike" cap="none">
+                  <a:solidFill>
+                    <a:srgbClr val="000000"/>
+                  </a:solidFill>
+                  <a:latin typeface="Arial"/>
+                  <a:ea typeface="Arial"/>
+                  <a:cs typeface="Arial"/>
+                  <a:sym typeface="Arial"/>
+                </a:defRPr>
+              </a:lvl3pPr>
+              <a:lvl4pPr marR="0" lvl="3" algn="l" rtl="0" eaLnBrk="1" hangingPunct="1">
+                <a:lnSpc>
+                  <a:spcPct val="100000"/>
+                </a:lnSpc>
+                <a:spcBef>
+                  <a:spcPts val="0"/>
+                </a:spcBef>
+                <a:spcAft>
+                  <a:spcPts val="0"/>
+                </a:spcAft>
+                <a:buClr>
+                  <a:srgbClr val="000000"/>
+                </a:buClr>
+                <a:buSzPts val="1400"/>
+                <a:buFont typeface="Arial"/>
+                <a:buNone/>
+                <a:defRPr sz="1050" b="0" i="0" u="none" strike="noStrike" cap="none">
+                  <a:solidFill>
+                    <a:srgbClr val="000000"/>
+                  </a:solidFill>
+                  <a:latin typeface="Arial"/>
+                  <a:ea typeface="Arial"/>
+                  <a:cs typeface="Arial"/>
+                  <a:sym typeface="Arial"/>
+                </a:defRPr>
+              </a:lvl4pPr>
+              <a:lvl5pPr marR="0" lvl="4" algn="l" rtl="0" eaLnBrk="1" hangingPunct="1">
+                <a:lnSpc>
+                  <a:spcPct val="100000"/>
+                </a:lnSpc>
+                <a:spcBef>
+                  <a:spcPts val="0"/>
+                </a:spcBef>
+                <a:spcAft>
+                  <a:spcPts val="0"/>
+                </a:spcAft>
+                <a:buClr>
+                  <a:srgbClr val="000000"/>
+                </a:buClr>
+                <a:buSzPts val="1400"/>
+                <a:buFont typeface="Arial"/>
+                <a:buNone/>
+                <a:defRPr sz="1050" b="0" i="0" u="none" strike="noStrike" cap="none">
+                  <a:solidFill>
+                    <a:srgbClr val="000000"/>
+                  </a:solidFill>
+                  <a:latin typeface="Arial"/>
+                  <a:ea typeface="Arial"/>
+                  <a:cs typeface="Arial"/>
+                  <a:sym typeface="Arial"/>
+                </a:defRPr>
+              </a:lvl5pPr>
+              <a:lvl6pPr marR="0" lvl="5" algn="l" rtl="0" eaLnBrk="1" hangingPunct="1">
+                <a:lnSpc>
+                  <a:spcPct val="100000"/>
+                </a:lnSpc>
+                <a:spcBef>
+                  <a:spcPts val="0"/>
+                </a:spcBef>
+                <a:spcAft>
+                  <a:spcPts val="0"/>
+                </a:spcAft>
+                <a:buClr>
+                  <a:srgbClr val="000000"/>
+                </a:buClr>
+                <a:buSzPts val="1400"/>
+                <a:buFont typeface="Arial"/>
+                <a:buNone/>
+                <a:defRPr sz="1050" b="0" i="0" u="none" strike="noStrike" cap="none">
+                  <a:solidFill>
+                    <a:srgbClr val="000000"/>
+                  </a:solidFill>
+                  <a:latin typeface="Arial"/>
+                  <a:ea typeface="Arial"/>
+                  <a:cs typeface="Arial"/>
+                  <a:sym typeface="Arial"/>
+                </a:defRPr>
+              </a:lvl6pPr>
+              <a:lvl7pPr marR="0" lvl="6" algn="l" rtl="0" eaLnBrk="1" hangingPunct="1">
+                <a:lnSpc>
+                  <a:spcPct val="100000"/>
+                </a:lnSpc>
+                <a:spcBef>
+                  <a:spcPts val="0"/>
+                </a:spcBef>
+                <a:spcAft>
+                  <a:spcPts val="0"/>
+                </a:spcAft>
+                <a:buClr>
+                  <a:srgbClr val="000000"/>
+                </a:buClr>
+                <a:buSzPts val="1400"/>
+                <a:buFont typeface="Arial"/>
+                <a:buNone/>
+                <a:defRPr sz="1050" b="0" i="0" u="none" strike="noStrike" cap="none">
+                  <a:solidFill>
+                    <a:srgbClr val="000000"/>
+                  </a:solidFill>
+                  <a:latin typeface="Arial"/>
+                  <a:ea typeface="Arial"/>
+                  <a:cs typeface="Arial"/>
+                  <a:sym typeface="Arial"/>
+                </a:defRPr>
+              </a:lvl7pPr>
+              <a:lvl8pPr marR="0" lvl="7" algn="l" rtl="0" eaLnBrk="1" hangingPunct="1">
+                <a:lnSpc>
+                  <a:spcPct val="100000"/>
+                </a:lnSpc>
+                <a:spcBef>
+                  <a:spcPts val="0"/>
+                </a:spcBef>
+                <a:spcAft>
+                  <a:spcPts val="0"/>
+                </a:spcAft>
+                <a:buClr>
+                  <a:srgbClr val="000000"/>
+                </a:buClr>
+                <a:buSzPts val="1400"/>
+                <a:buFont typeface="Arial"/>
+                <a:buNone/>
+                <a:defRPr sz="1050" b="0" i="0" u="none" strike="noStrike" cap="none">
+                  <a:solidFill>
+                    <a:srgbClr val="000000"/>
+                  </a:solidFill>
+                  <a:latin typeface="Arial"/>
+                  <a:ea typeface="Arial"/>
+                  <a:cs typeface="Arial"/>
+                  <a:sym typeface="Arial"/>
+                </a:defRPr>
+              </a:lvl8pPr>
+              <a:lvl9pPr marR="0" lvl="8" algn="l" rtl="0" eaLnBrk="1" hangingPunct="1">
+                <a:lnSpc>
+                  <a:spcPct val="100000"/>
+                </a:lnSpc>
+                <a:spcBef>
+                  <a:spcPts val="0"/>
+                </a:spcBef>
+                <a:spcAft>
+                  <a:spcPts val="0"/>
+                </a:spcAft>
+                <a:buClr>
+                  <a:srgbClr val="000000"/>
+                </a:buClr>
+                <a:buSzPts val="1400"/>
+                <a:buFont typeface="Arial"/>
+                <a:buNone/>
+                <a:defRPr sz="1050" b="0" i="0" u="none" strike="noStrike" cap="none">
+                  <a:solidFill>
+                    <a:srgbClr val="000000"/>
+                  </a:solidFill>
+                  <a:latin typeface="Arial"/>
+                  <a:ea typeface="Arial"/>
+                  <a:cs typeface="Arial"/>
+                  <a:sym typeface="Arial"/>
+                </a:defRPr>
+              </a:lvl9pPr>
+            </a:lstStyle>
+            <a:p>
+              <a:pPr algn="l"/>
+              <a:r>
+                <a:rPr lang="en-US" dirty="0"/>
+                <a:t>		 references</a:t>
+              </a:r>
+            </a:p>
+          </p:txBody>
+        </p:sp>
+        <p:pic>
+          <p:nvPicPr>
+            <p:cNvPr id="5" name="Graphic 4" descr="Books on shelf with solid fill">
+              <a:extLst>
+                <a:ext uri="{FF2B5EF4-FFF2-40B4-BE49-F238E27FC236}">
+                  <a16:creationId xmlns:a16="http://schemas.microsoft.com/office/drawing/2014/main" id="{AB4532E4-388F-287E-4D9F-36F277E56A34}"/>
+                </a:ext>
+              </a:extLst>
+            </p:cNvPr>
+            <p:cNvPicPr>
+              <a:picLocks noChangeAspect="1"/>
+            </p:cNvPicPr>
+            <p:nvPr userDrawn="1"/>
+          </p:nvPicPr>
+          <p:blipFill>
+            <a:blip r:embed="rId4">
+              <a:extLst>
+                <a:ext uri="{28A0092B-C50C-407E-A947-70E740481C1C}">
+                  <a14:useLocalDpi xmlns:a14="http://schemas.microsoft.com/office/drawing/2010/main" val="0"/>
+                </a:ext>
+                <a:ext uri="{96DAC541-7B7A-43D3-8B79-37D633B846F1}">
+                  <asvg:svgBlip xmlns:asvg="http://schemas.microsoft.com/office/drawing/2016/SVG/main" r:embed="rId5"/>
+                </a:ext>
+              </a:extLst>
+            </a:blip>
+            <a:stretch>
+              <a:fillRect/>
+            </a:stretch>
+          </p:blipFill>
+          <p:spPr>
+            <a:xfrm>
+              <a:off x="628648" y="3196343"/>
+              <a:ext cx="1057912" cy="1057912"/>
+            </a:xfrm>
+            <a:prstGeom prst="rect">
+              <a:avLst/>
+            </a:prstGeom>
+            <a:effectLst>
+              <a:outerShdw dist="38100" dir="8100000" algn="tr" rotWithShape="0">
+                <a:srgbClr val="467599"/>
+              </a:outerShdw>
+            </a:effectLst>
+          </p:spPr>
+        </p:pic>
+      </p:grpSp>
+    </p:spTree>
+    <p:extLst>
+      <p:ext uri="{BB962C8B-B14F-4D97-AF65-F5344CB8AC3E}">
+        <p14:creationId xmlns:p14="http://schemas.microsoft.com/office/powerpoint/2010/main" val="2792379138"/>
+      </p:ext>
+    </p:extLst>
+  </p:cSld>
+  <p:clrMapOvr>
+    <a:masterClrMapping/>
+  </p:clrMapOvr>
+  <mc:AlternateContent xmlns:mc="http://schemas.openxmlformats.org/markup-compatibility/2006" xmlns:p14="http://schemas.microsoft.com/office/powerpoint/2010/main">
+    <mc:Choice Requires="p14">
+      <p:transition p14:dur="200">
+        <p:fade/>
+      </p:transition>
+    </mc:Choice>
+    <mc:Fallback xmlns:ahyp="http://schemas.microsoft.com/office/drawing/2018/hyperlinkcolor" xmlns:p15="http://schemas.microsoft.com/office/powerpoint/2012/main" xmlns:com="http://schemas.openxmlformats.org/drawingml/2006/compatibility" xmlns:pvml="urn:schemas-microsoft-com:office:powerpoint" xmlns:v="urn:schemas-microsoft-com:vml" xmlns:o="urn:schemas-microsoft-com:office:office" xmlns:dgm="http://schemas.openxmlformats.org/drawingml/2006/diagram" xmlns:c="http://schemas.openxmlformats.org/drawingml/2006/chart" xmlns:mv="urn:schemas-microsoft-com:mac:vml" xmlns="">
+      <p:transition>
+        <p:fade/>
+      </p:transition>
+    </mc:Fallback>
+  </mc:AlternateContent>
+</p:sldLayout>
+</file>
+
+<file path=ppt/slideLayouts/slideLayout5.xml><?xml version="1.0" encoding="utf-8"?>
 <p:sldLayout xmlns:a="http://schemas.openxmlformats.org/drawingml/2006/main" xmlns:r="http://schemas.openxmlformats.org/officeDocument/2006/relationships" xmlns:p="http://schemas.openxmlformats.org/presentationml/2006/main" type="obj" preserve="1">
   <p:cSld name="Title and Content">
     <p:bg>
@@ -5534,7 +8301,7 @@
 </p:sldLayout>
 </file>
 
-<file path=ppt/slideLayouts/slideLayout4.xml><?xml version="1.0" encoding="utf-8"?>
+<file path=ppt/slideLayouts/slideLayout6.xml><?xml version="1.0" encoding="utf-8"?>
 <p:sldLayout xmlns:a="http://schemas.openxmlformats.org/drawingml/2006/main" xmlns:r="http://schemas.openxmlformats.org/officeDocument/2006/relationships" xmlns:p="http://schemas.openxmlformats.org/presentationml/2006/main" type="secHead" preserve="1">
   <p:cSld name="Section Header">
     <p:spTree>
@@ -5785,7 +8552,7 @@
 </p:sldLayout>
 </file>
 
-<file path=ppt/slideLayouts/slideLayout5.xml><?xml version="1.0" encoding="utf-8"?>
+<file path=ppt/slideLayouts/slideLayout7.xml><?xml version="1.0" encoding="utf-8"?>
 <p:sldLayout xmlns:a="http://schemas.openxmlformats.org/drawingml/2006/main" xmlns:r="http://schemas.openxmlformats.org/officeDocument/2006/relationships" xmlns:p="http://schemas.openxmlformats.org/presentationml/2006/main" type="twoObj" preserve="1">
   <p:cSld name="Two Content">
     <p:spTree>
@@ -6024,7 +8791,7 @@
 </p:sldLayout>
 </file>
 
-<file path=ppt/slideLayouts/slideLayout6.xml><?xml version="1.0" encoding="utf-8"?>
+<file path=ppt/slideLayouts/slideLayout8.xml><?xml version="1.0" encoding="utf-8"?>
 <p:sldLayout xmlns:a="http://schemas.openxmlformats.org/drawingml/2006/main" xmlns:r="http://schemas.openxmlformats.org/officeDocument/2006/relationships" xmlns:p="http://schemas.openxmlformats.org/presentationml/2006/main" type="twoTxTwoObj" preserve="1">
   <p:cSld name="Comparison">
     <p:spTree>
@@ -6398,7 +9165,7 @@
 </p:sldLayout>
 </file>
 
-<file path=ppt/slideLayouts/slideLayout7.xml><?xml version="1.0" encoding="utf-8"?>
+<file path=ppt/slideLayouts/slideLayout9.xml><?xml version="1.0" encoding="utf-8"?>
 <p:sldLayout xmlns:a="http://schemas.openxmlformats.org/drawingml/2006/main" xmlns:r="http://schemas.openxmlformats.org/officeDocument/2006/relationships" xmlns:p="http://schemas.openxmlformats.org/presentationml/2006/main" type="titleOnly" preserve="1">
   <p:cSld name="Title Only">
     <p:spTree>
@@ -6514,392 +9281,6 @@
     <p:extLst>
       <p:ext uri="{BB962C8B-B14F-4D97-AF65-F5344CB8AC3E}">
         <p14:creationId xmlns:p14="http://schemas.microsoft.com/office/powerpoint/2010/main" val="1672111681"/>
-      </p:ext>
-    </p:extLst>
-  </p:cSld>
-  <p:clrMapOvr>
-    <a:masterClrMapping/>
-  </p:clrMapOvr>
-</p:sldLayout>
-</file>
-
-<file path=ppt/slideLayouts/slideLayout8.xml><?xml version="1.0" encoding="utf-8"?>
-<p:sldLayout xmlns:a="http://schemas.openxmlformats.org/drawingml/2006/main" xmlns:r="http://schemas.openxmlformats.org/officeDocument/2006/relationships" xmlns:p="http://schemas.openxmlformats.org/presentationml/2006/main" type="blank" preserve="1">
-  <p:cSld name="Blank">
-    <p:spTree>
-      <p:nvGrpSpPr>
-        <p:cNvPr id="1" name=""/>
-        <p:cNvGrpSpPr/>
-        <p:nvPr/>
-      </p:nvGrpSpPr>
-      <p:grpSpPr>
-        <a:xfrm>
-          <a:off x="0" y="0"/>
-          <a:ext cx="0" cy="0"/>
-          <a:chOff x="0" y="0"/>
-          <a:chExt cx="0" cy="0"/>
-        </a:xfrm>
-      </p:grpSpPr>
-      <p:sp>
-        <p:nvSpPr>
-          <p:cNvPr id="2" name="Date Placeholder 1"/>
-          <p:cNvSpPr>
-            <a:spLocks noGrp="1"/>
-          </p:cNvSpPr>
-          <p:nvPr>
-            <p:ph type="dt" sz="half" idx="10"/>
-          </p:nvPr>
-        </p:nvSpPr>
-        <p:spPr>
-          <a:xfrm>
-            <a:off x="628650" y="6356351"/>
-            <a:ext cx="2057400" cy="365125"/>
-          </a:xfrm>
-          <a:prstGeom prst="rect">
-            <a:avLst/>
-          </a:prstGeom>
-        </p:spPr>
-        <p:txBody>
-          <a:bodyPr/>
-          <a:lstStyle/>
-          <a:p>
-            <a:endParaRPr lang="en-US"/>
-          </a:p>
-        </p:txBody>
-      </p:sp>
-      <p:sp>
-        <p:nvSpPr>
-          <p:cNvPr id="3" name="Footer Placeholder 2"/>
-          <p:cNvSpPr>
-            <a:spLocks noGrp="1"/>
-          </p:cNvSpPr>
-          <p:nvPr>
-            <p:ph type="ftr" sz="quarter" idx="11"/>
-          </p:nvPr>
-        </p:nvSpPr>
-        <p:spPr/>
-        <p:txBody>
-          <a:bodyPr/>
-          <a:lstStyle/>
-          <a:p>
-            <a:r>
-              <a:rPr lang="en-US"/>
-              <a:t>Physics 301 - Advanced Signal and Image Processing</a:t>
-            </a:r>
-          </a:p>
-        </p:txBody>
-      </p:sp>
-      <p:sp>
-        <p:nvSpPr>
-          <p:cNvPr id="4" name="Slide Number Placeholder 3"/>
-          <p:cNvSpPr>
-            <a:spLocks noGrp="1"/>
-          </p:cNvSpPr>
-          <p:nvPr>
-            <p:ph type="sldNum" sz="quarter" idx="12"/>
-          </p:nvPr>
-        </p:nvSpPr>
-        <p:spPr/>
-        <p:txBody>
-          <a:bodyPr/>
-          <a:lstStyle/>
-          <a:p>
-            <a:fld id="{8262CFD8-7A98-47E6-A2CC-B17DDA24BA0E}" type="slidenum">
-              <a:rPr lang="en-US" smtClean="0"/>
-              <a:t>‹#›</a:t>
-            </a:fld>
-            <a:endParaRPr lang="en-US"/>
-          </a:p>
-        </p:txBody>
-      </p:sp>
-    </p:spTree>
-    <p:extLst>
-      <p:ext uri="{BB962C8B-B14F-4D97-AF65-F5344CB8AC3E}">
-        <p14:creationId xmlns:p14="http://schemas.microsoft.com/office/powerpoint/2010/main" val="3604995932"/>
-      </p:ext>
-    </p:extLst>
-  </p:cSld>
-  <p:clrMapOvr>
-    <a:masterClrMapping/>
-  </p:clrMapOvr>
-</p:sldLayout>
-</file>
-
-<file path=ppt/slideLayouts/slideLayout9.xml><?xml version="1.0" encoding="utf-8"?>
-<p:sldLayout xmlns:a="http://schemas.openxmlformats.org/drawingml/2006/main" xmlns:r="http://schemas.openxmlformats.org/officeDocument/2006/relationships" xmlns:p="http://schemas.openxmlformats.org/presentationml/2006/main" type="objTx" preserve="1">
-  <p:cSld name="Content with Caption">
-    <p:spTree>
-      <p:nvGrpSpPr>
-        <p:cNvPr id="1" name=""/>
-        <p:cNvGrpSpPr/>
-        <p:nvPr/>
-      </p:nvGrpSpPr>
-      <p:grpSpPr>
-        <a:xfrm>
-          <a:off x="0" y="0"/>
-          <a:ext cx="0" cy="0"/>
-          <a:chOff x="0" y="0"/>
-          <a:chExt cx="0" cy="0"/>
-        </a:xfrm>
-      </p:grpSpPr>
-      <p:sp>
-        <p:nvSpPr>
-          <p:cNvPr id="2" name="Title 1"/>
-          <p:cNvSpPr>
-            <a:spLocks noGrp="1"/>
-          </p:cNvSpPr>
-          <p:nvPr>
-            <p:ph type="title"/>
-          </p:nvPr>
-        </p:nvSpPr>
-        <p:spPr>
-          <a:xfrm>
-            <a:off x="629841" y="457200"/>
-            <a:ext cx="2949178" cy="1600200"/>
-          </a:xfrm>
-        </p:spPr>
-        <p:txBody>
-          <a:bodyPr anchor="b"/>
-          <a:lstStyle>
-            <a:lvl1pPr>
-              <a:defRPr sz="3200"/>
-            </a:lvl1pPr>
-          </a:lstStyle>
-          <a:p>
-            <a:r>
-              <a:rPr lang="en-US"/>
-              <a:t>Click to edit Master title style</a:t>
-            </a:r>
-            <a:endParaRPr lang="en-US" dirty="0"/>
-          </a:p>
-        </p:txBody>
-      </p:sp>
-      <p:sp>
-        <p:nvSpPr>
-          <p:cNvPr id="3" name="Content Placeholder 2"/>
-          <p:cNvSpPr>
-            <a:spLocks noGrp="1"/>
-          </p:cNvSpPr>
-          <p:nvPr>
-            <p:ph idx="1"/>
-          </p:nvPr>
-        </p:nvSpPr>
-        <p:spPr>
-          <a:xfrm>
-            <a:off x="3887391" y="987426"/>
-            <a:ext cx="4629150" cy="4873625"/>
-          </a:xfrm>
-        </p:spPr>
-        <p:txBody>
-          <a:bodyPr/>
-          <a:lstStyle>
-            <a:lvl1pPr>
-              <a:defRPr sz="3200"/>
-            </a:lvl1pPr>
-            <a:lvl2pPr>
-              <a:defRPr sz="2800"/>
-            </a:lvl2pPr>
-            <a:lvl3pPr>
-              <a:defRPr sz="2400"/>
-            </a:lvl3pPr>
-            <a:lvl4pPr>
-              <a:defRPr sz="2000"/>
-            </a:lvl4pPr>
-            <a:lvl5pPr>
-              <a:defRPr sz="2000"/>
-            </a:lvl5pPr>
-            <a:lvl6pPr>
-              <a:defRPr sz="2000"/>
-            </a:lvl6pPr>
-            <a:lvl7pPr>
-              <a:defRPr sz="2000"/>
-            </a:lvl7pPr>
-            <a:lvl8pPr>
-              <a:defRPr sz="2000"/>
-            </a:lvl8pPr>
-            <a:lvl9pPr>
-              <a:defRPr sz="2000"/>
-            </a:lvl9pPr>
-          </a:lstStyle>
-          <a:p>
-            <a:pPr lvl="0"/>
-            <a:r>
-              <a:rPr lang="en-US"/>
-              <a:t>Click to edit Master text styles</a:t>
-            </a:r>
-          </a:p>
-          <a:p>
-            <a:pPr lvl="1"/>
-            <a:r>
-              <a:rPr lang="en-US"/>
-              <a:t>Second level</a:t>
-            </a:r>
-          </a:p>
-          <a:p>
-            <a:pPr lvl="2"/>
-            <a:r>
-              <a:rPr lang="en-US"/>
-              <a:t>Third level</a:t>
-            </a:r>
-          </a:p>
-          <a:p>
-            <a:pPr lvl="3"/>
-            <a:r>
-              <a:rPr lang="en-US"/>
-              <a:t>Fourth level</a:t>
-            </a:r>
-          </a:p>
-          <a:p>
-            <a:pPr lvl="4"/>
-            <a:r>
-              <a:rPr lang="en-US"/>
-              <a:t>Fifth level</a:t>
-            </a:r>
-            <a:endParaRPr lang="en-US" dirty="0"/>
-          </a:p>
-        </p:txBody>
-      </p:sp>
-      <p:sp>
-        <p:nvSpPr>
-          <p:cNvPr id="4" name="Text Placeholder 3"/>
-          <p:cNvSpPr>
-            <a:spLocks noGrp="1"/>
-          </p:cNvSpPr>
-          <p:nvPr>
-            <p:ph type="body" sz="half" idx="2"/>
-          </p:nvPr>
-        </p:nvSpPr>
-        <p:spPr>
-          <a:xfrm>
-            <a:off x="629841" y="2057400"/>
-            <a:ext cx="2949178" cy="3811588"/>
-          </a:xfrm>
-        </p:spPr>
-        <p:txBody>
-          <a:bodyPr/>
-          <a:lstStyle>
-            <a:lvl1pPr marL="0" indent="0">
-              <a:buNone/>
-              <a:defRPr sz="1600"/>
-            </a:lvl1pPr>
-            <a:lvl2pPr marL="457200" indent="0">
-              <a:buNone/>
-              <a:defRPr sz="1400"/>
-            </a:lvl2pPr>
-            <a:lvl3pPr marL="914400" indent="0">
-              <a:buNone/>
-              <a:defRPr sz="1200"/>
-            </a:lvl3pPr>
-            <a:lvl4pPr marL="1371600" indent="0">
-              <a:buNone/>
-              <a:defRPr sz="1000"/>
-            </a:lvl4pPr>
-            <a:lvl5pPr marL="1828800" indent="0">
-              <a:buNone/>
-              <a:defRPr sz="1000"/>
-            </a:lvl5pPr>
-            <a:lvl6pPr marL="2286000" indent="0">
-              <a:buNone/>
-              <a:defRPr sz="1000"/>
-            </a:lvl6pPr>
-            <a:lvl7pPr marL="2743200" indent="0">
-              <a:buNone/>
-              <a:defRPr sz="1000"/>
-            </a:lvl7pPr>
-            <a:lvl8pPr marL="3200400" indent="0">
-              <a:buNone/>
-              <a:defRPr sz="1000"/>
-            </a:lvl8pPr>
-            <a:lvl9pPr marL="3657600" indent="0">
-              <a:buNone/>
-              <a:defRPr sz="1000"/>
-            </a:lvl9pPr>
-          </a:lstStyle>
-          <a:p>
-            <a:pPr lvl="0"/>
-            <a:r>
-              <a:rPr lang="en-US"/>
-              <a:t>Click to edit Master text styles</a:t>
-            </a:r>
-          </a:p>
-        </p:txBody>
-      </p:sp>
-      <p:sp>
-        <p:nvSpPr>
-          <p:cNvPr id="5" name="Date Placeholder 4"/>
-          <p:cNvSpPr>
-            <a:spLocks noGrp="1"/>
-          </p:cNvSpPr>
-          <p:nvPr>
-            <p:ph type="dt" sz="half" idx="10"/>
-          </p:nvPr>
-        </p:nvSpPr>
-        <p:spPr>
-          <a:xfrm>
-            <a:off x="628650" y="6356351"/>
-            <a:ext cx="2057400" cy="365125"/>
-          </a:xfrm>
-          <a:prstGeom prst="rect">
-            <a:avLst/>
-          </a:prstGeom>
-        </p:spPr>
-        <p:txBody>
-          <a:bodyPr/>
-          <a:lstStyle/>
-          <a:p>
-            <a:endParaRPr lang="en-US"/>
-          </a:p>
-        </p:txBody>
-      </p:sp>
-      <p:sp>
-        <p:nvSpPr>
-          <p:cNvPr id="6" name="Footer Placeholder 5"/>
-          <p:cNvSpPr>
-            <a:spLocks noGrp="1"/>
-          </p:cNvSpPr>
-          <p:nvPr>
-            <p:ph type="ftr" sz="quarter" idx="11"/>
-          </p:nvPr>
-        </p:nvSpPr>
-        <p:spPr/>
-        <p:txBody>
-          <a:bodyPr/>
-          <a:lstStyle/>
-          <a:p>
-            <a:r>
-              <a:rPr lang="en-US"/>
-              <a:t>Physics 301 - Advanced Signal and Image Processing</a:t>
-            </a:r>
-          </a:p>
-        </p:txBody>
-      </p:sp>
-      <p:sp>
-        <p:nvSpPr>
-          <p:cNvPr id="7" name="Slide Number Placeholder 6"/>
-          <p:cNvSpPr>
-            <a:spLocks noGrp="1"/>
-          </p:cNvSpPr>
-          <p:nvPr>
-            <p:ph type="sldNum" sz="quarter" idx="12"/>
-          </p:nvPr>
-        </p:nvSpPr>
-        <p:spPr/>
-        <p:txBody>
-          <a:bodyPr/>
-          <a:lstStyle/>
-          <a:p>
-            <a:fld id="{8262CFD8-7A98-47E6-A2CC-B17DDA24BA0E}" type="slidenum">
-              <a:rPr lang="en-US" smtClean="0"/>
-              <a:t>‹#›</a:t>
-            </a:fld>
-            <a:endParaRPr lang="en-US"/>
-          </a:p>
-        </p:txBody>
-      </p:sp>
-    </p:spTree>
-    <p:extLst>
-      <p:ext uri="{BB962C8B-B14F-4D97-AF65-F5344CB8AC3E}">
-        <p14:creationId xmlns:p14="http://schemas.microsoft.com/office/powerpoint/2010/main" val="4138949225"/>
       </p:ext>
     </p:extLst>
   </p:cSld>
@@ -6946,13 +9327,13 @@
           <p:nvPr userDrawn="1"/>
         </p:nvPicPr>
         <p:blipFill>
-          <a:blip r:embed="rId14">
+          <a:blip r:embed="rId16">
             <a:extLst>
               <a:ext uri="{28A0092B-C50C-407E-A947-70E740481C1C}">
                 <a14:useLocalDpi xmlns:a14="http://schemas.microsoft.com/office/drawing/2010/main" val="0"/>
               </a:ext>
               <a:ext uri="{96DAC541-7B7A-43D3-8B79-37D633B846F1}">
-                <asvg:svgBlip xmlns:asvg="http://schemas.microsoft.com/office/drawing/2016/SVG/main" r:embed="rId15"/>
+                <asvg:svgBlip xmlns:asvg="http://schemas.microsoft.com/office/drawing/2016/SVG/main" r:embed="rId17"/>
               </a:ext>
             </a:extLst>
           </a:blip>
@@ -6985,13 +9366,13 @@
           <p:nvPr userDrawn="1"/>
         </p:nvPicPr>
         <p:blipFill>
-          <a:blip r:embed="rId16">
+          <a:blip r:embed="rId18">
             <a:extLst>
               <a:ext uri="{28A0092B-C50C-407E-A947-70E740481C1C}">
                 <a14:useLocalDpi xmlns:a14="http://schemas.microsoft.com/office/drawing/2010/main" val="0"/>
               </a:ext>
               <a:ext uri="{96DAC541-7B7A-43D3-8B79-37D633B846F1}">
-                <asvg:svgBlip xmlns:asvg="http://schemas.microsoft.com/office/drawing/2016/SVG/main" r:embed="rId17"/>
+                <asvg:svgBlip xmlns:asvg="http://schemas.microsoft.com/office/drawing/2016/SVG/main" r:embed="rId19"/>
               </a:ext>
             </a:extLst>
           </a:blip>
@@ -7195,16 +9576,18 @@
   <p:sldLayoutIdLst>
     <p:sldLayoutId id="2147483661" r:id="rId1"/>
     <p:sldLayoutId id="2147483672" r:id="rId2"/>
-    <p:sldLayoutId id="2147483662" r:id="rId3"/>
-    <p:sldLayoutId id="2147483663" r:id="rId4"/>
-    <p:sldLayoutId id="2147483664" r:id="rId5"/>
-    <p:sldLayoutId id="2147483665" r:id="rId6"/>
-    <p:sldLayoutId id="2147483666" r:id="rId7"/>
-    <p:sldLayoutId id="2147483667" r:id="rId8"/>
-    <p:sldLayoutId id="2147483668" r:id="rId9"/>
-    <p:sldLayoutId id="2147483669" r:id="rId10"/>
-    <p:sldLayoutId id="2147483670" r:id="rId11"/>
-    <p:sldLayoutId id="2147483671" r:id="rId12"/>
+    <p:sldLayoutId id="2147483673" r:id="rId3"/>
+    <p:sldLayoutId id="2147483674" r:id="rId4"/>
+    <p:sldLayoutId id="2147483662" r:id="rId5"/>
+    <p:sldLayoutId id="2147483663" r:id="rId6"/>
+    <p:sldLayoutId id="2147483664" r:id="rId7"/>
+    <p:sldLayoutId id="2147483665" r:id="rId8"/>
+    <p:sldLayoutId id="2147483666" r:id="rId9"/>
+    <p:sldLayoutId id="2147483667" r:id="rId10"/>
+    <p:sldLayoutId id="2147483668" r:id="rId11"/>
+    <p:sldLayoutId id="2147483669" r:id="rId12"/>
+    <p:sldLayoutId id="2147483670" r:id="rId13"/>
+    <p:sldLayoutId id="2147483671" r:id="rId14"/>
   </p:sldLayoutIdLst>
   <p:hf hdr="0" dt="0"/>
   <p:txStyles>
@@ -7542,6 +9925,42 @@
           <a:chExt cx="0" cy="0"/>
         </a:xfrm>
       </p:grpSpPr>
+      <p:pic>
+        <p:nvPicPr>
+          <p:cNvPr id="2" name="Picture 1" descr="A picture containing background pattern&#10;&#10;Description automatically generated">
+            <a:extLst>
+              <a:ext uri="{FF2B5EF4-FFF2-40B4-BE49-F238E27FC236}">
+                <a16:creationId xmlns:a16="http://schemas.microsoft.com/office/drawing/2014/main" id="{E74CC48C-7427-DCB6-25A3-B39EF588FCBE}"/>
+              </a:ext>
+            </a:extLst>
+          </p:cNvPr>
+          <p:cNvPicPr>
+            <a:picLocks noChangeAspect="1"/>
+          </p:cNvPicPr>
+          <p:nvPr/>
+        </p:nvPicPr>
+        <p:blipFill>
+          <a:blip r:embed="rId2">
+            <a:extLst>
+              <a:ext uri="{28A0092B-C50C-407E-A947-70E740481C1C}">
+                <a14:useLocalDpi xmlns:a14="http://schemas.microsoft.com/office/drawing/2010/main" val="0"/>
+              </a:ext>
+            </a:extLst>
+          </a:blip>
+          <a:stretch>
+            <a:fillRect/>
+          </a:stretch>
+        </p:blipFill>
+        <p:spPr>
+          <a:xfrm>
+            <a:off x="201529" y="144121"/>
+            <a:ext cx="849365" cy="849365"/>
+          </a:xfrm>
+          <a:prstGeom prst="rect">
+            <a:avLst/>
+          </a:prstGeom>
+        </p:spPr>
+      </p:pic>
     </p:spTree>
     <p:extLst>
       <p:ext uri="{BB962C8B-B14F-4D97-AF65-F5344CB8AC3E}">
@@ -8140,17 +10559,137 @@
               <a:buNone/>
             </a:pPr>
             <a:r>
-              <a:rPr lang="en-US" sz="1800" dirty="0"/>
-              <a:t>Overall, we successfully reconstructed the never-before-seen Macbeth color spectra using the Transformation Matrix derived from the Munsell ensemble’s eigenvectors. Across different illuminants, majority of the reconstructions returned imperceivable color difference (</a:t>
+              <a:rPr lang="en-US" sz="1800" dirty="0">
+                <a:latin typeface="Bahnschrift SemiLight" panose="020B0502040204020203" pitchFamily="34" charset="0"/>
+              </a:rPr>
+              <a:t>Overall, we successfully </a:t>
+            </a:r>
+            <a:r>
+              <a:rPr lang="en-US" sz="1800" dirty="0">
+                <a:highlight>
+                  <a:srgbClr val="FFEE9E"/>
+                </a:highlight>
+                <a:latin typeface="Bahnschrift SemiBold" panose="020B0502040204020203" pitchFamily="34" charset="0"/>
+              </a:rPr>
+              <a:t>reconstructed</a:t>
+            </a:r>
+            <a:r>
+              <a:rPr lang="en-US" sz="1800" dirty="0">
+                <a:highlight>
+                  <a:srgbClr val="FFEE9E"/>
+                </a:highlight>
+                <a:latin typeface="Bahnschrift SemiLight" panose="020B0502040204020203" pitchFamily="34" charset="0"/>
+              </a:rPr>
+              <a:t> the never-before-seen </a:t>
+            </a:r>
+            <a:r>
+              <a:rPr lang="en-US" sz="1800" dirty="0">
+                <a:highlight>
+                  <a:srgbClr val="FFEE9E"/>
+                </a:highlight>
+                <a:latin typeface="Bahnschrift SemiBold" panose="020B0502040204020203" pitchFamily="34" charset="0"/>
+              </a:rPr>
+              <a:t>Macbeth</a:t>
+            </a:r>
+            <a:r>
+              <a:rPr lang="en-US" sz="1800" dirty="0">
+                <a:highlight>
+                  <a:srgbClr val="FFEE9E"/>
+                </a:highlight>
+                <a:latin typeface="Bahnschrift SemiLight" panose="020B0502040204020203" pitchFamily="34" charset="0"/>
+              </a:rPr>
+              <a:t> color spectra </a:t>
+            </a:r>
+            <a:r>
+              <a:rPr lang="en-US" sz="1800" dirty="0">
+                <a:highlight>
+                  <a:srgbClr val="FFEE9E"/>
+                </a:highlight>
+                <a:latin typeface="Bahnschrift SemiBold" panose="020B0502040204020203" pitchFamily="34" charset="0"/>
+              </a:rPr>
+              <a:t>using</a:t>
+            </a:r>
+            <a:r>
+              <a:rPr lang="en-US" sz="1800" dirty="0">
+                <a:highlight>
+                  <a:srgbClr val="FFEE9E"/>
+                </a:highlight>
+                <a:latin typeface="Bahnschrift SemiLight" panose="020B0502040204020203" pitchFamily="34" charset="0"/>
+              </a:rPr>
+              <a:t> the Transformation Matrix derived from the </a:t>
+            </a:r>
+            <a:r>
+              <a:rPr lang="en-US" sz="1800" dirty="0">
+                <a:highlight>
+                  <a:srgbClr val="FFEE9E"/>
+                </a:highlight>
+                <a:latin typeface="Bahnschrift SemiBold" panose="020B0502040204020203" pitchFamily="34" charset="0"/>
+              </a:rPr>
+              <a:t>Munsell</a:t>
+            </a:r>
+            <a:r>
+              <a:rPr lang="en-US" sz="1800" dirty="0">
+                <a:highlight>
+                  <a:srgbClr val="FFEE9E"/>
+                </a:highlight>
+                <a:latin typeface="Bahnschrift SemiLight" panose="020B0502040204020203" pitchFamily="34" charset="0"/>
+              </a:rPr>
+              <a:t> ensemble’s eigenvectors</a:t>
+            </a:r>
+            <a:r>
+              <a:rPr lang="en-US" sz="1800" dirty="0">
+                <a:latin typeface="Bahnschrift SemiLight" panose="020B0502040204020203" pitchFamily="34" charset="0"/>
+              </a:rPr>
+              <a:t>. Across different illuminants, majority of the reconstructions returned </a:t>
+            </a:r>
+            <a:r>
+              <a:rPr lang="en-US" sz="1800" dirty="0">
+                <a:solidFill>
+                  <a:srgbClr val="D64045"/>
+                </a:solidFill>
+                <a:latin typeface="Bahnschrift SemiBold" panose="020B0502040204020203" pitchFamily="34" charset="0"/>
+              </a:rPr>
+              <a:t>imperceivable color difference (</a:t>
             </a:r>
             <a:r>
               <a:rPr lang="el-GR" sz="1800" b="0" i="0" dirty="0">
                 <a:solidFill>
-                  <a:srgbClr val="202124"/>
+                  <a:srgbClr val="D64045"/>
                 </a:solidFill>
                 <a:effectLst/>
+                <a:latin typeface="Bahnschrift SemiBold" panose="020B0502040204020203" pitchFamily="34" charset="0"/>
               </a:rPr>
               <a:t>Δ</a:t>
+            </a:r>
+            <a:r>
+              <a:rPr lang="en-US" sz="1800" b="0" i="0" dirty="0">
+                <a:solidFill>
+                  <a:srgbClr val="D64045"/>
+                </a:solidFill>
+                <a:effectLst/>
+                <a:latin typeface="Bahnschrift SemiBold" panose="020B0502040204020203" pitchFamily="34" charset="0"/>
+              </a:rPr>
+              <a:t>E</a:t>
+            </a:r>
+            <a:r>
+              <a:rPr lang="en-US" sz="1800" b="0" i="0" baseline="-25000" dirty="0">
+                <a:solidFill>
+                  <a:srgbClr val="D64045"/>
+                </a:solidFill>
+                <a:effectLst/>
+                <a:latin typeface="Bahnschrift SemiBold" panose="020B0502040204020203" pitchFamily="34" charset="0"/>
+              </a:rPr>
+              <a:t>76</a:t>
+            </a:r>
+            <a:r>
+              <a:rPr lang="en-US" sz="1800" b="0" i="0" dirty="0">
+                <a:solidFill>
+                  <a:srgbClr val="D64045"/>
+                </a:solidFill>
+                <a:effectLst/>
+                <a:latin typeface="Bahnschrift SemiBold" panose="020B0502040204020203" pitchFamily="34" charset="0"/>
+              </a:rPr>
+              <a:t> &lt; 10) </a:t>
             </a:r>
             <a:r>
               <a:rPr lang="en-US" sz="1800" b="0" i="0" dirty="0">
@@ -8158,36 +10697,22 @@
                   <a:srgbClr val="202124"/>
                 </a:solidFill>
                 <a:effectLst/>
+                <a:latin typeface="Bahnschrift SemiLight" panose="020B0502040204020203" pitchFamily="34" charset="0"/>
               </a:rPr>
-              <a:t>E</a:t>
-            </a:r>
-            <a:r>
-              <a:rPr lang="en-US" sz="1800" b="0" i="0" baseline="-25000" dirty="0">
-                <a:solidFill>
-                  <a:srgbClr val="202124"/>
-                </a:solidFill>
-                <a:effectLst/>
-              </a:rPr>
-              <a:t>76</a:t>
-            </a:r>
-            <a:r>
-              <a:rPr lang="en-US" sz="1800" b="0" i="0" dirty="0">
-                <a:solidFill>
-                  <a:srgbClr val="202124"/>
-                </a:solidFill>
-                <a:effectLst/>
-              </a:rPr>
-              <a:t> &lt; 7), with a few exceptions due to Illuminant A which has a skewed </a:t>
+              <a:t>[5], with a few exceptions due to Illuminant A which has a skewed </a:t>
             </a:r>
             <a:r>
               <a:rPr lang="en-US" sz="1800" dirty="0">
                 <a:solidFill>
                   <a:srgbClr val="202124"/>
                 </a:solidFill>
+                <a:latin typeface="Bahnschrift SemiLight" panose="020B0502040204020203" pitchFamily="34" charset="0"/>
               </a:rPr>
               <a:t>power spectrum.</a:t>
             </a:r>
-            <a:endParaRPr lang="en-US" sz="1800" dirty="0"/>
+            <a:endParaRPr lang="en-US" sz="1800" dirty="0">
+              <a:latin typeface="Bahnschrift SemiLight" panose="020B0502040204020203" pitchFamily="34" charset="0"/>
+            </a:endParaRPr>
           </a:p>
         </p:txBody>
       </p:sp>
@@ -8383,7 +10908,9 @@
               <a:buNone/>
             </a:pPr>
             <a:r>
-              <a:rPr lang="en-US" sz="2000" dirty="0"/>
+              <a:rPr lang="en-US" sz="2000" dirty="0">
+                <a:latin typeface="Bahnschrift SemiLight" panose="020B0502040204020203" pitchFamily="34" charset="0"/>
+              </a:rPr>
               <a:t>Both the spectral (RMSE, SAM) and colorimetric (</a:t>
             </a:r>
             <a:r>
@@ -8392,6 +10919,7 @@
                   <a:srgbClr val="202124"/>
                 </a:solidFill>
                 <a:effectLst/>
+                <a:latin typeface="Bahnschrift SemiLight" panose="020B0502040204020203" pitchFamily="34" charset="0"/>
               </a:rPr>
               <a:t>Δ</a:t>
             </a:r>
@@ -8401,6 +10929,7 @@
                   <a:srgbClr val="202124"/>
                 </a:solidFill>
                 <a:effectLst/>
+                <a:latin typeface="Bahnschrift SemiLight" panose="020B0502040204020203" pitchFamily="34" charset="0"/>
               </a:rPr>
               <a:t>E</a:t>
             </a:r>
@@ -8410,6 +10939,7 @@
                   <a:srgbClr val="202124"/>
                 </a:solidFill>
                 <a:effectLst/>
+                <a:latin typeface="Bahnschrift SemiLight" panose="020B0502040204020203" pitchFamily="34" charset="0"/>
               </a:rPr>
               <a:t>76</a:t>
             </a:r>
@@ -8419,12 +10949,27 @@
                   <a:srgbClr val="202124"/>
                 </a:solidFill>
                 <a:effectLst/>
+                <a:latin typeface="Bahnschrift SemiLight" panose="020B0502040204020203" pitchFamily="34" charset="0"/>
               </a:rPr>
               <a:t>) </a:t>
             </a:r>
             <a:r>
-              <a:rPr lang="en-US" sz="2000" dirty="0"/>
-              <a:t>accuracy has shown how we can accurately depict large datasets with only minimal values through Principal Components Analysis.</a:t>
+              <a:rPr lang="en-US" sz="2000" dirty="0">
+                <a:latin typeface="Bahnschrift SemiLight" panose="020B0502040204020203" pitchFamily="34" charset="0"/>
+              </a:rPr>
+              <a:t>accuracy has shown how we can </a:t>
+            </a:r>
+            <a:r>
+              <a:rPr lang="en-US" sz="2000" dirty="0">
+                <a:latin typeface="Bahnschrift SemiBold" panose="020B0502040204020203" pitchFamily="34" charset="0"/>
+              </a:rPr>
+              <a:t>accurately depict large datasets with only a few representative values through Principal Components Analysis</a:t>
+            </a:r>
+            <a:r>
+              <a:rPr lang="en-US" sz="2000" dirty="0">
+                <a:latin typeface="Bahnschrift SemiLight" panose="020B0502040204020203" pitchFamily="34" charset="0"/>
+              </a:rPr>
+              <a:t>.</a:t>
             </a:r>
           </a:p>
           <a:p>
@@ -8432,8 +10977,43 @@
               <a:buNone/>
             </a:pPr>
             <a:r>
-              <a:rPr lang="en-US" sz="2000" dirty="0"/>
-              <a:t>In this activity, we were able to convert a digital camera into a spectral imager where the RGB digital counts were found sufficient to reconstruct the high-dimensional spectral information using PCA.</a:t>
+              <a:rPr lang="en-US" sz="2000" dirty="0">
+                <a:latin typeface="Bahnschrift SemiLight" panose="020B0502040204020203" pitchFamily="34" charset="0"/>
+              </a:rPr>
+              <a:t>In this activity, we were able to </a:t>
+            </a:r>
+            <a:r>
+              <a:rPr lang="en-US" sz="2000" dirty="0">
+                <a:highlight>
+                  <a:srgbClr val="FFEE9E"/>
+                </a:highlight>
+                <a:latin typeface="Bahnschrift SemiLight" panose="020B0502040204020203" pitchFamily="34" charset="0"/>
+              </a:rPr>
+              <a:t>convert a </a:t>
+            </a:r>
+            <a:r>
+              <a:rPr lang="en-US" sz="2000" dirty="0">
+                <a:highlight>
+                  <a:srgbClr val="FFEE9E"/>
+                </a:highlight>
+                <a:latin typeface="Bahnschrift SemiBold" panose="020B0502040204020203" pitchFamily="34" charset="0"/>
+              </a:rPr>
+              <a:t>digital camera into a spectral imager</a:t>
+            </a:r>
+            <a:r>
+              <a:rPr lang="en-US" sz="2000" dirty="0">
+                <a:highlight>
+                  <a:srgbClr val="FFEE9E"/>
+                </a:highlight>
+                <a:latin typeface="Bahnschrift SemiLight" panose="020B0502040204020203" pitchFamily="34" charset="0"/>
+              </a:rPr>
+              <a:t> where the RGB digital counts were found sufficient to reconstruct the high-dimensional spectral information using PCA</a:t>
+            </a:r>
+            <a:r>
+              <a:rPr lang="en-US" sz="2000" dirty="0">
+                <a:latin typeface="Bahnschrift SemiLight" panose="020B0502040204020203" pitchFamily="34" charset="0"/>
+              </a:rPr>
+              <a:t>.</a:t>
             </a:r>
           </a:p>
         </p:txBody>
@@ -8546,10 +11126,10 @@
       </p:grpSpPr>
       <p:sp>
         <p:nvSpPr>
-          <p:cNvPr id="2" name="Footer Placeholder 1">
+          <p:cNvPr id="5" name="Text Placeholder 4">
             <a:extLst>
               <a:ext uri="{FF2B5EF4-FFF2-40B4-BE49-F238E27FC236}">
-                <a16:creationId xmlns:a16="http://schemas.microsoft.com/office/drawing/2014/main" id="{0119B976-BF6E-0B15-F21A-F0DB09CB3231}"/>
+                <a16:creationId xmlns:a16="http://schemas.microsoft.com/office/drawing/2014/main" id="{EC1FDDED-327A-FB29-0C6B-CA85FE1F2370}"/>
               </a:ext>
             </a:extLst>
           </p:cNvPr>
@@ -8557,7 +11137,7 @@
             <a:spLocks noGrp="1"/>
           </p:cNvSpPr>
           <p:nvPr>
-            <p:ph type="ftr" sz="quarter" idx="11"/>
+            <p:ph type="body" idx="1"/>
           </p:nvPr>
         </p:nvSpPr>
         <p:spPr/>
@@ -8565,10 +11145,47 @@
           <a:bodyPr/>
           <a:lstStyle/>
           <a:p>
-            <a:r>
-              <a:rPr lang="en-US"/>
-              <a:t>Physics 301 - Advanced Signal and Image Processing</a:t>
-            </a:r>
+            <a:pPr marL="98583" indent="457200">
+              <a:buNone/>
+            </a:pPr>
+            <a:r>
+              <a:rPr lang="en-US" sz="1400" dirty="0"/>
+              <a:t>As mentioned previously, </a:t>
+            </a:r>
+            <a:r>
+              <a:rPr lang="en-US" dirty="0"/>
+              <a:t>I have used PCA before in spectral resolution but in this report, I was able to compare how the method fared across all different light sources. The visualizations were stand-alone and self-explanatory. One important finding is that it turns out, the skewed power distribution contributed to rendering spectra with large color difference. The take-away here is the same as what my undergraduate thesis proposed; we should implement both spectral and color error metrics to evaluate the spectral reconstruction. </a:t>
+            </a:r>
+          </a:p>
+          <a:p>
+            <a:pPr marL="98583" indent="457200">
+              <a:buNone/>
+            </a:pPr>
+            <a:r>
+              <a:rPr lang="en-US" sz="1400" dirty="0"/>
+              <a:t>In this activity, I’d give myself a score of </a:t>
+            </a:r>
+            <a:r>
+              <a:rPr lang="en-US" sz="2000" dirty="0">
+                <a:highlight>
+                  <a:srgbClr val="FFEE9E"/>
+                </a:highlight>
+                <a:latin typeface="Bahnschrift SemiBold" panose="020B0502040204020203" pitchFamily="34" charset="0"/>
+              </a:rPr>
+              <a:t>96/100.</a:t>
+            </a:r>
+            <a:endParaRPr lang="en-US" sz="1400" dirty="0">
+              <a:highlight>
+                <a:srgbClr val="FFEE9E"/>
+              </a:highlight>
+              <a:latin typeface="Bahnschrift SemiBold" panose="020B0502040204020203" pitchFamily="34" charset="0"/>
+            </a:endParaRPr>
+          </a:p>
+          <a:p>
+            <a:pPr marL="98583" indent="457200">
+              <a:buNone/>
+            </a:pPr>
+            <a:endParaRPr lang="en-US" dirty="0"/>
           </a:p>
         </p:txBody>
       </p:sp>
@@ -8595,17 +11212,17 @@
           <a:p>
             <a:r>
               <a:rPr lang="en-US" dirty="0"/>
-              <a:t>References</a:t>
+              <a:t>	reflection</a:t>
             </a:r>
           </a:p>
         </p:txBody>
       </p:sp>
       <p:sp>
         <p:nvSpPr>
-          <p:cNvPr id="9" name="Content Placeholder 8">
+          <p:cNvPr id="2" name="Footer Placeholder 1">
             <a:extLst>
               <a:ext uri="{FF2B5EF4-FFF2-40B4-BE49-F238E27FC236}">
-                <a16:creationId xmlns:a16="http://schemas.microsoft.com/office/drawing/2014/main" id="{E96D88BF-6568-DE4E-D016-9ECF8ED14643}"/>
+                <a16:creationId xmlns:a16="http://schemas.microsoft.com/office/drawing/2014/main" id="{0119B976-BF6E-0B15-F21A-F0DB09CB3231}"/>
               </a:ext>
             </a:extLst>
           </p:cNvPr>
@@ -8613,7 +11230,7 @@
             <a:spLocks noGrp="1"/>
           </p:cNvSpPr>
           <p:nvPr>
-            <p:ph idx="1"/>
+            <p:ph type="ftr" sz="quarter" idx="3"/>
           </p:nvPr>
         </p:nvSpPr>
         <p:spPr/>
@@ -8621,7 +11238,10 @@
           <a:bodyPr/>
           <a:lstStyle/>
           <a:p>
-            <a:endParaRPr lang="en-US"/>
+            <a:r>
+              <a:rPr lang="en-US"/>
+              <a:t>Physics 301 - Advanced Signal and Image Processing</a:t>
+            </a:r>
           </a:p>
         </p:txBody>
       </p:sp>
@@ -8638,7 +11258,7 @@
             <a:spLocks noGrp="1"/>
           </p:cNvSpPr>
           <p:nvPr>
-            <p:ph type="sldNum" sz="quarter" idx="12"/>
+            <p:ph type="sldNum" sz="quarter" idx="4"/>
           </p:nvPr>
         </p:nvSpPr>
         <p:spPr/>
@@ -8651,6 +11271,114 @@
               <a:t>15</a:t>
             </a:fld>
             <a:endParaRPr lang="en-US"/>
+          </a:p>
+        </p:txBody>
+      </p:sp>
+      <p:sp>
+        <p:nvSpPr>
+          <p:cNvPr id="6" name="Text Placeholder 5">
+            <a:extLst>
+              <a:ext uri="{FF2B5EF4-FFF2-40B4-BE49-F238E27FC236}">
+                <a16:creationId xmlns:a16="http://schemas.microsoft.com/office/drawing/2014/main" id="{4CF77D77-DE5F-0916-8BC1-AF6BBBA7D8AE}"/>
+              </a:ext>
+            </a:extLst>
+          </p:cNvPr>
+          <p:cNvSpPr>
+            <a:spLocks noGrp="1"/>
+          </p:cNvSpPr>
+          <p:nvPr>
+            <p:ph type="body" idx="10"/>
+          </p:nvPr>
+        </p:nvSpPr>
+        <p:spPr>
+          <a:xfrm>
+            <a:off x="628649" y="4218650"/>
+            <a:ext cx="8058151" cy="2046387"/>
+          </a:xfrm>
+        </p:spPr>
+        <p:txBody>
+          <a:bodyPr/>
+          <a:lstStyle/>
+          <a:p>
+            <a:r>
+              <a:rPr lang="en-US" dirty="0"/>
+              <a:t>[1] M. Soriano, Physics 301 – RGB-to-Spectra using PCA, (2022).</a:t>
+            </a:r>
+          </a:p>
+          <a:p>
+            <a:r>
+              <a:rPr lang="en-US" dirty="0"/>
+              <a:t>[2] </a:t>
+            </a:r>
+            <a:r>
+              <a:rPr lang="en-US" dirty="0" err="1">
+                <a:hlinkClick r:id="rId2"/>
+              </a:rPr>
+              <a:t>sklearn.decomposition.PCA</a:t>
+            </a:r>
+            <a:r>
+              <a:rPr lang="en-US" dirty="0">
+                <a:hlinkClick r:id="rId2"/>
+              </a:rPr>
+              <a:t> — scikit-learn 1.1.1 documentation</a:t>
+            </a:r>
+            <a:endParaRPr lang="en-US" dirty="0"/>
+          </a:p>
+          <a:p>
+            <a:r>
+              <a:rPr lang="en-US" dirty="0"/>
+              <a:t>[3] J. P. S. </a:t>
+            </a:r>
+            <a:r>
+              <a:rPr lang="en-US" dirty="0" err="1"/>
+              <a:t>Parkkinen</a:t>
+            </a:r>
+            <a:r>
+              <a:rPr lang="en-US" dirty="0"/>
+              <a:t>, J. </a:t>
+            </a:r>
+            <a:r>
+              <a:rPr lang="en-US" dirty="0" err="1"/>
+              <a:t>Hallikainen</a:t>
+            </a:r>
+            <a:r>
+              <a:rPr lang="en-US" dirty="0"/>
+              <a:t>, and T. Jaaskelainen, Characteristic spectra of Munsell colors, J. Opt. Soc. Am. 6, 318 (1989).</a:t>
+            </a:r>
+          </a:p>
+          <a:p>
+            <a:r>
+              <a:rPr lang="en-US" dirty="0"/>
+              <a:t>[4] P. E. Dennison, K. Q. Halligan, and D. A. Roberts, A comparison of error metrics and constraints for multiple endmember spectral mixture analysis and spectral angle mapper, Remote Sens. Environ. 93, 359 (2004).</a:t>
+            </a:r>
+          </a:p>
+          <a:p>
+            <a:r>
+              <a:rPr lang="en-US" dirty="0"/>
+              <a:t>[5] W. </a:t>
+            </a:r>
+            <a:r>
+              <a:rPr lang="en-US" dirty="0" err="1"/>
+              <a:t>Mokrzycki</a:t>
+            </a:r>
+            <a:r>
+              <a:rPr lang="en-US" dirty="0"/>
+              <a:t> and M. </a:t>
+            </a:r>
+            <a:r>
+              <a:rPr lang="en-US" dirty="0" err="1"/>
+              <a:t>Tatol</a:t>
+            </a:r>
+            <a:r>
+              <a:rPr lang="en-US" dirty="0"/>
+              <a:t>, Color difference Delta E - A survey, Mach. Graph. Vis. 20, 383 (2011).</a:t>
+            </a:r>
+          </a:p>
+          <a:p>
+            <a:endParaRPr lang="en-US" dirty="0"/>
+          </a:p>
+          <a:p>
+            <a:endParaRPr lang="en-US" dirty="0"/>
           </a:p>
         </p:txBody>
       </p:sp>
@@ -8664,6 +11392,18 @@
   <p:clrMapOvr>
     <a:masterClrMapping/>
   </p:clrMapOvr>
+  <mc:AlternateContent xmlns:mc="http://schemas.openxmlformats.org/markup-compatibility/2006" xmlns:p14="http://schemas.microsoft.com/office/powerpoint/2010/main">
+    <mc:Choice Requires="p14">
+      <p:transition p14:dur="200">
+        <p:fade/>
+      </p:transition>
+    </mc:Choice>
+    <mc:Fallback xmlns:ahyp="http://schemas.microsoft.com/office/drawing/2018/hyperlinkcolor" xmlns:p15="http://schemas.microsoft.com/office/powerpoint/2012/main" xmlns:com="http://schemas.openxmlformats.org/drawingml/2006/compatibility" xmlns:pvml="urn:schemas-microsoft-com:office:powerpoint" xmlns:v="urn:schemas-microsoft-com:vml" xmlns:o="urn:schemas-microsoft-com:office:office" xmlns:dgm="http://schemas.openxmlformats.org/drawingml/2006/diagram" xmlns:c="http://schemas.openxmlformats.org/drawingml/2006/chart" xmlns:mv="urn:schemas-microsoft-com:mac:vml" xmlns="">
+      <p:transition>
+        <p:fade/>
+      </p:transition>
+    </mc:Fallback>
+  </mc:AlternateContent>
 </p:sld>
 </file>
 
@@ -8684,55 +11424,34 @@
           <a:chExt cx="0" cy="0"/>
         </a:xfrm>
       </p:grpSpPr>
-      <p:sp>
-        <p:nvSpPr>
-          <p:cNvPr id="3" name="Text Placeholder 2">
+      <p:graphicFrame>
+        <p:nvGraphicFramePr>
+          <p:cNvPr id="8" name="Text Placeholder 1">
             <a:extLst>
               <a:ext uri="{FF2B5EF4-FFF2-40B4-BE49-F238E27FC236}">
-                <a16:creationId xmlns:a16="http://schemas.microsoft.com/office/drawing/2014/main" id="{4141F4F5-C6F4-7B1D-CD33-64FE462A99F5}"/>
+                <a16:creationId xmlns:a16="http://schemas.microsoft.com/office/drawing/2014/main" id="{0B842D4E-BA5F-A2C5-AE04-7E52CBED838A}"/>
               </a:ext>
             </a:extLst>
           </p:cNvPr>
-          <p:cNvSpPr>
-            <a:spLocks noGrp="1"/>
-          </p:cNvSpPr>
+          <p:cNvGraphicFramePr/>
           <p:nvPr>
-            <p:ph type="body" idx="10"/>
+            <p:extLst>
+              <p:ext uri="{D42A27DB-BD31-4B8C-83A1-F6EECF244321}">
+                <p14:modId xmlns:p14="http://schemas.microsoft.com/office/powerpoint/2010/main" val="1803492693"/>
+              </p:ext>
+            </p:extLst>
           </p:nvPr>
-        </p:nvSpPr>
-        <p:spPr/>
-        <p:txBody>
-          <a:bodyPr>
-            <a:normAutofit fontScale="92500" lnSpcReduction="20000"/>
-          </a:bodyPr>
-          <a:lstStyle/>
-          <a:p>
-            <a:r>
-              <a:rPr lang="en-US"/>
-              <a:t>Color information is affected by light source, object spectral property, and sensor sensitivity.</a:t>
-            </a:r>
-          </a:p>
-          <a:p>
-            <a:r>
-              <a:rPr lang="en-US"/>
-              <a:t>Spectral information is a more stable descriptor of an object.</a:t>
-            </a:r>
-          </a:p>
-          <a:p>
-            <a:r>
-              <a:rPr lang="en-US"/>
-              <a:t>There is a variety pf hyperspectral databases available.</a:t>
-            </a:r>
-          </a:p>
-          <a:p>
-            <a:r>
-              <a:rPr lang="en-US"/>
-              <a:t>Converting spectral information into color is necessary for many reasons.</a:t>
-            </a:r>
-            <a:endParaRPr lang="en-US" dirty="0"/>
-          </a:p>
-        </p:txBody>
-      </p:sp>
+        </p:nvGraphicFramePr>
+        <p:xfrm>
+          <a:off x="628649" y="572556"/>
+          <a:ext cx="8058151" cy="2137701"/>
+        </p:xfrm>
+        <a:graphic>
+          <a:graphicData uri="http://schemas.openxmlformats.org/drawingml/2006/diagram">
+            <dgm:relIds xmlns:dgm="http://schemas.openxmlformats.org/drawingml/2006/diagram" xmlns:r="http://schemas.openxmlformats.org/officeDocument/2006/relationships" r:dm="rId2" r:lo="rId3" r:qs="rId4" r:cs="rId5"/>
+          </a:graphicData>
+        </a:graphic>
+      </p:graphicFrame>
       <p:sp>
         <p:nvSpPr>
           <p:cNvPr id="4" name="Title 3">
@@ -8755,10 +11474,9 @@
           <a:lstStyle/>
           <a:p>
             <a:r>
-              <a:rPr lang="en-US"/>
+              <a:rPr lang="en-US" dirty="0"/>
               <a:t>	 objectives</a:t>
             </a:r>
-            <a:endParaRPr lang="en-US" dirty="0"/>
           </a:p>
         </p:txBody>
       </p:sp>
@@ -8821,34 +11539,178 @@
           </a:p>
         </p:txBody>
       </p:sp>
-      <p:graphicFrame>
-        <p:nvGraphicFramePr>
-          <p:cNvPr id="8" name="Text Placeholder 1">
+      <p:sp>
+        <p:nvSpPr>
+          <p:cNvPr id="2" name="Text Placeholder 1">
             <a:extLst>
               <a:ext uri="{FF2B5EF4-FFF2-40B4-BE49-F238E27FC236}">
-                <a16:creationId xmlns:a16="http://schemas.microsoft.com/office/drawing/2014/main" id="{0B842D4E-BA5F-A2C5-AE04-7E52CBED838A}"/>
+                <a16:creationId xmlns:a16="http://schemas.microsoft.com/office/drawing/2014/main" id="{A9214FEA-3053-34C6-DFC6-5FEB412C2F14}"/>
               </a:ext>
             </a:extLst>
           </p:cNvPr>
-          <p:cNvGraphicFramePr/>
+          <p:cNvSpPr>
+            <a:spLocks noGrp="1"/>
+          </p:cNvSpPr>
           <p:nvPr>
-            <p:extLst>
-              <p:ext uri="{D42A27DB-BD31-4B8C-83A1-F6EECF244321}">
-                <p14:modId xmlns:p14="http://schemas.microsoft.com/office/powerpoint/2010/main" val="3388891838"/>
-              </p:ext>
-            </p:extLst>
+            <p:ph type="body" idx="10"/>
           </p:nvPr>
-        </p:nvGraphicFramePr>
-        <p:xfrm>
-          <a:off x="628649" y="991786"/>
-          <a:ext cx="8058151" cy="2137701"/>
-        </p:xfrm>
-        <a:graphic>
-          <a:graphicData uri="http://schemas.openxmlformats.org/drawingml/2006/diagram">
-            <dgm:relIds xmlns:dgm="http://schemas.openxmlformats.org/drawingml/2006/diagram" xmlns:r="http://schemas.openxmlformats.org/officeDocument/2006/relationships" r:dm="rId2" r:lo="rId3" r:qs="rId4" r:cs="rId5"/>
-          </a:graphicData>
-        </a:graphic>
-      </p:graphicFrame>
+        </p:nvSpPr>
+        <p:spPr/>
+        <p:txBody>
+          <a:bodyPr>
+            <a:normAutofit/>
+          </a:bodyPr>
+          <a:lstStyle/>
+          <a:p>
+            <a:r>
+              <a:rPr lang="en-US" dirty="0"/>
+              <a:t>We can accurately depict large datasets with only a few representative values through Principal Components Analysis.</a:t>
+            </a:r>
+          </a:p>
+          <a:p>
+            <a:r>
+              <a:rPr lang="en-US" dirty="0"/>
+              <a:t>RGB digital counts were found to be sufficient in reconstructing the high-dimensional spectral information even with a novel set.</a:t>
+            </a:r>
+          </a:p>
+          <a:p>
+            <a:r>
+              <a:rPr lang="en-US" dirty="0"/>
+              <a:t>Spectral (RMSE, SAM) and color error metrics </a:t>
+            </a:r>
+            <a:r>
+              <a:rPr lang="en-US" dirty="0">
+                <a:latin typeface="Bahnschrift SemiLight" panose="020B0502040204020203" pitchFamily="34" charset="0"/>
+              </a:rPr>
+              <a:t>(</a:t>
+            </a:r>
+            <a:r>
+              <a:rPr lang="el-GR" sz="2000" b="0" i="0" dirty="0">
+                <a:solidFill>
+                  <a:srgbClr val="202124"/>
+                </a:solidFill>
+                <a:effectLst/>
+                <a:latin typeface="Bahnschrift SemiLight" panose="020B0502040204020203" pitchFamily="34" charset="0"/>
+              </a:rPr>
+              <a:t>Δ</a:t>
+            </a:r>
+            <a:r>
+              <a:rPr lang="en-US" sz="2000" b="0" i="0" dirty="0">
+                <a:solidFill>
+                  <a:srgbClr val="202124"/>
+                </a:solidFill>
+                <a:effectLst/>
+                <a:latin typeface="Bahnschrift SemiLight" panose="020B0502040204020203" pitchFamily="34" charset="0"/>
+              </a:rPr>
+              <a:t>E</a:t>
+            </a:r>
+            <a:r>
+              <a:rPr lang="en-US" sz="2000" b="0" i="0" baseline="-25000" dirty="0">
+                <a:solidFill>
+                  <a:srgbClr val="202124"/>
+                </a:solidFill>
+                <a:effectLst/>
+                <a:latin typeface="Bahnschrift SemiLight" panose="020B0502040204020203" pitchFamily="34" charset="0"/>
+              </a:rPr>
+              <a:t>76</a:t>
+            </a:r>
+            <a:r>
+              <a:rPr lang="en-US" sz="2000" b="0" i="0" dirty="0">
+                <a:solidFill>
+                  <a:srgbClr val="202124"/>
+                </a:solidFill>
+                <a:effectLst/>
+                <a:latin typeface="Bahnschrift SemiLight" panose="020B0502040204020203" pitchFamily="34" charset="0"/>
+              </a:rPr>
+              <a:t>)</a:t>
+            </a:r>
+            <a:r>
+              <a:rPr lang="en-US" sz="2000" b="0" i="0" dirty="0">
+                <a:solidFill>
+                  <a:srgbClr val="202124"/>
+                </a:solidFill>
+                <a:effectLst/>
+                <a:latin typeface="Bahnschrift SemiBold" panose="020B0502040204020203" pitchFamily="34" charset="0"/>
+              </a:rPr>
+              <a:t> </a:t>
+            </a:r>
+            <a:r>
+              <a:rPr lang="en-US" dirty="0"/>
+              <a:t>should all be used in evaluating reconstruction as one supplements the other.</a:t>
+            </a:r>
+          </a:p>
+          <a:p>
+            <a:endParaRPr lang="en-US" dirty="0"/>
+          </a:p>
+        </p:txBody>
+      </p:sp>
+      <p:sp>
+        <p:nvSpPr>
+          <p:cNvPr id="7" name="Text Placeholder 6">
+            <a:extLst>
+              <a:ext uri="{FF2B5EF4-FFF2-40B4-BE49-F238E27FC236}">
+                <a16:creationId xmlns:a16="http://schemas.microsoft.com/office/drawing/2014/main" id="{C214954A-16EE-E29B-EB5E-17A9AB49191D}"/>
+              </a:ext>
+            </a:extLst>
+          </p:cNvPr>
+          <p:cNvSpPr>
+            <a:spLocks noGrp="1"/>
+          </p:cNvSpPr>
+          <p:nvPr>
+            <p:ph type="body" idx="11"/>
+          </p:nvPr>
+        </p:nvSpPr>
+        <p:spPr/>
+        <p:txBody>
+          <a:bodyPr/>
+          <a:lstStyle/>
+          <a:p>
+            <a:r>
+              <a:rPr lang="en-US" dirty="0">
+                <a:hlinkClick r:id="rId7"/>
+              </a:rPr>
+              <a:t>Physics-301/Activity - 4 RGB-to-Spectra using </a:t>
+            </a:r>
+            <a:r>
+              <a:rPr lang="en-US" dirty="0" err="1">
+                <a:hlinkClick r:id="rId7"/>
+              </a:rPr>
+              <a:t>PCA.ipynb</a:t>
+            </a:r>
+            <a:r>
+              <a:rPr lang="en-US" dirty="0">
+                <a:hlinkClick r:id="rId7"/>
+              </a:rPr>
+              <a:t> at main · </a:t>
+            </a:r>
+            <a:r>
+              <a:rPr lang="en-US" dirty="0" err="1">
+                <a:hlinkClick r:id="rId7"/>
+              </a:rPr>
+              <a:t>reneprincipejr</a:t>
+            </a:r>
+            <a:r>
+              <a:rPr lang="en-US" dirty="0">
+                <a:hlinkClick r:id="rId7"/>
+              </a:rPr>
+              <a:t>/Physics-301 (github.com)</a:t>
+            </a:r>
+            <a:endParaRPr lang="en-US" dirty="0"/>
+          </a:p>
+          <a:p>
+            <a:r>
+              <a:rPr lang="en-US" dirty="0">
+                <a:hlinkClick r:id="rId8"/>
+              </a:rPr>
+              <a:t>https://drive.google.com/file/d/11YbzA_dpg4L-_9xB1E44XnfDiXXtFVsc/view?usp=sharing</a:t>
+            </a:r>
+            <a:r>
+              <a:rPr lang="en-US" dirty="0"/>
+              <a:t> </a:t>
+            </a:r>
+          </a:p>
+        </p:txBody>
+      </p:sp>
     </p:spTree>
     <p:extLst>
       <p:ext uri="{BB962C8B-B14F-4D97-AF65-F5344CB8AC3E}">
@@ -8966,10 +11828,15 @@
                 <p:ph idx="1"/>
               </p:nvPr>
             </p:nvSpPr>
-            <p:spPr/>
+            <p:spPr>
+              <a:xfrm>
+                <a:off x="628649" y="1131216"/>
+                <a:ext cx="7972425" cy="5045747"/>
+              </a:xfrm>
+            </p:spPr>
             <p:txBody>
               <a:bodyPr>
-                <a:normAutofit/>
+                <a:noAutofit/>
               </a:bodyPr>
               <a:lstStyle/>
               <a:p>
@@ -9250,53 +12117,50 @@
                   <a:buNone/>
                 </a:pPr>
                 <a:r>
-                  <a:rPr lang="en-US" sz="1800" dirty="0">
+                  <a:rPr lang="en-US" sz="2000" dirty="0">
+                    <a:latin typeface="Bahnschrift SemiLight" panose="020B0502040204020203" pitchFamily="34" charset="0"/>
+                  </a:rPr>
+                  <a:t>Recalling trinity of color, the </a:t>
+                </a:r>
+                <a:r>
+                  <a:rPr lang="en-US" sz="2000" dirty="0">
                     <a:solidFill>
-                      <a:schemeClr val="bg1"/>
+                      <a:srgbClr val="C00000"/>
                     </a:solidFill>
-                    <a:highlight>
-                      <a:srgbClr val="467599"/>
-                    </a:highlight>
                     <a:latin typeface="Bahnschrift SemiBold" panose="020B0502040204020203" pitchFamily="34" charset="0"/>
                   </a:rPr>
-                  <a:t> Estimating Color Signal from Digital Color</a:t>
+                  <a:t>R</a:t>
                 </a:r>
                 <a:r>
-                  <a:rPr lang="en-US" sz="1800" dirty="0">
+                  <a:rPr lang="en-US" sz="2000" dirty="0">
                     <a:solidFill>
-                      <a:srgbClr val="467599"/>
+                      <a:srgbClr val="00B050"/>
                     </a:solidFill>
-                    <a:highlight>
-                      <a:srgbClr val="467599"/>
-                    </a:highlight>
                     <a:latin typeface="Bahnschrift SemiBold" panose="020B0502040204020203" pitchFamily="34" charset="0"/>
                   </a:rPr>
-                  <a:t>.</a:t>
+                  <a:t>G</a:t>
                 </a:r>
-              </a:p>
-              <a:p>
-                <a:pPr marL="0" indent="0">
-                  <a:lnSpc>
-                    <a:spcPct val="110000"/>
-                  </a:lnSpc>
-                  <a:spcBef>
-                    <a:spcPts val="600"/>
-                  </a:spcBef>
-                  <a:spcAft>
-                    <a:spcPts val="600"/>
-                  </a:spcAft>
-                  <a:buNone/>
-                </a:pPr>
                 <a:r>
-                  <a:rPr lang="en-US" sz="1800" dirty="0"/>
-                  <a:t>Recalling the principle of color trinity, the digital RGB values or </a:t>
+                  <a:rPr lang="en-US" sz="2000" dirty="0">
+                    <a:solidFill>
+                      <a:srgbClr val="0070C0"/>
+                    </a:solidFill>
+                    <a:latin typeface="Bahnschrift SemiBold" panose="020B0502040204020203" pitchFamily="34" charset="0"/>
+                  </a:rPr>
+                  <a:t>B</a:t>
+                </a:r>
+                <a:r>
+                  <a:rPr lang="en-US" sz="2000" dirty="0">
+                    <a:latin typeface="Bahnschrift SemiLight" panose="020B0502040204020203" pitchFamily="34" charset="0"/>
+                  </a:rPr>
+                  <a:t> values or </a:t>
                 </a:r>
                 <a14:m>
                   <m:oMath xmlns:m="http://schemas.openxmlformats.org/officeDocument/2006/math">
                     <m:sSub>
                       <m:sSubPr>
                         <m:ctrlPr>
-                          <a:rPr lang="en-US" sz="1800" i="1" smtClean="0">
+                          <a:rPr lang="en-US" sz="2000" i="1" smtClean="0">
                             <a:solidFill>
                               <a:srgbClr val="836967"/>
                             </a:solidFill>
@@ -9306,7 +12170,7 @@
                       </m:sSubPr>
                       <m:e>
                         <m:r>
-                          <a:rPr lang="en-US" sz="1800" i="1" smtClean="0">
+                          <a:rPr lang="en-US" sz="2000" i="1" smtClean="0">
                             <a:latin typeface="Cambria Math" panose="02040503050406030204" pitchFamily="18" charset="0"/>
                           </a:rPr>
                           <m:t>𝑞</m:t>
@@ -9314,7 +12178,7 @@
                       </m:e>
                       <m:sub>
                         <m:r>
-                          <a:rPr lang="en-US" sz="1800" i="1" smtClean="0">
+                          <a:rPr lang="en-US" sz="2000" i="1" smtClean="0">
                             <a:latin typeface="Cambria Math" panose="02040503050406030204" pitchFamily="18" charset="0"/>
                           </a:rPr>
                           <m:t>𝑛</m:t>
@@ -9322,7 +12186,7 @@
                       </m:sub>
                     </m:sSub>
                     <m:r>
-                      <a:rPr lang="en-US" sz="1800" i="1" smtClean="0">
+                      <a:rPr lang="en-US" sz="2000" i="1" smtClean="0">
                         <a:latin typeface="Cambria Math" panose="02040503050406030204" pitchFamily="18" charset="0"/>
                       </a:rPr>
                       <m:t> </m:t>
@@ -9330,7 +12194,9 @@
                   </m:oMath>
                 </a14:m>
                 <a:r>
-                  <a:rPr lang="en-US" sz="1800" dirty="0"/>
+                  <a:rPr lang="en-US" sz="2000" dirty="0">
+                    <a:latin typeface="Bahnschrift SemiLight" panose="020B0502040204020203" pitchFamily="34" charset="0"/>
+                  </a:rPr>
                   <a:t>are obtained by multiplying the color signal </a:t>
                 </a:r>
                 <a14:m>
@@ -9338,7 +12204,7 @@
                     <m:sSub>
                       <m:sSubPr>
                         <m:ctrlPr>
-                          <a:rPr lang="en-US" sz="1800" i="1">
+                          <a:rPr lang="en-US" sz="2000" i="1">
                             <a:solidFill>
                               <a:srgbClr val="836967"/>
                             </a:solidFill>
@@ -9348,7 +12214,7 @@
                       </m:sSubPr>
                       <m:e>
                         <m:r>
-                          <a:rPr lang="en-US" sz="1800" i="1">
+                          <a:rPr lang="en-US" sz="2000" i="1">
                             <a:latin typeface="Cambria Math" panose="02040503050406030204" pitchFamily="18" charset="0"/>
                           </a:rPr>
                           <m:t>𝐶</m:t>
@@ -9356,7 +12222,7 @@
                       </m:e>
                       <m:sub>
                         <m:r>
-                          <a:rPr lang="en-US" sz="1800" i="1">
+                          <a:rPr lang="en-US" sz="2000" i="1">
                             <a:latin typeface="Cambria Math" panose="02040503050406030204" pitchFamily="18" charset="0"/>
                           </a:rPr>
                           <m:t>𝑛</m:t>
@@ -9366,7 +12232,7 @@
                     <m:d>
                       <m:dPr>
                         <m:ctrlPr>
-                          <a:rPr lang="en-US" sz="1800" i="1">
+                          <a:rPr lang="en-US" sz="2000" i="1">
                             <a:solidFill>
                               <a:srgbClr val="836967"/>
                             </a:solidFill>
@@ -9376,7 +12242,7 @@
                       </m:dPr>
                       <m:e>
                         <m:r>
-                          <a:rPr lang="en-US" sz="1800" i="1">
+                          <a:rPr lang="en-US" sz="2000" i="1">
                             <a:latin typeface="Cambria Math" panose="02040503050406030204" pitchFamily="18" charset="0"/>
                           </a:rPr>
                           <m:t>𝜆</m:t>
@@ -9386,15 +12252,17 @@
                   </m:oMath>
                 </a14:m>
                 <a:r>
-                  <a:rPr lang="en-US" sz="1800" dirty="0"/>
-                  <a:t> with the spectral sensitivities </a:t>
+                  <a:rPr lang="en-US" sz="2000" dirty="0">
+                    <a:latin typeface="Bahnschrift SemiLight" panose="020B0502040204020203" pitchFamily="34" charset="0"/>
+                  </a:rPr>
+                  <a:t> with spectral sensitivities </a:t>
                 </a:r>
                 <a14:m>
                   <m:oMath xmlns:m="http://schemas.openxmlformats.org/officeDocument/2006/math">
                     <m:sSub>
                       <m:sSubPr>
                         <m:ctrlPr>
-                          <a:rPr lang="en-US" sz="1800" i="1">
+                          <a:rPr lang="en-US" sz="2000" i="1">
                             <a:solidFill>
                               <a:srgbClr val="836967"/>
                             </a:solidFill>
@@ -9404,7 +12272,7 @@
                       </m:sSubPr>
                       <m:e>
                         <m:r>
-                          <a:rPr lang="en-US" sz="1800" i="1">
+                          <a:rPr lang="en-US" sz="2000" i="1">
                             <a:latin typeface="Cambria Math" panose="02040503050406030204" pitchFamily="18" charset="0"/>
                           </a:rPr>
                           <m:t>𝑆</m:t>
@@ -9412,7 +12280,7 @@
                       </m:e>
                       <m:sub>
                         <m:r>
-                          <a:rPr lang="en-US" sz="1800" i="1">
+                          <a:rPr lang="en-US" sz="2000" i="1">
                             <a:latin typeface="Cambria Math" panose="02040503050406030204" pitchFamily="18" charset="0"/>
                           </a:rPr>
                           <m:t>𝑛</m:t>
@@ -9422,7 +12290,7 @@
                     <m:d>
                       <m:dPr>
                         <m:ctrlPr>
-                          <a:rPr lang="en-US" sz="1800" i="1">
+                          <a:rPr lang="en-US" sz="2000" i="1">
                             <a:solidFill>
                               <a:srgbClr val="836967"/>
                             </a:solidFill>
@@ -9432,7 +12300,7 @@
                       </m:dPr>
                       <m:e>
                         <m:r>
-                          <a:rPr lang="en-US" sz="1800" i="1">
+                          <a:rPr lang="en-US" sz="2000" i="1">
                             <a:latin typeface="Cambria Math" panose="02040503050406030204" pitchFamily="18" charset="0"/>
                           </a:rPr>
                           <m:t>𝜆</m:t>
@@ -9442,26 +12310,37 @@
                   </m:oMath>
                 </a14:m>
                 <a:r>
-                  <a:rPr lang="en-US" sz="1800" dirty="0"/>
-                  <a:t>. </a:t>
+                  <a:rPr lang="en-US" sz="2000" dirty="0">
+                    <a:latin typeface="Bahnschrift SemiLight" panose="020B0502040204020203" pitchFamily="34" charset="0"/>
+                  </a:rPr>
+                  <a:t> [1]. </a:t>
                 </a:r>
               </a:p>
               <a:p>
-                <a:pPr marL="0" indent="0">
+                <a:pPr marL="0" indent="457200">
                   <a:lnSpc>
                     <a:spcPct val="110000"/>
                   </a:lnSpc>
                   <a:buNone/>
                 </a:pPr>
                 <a:r>
-                  <a:rPr lang="en-US" sz="1800" dirty="0"/>
-                  <a:t>Suppose we have a spectral reflectance database and a default source, then we can represent the color signal as a linear superposition of the eigenvectors</a:t>
+                  <a:rPr lang="en-US" sz="2000" dirty="0">
+                    <a:latin typeface="Bahnschrift SemiLight" panose="020B0502040204020203" pitchFamily="34" charset="0"/>
+                  </a:rPr>
+                  <a:t>Suppose we have a spectral reflectance database and a default source, then </a:t>
                 </a:r>
                 <a:r>
-                  <a:rPr lang="en-US" sz="1800" dirty="0">
+                  <a:rPr lang="en-US" sz="2000" dirty="0">
+                    <a:latin typeface="Bahnschrift SemiBold" panose="020B0502040204020203" pitchFamily="34" charset="0"/>
+                  </a:rPr>
+                  <a:t>we can represent the color signal as a linear superposition of the eigenvectors</a:t>
+                </a:r>
+                <a:r>
+                  <a:rPr lang="en-US" sz="2000" dirty="0">
                     <a:solidFill>
                       <a:srgbClr val="836967"/>
                     </a:solidFill>
+                    <a:latin typeface="Bahnschrift SemiBold" panose="020B0502040204020203" pitchFamily="34" charset="0"/>
                   </a:rPr>
                   <a:t> </a:t>
                 </a:r>
@@ -9470,7 +12349,7 @@
                     <m:sSub>
                       <m:sSubPr>
                         <m:ctrlPr>
-                          <a:rPr lang="en-US" sz="1800" i="1" smtClean="0">
+                          <a:rPr lang="en-US" sz="2000" i="1" smtClean="0">
                             <a:solidFill>
                               <a:srgbClr val="836967"/>
                             </a:solidFill>
@@ -9480,7 +12359,7 @@
                       </m:sSubPr>
                       <m:e>
                         <m:r>
-                          <a:rPr lang="en-US" sz="1800" i="1" smtClean="0">
+                          <a:rPr lang="en-US" sz="2000" i="1" smtClean="0">
                             <a:latin typeface="Cambria Math" panose="02040503050406030204" pitchFamily="18" charset="0"/>
                           </a:rPr>
                           <m:t>𝑒</m:t>
@@ -9488,7 +12367,7 @@
                       </m:e>
                       <m:sub>
                         <m:r>
-                          <a:rPr lang="en-US" sz="1800" i="1" smtClean="0">
+                          <a:rPr lang="en-US" sz="2000" i="1" smtClean="0">
                             <a:latin typeface="Cambria Math" panose="02040503050406030204" pitchFamily="18" charset="0"/>
                           </a:rPr>
                           <m:t>𝑖</m:t>
@@ -9498,7 +12377,9 @@
                   </m:oMath>
                 </a14:m>
                 <a:r>
-                  <a:rPr lang="en-US" sz="1800" dirty="0"/>
+                  <a:rPr lang="en-US" sz="2000" dirty="0">
+                    <a:latin typeface="Bahnschrift SemiBold" panose="020B0502040204020203" pitchFamily="34" charset="0"/>
+                  </a:rPr>
                   <a:t> and weights </a:t>
                 </a:r>
                 <a14:m>
@@ -9506,7 +12387,7 @@
                     <m:sSub>
                       <m:sSubPr>
                         <m:ctrlPr>
-                          <a:rPr lang="en-US" sz="1800" i="1">
+                          <a:rPr lang="en-US" sz="2000" i="1">
                             <a:solidFill>
                               <a:srgbClr val="836967"/>
                             </a:solidFill>
@@ -9516,7 +12397,7 @@
                       </m:sSubPr>
                       <m:e>
                         <m:r>
-                          <a:rPr lang="en-US" sz="1800" i="1">
+                          <a:rPr lang="en-US" sz="2000" i="1">
                             <a:latin typeface="Cambria Math" panose="02040503050406030204" pitchFamily="18" charset="0"/>
                           </a:rPr>
                           <m:t>𝑎</m:t>
@@ -9524,7 +12405,7 @@
                       </m:e>
                       <m:sub>
                         <m:r>
-                          <a:rPr lang="en-US" sz="1800" i="1">
+                          <a:rPr lang="en-US" sz="2000" i="1">
                             <a:latin typeface="Cambria Math" panose="02040503050406030204" pitchFamily="18" charset="0"/>
                           </a:rPr>
                           <m:t>𝑖</m:t>
@@ -9534,7 +12415,9 @@
                   </m:oMath>
                 </a14:m>
                 <a:r>
-                  <a:rPr lang="en-US" sz="1800" dirty="0"/>
+                  <a:rPr lang="en-US" sz="2000" dirty="0">
+                    <a:latin typeface="Bahnschrift SemiLight" panose="020B0502040204020203" pitchFamily="34" charset="0"/>
+                  </a:rPr>
                   <a:t> by PCA’s dimensional reduction given by</a:t>
                 </a:r>
                 <a:endParaRPr lang="en-US" sz="1800" dirty="0">
@@ -9544,7 +12427,7 @@
                   <a:highlight>
                     <a:srgbClr val="467599"/>
                   </a:highlight>
-                  <a:latin typeface="Bahnschrift SemiBold" panose="020B0502040204020203" pitchFamily="34" charset="0"/>
+                  <a:latin typeface="Bahnschrift SemiLight" panose="020B0502040204020203" pitchFamily="34" charset="0"/>
                 </a:endParaRPr>
               </a:p>
               <a:p>
@@ -9731,10 +12614,14 @@
               </p:nvPr>
             </p:nvSpPr>
             <p:spPr>
+              <a:xfrm>
+                <a:off x="628649" y="1131216"/>
+                <a:ext cx="7972425" cy="5045747"/>
+              </a:xfrm>
               <a:blipFill>
                 <a:blip r:embed="rId2"/>
                 <a:stretch>
-                  <a:fillRect l="-618" r="-1236" b="-14873"/>
+                  <a:fillRect l="-765" r="-1453" b="-9915"/>
                 </a:stretch>
               </a:blipFill>
             </p:spPr>
@@ -9877,13 +12764,48 @@
                   <a:buNone/>
                 </a:pPr>
                 <a:r>
-                  <a:rPr lang="en-US" sz="1800" dirty="0"/>
-                  <a:t>The RGB </a:t>
+                  <a:rPr lang="en-US" sz="2000" dirty="0">
+                    <a:latin typeface="Bahnschrift SemiLight" panose="020B0502040204020203" pitchFamily="34" charset="0"/>
+                  </a:rPr>
+                  <a:t>The </a:t>
+                </a:r>
+                <a:r>
+                  <a:rPr lang="en-US" sz="2000" dirty="0">
+                    <a:solidFill>
+                      <a:srgbClr val="C00000"/>
+                    </a:solidFill>
+                    <a:latin typeface="Bahnschrift SemiBold" panose="020B0502040204020203" pitchFamily="34" charset="0"/>
+                  </a:rPr>
+                  <a:t>R</a:t>
+                </a:r>
+                <a:r>
+                  <a:rPr lang="en-US" sz="2000" dirty="0">
+                    <a:solidFill>
+                      <a:srgbClr val="00B050"/>
+                    </a:solidFill>
+                    <a:latin typeface="Bahnschrift SemiBold" panose="020B0502040204020203" pitchFamily="34" charset="0"/>
+                  </a:rPr>
+                  <a:t>G</a:t>
+                </a:r>
+                <a:r>
+                  <a:rPr lang="en-US" sz="2000" dirty="0">
+                    <a:solidFill>
+                      <a:srgbClr val="0070C0"/>
+                    </a:solidFill>
+                    <a:latin typeface="Bahnschrift SemiBold" panose="020B0502040204020203" pitchFamily="34" charset="0"/>
+                  </a:rPr>
+                  <a:t>B</a:t>
+                </a:r>
+                <a:r>
+                  <a:rPr lang="en-US" sz="2000" dirty="0">
+                    <a:latin typeface="Bahnschrift SemiLight" panose="020B0502040204020203" pitchFamily="34" charset="0"/>
+                  </a:rPr>
+                  <a:t> </a:t>
                 </a:r>
                 <a14:m>
                   <m:oMath xmlns:m="http://schemas.openxmlformats.org/officeDocument/2006/math">
                     <m:r>
-                      <a:rPr lang="en-US" sz="1800">
+                      <a:rPr lang="en-US" sz="2000">
                         <a:latin typeface="Cambria Math" panose="02040503050406030204" pitchFamily="18" charset="0"/>
                       </a:rPr>
                       <m:t>[</m:t>
@@ -9891,14 +12813,20 @@
                     <m:sSub>
                       <m:sSubPr>
                         <m:ctrlPr>
-                          <a:rPr lang="en-US" sz="1800" i="1">
+                          <a:rPr lang="en-US" sz="2000" i="1" smtClean="0">
+                            <a:solidFill>
+                              <a:srgbClr val="C00000"/>
+                            </a:solidFill>
                             <a:latin typeface="Cambria Math" panose="02040503050406030204" pitchFamily="18" charset="0"/>
                           </a:rPr>
                         </m:ctrlPr>
                       </m:sSubPr>
                       <m:e>
                         <m:r>
-                          <a:rPr lang="en-US" sz="1800" i="1">
+                          <a:rPr lang="en-US" sz="2000" i="1">
+                            <a:solidFill>
+                              <a:srgbClr val="C00000"/>
+                            </a:solidFill>
                             <a:latin typeface="Cambria Math" panose="02040503050406030204" pitchFamily="18" charset="0"/>
                           </a:rPr>
                           <m:t>𝑞</m:t>
@@ -9906,7 +12834,10 @@
                       </m:e>
                       <m:sub>
                         <m:r>
-                          <a:rPr lang="en-US" sz="1800" i="1">
+                          <a:rPr lang="en-US" sz="2000" i="1">
+                            <a:solidFill>
+                              <a:srgbClr val="C00000"/>
+                            </a:solidFill>
                             <a:latin typeface="Cambria Math" panose="02040503050406030204" pitchFamily="18" charset="0"/>
                           </a:rPr>
                           <m:t>𝑅</m:t>
@@ -9914,7 +12845,7 @@
                       </m:sub>
                     </m:sSub>
                     <m:r>
-                      <a:rPr lang="en-US" sz="1800" i="1">
+                      <a:rPr lang="en-US" sz="2000" i="1">
                         <a:latin typeface="Cambria Math" panose="02040503050406030204" pitchFamily="18" charset="0"/>
                       </a:rPr>
                       <m:t>,</m:t>
@@ -9922,14 +12853,20 @@
                     <m:sSub>
                       <m:sSubPr>
                         <m:ctrlPr>
-                          <a:rPr lang="en-US" sz="1800" i="1">
+                          <a:rPr lang="en-US" sz="2000" i="1" smtClean="0">
+                            <a:solidFill>
+                              <a:srgbClr val="00B050"/>
+                            </a:solidFill>
                             <a:latin typeface="Cambria Math" panose="02040503050406030204" pitchFamily="18" charset="0"/>
                           </a:rPr>
                         </m:ctrlPr>
                       </m:sSubPr>
                       <m:e>
                         <m:r>
-                          <a:rPr lang="en-US" sz="1800" i="1">
+                          <a:rPr lang="en-US" sz="2000" i="1">
+                            <a:solidFill>
+                              <a:srgbClr val="00B050"/>
+                            </a:solidFill>
                             <a:latin typeface="Cambria Math" panose="02040503050406030204" pitchFamily="18" charset="0"/>
                           </a:rPr>
                           <m:t>𝑞</m:t>
@@ -9937,7 +12874,10 @@
                       </m:e>
                       <m:sub>
                         <m:r>
-                          <a:rPr lang="en-US" sz="1800" i="1">
+                          <a:rPr lang="en-US" sz="2000" i="1">
+                            <a:solidFill>
+                              <a:srgbClr val="00B050"/>
+                            </a:solidFill>
                             <a:latin typeface="Cambria Math" panose="02040503050406030204" pitchFamily="18" charset="0"/>
                           </a:rPr>
                           <m:t>𝐺</m:t>
@@ -9947,7 +12887,9 @@
                   </m:oMath>
                 </a14:m>
                 <a:r>
-                  <a:rPr lang="en-US" sz="1800" dirty="0"/>
+                  <a:rPr lang="en-US" sz="2000" dirty="0">
+                    <a:latin typeface="Bahnschrift SemiLight" panose="020B0502040204020203" pitchFamily="34" charset="0"/>
+                  </a:rPr>
                   <a:t>, </a:t>
                 </a:r>
                 <a14:m>
@@ -9955,14 +12897,20 @@
                     <m:sSub>
                       <m:sSubPr>
                         <m:ctrlPr>
-                          <a:rPr lang="en-US" sz="1800" i="1">
+                          <a:rPr lang="en-US" sz="2000" i="1" smtClean="0">
+                            <a:solidFill>
+                              <a:srgbClr val="0070C0"/>
+                            </a:solidFill>
                             <a:latin typeface="Cambria Math" panose="02040503050406030204" pitchFamily="18" charset="0"/>
                           </a:rPr>
                         </m:ctrlPr>
                       </m:sSubPr>
                       <m:e>
                         <m:r>
-                          <a:rPr lang="en-US" sz="1800" i="1">
+                          <a:rPr lang="en-US" sz="2000" i="1">
+                            <a:solidFill>
+                              <a:srgbClr val="0070C0"/>
+                            </a:solidFill>
                             <a:latin typeface="Cambria Math" panose="02040503050406030204" pitchFamily="18" charset="0"/>
                           </a:rPr>
                           <m:t>𝑞</m:t>
@@ -9970,7 +12918,10 @@
                       </m:e>
                       <m:sub>
                         <m:r>
-                          <a:rPr lang="en-US" sz="1800" i="1">
+                          <a:rPr lang="en-US" sz="2000" i="1">
+                            <a:solidFill>
+                              <a:srgbClr val="0070C0"/>
+                            </a:solidFill>
                             <a:latin typeface="Cambria Math" panose="02040503050406030204" pitchFamily="18" charset="0"/>
                           </a:rPr>
                           <m:t>𝐵</m:t>
@@ -9978,7 +12929,7 @@
                       </m:sub>
                     </m:sSub>
                     <m:r>
-                      <a:rPr lang="en-US" sz="1800" i="1">
+                      <a:rPr lang="en-US" sz="2000" i="1">
                         <a:latin typeface="Cambria Math" panose="02040503050406030204" pitchFamily="18" charset="0"/>
                       </a:rPr>
                       <m:t>] </m:t>
@@ -9986,17 +12937,21 @@
                   </m:oMath>
                 </a14:m>
                 <a:r>
-                  <a:rPr lang="en-US" sz="1800" dirty="0"/>
-                  <a:t>values can then be obtained using the eigenspectra:</a:t>
+                  <a:rPr lang="en-US" sz="2000" dirty="0">
+                    <a:latin typeface="Bahnschrift SemiLight" panose="020B0502040204020203" pitchFamily="34" charset="0"/>
+                  </a:rPr>
+                  <a:t>values can then be obtained using:</a:t>
                 </a:r>
                 <a:br>
-                  <a:rPr lang="en-US" sz="1800" dirty="0"/>
+                  <a:rPr lang="en-US" sz="2000" dirty="0">
+                    <a:latin typeface="Bahnschrift SemiLight" panose="020B0502040204020203" pitchFamily="34" charset="0"/>
+                  </a:rPr>
                 </a:br>
-                <a:endParaRPr lang="en-US" sz="1400" i="1" dirty="0">
+                <a:endParaRPr lang="en-US" sz="2000" i="1" dirty="0">
                   <a:solidFill>
                     <a:schemeClr val="tx1"/>
                   </a:solidFill>
-                  <a:latin typeface="Cambria Math" panose="02040503050406030204" pitchFamily="18" charset="0"/>
+                  <a:latin typeface="Bahnschrift SemiLight" panose="020B0502040204020203" pitchFamily="34" charset="0"/>
                 </a:endParaRPr>
               </a:p>
               <a:p>
@@ -11127,20 +14082,20 @@
                     <a:solidFill>
                       <a:schemeClr val="tx1"/>
                     </a:solidFill>
-                    <a:latin typeface="Bahnschrift SemiBold" panose="020B0502040204020203" pitchFamily="34" charset="0"/>
+                    <a:latin typeface="Bahnschrift SemiLight" panose="020B0502040204020203" pitchFamily="34" charset="0"/>
                   </a:rPr>
                   <a:t>.</a:t>
                 </a:r>
                 <a:br>
                   <a:rPr lang="en-US" sz="2000" dirty="0">
-                    <a:latin typeface="Bahnschrift SemiBold" panose="020B0502040204020203" pitchFamily="34" charset="0"/>
+                    <a:latin typeface="Bahnschrift SemiLight" panose="020B0502040204020203" pitchFamily="34" charset="0"/>
                   </a:rPr>
                 </a:br>
                 <a:endParaRPr lang="en-US" sz="2000" b="1" i="0" dirty="0">
                   <a:solidFill>
                     <a:schemeClr val="tx1"/>
                   </a:solidFill>
-                  <a:latin typeface="Cambria Math" panose="02040503050406030204" pitchFamily="18" charset="0"/>
+                  <a:latin typeface="Bahnschrift SemiLight" panose="020B0502040204020203" pitchFamily="34" charset="0"/>
                 </a:endParaRPr>
               </a:p>
               <a:p>
@@ -11151,8 +14106,43 @@
                   <a:buNone/>
                 </a:pPr>
                 <a:r>
-                  <a:rPr lang="en-US" sz="2000" dirty="0"/>
-                  <a:t>Here we see an association between the weights (eigenvalues) and the RGB value through the transformation matrix </a:t>
+                  <a:rPr lang="en-US" sz="2000" dirty="0">
+                    <a:latin typeface="Bahnschrift SemiLight" panose="020B0502040204020203" pitchFamily="34" charset="0"/>
+                  </a:rPr>
+                  <a:t>Here we see an association between the weights (eigenvalues) and the </a:t>
+                </a:r>
+                <a:r>
+                  <a:rPr lang="en-US" sz="2000" dirty="0">
+                    <a:solidFill>
+                      <a:srgbClr val="C00000"/>
+                    </a:solidFill>
+                    <a:latin typeface="Bahnschrift SemiBold" panose="020B0502040204020203" pitchFamily="34" charset="0"/>
+                  </a:rPr>
+                  <a:t>R</a:t>
+                </a:r>
+                <a:r>
+                  <a:rPr lang="en-US" sz="2000" dirty="0">
+                    <a:solidFill>
+                      <a:srgbClr val="00B050"/>
+                    </a:solidFill>
+                    <a:latin typeface="Bahnschrift SemiBold" panose="020B0502040204020203" pitchFamily="34" charset="0"/>
+                  </a:rPr>
+                  <a:t>G</a:t>
+                </a:r>
+                <a:r>
+                  <a:rPr lang="en-US" sz="2000" dirty="0">
+                    <a:solidFill>
+                      <a:srgbClr val="0070C0"/>
+                    </a:solidFill>
+                    <a:latin typeface="Bahnschrift SemiBold" panose="020B0502040204020203" pitchFamily="34" charset="0"/>
+                  </a:rPr>
+                  <a:t>B</a:t>
+                </a:r>
+                <a:r>
+                  <a:rPr lang="en-US" sz="2000" dirty="0">
+                    <a:latin typeface="Bahnschrift SemiLight" panose="020B0502040204020203" pitchFamily="34" charset="0"/>
+                  </a:rPr>
+                  <a:t> value through the transformation matrix </a:t>
                 </a:r>
                 <a14:m>
                   <m:oMath xmlns:m="http://schemas.openxmlformats.org/officeDocument/2006/math">
@@ -11168,7 +14158,9 @@
                   </m:oMath>
                 </a14:m>
                 <a:r>
-                  <a:rPr lang="en-US" sz="2000" dirty="0"/>
+                  <a:rPr lang="en-US" sz="2000" dirty="0">
+                    <a:latin typeface="Bahnschrift SemiLight" panose="020B0502040204020203" pitchFamily="34" charset="0"/>
+                  </a:rPr>
                   <a:t>. Weiner estimation method then allows us the obtain the weights </a:t>
                 </a:r>
                 <a14:m>
@@ -11182,14 +14174,16 @@
                   </m:oMath>
                 </a14:m>
                 <a:r>
-                  <a:rPr lang="en-US" sz="2000" dirty="0"/>
+                  <a:rPr lang="en-US" sz="2000" dirty="0">
+                    <a:latin typeface="Bahnschrift SemiLight" panose="020B0502040204020203" pitchFamily="34" charset="0"/>
+                  </a:rPr>
                   <a:t>:</a:t>
                 </a:r>
                 <a:endParaRPr lang="en-US" sz="2000" b="1" i="0" dirty="0">
                   <a:solidFill>
                     <a:schemeClr val="tx1"/>
                   </a:solidFill>
-                  <a:latin typeface="Cambria Math" panose="02040503050406030204" pitchFamily="18" charset="0"/>
+                  <a:latin typeface="Bahnschrift SemiLight" panose="020B0502040204020203" pitchFamily="34" charset="0"/>
                 </a:endParaRPr>
               </a:p>
               <a:p>
@@ -11245,7 +14239,7 @@
                   <a:solidFill>
                     <a:schemeClr val="tx1"/>
                   </a:solidFill>
-                  <a:latin typeface="Cambria Math" panose="02040503050406030204" pitchFamily="18" charset="0"/>
+                  <a:latin typeface="Bahnschrift SemiLight" panose="020B0502040204020203" pitchFamily="34" charset="0"/>
                 </a:endParaRPr>
               </a:p>
               <a:p>
@@ -11422,7 +14416,7 @@
                     <a:solidFill>
                       <a:schemeClr val="tx1"/>
                     </a:solidFill>
-                    <a:latin typeface="Bahnschrift SemiBold" panose="020B0502040204020203" pitchFamily="34" charset="0"/>
+                    <a:latin typeface="Bahnschrift SemiLight" panose="020B0502040204020203" pitchFamily="34" charset="0"/>
                   </a:rPr>
                   <a:t>. </a:t>
                 </a:r>
@@ -11435,14 +14429,67 @@
                   <a:buNone/>
                 </a:pPr>
                 <a:r>
-                  <a:rPr lang="en-US" sz="2000" dirty="0"/>
-                  <a:t>Since the eigenvectors are already established and the weights can be determined using RGB, then the spectrum of the color signal can be recreated.</a:t>
+                  <a:rPr lang="en-US" sz="2000" dirty="0">
+                    <a:latin typeface="Bahnschrift SemiLight" panose="020B0502040204020203" pitchFamily="34" charset="0"/>
+                  </a:rPr>
+                  <a:t>Since the eigenvectors are already established and the weights can be determined using </a:t>
+                </a:r>
+                <a:r>
+                  <a:rPr lang="en-US" sz="2000" dirty="0">
+                    <a:solidFill>
+                      <a:srgbClr val="C00000"/>
+                    </a:solidFill>
+                    <a:latin typeface="Bahnschrift SemiBold" panose="020B0502040204020203" pitchFamily="34" charset="0"/>
+                  </a:rPr>
+                  <a:t>R</a:t>
+                </a:r>
+                <a:r>
+                  <a:rPr lang="en-US" sz="2000" dirty="0">
+                    <a:solidFill>
+                      <a:srgbClr val="00B050"/>
+                    </a:solidFill>
+                    <a:latin typeface="Bahnschrift SemiBold" panose="020B0502040204020203" pitchFamily="34" charset="0"/>
+                  </a:rPr>
+                  <a:t>G</a:t>
+                </a:r>
+                <a:r>
+                  <a:rPr lang="en-US" sz="2000" dirty="0">
+                    <a:solidFill>
+                      <a:srgbClr val="0070C0"/>
+                    </a:solidFill>
+                    <a:latin typeface="Bahnschrift SemiBold" panose="020B0502040204020203" pitchFamily="34" charset="0"/>
+                  </a:rPr>
+                  <a:t>B</a:t>
+                </a:r>
+                <a:r>
+                  <a:rPr lang="en-US" sz="2000" dirty="0">
+                    <a:latin typeface="Bahnschrift SemiLight" panose="020B0502040204020203" pitchFamily="34" charset="0"/>
+                  </a:rPr>
+                  <a:t>, then </a:t>
+                </a:r>
+                <a:r>
+                  <a:rPr lang="en-US" sz="2000" dirty="0">
+                    <a:solidFill>
+                      <a:srgbClr val="D64045"/>
+                    </a:solidFill>
+                    <a:highlight>
+                      <a:srgbClr val="FFEE9E"/>
+                    </a:highlight>
+                    <a:latin typeface="Bahnschrift SemiBold" panose="020B0502040204020203" pitchFamily="34" charset="0"/>
+                  </a:rPr>
+                  <a:t>the spectrum of the color signal can be recreated</a:t>
+                </a:r>
+                <a:r>
+                  <a:rPr lang="en-US" sz="2000" dirty="0">
+                    <a:latin typeface="Bahnschrift SemiLight" panose="020B0502040204020203" pitchFamily="34" charset="0"/>
+                  </a:rPr>
+                  <a:t> [1].</a:t>
                 </a:r>
                 <a:endParaRPr lang="en-US" sz="2000" b="1" dirty="0">
                   <a:solidFill>
                     <a:schemeClr val="tx1"/>
                   </a:solidFill>
-                  <a:latin typeface="Bahnschrift SemiBold" panose="020B0502040204020203" pitchFamily="34" charset="0"/>
+                  <a:latin typeface="Bahnschrift SemiLight" panose="020B0502040204020203" pitchFamily="34" charset="0"/>
                 </a:endParaRPr>
               </a:p>
             </p:txBody>
@@ -11574,8 +14621,8 @@
           </a:p>
         </p:txBody>
       </p:sp>
-      <mc:AlternateContent xmlns:mc="http://schemas.openxmlformats.org/markup-compatibility/2006">
-        <mc:Choice xmlns:a14="http://schemas.microsoft.com/office/drawing/2010/main" Requires="a14">
+      <mc:AlternateContent xmlns:mc="http://schemas.openxmlformats.org/markup-compatibility/2006" xmlns:a14="http://schemas.microsoft.com/office/drawing/2010/main">
+        <mc:Choice Requires="a14">
           <p:sp>
             <p:nvSpPr>
               <p:cNvPr id="7" name="TextBox 6">
@@ -13405,7 +16452,7 @@
             </p:txBody>
           </p:sp>
         </mc:Choice>
-        <mc:Fallback>
+        <mc:Fallback xmlns="">
           <p:sp>
             <p:nvSpPr>
               <p:cNvPr id="7" name="TextBox 6">
@@ -13605,8 +16652,10 @@
                   <a:buNone/>
                 </a:pPr>
                 <a:r>
-                  <a:rPr lang="en-US" sz="1800" dirty="0"/>
-                  <a:t>Like the compression demonstrated in facial reconstruction using Principal Components Analysis (PCA), here we attempt to reduce the reflectance database into a few representative eigenspectra which yields the transformation matrix </a:t>
+                  <a:rPr lang="en-US" sz="1800" dirty="0">
+                    <a:latin typeface="Bahnschrift SemiLight" panose="020B0502040204020203" pitchFamily="34" charset="0"/>
+                  </a:rPr>
+                  <a:t>Like the compression demonstrated in facial reconstruction using Principal Components Analysis (PCA) [2], here we attempt to reduce the reflectance database into a few representative eigenspectra which yields the transformation matrix </a:t>
                 </a:r>
                 <a14:m>
                   <m:oMath xmlns:m="http://schemas.openxmlformats.org/officeDocument/2006/math">
@@ -13631,8 +16680,10 @@
                   </m:oMath>
                 </a14:m>
                 <a:r>
-                  <a:rPr lang="en-US" sz="1800" dirty="0"/>
-                  <a:t>necessary to represent the spectral reflectance using only the input digital color. </a:t>
+                  <a:rPr lang="en-US" sz="1800" dirty="0">
+                    <a:latin typeface="Bahnschrift SemiLight" panose="020B0502040204020203" pitchFamily="34" charset="0"/>
+                  </a:rPr>
+                  <a:t>necessary to represent the spectral reflectance using only the input digital color [1]. </a:t>
                 </a:r>
               </a:p>
               <a:p>
@@ -13640,16 +16691,37 @@
                   <a:buNone/>
                 </a:pPr>
                 <a:r>
-                  <a:rPr lang="en-US" sz="1800" dirty="0"/>
-                  <a:t>To facilitate this process called spectral super-resolution, we use the 1269 Munsell color chips ensemble and then, we attempt to recover the spectra of 24 </a:t>
+                  <a:rPr lang="en-US" sz="1800" dirty="0">
+                    <a:latin typeface="Bahnschrift SemiLight" panose="020B0502040204020203" pitchFamily="34" charset="0"/>
+                  </a:rPr>
+                  <a:t>To facilitate this process called </a:t>
                 </a:r>
                 <a:r>
-                  <a:rPr lang="en-US" sz="1800" dirty="0" err="1"/>
-                  <a:t>Macbetch</a:t>
+                  <a:rPr lang="en-US" sz="1800" dirty="0">
+                    <a:latin typeface="Bahnschrift SemiBold" panose="020B0502040204020203" pitchFamily="34" charset="0"/>
+                  </a:rPr>
+                  <a:t>spectral super-resolution</a:t>
                 </a:r>
                 <a:r>
-                  <a:rPr lang="en-US" sz="1800" dirty="0"/>
-                  <a:t> color patches using the rendered RGB values.</a:t>
+                  <a:rPr lang="en-US" sz="1800" dirty="0">
+                    <a:latin typeface="Bahnschrift SemiLight" panose="020B0502040204020203" pitchFamily="34" charset="0"/>
+                  </a:rPr>
+                  <a:t>, we use the 1269 Munsell color chips ensemble and then, </a:t>
+                </a:r>
+                <a:r>
+                  <a:rPr lang="en-US" sz="1800" dirty="0">
+                    <a:highlight>
+                      <a:srgbClr val="FFEE9E"/>
+                    </a:highlight>
+                    <a:latin typeface="Bahnschrift SemiBold" panose="020B0502040204020203" pitchFamily="34" charset="0"/>
+                  </a:rPr>
+                  <a:t>we attempt to recover the spectra of 24 Macbeth color patches</a:t>
+                </a:r>
+                <a:r>
+                  <a:rPr lang="en-US" sz="1800" dirty="0">
+                    <a:latin typeface="Bahnschrift SemiLight" panose="020B0502040204020203" pitchFamily="34" charset="0"/>
+                  </a:rPr>
+                  <a:t> using the rendered RGB values [3].</a:t>
                 </a:r>
               </a:p>
             </p:txBody>
@@ -13914,7 +16986,9 @@
                   <a:buNone/>
                 </a:pPr>
                 <a:r>
-                  <a:rPr lang="en-US" sz="1800" dirty="0"/>
+                  <a:rPr lang="en-US" sz="1800" dirty="0">
+                    <a:latin typeface="Bahnschrift SemiLight" panose="020B0502040204020203" pitchFamily="34" charset="0"/>
+                  </a:rPr>
                   <a:t>Show below are the illuminants to be tested and the spectral sensitivity to be used in obtaining the transformation matrix </a:t>
                 </a:r>
                 <a14:m>
@@ -13931,42 +17005,166 @@
                   </m:oMath>
                 </a14:m>
                 <a:r>
-                  <a:rPr lang="en-US" sz="1800" dirty="0"/>
+                  <a:rPr lang="en-US" sz="1800" dirty="0">
+                    <a:latin typeface="Bahnschrift SemiLight" panose="020B0502040204020203" pitchFamily="34" charset="0"/>
+                  </a:rPr>
                   <a:t>.</a:t>
                 </a:r>
                 <a:br>
-                  <a:rPr lang="en-US" sz="1800" dirty="0"/>
+                  <a:rPr lang="en-US" sz="1800" dirty="0">
+                    <a:latin typeface="Bahnschrift SemiLight" panose="020B0502040204020203" pitchFamily="34" charset="0"/>
+                  </a:rPr>
                 </a:br>
                 <a:br>
-                  <a:rPr lang="en-US" sz="1800" dirty="0"/>
+                  <a:rPr lang="en-US" sz="1800" dirty="0">
+                    <a:latin typeface="Bahnschrift SemiLight" panose="020B0502040204020203" pitchFamily="34" charset="0"/>
+                  </a:rPr>
                 </a:br>
                 <a:br>
-                  <a:rPr lang="en-US" sz="1800" dirty="0"/>
+                  <a:rPr lang="en-US" sz="1800" dirty="0">
+                    <a:latin typeface="Bahnschrift SemiLight" panose="020B0502040204020203" pitchFamily="34" charset="0"/>
+                  </a:rPr>
                 </a:br>
                 <a:br>
-                  <a:rPr lang="en-US" sz="1800" dirty="0"/>
+                  <a:rPr lang="en-US" sz="1800" dirty="0">
+                    <a:latin typeface="Bahnschrift SemiLight" panose="020B0502040204020203" pitchFamily="34" charset="0"/>
+                  </a:rPr>
                 </a:br>
                 <a:br>
-                  <a:rPr lang="en-US" sz="1800" dirty="0"/>
+                  <a:rPr lang="en-US" sz="1800" dirty="0">
+                    <a:latin typeface="Bahnschrift SemiLight" panose="020B0502040204020203" pitchFamily="34" charset="0"/>
+                  </a:rPr>
                 </a:br>
                 <a:br>
-                  <a:rPr lang="en-US" sz="1800" dirty="0"/>
+                  <a:rPr lang="en-US" sz="1800" dirty="0">
+                    <a:latin typeface="Bahnschrift SemiLight" panose="020B0502040204020203" pitchFamily="34" charset="0"/>
+                  </a:rPr>
                 </a:br>
-                <a:endParaRPr lang="en-US" sz="1800" dirty="0"/>
+                <a:endParaRPr lang="en-US" sz="1800" dirty="0">
+                  <a:latin typeface="Bahnschrift SemiLight" panose="020B0502040204020203" pitchFamily="34" charset="0"/>
+                </a:endParaRPr>
               </a:p>
               <a:p>
                 <a:pPr marL="0" indent="0">
                   <a:buNone/>
                 </a:pPr>
                 <a:br>
-                  <a:rPr lang="en-US" sz="1800" dirty="0"/>
+                  <a:rPr lang="en-US" sz="1800" dirty="0">
+                    <a:latin typeface="Bahnschrift SemiLight" panose="020B0502040204020203" pitchFamily="34" charset="0"/>
+                  </a:rPr>
                 </a:br>
                 <a:br>
-                  <a:rPr lang="en-US" sz="1800" dirty="0"/>
+                  <a:rPr lang="en-US" sz="1800" dirty="0">
+                    <a:latin typeface="Bahnschrift SemiLight" panose="020B0502040204020203" pitchFamily="34" charset="0"/>
+                  </a:rPr>
                 </a:br>
                 <a:r>
-                  <a:rPr lang="en-US" sz="1800" dirty="0"/>
-                  <a:t>To quantify the reconstruction accuracies, we employed Root-Mean-Square-Error (RMSE) and Spectral-Angle-Mapper (SAM) metrics which measures the residual error and structure shape similarity respectively between the actual </a:t>
+                  <a:rPr lang="en-US" sz="1800" dirty="0">
+                    <a:latin typeface="Bahnschrift SemiLight" panose="020B0502040204020203" pitchFamily="34" charset="0"/>
+                  </a:rPr>
+                  <a:t>To quantify the reconstruction accuracies, we employed </a:t>
+                </a:r>
+                <a:r>
+                  <a:rPr lang="en-US" sz="1800" dirty="0">
+                    <a:solidFill>
+                      <a:srgbClr val="D64045"/>
+                    </a:solidFill>
+                    <a:latin typeface="Bahnschrift SemiBold" panose="020B0502040204020203" pitchFamily="34" charset="0"/>
+                  </a:rPr>
+                  <a:t>Root-Mean-Square-Error (RMSE)</a:t>
+                </a:r>
+                <a:r>
+                  <a:rPr lang="en-US" sz="1800" dirty="0">
+                    <a:solidFill>
+                      <a:srgbClr val="D64045"/>
+                    </a:solidFill>
+                    <a:latin typeface="Bahnschrift SemiLight" panose="020B0502040204020203" pitchFamily="34" charset="0"/>
+                  </a:rPr>
+                  <a:t> </a:t>
+                </a:r>
+                <a:r>
+                  <a:rPr lang="en-US" sz="1800" dirty="0">
+                    <a:latin typeface="Bahnschrift SemiLight" panose="020B0502040204020203" pitchFamily="34" charset="0"/>
+                  </a:rPr>
+                  <a:t>and </a:t>
+                </a:r>
+                <a:r>
+                  <a:rPr lang="en-US" sz="1800" dirty="0">
+                    <a:solidFill>
+                      <a:srgbClr val="467599"/>
+                    </a:solidFill>
+                    <a:latin typeface="Bahnschrift SemiBold" panose="020B0502040204020203" pitchFamily="34" charset="0"/>
+                  </a:rPr>
+                  <a:t>Spectral-Angle-Mapper (SAM)</a:t>
+                </a:r>
+                <a:r>
+                  <a:rPr lang="en-US" sz="1800" dirty="0">
+                    <a:latin typeface="Bahnschrift SemiLight" panose="020B0502040204020203" pitchFamily="34" charset="0"/>
+                  </a:rPr>
+                  <a:t> metrics which measures the </a:t>
+                </a:r>
+                <a:r>
+                  <a:rPr lang="en-US" sz="1800" dirty="0">
+                    <a:solidFill>
+                      <a:srgbClr val="D64045"/>
+                    </a:solidFill>
+                    <a:latin typeface="Bahnschrift SemiBold" panose="020B0502040204020203" pitchFamily="34" charset="0"/>
+                  </a:rPr>
+                  <a:t>residual</a:t>
+                </a:r>
+                <a:r>
+                  <a:rPr lang="en-US" sz="1800" dirty="0">
+                    <a:solidFill>
+                      <a:srgbClr val="D64045"/>
+                    </a:solidFill>
+                    <a:latin typeface="Bahnschrift SemiLight" panose="020B0502040204020203" pitchFamily="34" charset="0"/>
+                  </a:rPr>
+                  <a:t> </a:t>
+                </a:r>
+                <a:r>
+                  <a:rPr lang="en-US" sz="1800" dirty="0">
+                    <a:solidFill>
+                      <a:srgbClr val="D64045"/>
+                    </a:solidFill>
+                    <a:latin typeface="Bahnschrift SemiBold" panose="020B0502040204020203" pitchFamily="34" charset="0"/>
+                  </a:rPr>
+                  <a:t>error</a:t>
+                </a:r>
+                <a:r>
+                  <a:rPr lang="en-US" sz="1800" dirty="0">
+                    <a:latin typeface="Bahnschrift SemiLight" panose="020B0502040204020203" pitchFamily="34" charset="0"/>
+                  </a:rPr>
+                  <a:t> and </a:t>
+                </a:r>
+                <a:r>
+                  <a:rPr lang="en-US" sz="1800" dirty="0">
+                    <a:solidFill>
+                      <a:srgbClr val="467599"/>
+                    </a:solidFill>
+                    <a:latin typeface="Bahnschrift SemiBold" panose="020B0502040204020203" pitchFamily="34" charset="0"/>
+                  </a:rPr>
+                  <a:t>structure shape</a:t>
+                </a:r>
+                <a:r>
+                  <a:rPr lang="en-US" sz="1800" dirty="0">
+                    <a:latin typeface="Bahnschrift SemiLight" panose="020B0502040204020203" pitchFamily="34" charset="0"/>
+                  </a:rPr>
+                  <a:t> </a:t>
+                </a:r>
+                <a:r>
+                  <a:rPr lang="en-US" sz="1800" dirty="0">
+                    <a:solidFill>
+                      <a:srgbClr val="467599"/>
+                    </a:solidFill>
+                    <a:latin typeface="Bahnschrift SemiBold" panose="020B0502040204020203" pitchFamily="34" charset="0"/>
+                  </a:rPr>
+                  <a:t>similarity</a:t>
+                </a:r>
+                <a:r>
+                  <a:rPr lang="en-US" sz="1800" dirty="0">
+                    <a:latin typeface="Bahnschrift SemiLight" panose="020B0502040204020203" pitchFamily="34" charset="0"/>
+                  </a:rPr>
+                  <a:t> respectively between the actual </a:t>
                 </a:r>
                 <a14:m>
                   <m:oMath xmlns:m="http://schemas.openxmlformats.org/officeDocument/2006/math">
@@ -14010,7 +17208,9 @@
                   </m:oMath>
                 </a14:m>
                 <a:r>
-                  <a:rPr lang="en-US" sz="1800" dirty="0"/>
+                  <a:rPr lang="en-US" sz="1800" dirty="0">
+                    <a:latin typeface="Bahnschrift SemiLight" panose="020B0502040204020203" pitchFamily="34" charset="0"/>
+                  </a:rPr>
                   <a:t> and reconstructed </a:t>
                 </a:r>
                 <a14:m>
@@ -14030,8 +17230,10 @@
                   </m:oMath>
                 </a14:m>
                 <a:r>
-                  <a:rPr lang="en-US" sz="1800" dirty="0"/>
-                  <a:t>spectra:</a:t>
+                  <a:rPr lang="en-US" sz="1800" dirty="0">
+                    <a:latin typeface="Bahnschrift SemiLight" panose="020B0502040204020203" pitchFamily="34" charset="0"/>
+                  </a:rPr>
+                  <a:t>spectra [4]:</a:t>
                 </a:r>
               </a:p>
               <a:p>
@@ -14039,7 +17241,9 @@
                   <a:buNone/>
                 </a:pPr>
                 <a:r>
-                  <a:rPr lang="en-US" sz="2000" dirty="0"/>
+                  <a:rPr lang="en-US" sz="2000" dirty="0">
+                    <a:latin typeface="Bahnschrift SemiLight" panose="020B0502040204020203" pitchFamily="34" charset="0"/>
+                  </a:rPr>
                   <a:t> </a:t>
                 </a:r>
                 <a14:m>
@@ -14227,7 +17431,9 @@
                   </m:oMath>
                 </a14:m>
                 <a:r>
-                  <a:rPr lang="en-US" sz="1800" dirty="0"/>
+                  <a:rPr lang="en-US" sz="1800" dirty="0">
+                    <a:latin typeface="Bahnschrift SemiLight" panose="020B0502040204020203" pitchFamily="34" charset="0"/>
+                  </a:rPr>
                   <a:t>		</a:t>
                 </a:r>
                 <a14:m>
@@ -14580,37 +17786,49 @@
                     </m:r>
                   </m:oMath>
                 </a14:m>
-                <a:endParaRPr lang="en-US" sz="1800" dirty="0"/>
+                <a:endParaRPr lang="en-US" sz="1800" dirty="0">
+                  <a:latin typeface="Bahnschrift SemiLight" panose="020B0502040204020203" pitchFamily="34" charset="0"/>
+                </a:endParaRPr>
               </a:p>
               <a:p>
                 <a:pPr marL="0" indent="0">
                   <a:buNone/>
                 </a:pPr>
-                <a:endParaRPr lang="en-US" sz="1800" dirty="0"/>
+                <a:endParaRPr lang="en-US" sz="1800" dirty="0">
+                  <a:latin typeface="Bahnschrift SemiLight" panose="020B0502040204020203" pitchFamily="34" charset="0"/>
+                </a:endParaRPr>
               </a:p>
               <a:p>
                 <a:pPr marL="0" indent="0">
                   <a:buNone/>
                 </a:pPr>
-                <a:endParaRPr lang="en-US" sz="1800" dirty="0"/>
+                <a:endParaRPr lang="en-US" sz="1800" dirty="0">
+                  <a:latin typeface="Bahnschrift SemiLight" panose="020B0502040204020203" pitchFamily="34" charset="0"/>
+                </a:endParaRPr>
               </a:p>
               <a:p>
                 <a:pPr marL="0" indent="0">
                   <a:buNone/>
                 </a:pPr>
-                <a:endParaRPr lang="en-US" sz="1800" dirty="0"/>
+                <a:endParaRPr lang="en-US" sz="1800" dirty="0">
+                  <a:latin typeface="Bahnschrift SemiLight" panose="020B0502040204020203" pitchFamily="34" charset="0"/>
+                </a:endParaRPr>
               </a:p>
               <a:p>
                 <a:pPr marL="0" indent="0">
                   <a:buNone/>
                 </a:pPr>
-                <a:endParaRPr lang="en-US" sz="1800" dirty="0"/>
+                <a:endParaRPr lang="en-US" sz="1800" dirty="0">
+                  <a:latin typeface="Bahnschrift SemiLight" panose="020B0502040204020203" pitchFamily="34" charset="0"/>
+                </a:endParaRPr>
               </a:p>
               <a:p>
                 <a:pPr marL="0" indent="0">
                   <a:buNone/>
                 </a:pPr>
-                <a:endParaRPr lang="en-US" sz="1800" dirty="0"/>
+                <a:endParaRPr lang="en-US" sz="1800" dirty="0">
+                  <a:latin typeface="Bahnschrift SemiLight" panose="020B0502040204020203" pitchFamily="34" charset="0"/>
+                </a:endParaRPr>
               </a:p>
             </p:txBody>
           </p:sp>
@@ -14813,15 +18031,34 @@
               <a:buNone/>
             </a:pPr>
             <a:r>
-              <a:rPr lang="en-US" sz="1800" dirty="0"/>
-              <a:t>Taking the cumulative sum of the normalized eigenvalues, we can see that three (3) principal components can represent 95% of the variance in the Munsell reflectance database. Therefore, we expect a spectrum to be reconstructed with great accuracy using only three input values.</a:t>
+              <a:rPr lang="en-US" sz="1800" dirty="0">
+                <a:latin typeface="Bahnschrift SemiLight" panose="020B0502040204020203" pitchFamily="34" charset="0"/>
+              </a:rPr>
+              <a:t>Taking the cumulative sum of the normalized eigenvalues, we can see that </a:t>
+            </a:r>
+            <a:r>
+              <a:rPr lang="en-US" sz="1800" dirty="0">
+                <a:highlight>
+                  <a:srgbClr val="FFEE9E"/>
+                </a:highlight>
+                <a:latin typeface="Bahnschrift SemiBold" panose="020B0502040204020203" pitchFamily="34" charset="0"/>
+              </a:rPr>
+              <a:t>three (3) principal components can represent 95% of the variance</a:t>
+            </a:r>
+            <a:r>
+              <a:rPr lang="en-US" sz="1800" dirty="0">
+                <a:latin typeface="Bahnschrift SemiLight" panose="020B0502040204020203" pitchFamily="34" charset="0"/>
+              </a:rPr>
+              <a:t> in the Munsell reflectance database. Therefore, we expect a spectrum to be properly represented using only three input values.</a:t>
             </a:r>
           </a:p>
           <a:p>
             <a:pPr marL="0" indent="0">
               <a:buNone/>
             </a:pPr>
-            <a:endParaRPr lang="en-US" sz="1800" dirty="0"/>
+            <a:endParaRPr lang="en-US" sz="1800" dirty="0">
+              <a:latin typeface="Bahnschrift SemiLight" panose="020B0502040204020203" pitchFamily="34" charset="0"/>
+            </a:endParaRPr>
           </a:p>
         </p:txBody>
       </p:sp>
@@ -15059,8 +18296,121 @@
               <a:buNone/>
             </a:pPr>
             <a:r>
-              <a:rPr lang="en-US" sz="1800" dirty="0"/>
-              <a:t>Shown below is the sample reconstruction of a random Munsell reflectance spectrum using increasing number of principal components. At N = 3, the residual error of the reconstruction was reduced by almost ten-folds and the shape similarity has improved by seven-folds. At N = 6 onwards, the reconstruction is almost perfect with imperceivable errors.</a:t>
+              <a:rPr lang="en-US" sz="1800" dirty="0">
+                <a:latin typeface="Bahnschrift SemiLight" panose="020B0502040204020203" pitchFamily="34" charset="0"/>
+              </a:rPr>
+              <a:t>Shown below is the sample reconstruction of a random Munsell reflectance spectrum using increasing number of principal components. At </a:t>
+            </a:r>
+            <a:r>
+              <a:rPr lang="en-US" sz="1800" dirty="0">
+                <a:latin typeface="Bahnschrift SemiBold" panose="020B0502040204020203" pitchFamily="34" charset="0"/>
+              </a:rPr>
+              <a:t>N = 3, the </a:t>
+            </a:r>
+            <a:r>
+              <a:rPr lang="en-US" sz="1800" dirty="0">
+                <a:solidFill>
+                  <a:srgbClr val="D64045"/>
+                </a:solidFill>
+                <a:latin typeface="Bahnschrift SemiBold" panose="020B0502040204020203" pitchFamily="34" charset="0"/>
+              </a:rPr>
+              <a:t>residual</a:t>
+            </a:r>
+            <a:r>
+              <a:rPr lang="en-US" sz="1800" dirty="0">
+                <a:latin typeface="Bahnschrift SemiBold" panose="020B0502040204020203" pitchFamily="34" charset="0"/>
+              </a:rPr>
+              <a:t> </a:t>
+            </a:r>
+            <a:r>
+              <a:rPr lang="en-US" sz="1800" dirty="0">
+                <a:solidFill>
+                  <a:srgbClr val="D64045"/>
+                </a:solidFill>
+                <a:latin typeface="Bahnschrift SemiBold" panose="020B0502040204020203" pitchFamily="34" charset="0"/>
+              </a:rPr>
+              <a:t>error</a:t>
+            </a:r>
+            <a:r>
+              <a:rPr lang="en-US" sz="1800" dirty="0">
+                <a:latin typeface="Bahnschrift SemiBold" panose="020B0502040204020203" pitchFamily="34" charset="0"/>
+              </a:rPr>
+              <a:t> of the reconstruction was reduced by </a:t>
+            </a:r>
+            <a:r>
+              <a:rPr lang="en-US" sz="1800" dirty="0">
+                <a:solidFill>
+                  <a:srgbClr val="D64045"/>
+                </a:solidFill>
+                <a:latin typeface="Bahnschrift SemiBold" panose="020B0502040204020203" pitchFamily="34" charset="0"/>
+              </a:rPr>
+              <a:t>almost</a:t>
+            </a:r>
+            <a:r>
+              <a:rPr lang="en-US" sz="1800" dirty="0">
+                <a:latin typeface="Bahnschrift SemiBold" panose="020B0502040204020203" pitchFamily="34" charset="0"/>
+              </a:rPr>
+              <a:t> </a:t>
+            </a:r>
+            <a:r>
+              <a:rPr lang="en-US" sz="1800" dirty="0">
+                <a:solidFill>
+                  <a:srgbClr val="D64045"/>
+                </a:solidFill>
+                <a:latin typeface="Bahnschrift SemiBold" panose="020B0502040204020203" pitchFamily="34" charset="0"/>
+              </a:rPr>
+              <a:t>ten-folds</a:t>
+            </a:r>
+            <a:r>
+              <a:rPr lang="en-US" sz="1800" dirty="0">
+                <a:latin typeface="Bahnschrift SemiBold" panose="020B0502040204020203" pitchFamily="34" charset="0"/>
+              </a:rPr>
+              <a:t> and the </a:t>
+            </a:r>
+            <a:r>
+              <a:rPr lang="en-US" sz="1800" dirty="0">
+                <a:solidFill>
+                  <a:srgbClr val="467599"/>
+                </a:solidFill>
+                <a:latin typeface="Bahnschrift SemiBold" panose="020B0502040204020203" pitchFamily="34" charset="0"/>
+              </a:rPr>
+              <a:t>shape</a:t>
+            </a:r>
+            <a:r>
+              <a:rPr lang="en-US" sz="1800" dirty="0">
+                <a:latin typeface="Bahnschrift SemiBold" panose="020B0502040204020203" pitchFamily="34" charset="0"/>
+              </a:rPr>
+              <a:t> </a:t>
+            </a:r>
+            <a:r>
+              <a:rPr lang="en-US" sz="1800" dirty="0">
+                <a:solidFill>
+                  <a:srgbClr val="467599"/>
+                </a:solidFill>
+                <a:latin typeface="Bahnschrift SemiBold" panose="020B0502040204020203" pitchFamily="34" charset="0"/>
+              </a:rPr>
+              <a:t>similarity</a:t>
+            </a:r>
+            <a:r>
+              <a:rPr lang="en-US" sz="1800" dirty="0">
+                <a:latin typeface="Bahnschrift SemiBold" panose="020B0502040204020203" pitchFamily="34" charset="0"/>
+              </a:rPr>
+              <a:t> has improved by </a:t>
+            </a:r>
+            <a:r>
+              <a:rPr lang="en-US" sz="1800" dirty="0">
+                <a:solidFill>
+                  <a:srgbClr val="467599"/>
+                </a:solidFill>
+                <a:latin typeface="Bahnschrift SemiBold" panose="020B0502040204020203" pitchFamily="34" charset="0"/>
+              </a:rPr>
+              <a:t>seven-folds</a:t>
+            </a:r>
+            <a:r>
+              <a:rPr lang="en-US" sz="1800" dirty="0">
+                <a:latin typeface="Bahnschrift SemiLight" panose="020B0502040204020203" pitchFamily="34" charset="0"/>
+              </a:rPr>
+              <a:t>. At N = 6 onwards, the reconstruction is almost perfect with imperceivable errors.</a:t>
             </a:r>
           </a:p>
         </p:txBody>
@@ -15123,8 +18473,8 @@
         </p:blipFill>
         <p:spPr bwMode="auto">
           <a:xfrm>
-            <a:off x="914400" y="2484006"/>
-            <a:ext cx="7315200" cy="3937000"/>
+            <a:off x="1371600" y="2732088"/>
+            <a:ext cx="6400800" cy="3444875"/>
           </a:xfrm>
           <a:prstGeom prst="rect">
             <a:avLst/>
@@ -15255,46 +18605,108 @@
               <a:buNone/>
             </a:pPr>
             <a:r>
-              <a:rPr lang="en-US" sz="1800" dirty="0"/>
-              <a:t>Shown below are the accuracies for the reconstruction of the 24 reflectance spectra from the Macbeth color chart. At N = 3, majority of the patches have RMSE &lt; 0.1 and SAM &lt; 0.2, low enough even though these were not part of the PCA ensemble where eigenvectors were obtained.</a:t>
+              <a:rPr lang="en-US" sz="1800" dirty="0">
+                <a:latin typeface="Bahnschrift SemiLight" panose="020B0502040204020203" pitchFamily="34" charset="0"/>
+              </a:rPr>
+              <a:t>Shown below are the accuracies for the reconstruction of the 24 reflectance spectra from the Macbeth color chart. At </a:t>
+            </a:r>
+            <a:r>
+              <a:rPr lang="en-US" sz="1800" dirty="0">
+                <a:latin typeface="Bahnschrift SemiBold" panose="020B0502040204020203" pitchFamily="34" charset="0"/>
+              </a:rPr>
+              <a:t>N = 3</a:t>
+            </a:r>
+            <a:r>
+              <a:rPr lang="en-US" sz="1800" dirty="0">
+                <a:latin typeface="Bahnschrift SemiLight" panose="020B0502040204020203" pitchFamily="34" charset="0"/>
+              </a:rPr>
+              <a:t>, majority of the patches have </a:t>
+            </a:r>
+            <a:r>
+              <a:rPr lang="en-US" sz="1800" dirty="0">
+                <a:solidFill>
+                  <a:srgbClr val="D64045"/>
+                </a:solidFill>
+                <a:latin typeface="Bahnschrift SemiBold" panose="020B0502040204020203" pitchFamily="34" charset="0"/>
+              </a:rPr>
+              <a:t>RMSE &lt; 0.1</a:t>
+            </a:r>
+            <a:r>
+              <a:rPr lang="en-US" sz="1800" dirty="0">
+                <a:latin typeface="Bahnschrift SemiBold" panose="020B0502040204020203" pitchFamily="34" charset="0"/>
+              </a:rPr>
+              <a:t> </a:t>
+            </a:r>
+            <a:r>
+              <a:rPr lang="en-US" sz="1800" dirty="0">
+                <a:latin typeface="Bahnschrift SemiLight" panose="020B0502040204020203" pitchFamily="34" charset="0"/>
+              </a:rPr>
+              <a:t>and </a:t>
+            </a:r>
+            <a:r>
+              <a:rPr lang="en-US" sz="1800" dirty="0">
+                <a:solidFill>
+                  <a:srgbClr val="467599"/>
+                </a:solidFill>
+                <a:latin typeface="Bahnschrift SemiBold" panose="020B0502040204020203" pitchFamily="34" charset="0"/>
+              </a:rPr>
+              <a:t>SAM &lt; 0.2</a:t>
+            </a:r>
+            <a:r>
+              <a:rPr lang="en-US" sz="1800" dirty="0">
+                <a:latin typeface="Bahnschrift SemiLight" panose="020B0502040204020203" pitchFamily="34" charset="0"/>
+              </a:rPr>
+              <a:t>, quite low even though these were not part of the PCA ensemble where eigenvectors were obtained.</a:t>
             </a:r>
           </a:p>
           <a:p>
             <a:pPr marL="0" indent="457200">
               <a:buNone/>
             </a:pPr>
-            <a:endParaRPr lang="en-US" sz="1800" dirty="0"/>
+            <a:endParaRPr lang="en-US" sz="1800" dirty="0">
+              <a:latin typeface="Bahnschrift SemiLight" panose="020B0502040204020203" pitchFamily="34" charset="0"/>
+            </a:endParaRPr>
           </a:p>
           <a:p>
             <a:pPr marL="0" indent="457200">
               <a:buNone/>
             </a:pPr>
-            <a:endParaRPr lang="en-US" sz="1800" dirty="0"/>
+            <a:endParaRPr lang="en-US" sz="1800" dirty="0">
+              <a:latin typeface="Bahnschrift SemiLight" panose="020B0502040204020203" pitchFamily="34" charset="0"/>
+            </a:endParaRPr>
           </a:p>
           <a:p>
             <a:pPr marL="0" indent="457200">
               <a:buNone/>
             </a:pPr>
-            <a:endParaRPr lang="en-US" sz="1800" dirty="0"/>
+            <a:endParaRPr lang="en-US" sz="1800" dirty="0">
+              <a:latin typeface="Bahnschrift SemiLight" panose="020B0502040204020203" pitchFamily="34" charset="0"/>
+            </a:endParaRPr>
           </a:p>
           <a:p>
             <a:pPr marL="0" indent="457200">
               <a:buNone/>
             </a:pPr>
-            <a:endParaRPr lang="en-US" sz="1800" dirty="0"/>
+            <a:endParaRPr lang="en-US" sz="1800" dirty="0">
+              <a:latin typeface="Bahnschrift SemiLight" panose="020B0502040204020203" pitchFamily="34" charset="0"/>
+            </a:endParaRPr>
           </a:p>
           <a:p>
             <a:pPr marL="0" indent="457200">
               <a:buNone/>
             </a:pPr>
-            <a:endParaRPr lang="en-US" sz="1800" dirty="0"/>
+            <a:endParaRPr lang="en-US" sz="1800" dirty="0">
+              <a:latin typeface="Bahnschrift SemiLight" panose="020B0502040204020203" pitchFamily="34" charset="0"/>
+            </a:endParaRPr>
           </a:p>
           <a:p>
             <a:pPr marL="0" indent="457200">
               <a:buNone/>
             </a:pPr>
             <a:r>
-              <a:rPr lang="en-US" sz="1800" dirty="0"/>
+              <a:rPr lang="en-US" sz="1800" dirty="0">
+                <a:latin typeface="Bahnschrift SemiLight" panose="020B0502040204020203" pitchFamily="34" charset="0"/>
+              </a:rPr>
               <a:t>Aside from spectral accuracy, we employed </a:t>
             </a:r>
             <a:r>
@@ -15302,6 +18714,7 @@
                 <a:solidFill>
                   <a:srgbClr val="202124"/>
                 </a:solidFill>
+                <a:latin typeface="Bahnschrift SemiBold" panose="020B0502040204020203" pitchFamily="34" charset="0"/>
               </a:rPr>
               <a:t>c</a:t>
             </a:r>
@@ -15311,6 +18724,7 @@
                   <a:srgbClr val="202124"/>
                 </a:solidFill>
                 <a:effectLst/>
+                <a:latin typeface="Bahnschrift SemiBold" panose="020B0502040204020203" pitchFamily="34" charset="0"/>
               </a:rPr>
               <a:t>olor difference </a:t>
             </a:r>
@@ -15320,6 +18734,7 @@
                   <a:srgbClr val="202124"/>
                 </a:solidFill>
                 <a:effectLst/>
+                <a:latin typeface="Bahnschrift SemiBold" panose="020B0502040204020203" pitchFamily="34" charset="0"/>
               </a:rPr>
               <a:t>Δ</a:t>
             </a:r>
@@ -15329,6 +18744,7 @@
                   <a:srgbClr val="202124"/>
                 </a:solidFill>
                 <a:effectLst/>
+                <a:latin typeface="Bahnschrift SemiBold" panose="020B0502040204020203" pitchFamily="34" charset="0"/>
               </a:rPr>
               <a:t>E</a:t>
             </a:r>
@@ -15338,6 +18754,7 @@
                   <a:srgbClr val="202124"/>
                 </a:solidFill>
                 <a:effectLst/>
+                <a:latin typeface="Bahnschrift SemiBold" panose="020B0502040204020203" pitchFamily="34" charset="0"/>
               </a:rPr>
               <a:t>76</a:t>
             </a:r>
@@ -15347,8 +18764,19 @@
                   <a:srgbClr val="202124"/>
                 </a:solidFill>
                 <a:effectLst/>
+                <a:latin typeface="Bahnschrift SemiBold" panose="020B0502040204020203" pitchFamily="34" charset="0"/>
               </a:rPr>
-              <a:t> which measures the Euclidean distance between the two spectra transformed in the CIELAB uniform color space. In short, </a:t>
+              <a:t> </a:t>
+            </a:r>
+            <a:r>
+              <a:rPr lang="en-US" sz="1800" b="0" i="0" dirty="0">
+                <a:solidFill>
+                  <a:srgbClr val="202124"/>
+                </a:solidFill>
+                <a:effectLst/>
+                <a:latin typeface="Bahnschrift SemiLight" panose="020B0502040204020203" pitchFamily="34" charset="0"/>
+              </a:rPr>
+              <a:t>which measures the Euclidean distance between the two spectra transformed in the CIELAB uniform color space [5]. In short, </a:t>
             </a:r>
             <a:r>
               <a:rPr lang="el-GR" sz="1800" b="0" i="0" dirty="0">
@@ -15356,6 +18784,7 @@
                   <a:srgbClr val="202124"/>
                 </a:solidFill>
                 <a:effectLst/>
+                <a:latin typeface="Bahnschrift SemiBold" panose="020B0502040204020203" pitchFamily="34" charset="0"/>
               </a:rPr>
               <a:t>Δ</a:t>
             </a:r>
@@ -15365,6 +18794,7 @@
                   <a:srgbClr val="202124"/>
                 </a:solidFill>
                 <a:effectLst/>
+                <a:latin typeface="Bahnschrift SemiBold" panose="020B0502040204020203" pitchFamily="34" charset="0"/>
               </a:rPr>
               <a:t>E</a:t>
             </a:r>
@@ -15374,6 +18804,7 @@
                   <a:srgbClr val="202124"/>
                 </a:solidFill>
                 <a:effectLst/>
+                <a:latin typeface="Bahnschrift SemiBold" panose="020B0502040204020203" pitchFamily="34" charset="0"/>
               </a:rPr>
               <a:t>76</a:t>
             </a:r>
@@ -15383,16 +18814,9 @@
                   <a:srgbClr val="202124"/>
                 </a:solidFill>
                 <a:effectLst/>
+                <a:latin typeface="Bahnschrift SemiBold" panose="020B0502040204020203" pitchFamily="34" charset="0"/>
               </a:rPr>
-              <a:t> quantifies how perceptually different the actual Macbeth color signals are from the PCA reconstructed spectra. </a:t>
-            </a:r>
-            <a:r>
-              <a:rPr lang="en-US" sz="1800" dirty="0">
-                <a:solidFill>
-                  <a:srgbClr val="202124"/>
-                </a:solidFill>
-              </a:rPr>
-              <a:t>From here onwards</a:t>
+              <a:t> quantifies how perceptually different the actual Macbeth color signals are from the PCA reconstructed spectra</a:t>
             </a:r>
             <a:r>
               <a:rPr lang="en-US" sz="1800" b="0" i="0" dirty="0">
@@ -15400,10 +18824,32 @@
                   <a:srgbClr val="202124"/>
                 </a:solidFill>
                 <a:effectLst/>
+                <a:latin typeface="Bahnschrift SemiLight" panose="020B0502040204020203" pitchFamily="34" charset="0"/>
+              </a:rPr>
+              <a:t>. </a:t>
+            </a:r>
+            <a:r>
+              <a:rPr lang="en-US" sz="1800" dirty="0">
+                <a:solidFill>
+                  <a:srgbClr val="202124"/>
+                </a:solidFill>
+                <a:latin typeface="Bahnschrift SemiLight" panose="020B0502040204020203" pitchFamily="34" charset="0"/>
+              </a:rPr>
+              <a:t>From here onwards</a:t>
+            </a:r>
+            <a:r>
+              <a:rPr lang="en-US" sz="1800" b="0" i="0" dirty="0">
+                <a:solidFill>
+                  <a:srgbClr val="202124"/>
+                </a:solidFill>
+                <a:effectLst/>
+                <a:latin typeface="Bahnschrift SemiLight" panose="020B0502040204020203" pitchFamily="34" charset="0"/>
               </a:rPr>
               <a:t>, we use (N = 3) three principal components.</a:t>
             </a:r>
-            <a:endParaRPr lang="en-US" sz="1800" dirty="0"/>
+            <a:endParaRPr lang="en-US" sz="1800" dirty="0">
+              <a:latin typeface="Bahnschrift SemiLight" panose="020B0502040204020203" pitchFamily="34" charset="0"/>
+            </a:endParaRPr>
           </a:p>
         </p:txBody>
       </p:sp>

--- a/04 RGB-to-Spectra using PCA/Activity 4 - RGB-Spectra using PCA.pptx
+++ b/04 RGB-to-Spectra using PCA/Activity 4 - RGB-Spectra using PCA.pptx
@@ -2794,7 +2794,7 @@
           <a:p>
             <a:fld id="{5C1B11F4-4A81-4A1F-8746-8659FC968F94}" type="datetimeFigureOut">
               <a:rPr lang="en-US" smtClean="0"/>
-              <a:t>6/6/2022</a:t>
+              <a:t>6/7/2022</a:t>
             </a:fld>
             <a:endParaRPr lang="en-US"/>
           </a:p>
@@ -5750,7 +5750,7 @@
         <p:fade/>
       </p:transition>
     </mc:Choice>
-    <mc:Fallback xmlns="" xmlns:mv="urn:schemas-microsoft-com:mac:vml" xmlns:c="http://schemas.openxmlformats.org/drawingml/2006/chart" xmlns:dgm="http://schemas.openxmlformats.org/drawingml/2006/diagram" xmlns:o="urn:schemas-microsoft-com:office:office" xmlns:v="urn:schemas-microsoft-com:vml" xmlns:pvml="urn:schemas-microsoft-com:office:powerpoint" xmlns:com="http://schemas.openxmlformats.org/drawingml/2006/compatibility" xmlns:p15="http://schemas.microsoft.com/office/powerpoint/2012/main" xmlns:ahyp="http://schemas.microsoft.com/office/drawing/2018/hyperlinkcolor">
+    <mc:Fallback xmlns:ahyp="http://schemas.microsoft.com/office/drawing/2018/hyperlinkcolor" xmlns:p15="http://schemas.microsoft.com/office/powerpoint/2012/main" xmlns:com="http://schemas.openxmlformats.org/drawingml/2006/compatibility" xmlns:pvml="urn:schemas-microsoft-com:office:powerpoint" xmlns:v="urn:schemas-microsoft-com:vml" xmlns:o="urn:schemas-microsoft-com:office:office" xmlns:dgm="http://schemas.openxmlformats.org/drawingml/2006/diagram" xmlns:c="http://schemas.openxmlformats.org/drawingml/2006/chart" xmlns:mv="urn:schemas-microsoft-com:mac:vml" xmlns="">
       <p:transition>
         <p:fade/>
       </p:transition>
@@ -6012,7 +6012,7 @@
               </a:buClr>
               <a:buSzPts val="1800"/>
               <a:buNone/>
-              <a:defRPr sz="6000" b="1">
+              <a:defRPr sz="6000" b="1" spc="-300">
                 <a:ln w="0">
                   <a:noFill/>
                 </a:ln>
@@ -6024,7 +6024,7 @@
                     <a:srgbClr val="D64045"/>
                   </a:outerShdw>
                 </a:effectLst>
-                <a:latin typeface="Bahnschrift Condensed" panose="020B0502040204020203" pitchFamily="34" charset="0"/>
+                <a:latin typeface="Bahnschrift SemiBold" panose="020B0502040204020203" pitchFamily="34" charset="0"/>
                 <a:cs typeface="Helvetica" panose="020B0604020202020204" pitchFamily="34" charset="0"/>
               </a:defRPr>
             </a:lvl1pPr>
@@ -6278,9 +6278,9 @@
         <p:grpSpPr>
           <a:xfrm>
             <a:off x="457200" y="2078912"/>
-            <a:ext cx="5773918" cy="1143536"/>
+            <a:ext cx="6480928" cy="1143536"/>
             <a:chOff x="457200" y="3429000"/>
-            <a:chExt cx="5773918" cy="1143536"/>
+            <a:chExt cx="6480928" cy="1143536"/>
           </a:xfrm>
         </p:grpSpPr>
         <p:sp>
@@ -6300,7 +6300,7 @@
           <p:spPr>
             <a:xfrm>
               <a:off x="457200" y="3791354"/>
-              <a:ext cx="5773918" cy="619827"/>
+              <a:ext cx="6480928" cy="619827"/>
             </a:xfrm>
             <a:prstGeom prst="rect">
               <a:avLst/>
@@ -6572,7 +6572,9 @@
             <a:p>
               <a:pPr algn="l"/>
               <a:r>
-                <a:rPr lang="en-US" dirty="0"/>
+                <a:rPr lang="en-US" spc="-300" dirty="0">
+                  <a:latin typeface="Bahnschrift SemiBold" panose="020B0502040204020203" pitchFamily="34" charset="0"/>
+                </a:rPr>
                 <a:t>		 key take-aways</a:t>
               </a:r>
             </a:p>
@@ -7057,7 +7059,7 @@
         <p:fade/>
       </p:transition>
     </mc:Choice>
-    <mc:Fallback xmlns:ahyp="http://schemas.microsoft.com/office/drawing/2018/hyperlinkcolor" xmlns:p15="http://schemas.microsoft.com/office/powerpoint/2012/main" xmlns:com="http://schemas.openxmlformats.org/drawingml/2006/compatibility" xmlns:pvml="urn:schemas-microsoft-com:office:powerpoint" xmlns:v="urn:schemas-microsoft-com:vml" xmlns:o="urn:schemas-microsoft-com:office:office" xmlns:dgm="http://schemas.openxmlformats.org/drawingml/2006/diagram" xmlns:c="http://schemas.openxmlformats.org/drawingml/2006/chart" xmlns:mv="urn:schemas-microsoft-com:mac:vml" xmlns="">
+    <mc:Fallback xmlns="" xmlns:mv="urn:schemas-microsoft-com:mac:vml" xmlns:c="http://schemas.openxmlformats.org/drawingml/2006/chart" xmlns:dgm="http://schemas.openxmlformats.org/drawingml/2006/diagram" xmlns:o="urn:schemas-microsoft-com:office:office" xmlns:v="urn:schemas-microsoft-com:vml" xmlns:pvml="urn:schemas-microsoft-com:office:powerpoint" xmlns:com="http://schemas.openxmlformats.org/drawingml/2006/compatibility" xmlns:p15="http://schemas.microsoft.com/office/powerpoint/2012/main" xmlns:ahyp="http://schemas.microsoft.com/office/drawing/2018/hyperlinkcolor">
       <p:transition>
         <p:fade/>
       </p:transition>
@@ -7319,7 +7321,7 @@
               </a:buClr>
               <a:buSzPts val="1800"/>
               <a:buNone/>
-              <a:defRPr sz="6000" b="1">
+              <a:defRPr sz="6000" b="1" spc="-300">
                 <a:ln w="0">
                   <a:noFill/>
                 </a:ln>
@@ -7331,7 +7333,7 @@
                     <a:srgbClr val="D64045"/>
                   </a:outerShdw>
                 </a:effectLst>
-                <a:latin typeface="Bahnschrift Condensed" panose="020B0502040204020203" pitchFamily="34" charset="0"/>
+                <a:latin typeface="Bahnschrift SemiBold" panose="020B0502040204020203" pitchFamily="34" charset="0"/>
                 <a:cs typeface="Helvetica" panose="020B0604020202020204" pitchFamily="34" charset="0"/>
               </a:defRPr>
             </a:lvl1pPr>
@@ -8064,7 +8066,9 @@
             <a:p>
               <a:pPr algn="l"/>
               <a:r>
-                <a:rPr lang="en-US" dirty="0"/>
+                <a:rPr lang="en-US" spc="-300" dirty="0">
+                  <a:latin typeface="Bahnschrift SemiBold" panose="020B0502040204020203" pitchFamily="34" charset="0"/>
+                </a:rPr>
                 <a:t>		 references</a:t>
               </a:r>
             </a:p>
@@ -8131,7 +8135,7 @@
         <p:fade/>
       </p:transition>
     </mc:Choice>
-    <mc:Fallback xmlns:ahyp="http://schemas.microsoft.com/office/drawing/2018/hyperlinkcolor" xmlns:p15="http://schemas.microsoft.com/office/powerpoint/2012/main" xmlns:com="http://schemas.openxmlformats.org/drawingml/2006/compatibility" xmlns:pvml="urn:schemas-microsoft-com:office:powerpoint" xmlns:v="urn:schemas-microsoft-com:vml" xmlns:o="urn:schemas-microsoft-com:office:office" xmlns:dgm="http://schemas.openxmlformats.org/drawingml/2006/diagram" xmlns:c="http://schemas.openxmlformats.org/drawingml/2006/chart" xmlns:mv="urn:schemas-microsoft-com:mac:vml" xmlns="">
+    <mc:Fallback xmlns="" xmlns:mv="urn:schemas-microsoft-com:mac:vml" xmlns:c="http://schemas.openxmlformats.org/drawingml/2006/chart" xmlns:dgm="http://schemas.openxmlformats.org/drawingml/2006/diagram" xmlns:o="urn:schemas-microsoft-com:office:office" xmlns:v="urn:schemas-microsoft-com:vml" xmlns:pvml="urn:schemas-microsoft-com:office:powerpoint" xmlns:com="http://schemas.openxmlformats.org/drawingml/2006/compatibility" xmlns:p15="http://schemas.microsoft.com/office/powerpoint/2012/main" xmlns:ahyp="http://schemas.microsoft.com/office/drawing/2018/hyperlinkcolor">
       <p:transition>
         <p:fade/>
       </p:transition>
@@ -9600,7 +9604,7 @@
           <a:spcPct val="0"/>
         </a:spcBef>
         <a:buNone/>
-        <a:defRPr sz="6000" kern="1200">
+        <a:defRPr sz="6000" kern="1200" spc="-300">
           <a:solidFill>
             <a:srgbClr val="D64045"/>
           </a:solidFill>
@@ -9609,7 +9613,7 @@
               <a:srgbClr val="467599"/>
             </a:outerShdw>
           </a:effectLst>
-          <a:latin typeface="Bahnschrift SemiBold Condensed" panose="020B0502040204020203" pitchFamily="34" charset="0"/>
+          <a:latin typeface="Bahnschrift SemiBold" panose="020B0502040204020203" pitchFamily="34" charset="0"/>
           <a:ea typeface="+mj-ea"/>
           <a:cs typeface="+mj-cs"/>
         </a:defRPr>
@@ -11398,7 +11402,7 @@
         <p:fade/>
       </p:transition>
     </mc:Choice>
-    <mc:Fallback xmlns:ahyp="http://schemas.microsoft.com/office/drawing/2018/hyperlinkcolor" xmlns:p15="http://schemas.microsoft.com/office/powerpoint/2012/main" xmlns:com="http://schemas.openxmlformats.org/drawingml/2006/compatibility" xmlns:pvml="urn:schemas-microsoft-com:office:powerpoint" xmlns:v="urn:schemas-microsoft-com:vml" xmlns:o="urn:schemas-microsoft-com:office:office" xmlns:dgm="http://schemas.openxmlformats.org/drawingml/2006/diagram" xmlns:c="http://schemas.openxmlformats.org/drawingml/2006/chart" xmlns:mv="urn:schemas-microsoft-com:mac:vml" xmlns="">
+    <mc:Fallback xmlns="" xmlns:mv="urn:schemas-microsoft-com:mac:vml" xmlns:c="http://schemas.openxmlformats.org/drawingml/2006/chart" xmlns:dgm="http://schemas.openxmlformats.org/drawingml/2006/diagram" xmlns:o="urn:schemas-microsoft-com:office:office" xmlns:v="urn:schemas-microsoft-com:vml" xmlns:pvml="urn:schemas-microsoft-com:office:powerpoint" xmlns:com="http://schemas.openxmlformats.org/drawingml/2006/compatibility" xmlns:p15="http://schemas.microsoft.com/office/powerpoint/2012/main" xmlns:ahyp="http://schemas.microsoft.com/office/drawing/2018/hyperlinkcolor">
       <p:transition>
         <p:fade/>
       </p:transition>
@@ -11727,7 +11731,7 @@
         <p:fade/>
       </p:transition>
     </mc:Choice>
-    <mc:Fallback xmlns="" xmlns:mv="urn:schemas-microsoft-com:mac:vml" xmlns:c="http://schemas.openxmlformats.org/drawingml/2006/chart" xmlns:dgm="http://schemas.openxmlformats.org/drawingml/2006/diagram" xmlns:o="urn:schemas-microsoft-com:office:office" xmlns:v="urn:schemas-microsoft-com:vml" xmlns:pvml="urn:schemas-microsoft-com:office:powerpoint" xmlns:com="http://schemas.openxmlformats.org/drawingml/2006/compatibility" xmlns:p15="http://schemas.microsoft.com/office/powerpoint/2012/main" xmlns:ahyp="http://schemas.microsoft.com/office/drawing/2018/hyperlinkcolor">
+    <mc:Fallback xmlns:ahyp="http://schemas.microsoft.com/office/drawing/2018/hyperlinkcolor" xmlns:p15="http://schemas.microsoft.com/office/powerpoint/2012/main" xmlns:com="http://schemas.openxmlformats.org/drawingml/2006/compatibility" xmlns:pvml="urn:schemas-microsoft-com:office:powerpoint" xmlns:v="urn:schemas-microsoft-com:vml" xmlns:o="urn:schemas-microsoft-com:office:office" xmlns:dgm="http://schemas.openxmlformats.org/drawingml/2006/diagram" xmlns:c="http://schemas.openxmlformats.org/drawingml/2006/chart" xmlns:mv="urn:schemas-microsoft-com:mac:vml" xmlns="">
       <p:transition>
         <p:fade/>
       </p:transition>
@@ -11753,6 +11757,36 @@
           <a:chExt cx="0" cy="0"/>
         </a:xfrm>
       </p:grpSpPr>
+      <p:pic>
+        <p:nvPicPr>
+          <p:cNvPr id="19" name="Picture 18">
+            <a:extLst>
+              <a:ext uri="{FF2B5EF4-FFF2-40B4-BE49-F238E27FC236}">
+                <a16:creationId xmlns:a16="http://schemas.microsoft.com/office/drawing/2014/main" id="{EFF3AC74-8095-DA9B-524D-0F11CA80604E}"/>
+              </a:ext>
+            </a:extLst>
+          </p:cNvPr>
+          <p:cNvPicPr>
+            <a:picLocks noChangeAspect="1"/>
+          </p:cNvPicPr>
+          <p:nvPr/>
+        </p:nvPicPr>
+        <p:blipFill>
+          <a:blip r:embed="rId2"/>
+          <a:stretch>
+            <a:fillRect/>
+          </a:stretch>
+        </p:blipFill>
+        <p:spPr>
+          <a:xfrm>
+            <a:off x="628649" y="-129308"/>
+            <a:ext cx="5667550" cy="2950536"/>
+          </a:xfrm>
+          <a:prstGeom prst="rect">
+            <a:avLst/>
+          </a:prstGeom>
+        </p:spPr>
+      </p:pic>
       <p:sp>
         <p:nvSpPr>
           <p:cNvPr id="4" name="Footer Placeholder 3">
@@ -11810,8 +11844,8 @@
           </a:p>
         </p:txBody>
       </p:sp>
-      <mc:AlternateContent xmlns:mc="http://schemas.openxmlformats.org/markup-compatibility/2006">
-        <mc:Choice xmlns:a14="http://schemas.microsoft.com/office/drawing/2010/main" Requires="a14">
+      <mc:AlternateContent xmlns:mc="http://schemas.openxmlformats.org/markup-compatibility/2006" xmlns:a14="http://schemas.microsoft.com/office/drawing/2010/main">
+        <mc:Choice Requires="a14">
           <p:sp>
             <p:nvSpPr>
               <p:cNvPr id="3" name="Content Placeholder 2">
@@ -12596,7 +12630,7 @@
             </p:txBody>
           </p:sp>
         </mc:Choice>
-        <mc:Fallback>
+        <mc:Fallback xmlns="">
           <p:sp>
             <p:nvSpPr>
               <p:cNvPr id="3" name="Content Placeholder 2">
@@ -12619,7 +12653,7 @@
                 <a:ext cx="7972425" cy="5045747"/>
               </a:xfrm>
               <a:blipFill>
-                <a:blip r:embed="rId2"/>
+                <a:blip r:embed="rId3"/>
                 <a:stretch>
                   <a:fillRect l="-765" r="-1453" b="-9915"/>
                 </a:stretch>
@@ -12669,36 +12703,6 @@
           </a:p>
         </p:txBody>
       </p:sp>
-      <p:pic>
-        <p:nvPicPr>
-          <p:cNvPr id="19" name="Picture 18">
-            <a:extLst>
-              <a:ext uri="{FF2B5EF4-FFF2-40B4-BE49-F238E27FC236}">
-                <a16:creationId xmlns:a16="http://schemas.microsoft.com/office/drawing/2014/main" id="{EFF3AC74-8095-DA9B-524D-0F11CA80604E}"/>
-              </a:ext>
-            </a:extLst>
-          </p:cNvPr>
-          <p:cNvPicPr>
-            <a:picLocks noChangeAspect="1"/>
-          </p:cNvPicPr>
-          <p:nvPr/>
-        </p:nvPicPr>
-        <p:blipFill>
-          <a:blip r:embed="rId3"/>
-          <a:stretch>
-            <a:fillRect/>
-          </a:stretch>
-        </p:blipFill>
-        <p:spPr>
-          <a:xfrm>
-            <a:off x="628649" y="-129308"/>
-            <a:ext cx="5667550" cy="2950536"/>
-          </a:xfrm>
-          <a:prstGeom prst="rect">
-            <a:avLst/>
-          </a:prstGeom>
-        </p:spPr>
-      </p:pic>
     </p:spTree>
     <p:extLst>
       <p:ext uri="{BB962C8B-B14F-4D97-AF65-F5344CB8AC3E}">
@@ -12729,8 +12733,8 @@
           <a:chExt cx="0" cy="0"/>
         </a:xfrm>
       </p:grpSpPr>
-      <mc:AlternateContent xmlns:mc="http://schemas.openxmlformats.org/markup-compatibility/2006">
-        <mc:Choice xmlns:a14="http://schemas.microsoft.com/office/drawing/2010/main" Requires="a14">
+      <mc:AlternateContent xmlns:mc="http://schemas.openxmlformats.org/markup-compatibility/2006" xmlns:a14="http://schemas.microsoft.com/office/drawing/2010/main">
+        <mc:Choice Requires="a14">
           <p:sp>
             <p:nvSpPr>
               <p:cNvPr id="3" name="Content Placeholder 2">
@@ -14495,7 +14499,7 @@
             </p:txBody>
           </p:sp>
         </mc:Choice>
-        <mc:Fallback>
+        <mc:Fallback xmlns="">
           <p:sp>
             <p:nvSpPr>
               <p:cNvPr id="3" name="Content Placeholder 2">
@@ -16623,8 +16627,8 @@
           </a:p>
         </p:txBody>
       </p:sp>
-      <mc:AlternateContent xmlns:mc="http://schemas.openxmlformats.org/markup-compatibility/2006">
-        <mc:Choice xmlns:a14="http://schemas.microsoft.com/office/drawing/2010/main" Requires="a14">
+      <mc:AlternateContent xmlns:mc="http://schemas.openxmlformats.org/markup-compatibility/2006" xmlns:a14="http://schemas.microsoft.com/office/drawing/2010/main">
+        <mc:Choice Requires="a14">
           <p:sp>
             <p:nvSpPr>
               <p:cNvPr id="4" name="Content Placeholder 3">
@@ -16727,7 +16731,7 @@
             </p:txBody>
           </p:sp>
         </mc:Choice>
-        <mc:Fallback>
+        <mc:Fallback xmlns="">
           <p:sp>
             <p:nvSpPr>
               <p:cNvPr id="4" name="Content Placeholder 3">
@@ -16959,8 +16963,8 @@
           </a:p>
         </p:txBody>
       </p:sp>
-      <mc:AlternateContent xmlns:mc="http://schemas.openxmlformats.org/markup-compatibility/2006">
-        <mc:Choice xmlns:a14="http://schemas.microsoft.com/office/drawing/2010/main" Requires="a14">
+      <mc:AlternateContent xmlns:mc="http://schemas.openxmlformats.org/markup-compatibility/2006" xmlns:a14="http://schemas.microsoft.com/office/drawing/2010/main">
+        <mc:Choice Requires="a14">
           <p:sp>
             <p:nvSpPr>
               <p:cNvPr id="6" name="Content Placeholder 5">
@@ -17833,7 +17837,7 @@
             </p:txBody>
           </p:sp>
         </mc:Choice>
-        <mc:Fallback>
+        <mc:Fallback xmlns="">
           <p:sp>
             <p:nvSpPr>
               <p:cNvPr id="6" name="Content Placeholder 5">
@@ -18573,7 +18577,7 @@
           <a:p>
             <a:r>
               <a:rPr lang="en-US" dirty="0"/>
-              <a:t>Reconstructing Macbeth CC</a:t>
+              <a:t>Reconstructing Macbeth </a:t>
             </a:r>
           </a:p>
         </p:txBody>

--- a/04 RGB-to-Spectra using PCA/Activity 4 - RGB-Spectra using PCA.pptx
+++ b/04 RGB-to-Spectra using PCA/Activity 4 - RGB-Spectra using PCA.pptx
@@ -3209,7 +3209,11 @@
                 <a:solidFill>
                   <a:srgbClr val="D64045"/>
                 </a:solidFill>
-                <a:effectLst/>
+                <a:effectLst>
+                  <a:outerShdw dist="38100" dir="9600000" algn="r" rotWithShape="0">
+                    <a:prstClr val="black"/>
+                  </a:outerShdw>
+                </a:effectLst>
                 <a:latin typeface="Bahnschrift Condensed" panose="020B0502040204020203" pitchFamily="34" charset="0"/>
                 <a:ea typeface="Verdana" panose="020B0604030504040204" pitchFamily="34" charset="0"/>
                 <a:cs typeface="Helvetica" panose="020B0604020202020204" pitchFamily="34" charset="0"/>
@@ -3220,7 +3224,11 @@
               <a:solidFill>
                 <a:srgbClr val="D64045"/>
               </a:solidFill>
-              <a:effectLst/>
+              <a:effectLst>
+                <a:outerShdw dist="38100" dir="9600000" algn="r" rotWithShape="0">
+                  <a:prstClr val="black"/>
+                </a:outerShdw>
+              </a:effectLst>
               <a:latin typeface="Bahnschrift Condensed" panose="020B0502040204020203" pitchFamily="34" charset="0"/>
               <a:ea typeface="Verdana" panose="020B0604030504040204" pitchFamily="34" charset="0"/>
               <a:cs typeface="Helvetica" panose="020B0604020202020204" pitchFamily="34" charset="0"/>
@@ -3477,7 +3485,11 @@
                 <a:solidFill>
                   <a:srgbClr val="467599"/>
                 </a:solidFill>
-                <a:effectLst/>
+                <a:effectLst>
+                  <a:outerShdw dist="38100" dir="9600000" algn="r" rotWithShape="0">
+                    <a:prstClr val="black"/>
+                  </a:outerShdw>
+                </a:effectLst>
                 <a:latin typeface="Bahnschrift Condensed" panose="020B0502040204020203" pitchFamily="34" charset="0"/>
                 <a:ea typeface="Verdana" panose="020B0604030504040204" pitchFamily="34" charset="0"/>
                 <a:cs typeface="Helvetica" panose="020B0604020202020204" pitchFamily="34" charset="0"/>
@@ -3488,7 +3500,11 @@
               <a:solidFill>
                 <a:srgbClr val="467599"/>
               </a:solidFill>
-              <a:effectLst/>
+              <a:effectLst>
+                <a:outerShdw dist="38100" dir="9600000" algn="r" rotWithShape="0">
+                  <a:prstClr val="black"/>
+                </a:outerShdw>
+              </a:effectLst>
               <a:latin typeface="Bahnschrift Condensed" panose="020B0502040204020203" pitchFamily="34" charset="0"/>
               <a:ea typeface="Verdana" panose="020B0604030504040204" pitchFamily="34" charset="0"/>
               <a:cs typeface="Helvetica" panose="020B0604020202020204" pitchFamily="34" charset="0"/>
@@ -11176,7 +11192,7 @@
                 </a:highlight>
                 <a:latin typeface="Bahnschrift SemiBold" panose="020B0502040204020203" pitchFamily="34" charset="0"/>
               </a:rPr>
-              <a:t>96/100.</a:t>
+              <a:t>100/100.</a:t>
             </a:r>
             <a:endParaRPr lang="en-US" sz="1400" dirty="0">
               <a:highlight>
